--- a/Corona/Presentation1.pptx
+++ b/Corona/Presentation1.pptx
@@ -5,7 +5,7 @@
     <p:sldMasterId id="2147483648" r:id="rId1"/>
   </p:sldMasterIdLst>
   <p:notesMasterIdLst>
-    <p:notesMasterId r:id="rId10"/>
+    <p:notesMasterId r:id="rId15"/>
   </p:notesMasterIdLst>
   <p:sldIdLst>
     <p:sldId id="256" r:id="rId2"/>
@@ -16,6 +16,11 @@
     <p:sldId id="262" r:id="rId7"/>
     <p:sldId id="261" r:id="rId8"/>
     <p:sldId id="263" r:id="rId9"/>
+    <p:sldId id="265" r:id="rId10"/>
+    <p:sldId id="266" r:id="rId11"/>
+    <p:sldId id="267" r:id="rId12"/>
+    <p:sldId id="268" r:id="rId13"/>
+    <p:sldId id="269" r:id="rId14"/>
   </p:sldIdLst>
   <p:sldSz cx="12192000" cy="6858000"/>
   <p:notesSz cx="6858000" cy="9144000"/>
@@ -6152,7 +6157,7 @@
         </p:nvSpPr>
         <p:spPr>
           <a:xfrm>
-            <a:off x="1214717" y="210207"/>
+            <a:off x="1214716" y="447893"/>
             <a:ext cx="8351636" cy="1646302"/>
           </a:xfrm>
         </p:spPr>
@@ -6166,7 +6171,11 @@
             </a:r>
             <a:r>
               <a:rPr lang="vi-VN" dirty="0" smtClean="0"/>
-              <a:t>hiểu nền tảng </a:t>
+              <a:t>hiểu cơ bản về </a:t>
+            </a:r>
+            <a:r>
+              <a:rPr lang="vi-VN" dirty="0" smtClean="0"/>
+              <a:t>nền tảng </a:t>
             </a:r>
             <a:r>
               <a:rPr lang="vi-VN" dirty="0" err="1" smtClean="0"/>
@@ -6192,7 +6201,7 @@
         </p:nvSpPr>
         <p:spPr>
           <a:xfrm>
-            <a:off x="1799417" y="1856509"/>
+            <a:off x="1799416" y="2295671"/>
             <a:ext cx="7766936" cy="1096899"/>
           </a:xfrm>
         </p:spPr>
@@ -6380,6 +6389,738 @@
 </p:sld>
 </file>
 
+<file path=ppt/slides/slide10.xml><?xml version="1.0" encoding="utf-8"?>
+<p:sld xmlns:a="http://schemas.openxmlformats.org/drawingml/2006/main" xmlns:r="http://schemas.openxmlformats.org/officeDocument/2006/relationships" xmlns:p="http://schemas.openxmlformats.org/presentationml/2006/main">
+  <p:cSld>
+    <p:spTree>
+      <p:nvGrpSpPr>
+        <p:cNvPr id="1" name=""/>
+        <p:cNvGrpSpPr/>
+        <p:nvPr/>
+      </p:nvGrpSpPr>
+      <p:grpSpPr>
+        <a:xfrm>
+          <a:off x="0" y="0"/>
+          <a:ext cx="0" cy="0"/>
+          <a:chOff x="0" y="0"/>
+          <a:chExt cx="0" cy="0"/>
+        </a:xfrm>
+      </p:grpSpPr>
+      <p:sp>
+        <p:nvSpPr>
+          <p:cNvPr id="2" name="Title 1"/>
+          <p:cNvSpPr>
+            <a:spLocks noGrp="1"/>
+          </p:cNvSpPr>
+          <p:nvPr>
+            <p:ph type="title"/>
+          </p:nvPr>
+        </p:nvSpPr>
+        <p:spPr/>
+        <p:txBody>
+          <a:bodyPr>
+            <a:normAutofit fontScale="90000"/>
+          </a:bodyPr>
+          <a:lstStyle/>
+          <a:p>
+            <a:r>
+              <a:rPr lang="en-US" b="1" dirty="0"/>
+              <a:t>Content </a:t>
+            </a:r>
+            <a:r>
+              <a:rPr lang="en-US" b="1" dirty="0" smtClean="0"/>
+              <a:t>Scaling</a:t>
+            </a:r>
+            <a:r>
+              <a:rPr lang="vi-VN" dirty="0" smtClean="0"/>
+              <a:t/>
+            </a:r>
+            <a:br>
+              <a:rPr lang="vi-VN" dirty="0" smtClean="0"/>
+            </a:br>
+            <a:r>
+              <a:rPr lang="vi-VN" dirty="0" smtClean="0"/>
+              <a:t>(kéo dãn nội dung)</a:t>
+            </a:r>
+            <a:r>
+              <a:rPr lang="en-US" dirty="0"/>
+              <a:t/>
+            </a:r>
+            <a:br>
+              <a:rPr lang="en-US" dirty="0"/>
+            </a:br>
+            <a:endParaRPr lang="en-US" dirty="0"/>
+          </a:p>
+        </p:txBody>
+      </p:sp>
+      <p:sp>
+        <p:nvSpPr>
+          <p:cNvPr id="3" name="Content Placeholder 2"/>
+          <p:cNvSpPr>
+            <a:spLocks noGrp="1"/>
+          </p:cNvSpPr>
+          <p:nvPr>
+            <p:ph idx="1"/>
+          </p:nvPr>
+        </p:nvSpPr>
+        <p:spPr/>
+        <p:txBody>
+          <a:bodyPr/>
+          <a:lstStyle/>
+          <a:p>
+            <a:r>
+              <a:rPr lang="vi-VN" dirty="0" err="1" smtClean="0"/>
+              <a:t>Corona</a:t>
+            </a:r>
+            <a:r>
+              <a:rPr lang="vi-VN" dirty="0" smtClean="0"/>
+              <a:t> cung cấp tính năng kéo dãn nội dung để phù hợp với kích thước màn hình.</a:t>
+            </a:r>
+          </a:p>
+          <a:p>
+            <a:r>
+              <a:rPr lang="vi-VN" dirty="0" smtClean="0"/>
+              <a:t>Để sự dụng chức năng này ta cần khai báo 3 thuộc tính </a:t>
+            </a:r>
+            <a:r>
+              <a:rPr lang="vi-VN" b="1" dirty="0" err="1" smtClean="0"/>
+              <a:t>width</a:t>
+            </a:r>
+            <a:r>
+              <a:rPr lang="vi-VN" dirty="0"/>
+              <a:t>,</a:t>
+            </a:r>
+            <a:r>
+              <a:rPr lang="vi-VN" dirty="0" smtClean="0"/>
+              <a:t> </a:t>
+            </a:r>
+            <a:r>
+              <a:rPr lang="vi-VN" b="1" dirty="0" err="1" smtClean="0"/>
+              <a:t>height</a:t>
+            </a:r>
+            <a:r>
+              <a:rPr lang="vi-VN" b="1" dirty="0" smtClean="0"/>
+              <a:t> </a:t>
+            </a:r>
+            <a:r>
+              <a:rPr lang="vi-VN" dirty="0" smtClean="0"/>
+              <a:t>và </a:t>
+            </a:r>
+            <a:r>
+              <a:rPr lang="vi-VN" b="1" dirty="0" err="1" smtClean="0"/>
+              <a:t>scale</a:t>
+            </a:r>
+            <a:r>
+              <a:rPr lang="vi-VN" dirty="0" smtClean="0"/>
+              <a:t> trong cấu hình.</a:t>
+            </a:r>
+          </a:p>
+          <a:p>
+            <a:r>
+              <a:rPr lang="vi-VN" b="1" dirty="0" err="1" smtClean="0"/>
+              <a:t>width</a:t>
+            </a:r>
+            <a:r>
+              <a:rPr lang="vi-VN" b="1" dirty="0"/>
+              <a:t> </a:t>
+            </a:r>
+            <a:r>
+              <a:rPr lang="vi-VN" b="1" dirty="0" smtClean="0"/>
+              <a:t>| </a:t>
+            </a:r>
+            <a:r>
+              <a:rPr lang="vi-VN" b="1" dirty="0" err="1" smtClean="0"/>
+              <a:t>height</a:t>
+            </a:r>
+            <a:r>
+              <a:rPr lang="vi-VN" b="1" dirty="0" smtClean="0"/>
+              <a:t> </a:t>
+            </a:r>
+            <a:r>
+              <a:rPr lang="vi-VN" dirty="0" smtClean="0"/>
+              <a:t>dùng để đặt kích thước mặc định cho màn hình.</a:t>
+            </a:r>
+          </a:p>
+          <a:p>
+            <a:r>
+              <a:rPr lang="vi-VN" b="1" dirty="0" err="1" smtClean="0"/>
+              <a:t>scale</a:t>
+            </a:r>
+            <a:r>
+              <a:rPr lang="vi-VN" dirty="0"/>
+              <a:t> </a:t>
+            </a:r>
+            <a:r>
+              <a:rPr lang="vi-VN" dirty="0" smtClean="0"/>
+              <a:t>để chọn cách kéo dãn.</a:t>
+            </a:r>
+          </a:p>
+          <a:p>
+            <a:r>
+              <a:rPr lang="vi-VN" b="1" dirty="0" err="1" smtClean="0"/>
+              <a:t>scale</a:t>
+            </a:r>
+            <a:r>
+              <a:rPr lang="vi-VN" dirty="0"/>
+              <a:t> </a:t>
+            </a:r>
+            <a:r>
+              <a:rPr lang="vi-VN" dirty="0" smtClean="0"/>
+              <a:t>gồm 2 giá trị </a:t>
+            </a:r>
+            <a:r>
+              <a:rPr lang="en-US" b="1" dirty="0" smtClean="0"/>
+              <a:t>letterbox</a:t>
+            </a:r>
+            <a:r>
+              <a:rPr lang="vi-VN" dirty="0" smtClean="0"/>
+              <a:t> hoặc </a:t>
+            </a:r>
+            <a:r>
+              <a:rPr lang="vi-VN" b="1" dirty="0" err="1" smtClean="0"/>
+              <a:t>zoomEven</a:t>
+            </a:r>
+            <a:r>
+              <a:rPr lang="vi-VN" b="1" dirty="0" smtClean="0"/>
+              <a:t>.</a:t>
+            </a:r>
+            <a:endParaRPr lang="en-US" b="1" dirty="0"/>
+          </a:p>
+        </p:txBody>
+      </p:sp>
+      <p:pic>
+        <p:nvPicPr>
+          <p:cNvPr id="5" name="Picture 4"/>
+          <p:cNvPicPr>
+            <a:picLocks noChangeAspect="1"/>
+          </p:cNvPicPr>
+          <p:nvPr/>
+        </p:nvPicPr>
+        <p:blipFill>
+          <a:blip r:embed="rId2"/>
+          <a:stretch>
+            <a:fillRect/>
+          </a:stretch>
+        </p:blipFill>
+        <p:spPr>
+          <a:xfrm>
+            <a:off x="6120078" y="3813284"/>
+            <a:ext cx="3532297" cy="2719202"/>
+          </a:xfrm>
+          <a:prstGeom prst="rect">
+            <a:avLst/>
+          </a:prstGeom>
+        </p:spPr>
+      </p:pic>
+    </p:spTree>
+    <p:extLst>
+      <p:ext uri="{BB962C8B-B14F-4D97-AF65-F5344CB8AC3E}">
+        <p14:creationId xmlns:p14="http://schemas.microsoft.com/office/powerpoint/2010/main" val="3323637298"/>
+      </p:ext>
+    </p:extLst>
+  </p:cSld>
+  <p:clrMapOvr>
+    <a:masterClrMapping/>
+  </p:clrMapOvr>
+  <p:timing>
+    <p:tnLst>
+      <p:par>
+        <p:cTn id="1" dur="indefinite" restart="never" nodeType="tmRoot"/>
+      </p:par>
+    </p:tnLst>
+  </p:timing>
+</p:sld>
+</file>
+
+<file path=ppt/slides/slide11.xml><?xml version="1.0" encoding="utf-8"?>
+<p:sld xmlns:a="http://schemas.openxmlformats.org/drawingml/2006/main" xmlns:r="http://schemas.openxmlformats.org/officeDocument/2006/relationships" xmlns:p="http://schemas.openxmlformats.org/presentationml/2006/main">
+  <p:cSld>
+    <p:spTree>
+      <p:nvGrpSpPr>
+        <p:cNvPr id="1" name=""/>
+        <p:cNvGrpSpPr/>
+        <p:nvPr/>
+      </p:nvGrpSpPr>
+      <p:grpSpPr>
+        <a:xfrm>
+          <a:off x="0" y="0"/>
+          <a:ext cx="0" cy="0"/>
+          <a:chOff x="0" y="0"/>
+          <a:chExt cx="0" cy="0"/>
+        </a:xfrm>
+      </p:grpSpPr>
+      <p:sp>
+        <p:nvSpPr>
+          <p:cNvPr id="7" name="Title 6"/>
+          <p:cNvSpPr>
+            <a:spLocks noGrp="1"/>
+          </p:cNvSpPr>
+          <p:nvPr>
+            <p:ph type="title"/>
+          </p:nvPr>
+        </p:nvSpPr>
+        <p:spPr/>
+        <p:txBody>
+          <a:bodyPr/>
+          <a:lstStyle/>
+          <a:p>
+            <a:r>
+              <a:rPr lang="vi-VN" dirty="0" err="1" smtClean="0"/>
+              <a:t>letterBox</a:t>
+            </a:r>
+            <a:r>
+              <a:rPr lang="vi-VN" dirty="0" smtClean="0"/>
+              <a:t> </a:t>
+            </a:r>
+            <a:r>
+              <a:rPr lang="vi-VN" dirty="0" err="1" smtClean="0"/>
+              <a:t>vs</a:t>
+            </a:r>
+            <a:r>
+              <a:rPr lang="vi-VN" dirty="0" smtClean="0"/>
+              <a:t> </a:t>
+            </a:r>
+            <a:r>
+              <a:rPr lang="vi-VN" dirty="0" err="1" smtClean="0"/>
+              <a:t>zoomEven</a:t>
+            </a:r>
+            <a:endParaRPr lang="en-US" dirty="0"/>
+          </a:p>
+        </p:txBody>
+      </p:sp>
+      <p:sp>
+        <p:nvSpPr>
+          <p:cNvPr id="11" name="Text Placeholder 10"/>
+          <p:cNvSpPr>
+            <a:spLocks noGrp="1"/>
+          </p:cNvSpPr>
+          <p:nvPr>
+            <p:ph type="body" idx="1"/>
+          </p:nvPr>
+        </p:nvSpPr>
+        <p:spPr/>
+        <p:txBody>
+          <a:bodyPr/>
+          <a:lstStyle/>
+          <a:p>
+            <a:r>
+              <a:rPr lang="vi-VN" dirty="0" err="1" smtClean="0"/>
+              <a:t>letterBox</a:t>
+            </a:r>
+            <a:endParaRPr lang="en-US" dirty="0"/>
+          </a:p>
+        </p:txBody>
+      </p:sp>
+      <p:sp>
+        <p:nvSpPr>
+          <p:cNvPr id="13" name="Text Placeholder 12"/>
+          <p:cNvSpPr>
+            <a:spLocks noGrp="1"/>
+          </p:cNvSpPr>
+          <p:nvPr>
+            <p:ph type="body" sz="quarter" idx="3"/>
+          </p:nvPr>
+        </p:nvSpPr>
+        <p:spPr/>
+        <p:txBody>
+          <a:bodyPr/>
+          <a:lstStyle/>
+          <a:p>
+            <a:r>
+              <a:rPr lang="vi-VN" dirty="0" err="1" smtClean="0"/>
+              <a:t>zoomEven</a:t>
+            </a:r>
+            <a:endParaRPr lang="en-US" dirty="0"/>
+          </a:p>
+        </p:txBody>
+      </p:sp>
+      <p:pic>
+        <p:nvPicPr>
+          <p:cNvPr id="1030" name="Picture 6" descr="https://docs.coronalabs.com/images/simulator/content-letterbox.png"/>
+          <p:cNvPicPr>
+            <a:picLocks noGrp="1" noChangeAspect="1" noChangeArrowheads="1"/>
+          </p:cNvPicPr>
+          <p:nvPr>
+            <p:ph sz="half" idx="2"/>
+          </p:nvPr>
+        </p:nvPicPr>
+        <p:blipFill>
+          <a:blip r:embed="rId2">
+            <a:extLst>
+              <a:ext uri="{28A0092B-C50C-407E-A947-70E740481C1C}">
+                <a14:useLocalDpi xmlns:a14="http://schemas.microsoft.com/office/drawing/2010/main" val="0"/>
+              </a:ext>
+            </a:extLst>
+          </a:blip>
+          <a:srcRect/>
+          <a:stretch>
+            <a:fillRect/>
+          </a:stretch>
+        </p:blipFill>
+        <p:spPr bwMode="auto">
+          <a:xfrm>
+            <a:off x="676275" y="2994554"/>
+            <a:ext cx="4184650" cy="2789766"/>
+          </a:xfrm>
+          <a:prstGeom prst="rect">
+            <a:avLst/>
+          </a:prstGeom>
+          <a:noFill/>
+          <a:extLst>
+            <a:ext uri="{909E8E84-426E-40DD-AFC4-6F175D3DCCD1}">
+              <a14:hiddenFill xmlns:a14="http://schemas.microsoft.com/office/drawing/2010/main">
+                <a:solidFill>
+                  <a:srgbClr val="FFFFFF"/>
+                </a:solidFill>
+              </a14:hiddenFill>
+            </a:ext>
+          </a:extLst>
+        </p:spPr>
+      </p:pic>
+      <p:pic>
+        <p:nvPicPr>
+          <p:cNvPr id="1032" name="Picture 8" descr="https://docs.coronalabs.com/images/simulator/content-zoomeven.png"/>
+          <p:cNvPicPr>
+            <a:picLocks noGrp="1" noChangeAspect="1" noChangeArrowheads="1"/>
+          </p:cNvPicPr>
+          <p:nvPr>
+            <p:ph sz="quarter" idx="4"/>
+          </p:nvPr>
+        </p:nvPicPr>
+        <p:blipFill>
+          <a:blip r:embed="rId3">
+            <a:extLst>
+              <a:ext uri="{28A0092B-C50C-407E-A947-70E740481C1C}">
+                <a14:useLocalDpi xmlns:a14="http://schemas.microsoft.com/office/drawing/2010/main" val="0"/>
+              </a:ext>
+            </a:extLst>
+          </a:blip>
+          <a:srcRect/>
+          <a:stretch>
+            <a:fillRect/>
+          </a:stretch>
+        </p:blipFill>
+        <p:spPr bwMode="auto">
+          <a:xfrm>
+            <a:off x="5087938" y="2994025"/>
+            <a:ext cx="4186237" cy="2790824"/>
+          </a:xfrm>
+          <a:prstGeom prst="rect">
+            <a:avLst/>
+          </a:prstGeom>
+          <a:noFill/>
+          <a:extLst>
+            <a:ext uri="{909E8E84-426E-40DD-AFC4-6F175D3DCCD1}">
+              <a14:hiddenFill xmlns:a14="http://schemas.microsoft.com/office/drawing/2010/main">
+                <a:solidFill>
+                  <a:srgbClr val="FFFFFF"/>
+                </a:solidFill>
+              </a14:hiddenFill>
+            </a:ext>
+          </a:extLst>
+        </p:spPr>
+      </p:pic>
+    </p:spTree>
+    <p:extLst>
+      <p:ext uri="{BB962C8B-B14F-4D97-AF65-F5344CB8AC3E}">
+        <p14:creationId xmlns:p14="http://schemas.microsoft.com/office/powerpoint/2010/main" val="2707407086"/>
+      </p:ext>
+    </p:extLst>
+  </p:cSld>
+  <p:clrMapOvr>
+    <a:masterClrMapping/>
+  </p:clrMapOvr>
+  <p:timing>
+    <p:tnLst>
+      <p:par>
+        <p:cTn id="1" dur="indefinite" restart="never" nodeType="tmRoot"/>
+      </p:par>
+    </p:tnLst>
+  </p:timing>
+</p:sld>
+</file>
+
+<file path=ppt/slides/slide12.xml><?xml version="1.0" encoding="utf-8"?>
+<p:sld xmlns:a="http://schemas.openxmlformats.org/drawingml/2006/main" xmlns:r="http://schemas.openxmlformats.org/officeDocument/2006/relationships" xmlns:p="http://schemas.openxmlformats.org/presentationml/2006/main">
+  <p:cSld>
+    <p:spTree>
+      <p:nvGrpSpPr>
+        <p:cNvPr id="1" name=""/>
+        <p:cNvGrpSpPr/>
+        <p:nvPr/>
+      </p:nvGrpSpPr>
+      <p:grpSpPr>
+        <a:xfrm>
+          <a:off x="0" y="0"/>
+          <a:ext cx="0" cy="0"/>
+          <a:chOff x="0" y="0"/>
+          <a:chExt cx="0" cy="0"/>
+        </a:xfrm>
+      </p:grpSpPr>
+      <p:sp>
+        <p:nvSpPr>
+          <p:cNvPr id="2" name="Title 1"/>
+          <p:cNvSpPr>
+            <a:spLocks noGrp="1"/>
+          </p:cNvSpPr>
+          <p:nvPr>
+            <p:ph type="title"/>
+          </p:nvPr>
+        </p:nvSpPr>
+        <p:spPr/>
+        <p:txBody>
+          <a:bodyPr/>
+          <a:lstStyle/>
+          <a:p>
+            <a:r>
+              <a:rPr lang="en-US" b="1" dirty="0"/>
+              <a:t>Dynamic Image </a:t>
+            </a:r>
+            <a:r>
+              <a:rPr lang="en-US" b="1" dirty="0" smtClean="0"/>
+              <a:t>Selection</a:t>
+            </a:r>
+            <a:endParaRPr lang="en-US" dirty="0"/>
+          </a:p>
+        </p:txBody>
+      </p:sp>
+      <p:sp>
+        <p:nvSpPr>
+          <p:cNvPr id="11" name="Content Placeholder 10"/>
+          <p:cNvSpPr>
+            <a:spLocks noGrp="1"/>
+          </p:cNvSpPr>
+          <p:nvPr>
+            <p:ph idx="1"/>
+          </p:nvPr>
+        </p:nvSpPr>
+        <p:spPr>
+          <a:xfrm>
+            <a:off x="677334" y="1677114"/>
+            <a:ext cx="8596668" cy="3880773"/>
+          </a:xfrm>
+        </p:spPr>
+        <p:txBody>
+          <a:bodyPr/>
+          <a:lstStyle/>
+          <a:p>
+            <a:r>
+              <a:rPr lang="vi-VN" dirty="0" smtClean="0"/>
+              <a:t>Để dùng chức năng này ta thêm thược tính </a:t>
+            </a:r>
+            <a:r>
+              <a:rPr lang="vi-VN" b="1" dirty="0" err="1" smtClean="0"/>
+              <a:t>imageSuffix</a:t>
+            </a:r>
+            <a:r>
+              <a:rPr lang="vi-VN" dirty="0" smtClean="0"/>
+              <a:t> vào cấu hình.</a:t>
+            </a:r>
+          </a:p>
+          <a:p>
+            <a:r>
+              <a:rPr lang="vi-VN" dirty="0" smtClean="0"/>
+              <a:t>Tham số đầu tiên là danh sách các hậu tố.</a:t>
+            </a:r>
+          </a:p>
+          <a:p>
+            <a:r>
+              <a:rPr lang="vi-VN" dirty="0" smtClean="0"/>
+              <a:t>Tham số thứ 2 là ngưỡng để </a:t>
+            </a:r>
+            <a:r>
+              <a:rPr lang="vi-VN" dirty="0" err="1" smtClean="0"/>
+              <a:t>corona</a:t>
+            </a:r>
+            <a:r>
+              <a:rPr lang="vi-VN" dirty="0" smtClean="0"/>
+              <a:t> bắt đầu lựa chọn hình này.</a:t>
+            </a:r>
+          </a:p>
+          <a:p>
+            <a:r>
+              <a:rPr lang="vi-VN" dirty="0" err="1" smtClean="0"/>
+              <a:t>Vd</a:t>
+            </a:r>
+            <a:r>
+              <a:rPr lang="vi-VN" dirty="0" smtClean="0"/>
+              <a:t>: </a:t>
+            </a:r>
+            <a:r>
+              <a:rPr lang="en-US" dirty="0" smtClean="0">
+                <a:hlinkClick r:id="rId2"/>
+              </a:rPr>
+              <a:t>myImage@2x.png</a:t>
+            </a:r>
+            <a:r>
+              <a:rPr lang="vi-VN" dirty="0" smtClean="0"/>
+              <a:t> sẽ được dùng khi kích thước thực lớn hơn 2 lần.</a:t>
+            </a:r>
+            <a:endParaRPr lang="en-US" dirty="0"/>
+          </a:p>
+        </p:txBody>
+      </p:sp>
+      <p:pic>
+        <p:nvPicPr>
+          <p:cNvPr id="12" name="Picture 11"/>
+          <p:cNvPicPr>
+            <a:picLocks noChangeAspect="1"/>
+          </p:cNvPicPr>
+          <p:nvPr/>
+        </p:nvPicPr>
+        <p:blipFill>
+          <a:blip r:embed="rId3"/>
+          <a:stretch>
+            <a:fillRect/>
+          </a:stretch>
+        </p:blipFill>
+        <p:spPr>
+          <a:xfrm>
+            <a:off x="2652882" y="3470355"/>
+            <a:ext cx="4030596" cy="2559973"/>
+          </a:xfrm>
+          <a:prstGeom prst="rect">
+            <a:avLst/>
+          </a:prstGeom>
+        </p:spPr>
+      </p:pic>
+    </p:spTree>
+    <p:extLst>
+      <p:ext uri="{BB962C8B-B14F-4D97-AF65-F5344CB8AC3E}">
+        <p14:creationId xmlns:p14="http://schemas.microsoft.com/office/powerpoint/2010/main" val="1220080135"/>
+      </p:ext>
+    </p:extLst>
+  </p:cSld>
+  <p:clrMapOvr>
+    <a:masterClrMapping/>
+  </p:clrMapOvr>
+</p:sld>
+</file>
+
+<file path=ppt/slides/slide13.xml><?xml version="1.0" encoding="utf-8"?>
+<p:sld xmlns:a="http://schemas.openxmlformats.org/drawingml/2006/main" xmlns:r="http://schemas.openxmlformats.org/officeDocument/2006/relationships" xmlns:p="http://schemas.openxmlformats.org/presentationml/2006/main">
+  <p:cSld>
+    <p:spTree>
+      <p:nvGrpSpPr>
+        <p:cNvPr id="1" name=""/>
+        <p:cNvGrpSpPr/>
+        <p:nvPr/>
+      </p:nvGrpSpPr>
+      <p:grpSpPr>
+        <a:xfrm>
+          <a:off x="0" y="0"/>
+          <a:ext cx="0" cy="0"/>
+          <a:chOff x="0" y="0"/>
+          <a:chExt cx="0" cy="0"/>
+        </a:xfrm>
+      </p:grpSpPr>
+      <p:sp>
+        <p:nvSpPr>
+          <p:cNvPr id="2" name="Title 1"/>
+          <p:cNvSpPr>
+            <a:spLocks noGrp="1"/>
+          </p:cNvSpPr>
+          <p:nvPr>
+            <p:ph type="title"/>
+          </p:nvPr>
+        </p:nvSpPr>
+        <p:spPr/>
+        <p:txBody>
+          <a:bodyPr/>
+          <a:lstStyle/>
+          <a:p>
+            <a:r>
+              <a:rPr lang="vi-VN" dirty="0" smtClean="0"/>
+              <a:t>Tốc độ khung hình.</a:t>
+            </a:r>
+            <a:endParaRPr lang="en-US" dirty="0"/>
+          </a:p>
+        </p:txBody>
+      </p:sp>
+      <p:sp>
+        <p:nvSpPr>
+          <p:cNvPr id="3" name="Content Placeholder 2"/>
+          <p:cNvSpPr>
+            <a:spLocks noGrp="1"/>
+          </p:cNvSpPr>
+          <p:nvPr>
+            <p:ph idx="1"/>
+          </p:nvPr>
+        </p:nvSpPr>
+        <p:spPr/>
+        <p:txBody>
+          <a:bodyPr/>
+          <a:lstStyle/>
+          <a:p>
+            <a:r>
+              <a:rPr lang="vi-VN" dirty="0" smtClean="0"/>
+              <a:t>Cài đặt tốc độ khung hình cho </a:t>
+            </a:r>
+            <a:r>
+              <a:rPr lang="vi-VN" dirty="0" err="1" smtClean="0"/>
+              <a:t>corona</a:t>
+            </a:r>
+            <a:r>
+              <a:rPr lang="vi-VN" dirty="0" smtClean="0"/>
+              <a:t> bằng thuộc tính </a:t>
+            </a:r>
+            <a:r>
+              <a:rPr lang="vi-VN" b="1" dirty="0" err="1" smtClean="0"/>
+              <a:t>fps</a:t>
+            </a:r>
+            <a:r>
+              <a:rPr lang="vi-VN" dirty="0" smtClean="0"/>
+              <a:t>.</a:t>
+            </a:r>
+          </a:p>
+          <a:p>
+            <a:r>
+              <a:rPr lang="vi-VN" dirty="0" smtClean="0"/>
+              <a:t>các giá trị khác 30 và 60 sẽ bị bỏ qua.</a:t>
+            </a:r>
+          </a:p>
+          <a:p>
+            <a:endParaRPr lang="en-US" dirty="0"/>
+          </a:p>
+        </p:txBody>
+      </p:sp>
+      <p:pic>
+        <p:nvPicPr>
+          <p:cNvPr id="4" name="Picture 3"/>
+          <p:cNvPicPr>
+            <a:picLocks noChangeAspect="1"/>
+          </p:cNvPicPr>
+          <p:nvPr/>
+        </p:nvPicPr>
+        <p:blipFill>
+          <a:blip r:embed="rId2"/>
+          <a:stretch>
+            <a:fillRect/>
+          </a:stretch>
+        </p:blipFill>
+        <p:spPr>
+          <a:xfrm>
+            <a:off x="2856842" y="3197280"/>
+            <a:ext cx="3533447" cy="2988394"/>
+          </a:xfrm>
+          <a:prstGeom prst="rect">
+            <a:avLst/>
+          </a:prstGeom>
+        </p:spPr>
+      </p:pic>
+    </p:spTree>
+    <p:extLst>
+      <p:ext uri="{BB962C8B-B14F-4D97-AF65-F5344CB8AC3E}">
+        <p14:creationId xmlns:p14="http://schemas.microsoft.com/office/powerpoint/2010/main" val="767043252"/>
+      </p:ext>
+    </p:extLst>
+  </p:cSld>
+  <p:clrMapOvr>
+    <a:masterClrMapping/>
+  </p:clrMapOvr>
+</p:sld>
+</file>
+
 <file path=ppt/slides/slide2.xml><?xml version="1.0" encoding="utf-8"?>
 <p:sld xmlns:a="http://schemas.openxmlformats.org/drawingml/2006/main" xmlns:r="http://schemas.openxmlformats.org/officeDocument/2006/relationships" xmlns:p="http://schemas.openxmlformats.org/presentationml/2006/main">
   <p:cSld>
@@ -6442,7 +7183,9 @@
           </a:xfrm>
         </p:spPr>
         <p:txBody>
-          <a:bodyPr/>
+          <a:bodyPr>
+            <a:normAutofit/>
+          </a:bodyPr>
           <a:lstStyle/>
           <a:p>
             <a:r>
@@ -6494,13 +7237,8 @@
             <a:pPr lvl="1"/>
             <a:r>
               <a:rPr lang="vi-VN" dirty="0" smtClean="0"/>
-              <a:t>Môi trường </a:t>
-            </a:r>
-            <a:r>
-              <a:rPr lang="vi-VN" smtClean="0"/>
-              <a:t>lập trình.</a:t>
-            </a:r>
-            <a:endParaRPr lang="vi-VN" dirty="0" smtClean="0"/>
+              <a:t>Môi trường lập trình.</a:t>
+            </a:r>
           </a:p>
           <a:p>
             <a:r>
@@ -6535,31 +7273,83 @@
             <a:pPr lvl="1"/>
             <a:r>
               <a:rPr lang="vi-VN" dirty="0" smtClean="0"/>
-              <a:t>Kéo dãn nội dung.</a:t>
-            </a:r>
+              <a:t>Kéo dãn nội dung</a:t>
+            </a:r>
+            <a:r>
+              <a:rPr lang="vi-VN" dirty="0" smtClean="0"/>
+              <a:t>.</a:t>
+            </a:r>
+          </a:p>
+          <a:p>
+            <a:pPr lvl="2"/>
+            <a:r>
+              <a:rPr lang="vi-VN" dirty="0" smtClean="0"/>
+              <a:t> </a:t>
+            </a:r>
+            <a:r>
+              <a:rPr lang="vi-VN" dirty="0" err="1" smtClean="0"/>
+              <a:t>l</a:t>
+            </a:r>
+            <a:r>
+              <a:rPr lang="vi-VN" dirty="0" err="1" smtClean="0"/>
+              <a:t>etterbox</a:t>
+            </a:r>
+            <a:r>
+              <a:rPr lang="vi-VN" dirty="0" smtClean="0"/>
+              <a:t> </a:t>
+            </a:r>
+            <a:r>
+              <a:rPr lang="vi-VN" dirty="0" err="1" smtClean="0"/>
+              <a:t>vs</a:t>
+            </a:r>
+            <a:r>
+              <a:rPr lang="vi-VN" dirty="0" smtClean="0"/>
+              <a:t> </a:t>
+            </a:r>
+            <a:r>
+              <a:rPr lang="vi-VN" dirty="0" err="1" smtClean="0"/>
+              <a:t>zoomEven</a:t>
+            </a:r>
+            <a:endParaRPr lang="vi-VN" dirty="0" smtClean="0"/>
           </a:p>
           <a:p>
             <a:pPr lvl="1"/>
             <a:r>
+              <a:rPr lang="vi-VN" dirty="0" err="1"/>
+              <a:t>Dynamic</a:t>
+            </a:r>
+            <a:r>
+              <a:rPr lang="vi-VN" dirty="0"/>
+              <a:t> </a:t>
+            </a:r>
+            <a:r>
+              <a:rPr lang="vi-VN" dirty="0" err="1"/>
+              <a:t>Image</a:t>
+            </a:r>
+            <a:r>
+              <a:rPr lang="vi-VN" dirty="0"/>
+              <a:t> </a:t>
+            </a:r>
+            <a:r>
+              <a:rPr lang="vi-VN" dirty="0" err="1" smtClean="0"/>
+              <a:t>Selection</a:t>
+            </a:r>
+            <a:endParaRPr lang="vi-VN" dirty="0" smtClean="0"/>
+          </a:p>
+          <a:p>
+            <a:pPr lvl="1"/>
+            <a:r>
               <a:rPr lang="vi-VN" dirty="0" smtClean="0"/>
-              <a:t>Lựa chọn nội dung.</a:t>
-            </a:r>
-          </a:p>
-          <a:p>
-            <a:pPr lvl="1"/>
+              <a:t>Tốc </a:t>
+            </a:r>
             <a:r>
               <a:rPr lang="vi-VN" dirty="0" smtClean="0"/>
-              <a:t>Tốc độ khung hình.</a:t>
-            </a:r>
-          </a:p>
-          <a:p>
-            <a:pPr lvl="1"/>
+              <a:t>độ khung hình</a:t>
+            </a:r>
             <a:r>
               <a:rPr lang="vi-VN" dirty="0" smtClean="0"/>
-              <a:t>Giấy phép</a:t>
-            </a:r>
-          </a:p>
-          <a:p>
+              <a:t>.</a:t>
+            </a:r>
             <a:endParaRPr lang="vi-VN" dirty="0" smtClean="0"/>
           </a:p>
           <a:p>
@@ -6637,6 +7427,42 @@
             <a:br>
               <a:rPr lang="vi-VN" dirty="0"/>
             </a:br>
+            <a:endParaRPr lang="en-US" dirty="0"/>
+          </a:p>
+        </p:txBody>
+      </p:sp>
+      <p:sp>
+        <p:nvSpPr>
+          <p:cNvPr id="3" name="Content Placeholder 2"/>
+          <p:cNvSpPr>
+            <a:spLocks noGrp="1"/>
+          </p:cNvSpPr>
+          <p:nvPr>
+            <p:ph idx="1"/>
+          </p:nvPr>
+        </p:nvSpPr>
+        <p:spPr>
+          <a:xfrm>
+            <a:off x="677334" y="1617418"/>
+            <a:ext cx="8596668" cy="3880773"/>
+          </a:xfrm>
+        </p:spPr>
+        <p:txBody>
+          <a:bodyPr/>
+          <a:lstStyle/>
+          <a:p>
+            <a:r>
+              <a:rPr lang="vi-VN" dirty="0" smtClean="0"/>
+              <a:t>Nên tảng phát triển </a:t>
+            </a:r>
+            <a:r>
+              <a:rPr lang="vi-VN" dirty="0" err="1" smtClean="0"/>
+              <a:t>game</a:t>
+            </a:r>
+            <a:r>
+              <a:rPr lang="vi-VN" dirty="0" smtClean="0"/>
+              <a:t> 2D, 2.5D.</a:t>
+            </a:r>
             <a:endParaRPr lang="en-US" dirty="0"/>
           </a:p>
         </p:txBody>
@@ -7394,6 +8220,40 @@
           <a:bodyPr/>
           <a:lstStyle/>
           <a:p>
+            <a:r>
+              <a:rPr lang="vi-VN" dirty="0"/>
+              <a:t>Cấu trúc </a:t>
+            </a:r>
+            <a:r>
+              <a:rPr lang="vi-VN" dirty="0" err="1"/>
+              <a:t>file</a:t>
+            </a:r>
+            <a:r>
+              <a:rPr lang="vi-VN" dirty="0"/>
+              <a:t> cấu hình.</a:t>
+            </a:r>
+          </a:p>
+          <a:p>
+            <a:r>
+              <a:rPr lang="vi-VN" dirty="0"/>
+              <a:t>Kéo dãn nội dung.</a:t>
+            </a:r>
+          </a:p>
+          <a:p>
+            <a:r>
+              <a:rPr lang="vi-VN" dirty="0"/>
+              <a:t>Lựa chọn nội dung.</a:t>
+            </a:r>
+          </a:p>
+          <a:p>
+            <a:r>
+              <a:rPr lang="vi-VN" dirty="0"/>
+              <a:t>Tốc độ khung hình</a:t>
+            </a:r>
+            <a:r>
+              <a:rPr lang="vi-VN" dirty="0" smtClean="0"/>
+              <a:t>.</a:t>
+            </a:r>
             <a:endParaRPr lang="en-US" dirty="0"/>
           </a:p>
         </p:txBody>
@@ -7402,6 +8262,174 @@
     <p:extLst>
       <p:ext uri="{BB962C8B-B14F-4D97-AF65-F5344CB8AC3E}">
         <p14:creationId xmlns:p14="http://schemas.microsoft.com/office/powerpoint/2010/main" val="4198865290"/>
+      </p:ext>
+    </p:extLst>
+  </p:cSld>
+  <p:clrMapOvr>
+    <a:masterClrMapping/>
+  </p:clrMapOvr>
+  <p:timing>
+    <p:tnLst>
+      <p:par>
+        <p:cTn id="1" dur="indefinite" restart="never" nodeType="tmRoot"/>
+      </p:par>
+    </p:tnLst>
+  </p:timing>
+</p:sld>
+</file>
+
+<file path=ppt/slides/slide9.xml><?xml version="1.0" encoding="utf-8"?>
+<p:sld xmlns:a="http://schemas.openxmlformats.org/drawingml/2006/main" xmlns:r="http://schemas.openxmlformats.org/officeDocument/2006/relationships" xmlns:p="http://schemas.openxmlformats.org/presentationml/2006/main">
+  <p:cSld>
+    <p:spTree>
+      <p:nvGrpSpPr>
+        <p:cNvPr id="1" name=""/>
+        <p:cNvGrpSpPr/>
+        <p:nvPr/>
+      </p:nvGrpSpPr>
+      <p:grpSpPr>
+        <a:xfrm>
+          <a:off x="0" y="0"/>
+          <a:ext cx="0" cy="0"/>
+          <a:chOff x="0" y="0"/>
+          <a:chExt cx="0" cy="0"/>
+        </a:xfrm>
+      </p:grpSpPr>
+      <p:sp>
+        <p:nvSpPr>
+          <p:cNvPr id="2" name="Title 1"/>
+          <p:cNvSpPr>
+            <a:spLocks noGrp="1"/>
+          </p:cNvSpPr>
+          <p:nvPr>
+            <p:ph type="title"/>
+          </p:nvPr>
+        </p:nvSpPr>
+        <p:spPr/>
+        <p:txBody>
+          <a:bodyPr/>
+          <a:lstStyle/>
+          <a:p>
+            <a:r>
+              <a:rPr lang="vi-VN" dirty="0"/>
+              <a:t>Cấu trúc </a:t>
+            </a:r>
+            <a:r>
+              <a:rPr lang="vi-VN" dirty="0" err="1"/>
+              <a:t>file</a:t>
+            </a:r>
+            <a:r>
+              <a:rPr lang="vi-VN" dirty="0"/>
+              <a:t> cấu hình.</a:t>
+            </a:r>
+            <a:br>
+              <a:rPr lang="vi-VN" dirty="0"/>
+            </a:br>
+            <a:endParaRPr lang="en-US" dirty="0"/>
+          </a:p>
+        </p:txBody>
+      </p:sp>
+      <p:sp>
+        <p:nvSpPr>
+          <p:cNvPr id="3" name="Content Placeholder 2"/>
+          <p:cNvSpPr>
+            <a:spLocks noGrp="1"/>
+          </p:cNvSpPr>
+          <p:nvPr>
+            <p:ph idx="1"/>
+          </p:nvPr>
+        </p:nvSpPr>
+        <p:spPr/>
+        <p:txBody>
+          <a:bodyPr/>
+          <a:lstStyle/>
+          <a:p>
+            <a:r>
+              <a:rPr lang="vi-VN" dirty="0" smtClean="0"/>
+              <a:t>Cấu hình Project </a:t>
+            </a:r>
+            <a:r>
+              <a:rPr lang="vi-VN" dirty="0" err="1" smtClean="0"/>
+              <a:t>Corona</a:t>
+            </a:r>
+            <a:r>
+              <a:rPr lang="vi-VN" dirty="0" smtClean="0"/>
+              <a:t> trong </a:t>
+            </a:r>
+            <a:r>
+              <a:rPr lang="vi-VN" dirty="0" err="1" smtClean="0"/>
+              <a:t>file</a:t>
+            </a:r>
+            <a:r>
+              <a:rPr lang="vi-VN" dirty="0" smtClean="0"/>
+              <a:t> </a:t>
+            </a:r>
+            <a:r>
+              <a:rPr lang="vi-VN" dirty="0" err="1" smtClean="0"/>
+              <a:t>Config.lua</a:t>
+            </a:r>
+            <a:r>
+              <a:rPr lang="vi-VN" dirty="0" smtClean="0"/>
+              <a:t> sửa dụng thuộc tính </a:t>
+            </a:r>
+            <a:r>
+              <a:rPr lang="vi-VN" b="1" dirty="0" err="1" smtClean="0"/>
+              <a:t>content</a:t>
+            </a:r>
+            <a:r>
+              <a:rPr lang="vi-VN" dirty="0"/>
+              <a:t> </a:t>
+            </a:r>
+            <a:r>
+              <a:rPr lang="vi-VN" dirty="0" smtClean="0"/>
+              <a:t>trong </a:t>
+            </a:r>
+            <a:r>
+              <a:rPr lang="vi-VN" b="1" dirty="0" err="1" smtClean="0"/>
+              <a:t>application</a:t>
+            </a:r>
+            <a:r>
+              <a:rPr lang="vi-VN" dirty="0"/>
+              <a:t> </a:t>
+            </a:r>
+            <a:r>
+              <a:rPr lang="vi-VN" dirty="0" smtClean="0"/>
+              <a:t>để cấu hình.</a:t>
+            </a:r>
+          </a:p>
+          <a:p>
+            <a:endParaRPr lang="en-US" b="1" dirty="0"/>
+          </a:p>
+        </p:txBody>
+      </p:sp>
+      <p:pic>
+        <p:nvPicPr>
+          <p:cNvPr id="4" name="Picture 3"/>
+          <p:cNvPicPr>
+            <a:picLocks noChangeAspect="1"/>
+          </p:cNvPicPr>
+          <p:nvPr/>
+        </p:nvPicPr>
+        <p:blipFill>
+          <a:blip r:embed="rId2"/>
+          <a:stretch>
+            <a:fillRect/>
+          </a:stretch>
+        </p:blipFill>
+        <p:spPr>
+          <a:xfrm>
+            <a:off x="1889486" y="3232587"/>
+            <a:ext cx="6172364" cy="2475293"/>
+          </a:xfrm>
+          <a:prstGeom prst="rect">
+            <a:avLst/>
+          </a:prstGeom>
+        </p:spPr>
+      </p:pic>
+    </p:spTree>
+    <p:extLst>
+      <p:ext uri="{BB962C8B-B14F-4D97-AF65-F5344CB8AC3E}">
+        <p14:creationId xmlns:p14="http://schemas.microsoft.com/office/powerpoint/2010/main" val="661667088"/>
       </p:ext>
     </p:extLst>
   </p:cSld>

--- a/Corona/Presentation1.pptx
+++ b/Corona/Presentation1.pptx
@@ -5,22 +5,33 @@
     <p:sldMasterId id="2147483648" r:id="rId1"/>
   </p:sldMasterIdLst>
   <p:notesMasterIdLst>
-    <p:notesMasterId r:id="rId15"/>
+    <p:notesMasterId r:id="rId26"/>
   </p:notesMasterIdLst>
   <p:sldIdLst>
     <p:sldId id="256" r:id="rId2"/>
     <p:sldId id="257" r:id="rId3"/>
-    <p:sldId id="258" r:id="rId4"/>
-    <p:sldId id="259" r:id="rId5"/>
-    <p:sldId id="264" r:id="rId6"/>
-    <p:sldId id="262" r:id="rId7"/>
-    <p:sldId id="261" r:id="rId8"/>
-    <p:sldId id="263" r:id="rId9"/>
-    <p:sldId id="265" r:id="rId10"/>
-    <p:sldId id="266" r:id="rId11"/>
-    <p:sldId id="267" r:id="rId12"/>
-    <p:sldId id="268" r:id="rId13"/>
-    <p:sldId id="269" r:id="rId14"/>
+    <p:sldId id="270" r:id="rId4"/>
+    <p:sldId id="258" r:id="rId5"/>
+    <p:sldId id="259" r:id="rId6"/>
+    <p:sldId id="264" r:id="rId7"/>
+    <p:sldId id="262" r:id="rId8"/>
+    <p:sldId id="261" r:id="rId9"/>
+    <p:sldId id="263" r:id="rId10"/>
+    <p:sldId id="265" r:id="rId11"/>
+    <p:sldId id="266" r:id="rId12"/>
+    <p:sldId id="267" r:id="rId13"/>
+    <p:sldId id="268" r:id="rId14"/>
+    <p:sldId id="269" r:id="rId15"/>
+    <p:sldId id="271" r:id="rId16"/>
+    <p:sldId id="276" r:id="rId17"/>
+    <p:sldId id="272" r:id="rId18"/>
+    <p:sldId id="273" r:id="rId19"/>
+    <p:sldId id="274" r:id="rId20"/>
+    <p:sldId id="275" r:id="rId21"/>
+    <p:sldId id="277" r:id="rId22"/>
+    <p:sldId id="278" r:id="rId23"/>
+    <p:sldId id="279" r:id="rId24"/>
+    <p:sldId id="280" r:id="rId25"/>
   </p:sldIdLst>
   <p:sldSz cx="12192000" cy="6858000"/>
   <p:notesSz cx="6858000" cy="9144000"/>
@@ -6157,8 +6168,8 @@
         </p:nvSpPr>
         <p:spPr>
           <a:xfrm>
-            <a:off x="1214716" y="447893"/>
-            <a:ext cx="8351636" cy="1646302"/>
+            <a:off x="725214" y="2107504"/>
+            <a:ext cx="8841138" cy="1646302"/>
           </a:xfrm>
         </p:spPr>
         <p:txBody>
@@ -6167,15 +6178,7 @@
           <a:p>
             <a:r>
               <a:rPr lang="vi-VN" dirty="0" smtClean="0"/>
-              <a:t>Tìm </a:t>
-            </a:r>
-            <a:r>
-              <a:rPr lang="vi-VN" dirty="0" smtClean="0"/>
-              <a:t>hiểu cơ bản về </a:t>
-            </a:r>
-            <a:r>
-              <a:rPr lang="vi-VN" dirty="0" smtClean="0"/>
-              <a:t>nền tảng </a:t>
+              <a:t>Tìm hiểu cơ bản về nền tảng </a:t>
             </a:r>
             <a:r>
               <a:rPr lang="vi-VN" dirty="0" err="1" smtClean="0"/>
@@ -6201,7 +6204,7 @@
         </p:nvSpPr>
         <p:spPr>
           <a:xfrm>
-            <a:off x="1799416" y="2295671"/>
+            <a:off x="1641761" y="4110484"/>
             <a:ext cx="7766936" cy="1096899"/>
           </a:xfrm>
         </p:spPr>
@@ -6248,7 +6251,7 @@
         </p:blipFill>
         <p:spPr bwMode="auto">
           <a:xfrm>
-            <a:off x="6380114" y="3795522"/>
+            <a:off x="5770515" y="580506"/>
             <a:ext cx="3349123" cy="731520"/>
           </a:xfrm>
           <a:prstGeom prst="rect">
@@ -6289,7 +6292,7 @@
         </p:blipFill>
         <p:spPr bwMode="auto">
           <a:xfrm>
-            <a:off x="2752995" y="3703701"/>
+            <a:off x="1641761" y="443346"/>
             <a:ext cx="1816304" cy="1005840"/>
           </a:xfrm>
           <a:prstGeom prst="rect">
@@ -6390,6 +6393,174 @@
 </file>
 
 <file path=ppt/slides/slide10.xml><?xml version="1.0" encoding="utf-8"?>
+<p:sld xmlns:a="http://schemas.openxmlformats.org/drawingml/2006/main" xmlns:r="http://schemas.openxmlformats.org/officeDocument/2006/relationships" xmlns:p="http://schemas.openxmlformats.org/presentationml/2006/main">
+  <p:cSld>
+    <p:spTree>
+      <p:nvGrpSpPr>
+        <p:cNvPr id="1" name=""/>
+        <p:cNvGrpSpPr/>
+        <p:nvPr/>
+      </p:nvGrpSpPr>
+      <p:grpSpPr>
+        <a:xfrm>
+          <a:off x="0" y="0"/>
+          <a:ext cx="0" cy="0"/>
+          <a:chOff x="0" y="0"/>
+          <a:chExt cx="0" cy="0"/>
+        </a:xfrm>
+      </p:grpSpPr>
+      <p:sp>
+        <p:nvSpPr>
+          <p:cNvPr id="2" name="Title 1"/>
+          <p:cNvSpPr>
+            <a:spLocks noGrp="1"/>
+          </p:cNvSpPr>
+          <p:nvPr>
+            <p:ph type="title"/>
+          </p:nvPr>
+        </p:nvSpPr>
+        <p:spPr/>
+        <p:txBody>
+          <a:bodyPr/>
+          <a:lstStyle/>
+          <a:p>
+            <a:r>
+              <a:rPr lang="vi-VN" dirty="0"/>
+              <a:t>Cấu trúc </a:t>
+            </a:r>
+            <a:r>
+              <a:rPr lang="vi-VN" dirty="0" err="1"/>
+              <a:t>file</a:t>
+            </a:r>
+            <a:r>
+              <a:rPr lang="vi-VN" dirty="0"/>
+              <a:t> cấu hình.</a:t>
+            </a:r>
+            <a:br>
+              <a:rPr lang="vi-VN" dirty="0"/>
+            </a:br>
+            <a:endParaRPr lang="en-US" dirty="0"/>
+          </a:p>
+        </p:txBody>
+      </p:sp>
+      <p:sp>
+        <p:nvSpPr>
+          <p:cNvPr id="3" name="Content Placeholder 2"/>
+          <p:cNvSpPr>
+            <a:spLocks noGrp="1"/>
+          </p:cNvSpPr>
+          <p:nvPr>
+            <p:ph idx="1"/>
+          </p:nvPr>
+        </p:nvSpPr>
+        <p:spPr/>
+        <p:txBody>
+          <a:bodyPr/>
+          <a:lstStyle/>
+          <a:p>
+            <a:r>
+              <a:rPr lang="vi-VN" dirty="0" smtClean="0"/>
+              <a:t>Cấu hình Project </a:t>
+            </a:r>
+            <a:r>
+              <a:rPr lang="vi-VN" dirty="0" err="1" smtClean="0"/>
+              <a:t>Corona</a:t>
+            </a:r>
+            <a:r>
+              <a:rPr lang="vi-VN" dirty="0" smtClean="0"/>
+              <a:t> trong </a:t>
+            </a:r>
+            <a:r>
+              <a:rPr lang="vi-VN" dirty="0" err="1" smtClean="0"/>
+              <a:t>file</a:t>
+            </a:r>
+            <a:r>
+              <a:rPr lang="vi-VN" dirty="0" smtClean="0"/>
+              <a:t> </a:t>
+            </a:r>
+            <a:r>
+              <a:rPr lang="vi-VN" dirty="0" err="1" smtClean="0"/>
+              <a:t>Config.lua</a:t>
+            </a:r>
+            <a:r>
+              <a:rPr lang="vi-VN" dirty="0" smtClean="0"/>
+              <a:t> sửa dụng thuộc tính </a:t>
+            </a:r>
+            <a:r>
+              <a:rPr lang="vi-VN" b="1" dirty="0" err="1" smtClean="0"/>
+              <a:t>content</a:t>
+            </a:r>
+            <a:r>
+              <a:rPr lang="vi-VN" dirty="0"/>
+              <a:t> </a:t>
+            </a:r>
+            <a:r>
+              <a:rPr lang="vi-VN" dirty="0" smtClean="0"/>
+              <a:t>trong </a:t>
+            </a:r>
+            <a:r>
+              <a:rPr lang="vi-VN" b="1" dirty="0" err="1" smtClean="0"/>
+              <a:t>application</a:t>
+            </a:r>
+            <a:r>
+              <a:rPr lang="vi-VN" dirty="0"/>
+              <a:t> </a:t>
+            </a:r>
+            <a:r>
+              <a:rPr lang="vi-VN" dirty="0" smtClean="0"/>
+              <a:t>để cấu hình.</a:t>
+            </a:r>
+          </a:p>
+          <a:p>
+            <a:endParaRPr lang="en-US" b="1" dirty="0"/>
+          </a:p>
+        </p:txBody>
+      </p:sp>
+      <p:pic>
+        <p:nvPicPr>
+          <p:cNvPr id="4" name="Picture 3"/>
+          <p:cNvPicPr>
+            <a:picLocks noChangeAspect="1"/>
+          </p:cNvPicPr>
+          <p:nvPr/>
+        </p:nvPicPr>
+        <p:blipFill>
+          <a:blip r:embed="rId2"/>
+          <a:stretch>
+            <a:fillRect/>
+          </a:stretch>
+        </p:blipFill>
+        <p:spPr>
+          <a:xfrm>
+            <a:off x="1889486" y="3232587"/>
+            <a:ext cx="6172364" cy="2475293"/>
+          </a:xfrm>
+          <a:prstGeom prst="rect">
+            <a:avLst/>
+          </a:prstGeom>
+        </p:spPr>
+      </p:pic>
+    </p:spTree>
+    <p:extLst>
+      <p:ext uri="{BB962C8B-B14F-4D97-AF65-F5344CB8AC3E}">
+        <p14:creationId xmlns:p14="http://schemas.microsoft.com/office/powerpoint/2010/main" val="661667088"/>
+      </p:ext>
+    </p:extLst>
+  </p:cSld>
+  <p:clrMapOvr>
+    <a:masterClrMapping/>
+  </p:clrMapOvr>
+  <p:timing>
+    <p:tnLst>
+      <p:par>
+        <p:cTn id="1" dur="indefinite" restart="never" nodeType="tmRoot"/>
+      </p:par>
+    </p:tnLst>
+  </p:timing>
+</p:sld>
+</file>
+
+<file path=ppt/slides/slide11.xml><?xml version="1.0" encoding="utf-8"?>
 <p:sld xmlns:a="http://schemas.openxmlformats.org/drawingml/2006/main" xmlns:r="http://schemas.openxmlformats.org/officeDocument/2006/relationships" xmlns:p="http://schemas.openxmlformats.org/presentationml/2006/main">
   <p:cSld>
     <p:spTree>
@@ -6632,7 +6803,7 @@
 </p:sld>
 </file>
 
-<file path=ppt/slides/slide11.xml><?xml version="1.0" encoding="utf-8"?>
+<file path=ppt/slides/slide12.xml><?xml version="1.0" encoding="utf-8"?>
 <p:sld xmlns:a="http://schemas.openxmlformats.org/drawingml/2006/main" xmlns:r="http://schemas.openxmlformats.org/officeDocument/2006/relationships" xmlns:p="http://schemas.openxmlformats.org/presentationml/2006/main">
   <p:cSld>
     <p:spTree>
@@ -6840,7 +7011,7 @@
 </p:sld>
 </file>
 
-<file path=ppt/slides/slide12.xml><?xml version="1.0" encoding="utf-8"?>
+<file path=ppt/slides/slide13.xml><?xml version="1.0" encoding="utf-8"?>
 <p:sld xmlns:a="http://schemas.openxmlformats.org/drawingml/2006/main" xmlns:r="http://schemas.openxmlformats.org/officeDocument/2006/relationships" xmlns:p="http://schemas.openxmlformats.org/presentationml/2006/main">
   <p:cSld>
     <p:spTree>
@@ -6994,10 +7165,17 @@
   <p:clrMapOvr>
     <a:masterClrMapping/>
   </p:clrMapOvr>
+  <p:timing>
+    <p:tnLst>
+      <p:par>
+        <p:cTn id="1" dur="indefinite" restart="never" nodeType="tmRoot"/>
+      </p:par>
+    </p:tnLst>
+  </p:timing>
 </p:sld>
 </file>
 
-<file path=ppt/slides/slide13.xml><?xml version="1.0" encoding="utf-8"?>
+<file path=ppt/slides/slide14.xml><?xml version="1.0" encoding="utf-8"?>
 <p:sld xmlns:a="http://schemas.openxmlformats.org/drawingml/2006/main" xmlns:r="http://schemas.openxmlformats.org/officeDocument/2006/relationships" xmlns:p="http://schemas.openxmlformats.org/presentationml/2006/main">
   <p:cSld>
     <p:spTree>
@@ -7118,6 +7296,850 @@
   <p:clrMapOvr>
     <a:masterClrMapping/>
   </p:clrMapOvr>
+  <p:timing>
+    <p:tnLst>
+      <p:par>
+        <p:cTn id="1" dur="indefinite" restart="never" nodeType="tmRoot"/>
+      </p:par>
+    </p:tnLst>
+  </p:timing>
+</p:sld>
+</file>
+
+<file path=ppt/slides/slide15.xml><?xml version="1.0" encoding="utf-8"?>
+<p:sld xmlns:a="http://schemas.openxmlformats.org/drawingml/2006/main" xmlns:r="http://schemas.openxmlformats.org/officeDocument/2006/relationships" xmlns:p="http://schemas.openxmlformats.org/presentationml/2006/main">
+  <p:cSld>
+    <p:spTree>
+      <p:nvGrpSpPr>
+        <p:cNvPr id="1" name=""/>
+        <p:cNvGrpSpPr/>
+        <p:nvPr/>
+      </p:nvGrpSpPr>
+      <p:grpSpPr>
+        <a:xfrm>
+          <a:off x="0" y="0"/>
+          <a:ext cx="0" cy="0"/>
+          <a:chOff x="0" y="0"/>
+          <a:chExt cx="0" cy="0"/>
+        </a:xfrm>
+      </p:grpSpPr>
+      <p:sp>
+        <p:nvSpPr>
+          <p:cNvPr id="2" name="Title 1"/>
+          <p:cNvSpPr>
+            <a:spLocks noGrp="1"/>
+          </p:cNvSpPr>
+          <p:nvPr>
+            <p:ph type="title"/>
+          </p:nvPr>
+        </p:nvSpPr>
+        <p:spPr/>
+        <p:txBody>
+          <a:bodyPr/>
+          <a:lstStyle/>
+          <a:p>
+            <a:r>
+              <a:rPr lang="vi-VN" dirty="0" smtClean="0"/>
+              <a:t>Đồ họa</a:t>
+            </a:r>
+            <a:endParaRPr lang="en-US" dirty="0"/>
+          </a:p>
+        </p:txBody>
+      </p:sp>
+      <p:sp>
+        <p:nvSpPr>
+          <p:cNvPr id="3" name="Content Placeholder 2"/>
+          <p:cNvSpPr>
+            <a:spLocks noGrp="1"/>
+          </p:cNvSpPr>
+          <p:nvPr>
+            <p:ph idx="1"/>
+          </p:nvPr>
+        </p:nvSpPr>
+        <p:spPr>
+          <a:xfrm>
+            <a:off x="677334" y="1540479"/>
+            <a:ext cx="8596668" cy="3880773"/>
+          </a:xfrm>
+        </p:spPr>
+        <p:txBody>
+          <a:bodyPr>
+            <a:normAutofit fontScale="92500" lnSpcReduction="20000"/>
+          </a:bodyPr>
+          <a:lstStyle/>
+          <a:p>
+            <a:r>
+              <a:rPr lang="vi-VN" dirty="0" err="1">
+                <a:cs typeface="Arial" panose="020B0604020202020204" pitchFamily="34" charset="0"/>
+              </a:rPr>
+              <a:t>Display</a:t>
+            </a:r>
+            <a:r>
+              <a:rPr lang="vi-VN" dirty="0">
+                <a:cs typeface="Arial" panose="020B0604020202020204" pitchFamily="34" charset="0"/>
+              </a:rPr>
+              <a:t> </a:t>
+            </a:r>
+            <a:r>
+              <a:rPr lang="vi-VN" dirty="0" err="1">
+                <a:cs typeface="Arial" panose="020B0604020202020204" pitchFamily="34" charset="0"/>
+              </a:rPr>
+              <a:t>Object</a:t>
+            </a:r>
+            <a:r>
+              <a:rPr lang="vi-VN" dirty="0">
+                <a:cs typeface="Arial" panose="020B0604020202020204" pitchFamily="34" charset="0"/>
+              </a:rPr>
+              <a:t>( đối tượng hiển thị).</a:t>
+            </a:r>
+          </a:p>
+          <a:p>
+            <a:pPr lvl="1"/>
+            <a:r>
+              <a:rPr lang="vi-VN" dirty="0">
+                <a:cs typeface="Arial" panose="020B0604020202020204" pitchFamily="34" charset="0"/>
+              </a:rPr>
+              <a:t>Tạo.</a:t>
+            </a:r>
+          </a:p>
+          <a:p>
+            <a:pPr lvl="1"/>
+            <a:r>
+              <a:rPr lang="vi-VN" dirty="0">
+                <a:cs typeface="Arial" panose="020B0604020202020204" pitchFamily="34" charset="0"/>
+              </a:rPr>
+              <a:t>Phương thức và thuộc tính.</a:t>
+            </a:r>
+          </a:p>
+          <a:p>
+            <a:pPr lvl="1"/>
+            <a:r>
+              <a:rPr lang="en-US" dirty="0">
+                <a:latin typeface="Arial" panose="020B0604020202020204" pitchFamily="34" charset="0"/>
+                <a:cs typeface="Arial" panose="020B0604020202020204" pitchFamily="34" charset="0"/>
+              </a:rPr>
+              <a:t>Object </a:t>
+            </a:r>
+            <a:r>
+              <a:rPr lang="en-US" dirty="0" smtClean="0">
+                <a:latin typeface="Arial" panose="020B0604020202020204" pitchFamily="34" charset="0"/>
+                <a:cs typeface="Arial" panose="020B0604020202020204" pitchFamily="34" charset="0"/>
+              </a:rPr>
+              <a:t>Order</a:t>
+            </a:r>
+            <a:r>
+              <a:rPr lang="vi-VN" dirty="0" smtClean="0">
+                <a:latin typeface="Arial" panose="020B0604020202020204" pitchFamily="34" charset="0"/>
+                <a:cs typeface="Arial" panose="020B0604020202020204" pitchFamily="34" charset="0"/>
+              </a:rPr>
+              <a:t>( thứ tự)</a:t>
+            </a:r>
+          </a:p>
+          <a:p>
+            <a:pPr lvl="1"/>
+            <a:r>
+              <a:rPr lang="en-US" dirty="0" smtClean="0">
+                <a:latin typeface="Arial" panose="020B0604020202020204" pitchFamily="34" charset="0"/>
+                <a:cs typeface="Arial" panose="020B0604020202020204" pitchFamily="34" charset="0"/>
+              </a:rPr>
+              <a:t>Removing </a:t>
+            </a:r>
+            <a:r>
+              <a:rPr lang="en-US" dirty="0">
+                <a:latin typeface="Arial" panose="020B0604020202020204" pitchFamily="34" charset="0"/>
+                <a:cs typeface="Arial" panose="020B0604020202020204" pitchFamily="34" charset="0"/>
+              </a:rPr>
+              <a:t>Display </a:t>
+            </a:r>
+            <a:r>
+              <a:rPr lang="en-US" dirty="0" smtClean="0">
+                <a:latin typeface="Arial" panose="020B0604020202020204" pitchFamily="34" charset="0"/>
+                <a:cs typeface="Arial" panose="020B0604020202020204" pitchFamily="34" charset="0"/>
+              </a:rPr>
+              <a:t>Objects</a:t>
+            </a:r>
+            <a:r>
+              <a:rPr lang="vi-VN" dirty="0" smtClean="0">
+                <a:latin typeface="Arial" panose="020B0604020202020204" pitchFamily="34" charset="0"/>
+                <a:cs typeface="Arial" panose="020B0604020202020204" pitchFamily="34" charset="0"/>
+              </a:rPr>
+              <a:t>( xóa)</a:t>
+            </a:r>
+          </a:p>
+          <a:p>
+            <a:r>
+              <a:rPr lang="vi-VN" dirty="0" err="1">
+                <a:cs typeface="Arial" panose="020B0604020202020204" pitchFamily="34" charset="0"/>
+              </a:rPr>
+              <a:t>Sprite</a:t>
+            </a:r>
+            <a:r>
+              <a:rPr lang="vi-VN" dirty="0">
+                <a:cs typeface="Arial" panose="020B0604020202020204" pitchFamily="34" charset="0"/>
+              </a:rPr>
+              <a:t> </a:t>
+            </a:r>
+            <a:r>
+              <a:rPr lang="vi-VN" dirty="0" err="1" smtClean="0">
+                <a:cs typeface="Arial" panose="020B0604020202020204" pitchFamily="34" charset="0"/>
+              </a:rPr>
+              <a:t>Animation</a:t>
+            </a:r>
+            <a:r>
+              <a:rPr lang="vi-VN" dirty="0" smtClean="0">
+                <a:cs typeface="Arial" panose="020B0604020202020204" pitchFamily="34" charset="0"/>
+              </a:rPr>
+              <a:t>( bóng hoạt hình).</a:t>
+            </a:r>
+            <a:endParaRPr lang="vi-VN" dirty="0">
+              <a:cs typeface="Arial" panose="020B0604020202020204" pitchFamily="34" charset="0"/>
+            </a:endParaRPr>
+          </a:p>
+          <a:p>
+            <a:pPr lvl="1"/>
+            <a:r>
+              <a:rPr lang="en-US" dirty="0" smtClean="0">
+                <a:latin typeface="Arial" panose="020B0604020202020204" pitchFamily="34" charset="0"/>
+                <a:cs typeface="Arial" panose="020B0604020202020204" pitchFamily="34" charset="0"/>
+              </a:rPr>
+              <a:t>Image </a:t>
+            </a:r>
+            <a:r>
+              <a:rPr lang="en-US" dirty="0">
+                <a:latin typeface="Arial" panose="020B0604020202020204" pitchFamily="34" charset="0"/>
+                <a:cs typeface="Arial" panose="020B0604020202020204" pitchFamily="34" charset="0"/>
+              </a:rPr>
+              <a:t>Sheets</a:t>
+            </a:r>
+          </a:p>
+          <a:p>
+            <a:pPr lvl="1"/>
+            <a:r>
+              <a:rPr lang="en-US" dirty="0">
+                <a:latin typeface="Arial" panose="020B0604020202020204" pitchFamily="34" charset="0"/>
+                <a:cs typeface="Arial" panose="020B0604020202020204" pitchFamily="34" charset="0"/>
+              </a:rPr>
+              <a:t>Animation Sequences</a:t>
+            </a:r>
+          </a:p>
+          <a:p>
+            <a:pPr lvl="1"/>
+            <a:r>
+              <a:rPr lang="en-US" dirty="0">
+                <a:latin typeface="Arial" panose="020B0604020202020204" pitchFamily="34" charset="0"/>
+                <a:cs typeface="Arial" panose="020B0604020202020204" pitchFamily="34" charset="0"/>
+              </a:rPr>
+              <a:t>Sprite Objects</a:t>
+            </a:r>
+          </a:p>
+          <a:p>
+            <a:pPr lvl="1"/>
+            <a:r>
+              <a:rPr lang="en-US" dirty="0">
+                <a:latin typeface="Arial" panose="020B0604020202020204" pitchFamily="34" charset="0"/>
+                <a:cs typeface="Arial" panose="020B0604020202020204" pitchFamily="34" charset="0"/>
+              </a:rPr>
+              <a:t>Sprite Control Methods</a:t>
+            </a:r>
+          </a:p>
+          <a:p>
+            <a:pPr lvl="1"/>
+            <a:r>
+              <a:rPr lang="en-US" dirty="0">
+                <a:latin typeface="Arial" panose="020B0604020202020204" pitchFamily="34" charset="0"/>
+                <a:cs typeface="Arial" panose="020B0604020202020204" pitchFamily="34" charset="0"/>
+              </a:rPr>
+              <a:t>Sprite Properties</a:t>
+            </a:r>
+          </a:p>
+          <a:p>
+            <a:pPr lvl="1"/>
+            <a:r>
+              <a:rPr lang="en-US" dirty="0">
+                <a:latin typeface="Arial" panose="020B0604020202020204" pitchFamily="34" charset="0"/>
+                <a:cs typeface="Arial" panose="020B0604020202020204" pitchFamily="34" charset="0"/>
+              </a:rPr>
+              <a:t>Sprite Events</a:t>
+            </a:r>
+          </a:p>
+        </p:txBody>
+      </p:sp>
+    </p:spTree>
+    <p:extLst>
+      <p:ext uri="{BB962C8B-B14F-4D97-AF65-F5344CB8AC3E}">
+        <p14:creationId xmlns:p14="http://schemas.microsoft.com/office/powerpoint/2010/main" val="769546405"/>
+      </p:ext>
+    </p:extLst>
+  </p:cSld>
+  <p:clrMapOvr>
+    <a:masterClrMapping/>
+  </p:clrMapOvr>
+  <p:timing>
+    <p:tnLst>
+      <p:par>
+        <p:cTn id="1" dur="indefinite" restart="never" nodeType="tmRoot"/>
+      </p:par>
+    </p:tnLst>
+  </p:timing>
+</p:sld>
+</file>
+
+<file path=ppt/slides/slide16.xml><?xml version="1.0" encoding="utf-8"?>
+<p:sld xmlns:a="http://schemas.openxmlformats.org/drawingml/2006/main" xmlns:r="http://schemas.openxmlformats.org/officeDocument/2006/relationships" xmlns:p="http://schemas.openxmlformats.org/presentationml/2006/main">
+  <p:cSld>
+    <p:spTree>
+      <p:nvGrpSpPr>
+        <p:cNvPr id="1" name=""/>
+        <p:cNvGrpSpPr/>
+        <p:nvPr/>
+      </p:nvGrpSpPr>
+      <p:grpSpPr>
+        <a:xfrm>
+          <a:off x="0" y="0"/>
+          <a:ext cx="0" cy="0"/>
+          <a:chOff x="0" y="0"/>
+          <a:chExt cx="0" cy="0"/>
+        </a:xfrm>
+      </p:grpSpPr>
+      <p:sp>
+        <p:nvSpPr>
+          <p:cNvPr id="2" name="Title 1"/>
+          <p:cNvSpPr>
+            <a:spLocks noGrp="1"/>
+          </p:cNvSpPr>
+          <p:nvPr>
+            <p:ph type="title"/>
+          </p:nvPr>
+        </p:nvSpPr>
+        <p:spPr/>
+        <p:txBody>
+          <a:bodyPr/>
+          <a:lstStyle/>
+          <a:p>
+            <a:r>
+              <a:rPr lang="vi-VN" dirty="0" err="1">
+                <a:latin typeface="Arial" panose="020B0604020202020204" pitchFamily="34" charset="0"/>
+                <a:cs typeface="Arial" panose="020B0604020202020204" pitchFamily="34" charset="0"/>
+              </a:rPr>
+              <a:t>Display</a:t>
+            </a:r>
+            <a:r>
+              <a:rPr lang="vi-VN" dirty="0">
+                <a:latin typeface="Arial" panose="020B0604020202020204" pitchFamily="34" charset="0"/>
+                <a:cs typeface="Arial" panose="020B0604020202020204" pitchFamily="34" charset="0"/>
+              </a:rPr>
+              <a:t> </a:t>
+            </a:r>
+            <a:r>
+              <a:rPr lang="vi-VN" dirty="0" err="1">
+                <a:latin typeface="Arial" panose="020B0604020202020204" pitchFamily="34" charset="0"/>
+                <a:cs typeface="Arial" panose="020B0604020202020204" pitchFamily="34" charset="0"/>
+              </a:rPr>
+              <a:t>Object</a:t>
+            </a:r>
+            <a:r>
+              <a:rPr lang="vi-VN" dirty="0">
+                <a:latin typeface="Arial" panose="020B0604020202020204" pitchFamily="34" charset="0"/>
+                <a:cs typeface="Arial" panose="020B0604020202020204" pitchFamily="34" charset="0"/>
+              </a:rPr>
+              <a:t>( đối tượng hiển thị).</a:t>
+            </a:r>
+            <a:br>
+              <a:rPr lang="vi-VN" dirty="0">
+                <a:latin typeface="Arial" panose="020B0604020202020204" pitchFamily="34" charset="0"/>
+                <a:cs typeface="Arial" panose="020B0604020202020204" pitchFamily="34" charset="0"/>
+              </a:rPr>
+            </a:br>
+            <a:endParaRPr lang="en-US" dirty="0">
+              <a:latin typeface="Arial" panose="020B0604020202020204" pitchFamily="34" charset="0"/>
+              <a:cs typeface="Arial" panose="020B0604020202020204" pitchFamily="34" charset="0"/>
+            </a:endParaRPr>
+          </a:p>
+        </p:txBody>
+      </p:sp>
+    </p:spTree>
+    <p:extLst>
+      <p:ext uri="{BB962C8B-B14F-4D97-AF65-F5344CB8AC3E}">
+        <p14:creationId xmlns:p14="http://schemas.microsoft.com/office/powerpoint/2010/main" val="1499817384"/>
+      </p:ext>
+    </p:extLst>
+  </p:cSld>
+  <p:clrMapOvr>
+    <a:masterClrMapping/>
+  </p:clrMapOvr>
+  <p:timing>
+    <p:tnLst>
+      <p:par>
+        <p:cTn id="1" dur="indefinite" restart="never" nodeType="tmRoot"/>
+      </p:par>
+    </p:tnLst>
+  </p:timing>
+</p:sld>
+</file>
+
+<file path=ppt/slides/slide17.xml><?xml version="1.0" encoding="utf-8"?>
+<p:sld xmlns:a="http://schemas.openxmlformats.org/drawingml/2006/main" xmlns:r="http://schemas.openxmlformats.org/officeDocument/2006/relationships" xmlns:p="http://schemas.openxmlformats.org/presentationml/2006/main">
+  <p:cSld>
+    <p:spTree>
+      <p:nvGrpSpPr>
+        <p:cNvPr id="1" name=""/>
+        <p:cNvGrpSpPr/>
+        <p:nvPr/>
+      </p:nvGrpSpPr>
+      <p:grpSpPr>
+        <a:xfrm>
+          <a:off x="0" y="0"/>
+          <a:ext cx="0" cy="0"/>
+          <a:chOff x="0" y="0"/>
+          <a:chExt cx="0" cy="0"/>
+        </a:xfrm>
+      </p:grpSpPr>
+      <p:sp>
+        <p:nvSpPr>
+          <p:cNvPr id="2" name="Title 1"/>
+          <p:cNvSpPr>
+            <a:spLocks noGrp="1"/>
+          </p:cNvSpPr>
+          <p:nvPr>
+            <p:ph type="title"/>
+          </p:nvPr>
+        </p:nvSpPr>
+        <p:spPr/>
+        <p:txBody>
+          <a:bodyPr/>
+          <a:lstStyle/>
+          <a:p>
+            <a:r>
+              <a:rPr lang="vi-VN" dirty="0" smtClean="0"/>
+              <a:t>Tạo đối tượng đồ họa.</a:t>
+            </a:r>
+            <a:endParaRPr lang="en-US" dirty="0"/>
+          </a:p>
+        </p:txBody>
+      </p:sp>
+      <p:sp>
+        <p:nvSpPr>
+          <p:cNvPr id="3" name="Content Placeholder 2"/>
+          <p:cNvSpPr>
+            <a:spLocks noGrp="1"/>
+          </p:cNvSpPr>
+          <p:nvPr>
+            <p:ph idx="1"/>
+          </p:nvPr>
+        </p:nvSpPr>
+        <p:spPr/>
+        <p:txBody>
+          <a:bodyPr/>
+          <a:lstStyle/>
+          <a:p>
+            <a:r>
+              <a:rPr lang="vi-VN" dirty="0" smtClean="0"/>
+              <a:t>Chúng ta dễ dàng tạo đối tượng đồ hòa bằng cách sử dụng phương thức trong thư viện </a:t>
+            </a:r>
+            <a:r>
+              <a:rPr lang="vi-VN" b="1" dirty="0" err="1" smtClean="0"/>
+              <a:t>display</a:t>
+            </a:r>
+            <a:r>
+              <a:rPr lang="vi-VN" dirty="0" smtClean="0"/>
+              <a:t> có sẵn.</a:t>
+            </a:r>
+          </a:p>
+          <a:p>
+            <a:endParaRPr lang="en-US" dirty="0"/>
+          </a:p>
+        </p:txBody>
+      </p:sp>
+      <p:pic>
+        <p:nvPicPr>
+          <p:cNvPr id="4" name="Picture 3"/>
+          <p:cNvPicPr>
+            <a:picLocks noChangeAspect="1"/>
+          </p:cNvPicPr>
+          <p:nvPr/>
+        </p:nvPicPr>
+        <p:blipFill>
+          <a:blip r:embed="rId2"/>
+          <a:stretch>
+            <a:fillRect/>
+          </a:stretch>
+        </p:blipFill>
+        <p:spPr>
+          <a:xfrm>
+            <a:off x="1718442" y="2904797"/>
+            <a:ext cx="5771578" cy="3366754"/>
+          </a:xfrm>
+          <a:prstGeom prst="rect">
+            <a:avLst/>
+          </a:prstGeom>
+        </p:spPr>
+      </p:pic>
+    </p:spTree>
+    <p:extLst>
+      <p:ext uri="{BB962C8B-B14F-4D97-AF65-F5344CB8AC3E}">
+        <p14:creationId xmlns:p14="http://schemas.microsoft.com/office/powerpoint/2010/main" val="210932977"/>
+      </p:ext>
+    </p:extLst>
+  </p:cSld>
+  <p:clrMapOvr>
+    <a:masterClrMapping/>
+  </p:clrMapOvr>
+  <p:timing>
+    <p:tnLst>
+      <p:par>
+        <p:cTn id="1" dur="indefinite" restart="never" nodeType="tmRoot"/>
+      </p:par>
+    </p:tnLst>
+  </p:timing>
+</p:sld>
+</file>
+
+<file path=ppt/slides/slide18.xml><?xml version="1.0" encoding="utf-8"?>
+<p:sld xmlns:a="http://schemas.openxmlformats.org/drawingml/2006/main" xmlns:r="http://schemas.openxmlformats.org/officeDocument/2006/relationships" xmlns:p="http://schemas.openxmlformats.org/presentationml/2006/main">
+  <p:cSld>
+    <p:spTree>
+      <p:nvGrpSpPr>
+        <p:cNvPr id="1" name=""/>
+        <p:cNvGrpSpPr/>
+        <p:nvPr/>
+      </p:nvGrpSpPr>
+      <p:grpSpPr>
+        <a:xfrm>
+          <a:off x="0" y="0"/>
+          <a:ext cx="0" cy="0"/>
+          <a:chOff x="0" y="0"/>
+          <a:chExt cx="0" cy="0"/>
+        </a:xfrm>
+      </p:grpSpPr>
+      <p:sp>
+        <p:nvSpPr>
+          <p:cNvPr id="2" name="Title 1"/>
+          <p:cNvSpPr>
+            <a:spLocks noGrp="1"/>
+          </p:cNvSpPr>
+          <p:nvPr>
+            <p:ph type="title"/>
+          </p:nvPr>
+        </p:nvSpPr>
+        <p:spPr/>
+        <p:txBody>
+          <a:bodyPr/>
+          <a:lstStyle/>
+          <a:p>
+            <a:r>
+              <a:rPr lang="vi-VN" dirty="0" smtClean="0"/>
+              <a:t>Phương thức và thuộc tính.</a:t>
+            </a:r>
+            <a:endParaRPr lang="en-US" dirty="0"/>
+          </a:p>
+        </p:txBody>
+      </p:sp>
+      <p:sp>
+        <p:nvSpPr>
+          <p:cNvPr id="4" name="Text Placeholder 3"/>
+          <p:cNvSpPr>
+            <a:spLocks noGrp="1"/>
+          </p:cNvSpPr>
+          <p:nvPr>
+            <p:ph type="body" idx="1"/>
+          </p:nvPr>
+        </p:nvSpPr>
+        <p:spPr/>
+        <p:txBody>
+          <a:bodyPr/>
+          <a:lstStyle/>
+          <a:p>
+            <a:r>
+              <a:rPr lang="vi-VN" dirty="0" smtClean="0"/>
+              <a:t>Thuộc tính</a:t>
+            </a:r>
+            <a:endParaRPr lang="en-US" dirty="0"/>
+          </a:p>
+        </p:txBody>
+      </p:sp>
+      <p:sp>
+        <p:nvSpPr>
+          <p:cNvPr id="5" name="Content Placeholder 4"/>
+          <p:cNvSpPr>
+            <a:spLocks noGrp="1"/>
+          </p:cNvSpPr>
+          <p:nvPr>
+            <p:ph sz="half" idx="2"/>
+          </p:nvPr>
+        </p:nvSpPr>
+        <p:spPr/>
+        <p:txBody>
+          <a:bodyPr/>
+          <a:lstStyle/>
+          <a:p>
+            <a:r>
+              <a:rPr lang="vi-VN" dirty="0" smtClean="0"/>
+              <a:t>Chúng ta dùng </a:t>
+            </a:r>
+            <a:r>
+              <a:rPr lang="vi-VN" dirty="0" err="1" smtClean="0"/>
+              <a:t>operator</a:t>
+            </a:r>
+            <a:r>
+              <a:rPr lang="vi-VN" dirty="0" smtClean="0"/>
+              <a:t> chấm để truy cập thuộc tính.</a:t>
+            </a:r>
+            <a:endParaRPr lang="en-US" dirty="0"/>
+          </a:p>
+        </p:txBody>
+      </p:sp>
+      <p:sp>
+        <p:nvSpPr>
+          <p:cNvPr id="6" name="Text Placeholder 5"/>
+          <p:cNvSpPr>
+            <a:spLocks noGrp="1"/>
+          </p:cNvSpPr>
+          <p:nvPr>
+            <p:ph type="body" sz="quarter" idx="3"/>
+          </p:nvPr>
+        </p:nvSpPr>
+        <p:spPr/>
+        <p:txBody>
+          <a:bodyPr/>
+          <a:lstStyle/>
+          <a:p>
+            <a:r>
+              <a:rPr lang="vi-VN" dirty="0" smtClean="0"/>
+              <a:t>Phương thức</a:t>
+            </a:r>
+            <a:endParaRPr lang="en-US" dirty="0"/>
+          </a:p>
+        </p:txBody>
+      </p:sp>
+      <p:sp>
+        <p:nvSpPr>
+          <p:cNvPr id="7" name="Content Placeholder 6"/>
+          <p:cNvSpPr>
+            <a:spLocks noGrp="1"/>
+          </p:cNvSpPr>
+          <p:nvPr>
+            <p:ph sz="quarter" idx="4"/>
+          </p:nvPr>
+        </p:nvSpPr>
+        <p:spPr/>
+        <p:txBody>
+          <a:bodyPr/>
+          <a:lstStyle/>
+          <a:p>
+            <a:r>
+              <a:rPr lang="vi-VN" dirty="0"/>
+              <a:t>Chúng ta dùng </a:t>
+            </a:r>
+            <a:r>
+              <a:rPr lang="vi-VN" dirty="0" err="1"/>
+              <a:t>operator</a:t>
+            </a:r>
+            <a:r>
+              <a:rPr lang="vi-VN" dirty="0"/>
+              <a:t> </a:t>
+            </a:r>
+            <a:r>
+              <a:rPr lang="vi-VN" dirty="0" smtClean="0"/>
+              <a:t>hai chấm </a:t>
+            </a:r>
+            <a:r>
+              <a:rPr lang="vi-VN" dirty="0"/>
+              <a:t>để truy cập thuộc </a:t>
+            </a:r>
+            <a:r>
+              <a:rPr lang="vi-VN" dirty="0" smtClean="0"/>
+              <a:t>tính.</a:t>
+            </a:r>
+          </a:p>
+          <a:p>
+            <a:endParaRPr lang="en-US" dirty="0" smtClean="0"/>
+          </a:p>
+          <a:p>
+            <a:endParaRPr lang="en-US" dirty="0"/>
+          </a:p>
+        </p:txBody>
+      </p:sp>
+      <p:pic>
+        <p:nvPicPr>
+          <p:cNvPr id="12" name="Picture 11"/>
+          <p:cNvPicPr>
+            <a:picLocks noChangeAspect="1"/>
+          </p:cNvPicPr>
+          <p:nvPr/>
+        </p:nvPicPr>
+        <p:blipFill>
+          <a:blip r:embed="rId2"/>
+          <a:stretch>
+            <a:fillRect/>
+          </a:stretch>
+        </p:blipFill>
+        <p:spPr>
+          <a:xfrm>
+            <a:off x="5292551" y="3743902"/>
+            <a:ext cx="3981450" cy="849119"/>
+          </a:xfrm>
+          <a:prstGeom prst="rect">
+            <a:avLst/>
+          </a:prstGeom>
+        </p:spPr>
+      </p:pic>
+      <p:pic>
+        <p:nvPicPr>
+          <p:cNvPr id="13" name="Picture 12"/>
+          <p:cNvPicPr>
+            <a:picLocks noChangeAspect="1"/>
+          </p:cNvPicPr>
+          <p:nvPr/>
+        </p:nvPicPr>
+        <p:blipFill>
+          <a:blip r:embed="rId3"/>
+          <a:stretch>
+            <a:fillRect/>
+          </a:stretch>
+        </p:blipFill>
+        <p:spPr>
+          <a:xfrm>
+            <a:off x="849268" y="3856168"/>
+            <a:ext cx="3838575" cy="624585"/>
+          </a:xfrm>
+          <a:prstGeom prst="rect">
+            <a:avLst/>
+          </a:prstGeom>
+        </p:spPr>
+      </p:pic>
+    </p:spTree>
+    <p:extLst>
+      <p:ext uri="{BB962C8B-B14F-4D97-AF65-F5344CB8AC3E}">
+        <p14:creationId xmlns:p14="http://schemas.microsoft.com/office/powerpoint/2010/main" val="4081424075"/>
+      </p:ext>
+    </p:extLst>
+  </p:cSld>
+  <p:clrMapOvr>
+    <a:masterClrMapping/>
+  </p:clrMapOvr>
+  <p:timing>
+    <p:tnLst>
+      <p:par>
+        <p:cTn id="1" dur="indefinite" restart="never" nodeType="tmRoot"/>
+      </p:par>
+    </p:tnLst>
+  </p:timing>
+</p:sld>
+</file>
+
+<file path=ppt/slides/slide19.xml><?xml version="1.0" encoding="utf-8"?>
+<p:sld xmlns:a="http://schemas.openxmlformats.org/drawingml/2006/main" xmlns:r="http://schemas.openxmlformats.org/officeDocument/2006/relationships" xmlns:p="http://schemas.openxmlformats.org/presentationml/2006/main">
+  <p:cSld>
+    <p:spTree>
+      <p:nvGrpSpPr>
+        <p:cNvPr id="1" name=""/>
+        <p:cNvGrpSpPr/>
+        <p:nvPr/>
+      </p:nvGrpSpPr>
+      <p:grpSpPr>
+        <a:xfrm>
+          <a:off x="0" y="0"/>
+          <a:ext cx="0" cy="0"/>
+          <a:chOff x="0" y="0"/>
+          <a:chExt cx="0" cy="0"/>
+        </a:xfrm>
+      </p:grpSpPr>
+      <p:sp>
+        <p:nvSpPr>
+          <p:cNvPr id="2" name="Title 1"/>
+          <p:cNvSpPr>
+            <a:spLocks noGrp="1"/>
+          </p:cNvSpPr>
+          <p:nvPr>
+            <p:ph type="title"/>
+          </p:nvPr>
+        </p:nvSpPr>
+        <p:spPr/>
+        <p:txBody>
+          <a:bodyPr/>
+          <a:lstStyle/>
+          <a:p>
+            <a:r>
+              <a:rPr lang="vi-VN" dirty="0" err="1" smtClean="0">
+                <a:latin typeface="Arial" panose="020B0604020202020204" pitchFamily="34" charset="0"/>
+                <a:cs typeface="Arial" panose="020B0604020202020204" pitchFamily="34" charset="0"/>
+              </a:rPr>
+              <a:t>Object</a:t>
+            </a:r>
+            <a:r>
+              <a:rPr lang="vi-VN" dirty="0" smtClean="0">
+                <a:latin typeface="Arial" panose="020B0604020202020204" pitchFamily="34" charset="0"/>
+                <a:cs typeface="Arial" panose="020B0604020202020204" pitchFamily="34" charset="0"/>
+              </a:rPr>
+              <a:t> </a:t>
+            </a:r>
+            <a:r>
+              <a:rPr lang="vi-VN" dirty="0" err="1" smtClean="0">
+                <a:latin typeface="Arial" panose="020B0604020202020204" pitchFamily="34" charset="0"/>
+                <a:cs typeface="Arial" panose="020B0604020202020204" pitchFamily="34" charset="0"/>
+              </a:rPr>
+              <a:t>order</a:t>
+            </a:r>
+            <a:r>
+              <a:rPr lang="vi-VN" dirty="0" smtClean="0">
+                <a:latin typeface="Arial" panose="020B0604020202020204" pitchFamily="34" charset="0"/>
+                <a:cs typeface="Arial" panose="020B0604020202020204" pitchFamily="34" charset="0"/>
+              </a:rPr>
+              <a:t>( thứ tự)</a:t>
+            </a:r>
+            <a:endParaRPr lang="en-US" dirty="0">
+              <a:latin typeface="Arial" panose="020B0604020202020204" pitchFamily="34" charset="0"/>
+              <a:cs typeface="Arial" panose="020B0604020202020204" pitchFamily="34" charset="0"/>
+            </a:endParaRPr>
+          </a:p>
+        </p:txBody>
+      </p:sp>
+      <p:sp>
+        <p:nvSpPr>
+          <p:cNvPr id="3" name="Content Placeholder 2"/>
+          <p:cNvSpPr>
+            <a:spLocks noGrp="1"/>
+          </p:cNvSpPr>
+          <p:nvPr>
+            <p:ph idx="1"/>
+          </p:nvPr>
+        </p:nvSpPr>
+        <p:spPr/>
+        <p:txBody>
+          <a:bodyPr/>
+          <a:lstStyle/>
+          <a:p>
+            <a:r>
+              <a:rPr lang="vi-VN" dirty="0" smtClean="0"/>
+              <a:t>Các đối tượng hiển thị được vẽ ra sau sẽ nằm trên đối tượng trước.</a:t>
+            </a:r>
+          </a:p>
+          <a:p>
+            <a:r>
+              <a:rPr lang="vi-VN" dirty="0" smtClean="0"/>
+              <a:t>Chúng ta vẫn có thể sắp xếp lại thứ tự của chúng bằng cách bỏ vào 1 nhóm và sắp xếp như 1 mảng.</a:t>
+            </a:r>
+            <a:endParaRPr lang="en-US" dirty="0"/>
+          </a:p>
+        </p:txBody>
+      </p:sp>
+    </p:spTree>
+    <p:extLst>
+      <p:ext uri="{BB962C8B-B14F-4D97-AF65-F5344CB8AC3E}">
+        <p14:creationId xmlns:p14="http://schemas.microsoft.com/office/powerpoint/2010/main" val="2122884679"/>
+      </p:ext>
+    </p:extLst>
+  </p:cSld>
+  <p:clrMapOvr>
+    <a:masterClrMapping/>
+  </p:clrMapOvr>
+  <p:timing>
+    <p:tnLst>
+      <p:par>
+        <p:cTn id="1" dur="indefinite" restart="never" nodeType="tmRoot"/>
+      </p:par>
+    </p:tnLst>
+  </p:timing>
 </p:sld>
 </file>
 
@@ -7273,11 +8295,7 @@
             <a:pPr lvl="1"/>
             <a:r>
               <a:rPr lang="vi-VN" dirty="0" smtClean="0"/>
-              <a:t>Kéo dãn nội dung</a:t>
-            </a:r>
-            <a:r>
-              <a:rPr lang="vi-VN" dirty="0" smtClean="0"/>
-              <a:t>.</a:t>
+              <a:t>Kéo dãn nội dung.</a:t>
             </a:r>
           </a:p>
           <a:p>
@@ -7288,11 +8306,7 @@
             </a:r>
             <a:r>
               <a:rPr lang="vi-VN" dirty="0" err="1" smtClean="0"/>
-              <a:t>l</a:t>
-            </a:r>
-            <a:r>
-              <a:rPr lang="vi-VN" dirty="0" err="1" smtClean="0"/>
-              <a:t>etterbox</a:t>
+              <a:t>letterbox</a:t>
             </a:r>
             <a:r>
               <a:rPr lang="vi-VN" dirty="0" smtClean="0"/>
@@ -7340,17 +8354,8 @@
             <a:pPr lvl="1"/>
             <a:r>
               <a:rPr lang="vi-VN" dirty="0" smtClean="0"/>
-              <a:t>Tốc </a:t>
-            </a:r>
-            <a:r>
-              <a:rPr lang="vi-VN" dirty="0" smtClean="0"/>
-              <a:t>độ khung hình</a:t>
-            </a:r>
-            <a:r>
-              <a:rPr lang="vi-VN" dirty="0" smtClean="0"/>
-              <a:t>.</a:t>
-            </a:r>
-            <a:endParaRPr lang="vi-VN" dirty="0" smtClean="0"/>
+              <a:t>Tốc độ khung hình.</a:t>
+            </a:r>
           </a:p>
           <a:p>
             <a:endParaRPr lang="vi-VN" dirty="0" smtClean="0"/>
@@ -7380,7 +8385,940 @@
 </p:sld>
 </file>
 
+<file path=ppt/slides/slide20.xml><?xml version="1.0" encoding="utf-8"?>
+<p:sld xmlns:a="http://schemas.openxmlformats.org/drawingml/2006/main" xmlns:r="http://schemas.openxmlformats.org/officeDocument/2006/relationships" xmlns:p="http://schemas.openxmlformats.org/presentationml/2006/main">
+  <p:cSld>
+    <p:spTree>
+      <p:nvGrpSpPr>
+        <p:cNvPr id="1" name=""/>
+        <p:cNvGrpSpPr/>
+        <p:nvPr/>
+      </p:nvGrpSpPr>
+      <p:grpSpPr>
+        <a:xfrm>
+          <a:off x="0" y="0"/>
+          <a:ext cx="0" cy="0"/>
+          <a:chOff x="0" y="0"/>
+          <a:chExt cx="0" cy="0"/>
+        </a:xfrm>
+      </p:grpSpPr>
+      <p:sp>
+        <p:nvSpPr>
+          <p:cNvPr id="2" name="Title 1"/>
+          <p:cNvSpPr>
+            <a:spLocks noGrp="1"/>
+          </p:cNvSpPr>
+          <p:nvPr>
+            <p:ph type="title"/>
+          </p:nvPr>
+        </p:nvSpPr>
+        <p:spPr/>
+        <p:txBody>
+          <a:bodyPr/>
+          <a:lstStyle/>
+          <a:p>
+            <a:r>
+              <a:rPr lang="vi-VN" dirty="0" smtClean="0"/>
+              <a:t>Xóa bỏ.</a:t>
+            </a:r>
+            <a:endParaRPr lang="en-US" dirty="0"/>
+          </a:p>
+        </p:txBody>
+      </p:sp>
+      <p:sp>
+        <p:nvSpPr>
+          <p:cNvPr id="3" name="Content Placeholder 2"/>
+          <p:cNvSpPr>
+            <a:spLocks noGrp="1"/>
+          </p:cNvSpPr>
+          <p:nvPr>
+            <p:ph idx="1"/>
+          </p:nvPr>
+        </p:nvSpPr>
+        <p:spPr/>
+        <p:txBody>
+          <a:bodyPr/>
+          <a:lstStyle/>
+          <a:p>
+            <a:r>
+              <a:rPr lang="vi-VN" dirty="0" smtClean="0"/>
+              <a:t>Chúng ta có 3 cách để bỏ một đối tượng.</a:t>
+            </a:r>
+          </a:p>
+          <a:p>
+            <a:r>
+              <a:rPr lang="vi-VN" dirty="0" smtClean="0"/>
+              <a:t>Cần nhớ gán lại giá trị cho biến đó = </a:t>
+            </a:r>
+            <a:r>
+              <a:rPr lang="vi-VN" b="1" dirty="0" err="1" smtClean="0"/>
+              <a:t>nil</a:t>
+            </a:r>
+            <a:r>
+              <a:rPr lang="vi-VN" dirty="0" smtClean="0"/>
+              <a:t> để thu hồi bộ nhớ.</a:t>
+            </a:r>
+          </a:p>
+          <a:p>
+            <a:endParaRPr lang="en-US" dirty="0"/>
+          </a:p>
+        </p:txBody>
+      </p:sp>
+      <p:pic>
+        <p:nvPicPr>
+          <p:cNvPr id="4" name="Picture 3"/>
+          <p:cNvPicPr>
+            <a:picLocks noChangeAspect="1"/>
+          </p:cNvPicPr>
+          <p:nvPr/>
+        </p:nvPicPr>
+        <p:blipFill>
+          <a:blip r:embed="rId2"/>
+          <a:stretch>
+            <a:fillRect/>
+          </a:stretch>
+        </p:blipFill>
+        <p:spPr>
+          <a:xfrm>
+            <a:off x="979104" y="3447247"/>
+            <a:ext cx="3215622" cy="2594115"/>
+          </a:xfrm>
+          <a:prstGeom prst="rect">
+            <a:avLst/>
+          </a:prstGeom>
+        </p:spPr>
+      </p:pic>
+      <p:pic>
+        <p:nvPicPr>
+          <p:cNvPr id="5" name="Picture 4"/>
+          <p:cNvPicPr>
+            <a:picLocks noChangeAspect="1"/>
+          </p:cNvPicPr>
+          <p:nvPr/>
+        </p:nvPicPr>
+        <p:blipFill>
+          <a:blip r:embed="rId3"/>
+          <a:stretch>
+            <a:fillRect/>
+          </a:stretch>
+        </p:blipFill>
+        <p:spPr>
+          <a:xfrm>
+            <a:off x="5253241" y="3447247"/>
+            <a:ext cx="2734621" cy="2745345"/>
+          </a:xfrm>
+          <a:prstGeom prst="rect">
+            <a:avLst/>
+          </a:prstGeom>
+        </p:spPr>
+      </p:pic>
+    </p:spTree>
+    <p:extLst>
+      <p:ext uri="{BB962C8B-B14F-4D97-AF65-F5344CB8AC3E}">
+        <p14:creationId xmlns:p14="http://schemas.microsoft.com/office/powerpoint/2010/main" val="549575327"/>
+      </p:ext>
+    </p:extLst>
+  </p:cSld>
+  <p:clrMapOvr>
+    <a:masterClrMapping/>
+  </p:clrMapOvr>
+  <p:timing>
+    <p:tnLst>
+      <p:par>
+        <p:cTn id="1" dur="indefinite" restart="never" nodeType="tmRoot"/>
+      </p:par>
+    </p:tnLst>
+  </p:timing>
+</p:sld>
+</file>
+
+<file path=ppt/slides/slide21.xml><?xml version="1.0" encoding="utf-8"?>
+<p:sld xmlns:a="http://schemas.openxmlformats.org/drawingml/2006/main" xmlns:r="http://schemas.openxmlformats.org/officeDocument/2006/relationships" xmlns:p="http://schemas.openxmlformats.org/presentationml/2006/main">
+  <p:cSld>
+    <p:spTree>
+      <p:nvGrpSpPr>
+        <p:cNvPr id="1" name=""/>
+        <p:cNvGrpSpPr/>
+        <p:nvPr/>
+      </p:nvGrpSpPr>
+      <p:grpSpPr>
+        <a:xfrm>
+          <a:off x="0" y="0"/>
+          <a:ext cx="0" cy="0"/>
+          <a:chOff x="0" y="0"/>
+          <a:chExt cx="0" cy="0"/>
+        </a:xfrm>
+      </p:grpSpPr>
+      <p:sp>
+        <p:nvSpPr>
+          <p:cNvPr id="5" name="Title 4"/>
+          <p:cNvSpPr>
+            <a:spLocks noGrp="1"/>
+          </p:cNvSpPr>
+          <p:nvPr>
+            <p:ph type="title"/>
+          </p:nvPr>
+        </p:nvSpPr>
+        <p:spPr>
+          <a:xfrm>
+            <a:off x="666824" y="703902"/>
+            <a:ext cx="8596668" cy="1826581"/>
+          </a:xfrm>
+        </p:spPr>
+        <p:txBody>
+          <a:bodyPr>
+            <a:normAutofit/>
+          </a:bodyPr>
+          <a:lstStyle/>
+          <a:p>
+            <a:r>
+              <a:rPr lang="en-US" b="1" dirty="0">
+                <a:latin typeface="Arial" panose="020B0604020202020204" pitchFamily="34" charset="0"/>
+                <a:cs typeface="Arial" panose="020B0604020202020204" pitchFamily="34" charset="0"/>
+              </a:rPr>
+              <a:t>Sprite </a:t>
+            </a:r>
+            <a:r>
+              <a:rPr lang="en-US" b="1" dirty="0" smtClean="0">
+                <a:latin typeface="Arial" panose="020B0604020202020204" pitchFamily="34" charset="0"/>
+                <a:cs typeface="Arial" panose="020B0604020202020204" pitchFamily="34" charset="0"/>
+              </a:rPr>
+              <a:t>Animation</a:t>
+            </a:r>
+            <a:r>
+              <a:rPr lang="vi-VN" b="1" dirty="0" smtClean="0">
+                <a:latin typeface="Arial" panose="020B0604020202020204" pitchFamily="34" charset="0"/>
+                <a:cs typeface="Arial" panose="020B0604020202020204" pitchFamily="34" charset="0"/>
+              </a:rPr>
+              <a:t>( bóng hoạt hình)</a:t>
+            </a:r>
+            <a:r>
+              <a:rPr lang="en-US" b="1" dirty="0">
+                <a:latin typeface="Arial" panose="020B0604020202020204" pitchFamily="34" charset="0"/>
+                <a:cs typeface="Arial" panose="020B0604020202020204" pitchFamily="34" charset="0"/>
+              </a:rPr>
+              <a:t/>
+            </a:r>
+            <a:br>
+              <a:rPr lang="en-US" b="1" dirty="0">
+                <a:latin typeface="Arial" panose="020B0604020202020204" pitchFamily="34" charset="0"/>
+                <a:cs typeface="Arial" panose="020B0604020202020204" pitchFamily="34" charset="0"/>
+              </a:rPr>
+            </a:br>
+            <a:endParaRPr lang="en-US" dirty="0">
+              <a:latin typeface="Arial" panose="020B0604020202020204" pitchFamily="34" charset="0"/>
+              <a:cs typeface="Arial" panose="020B0604020202020204" pitchFamily="34" charset="0"/>
+            </a:endParaRPr>
+          </a:p>
+        </p:txBody>
+      </p:sp>
+    </p:spTree>
+    <p:extLst>
+      <p:ext uri="{BB962C8B-B14F-4D97-AF65-F5344CB8AC3E}">
+        <p14:creationId xmlns:p14="http://schemas.microsoft.com/office/powerpoint/2010/main" val="1723922942"/>
+      </p:ext>
+    </p:extLst>
+  </p:cSld>
+  <p:clrMapOvr>
+    <a:masterClrMapping/>
+  </p:clrMapOvr>
+  <p:timing>
+    <p:tnLst>
+      <p:par>
+        <p:cTn id="1" dur="indefinite" restart="never" nodeType="tmRoot"/>
+      </p:par>
+    </p:tnLst>
+  </p:timing>
+</p:sld>
+</file>
+
+<file path=ppt/slides/slide22.xml><?xml version="1.0" encoding="utf-8"?>
+<p:sld xmlns:a="http://schemas.openxmlformats.org/drawingml/2006/main" xmlns:r="http://schemas.openxmlformats.org/officeDocument/2006/relationships" xmlns:p="http://schemas.openxmlformats.org/presentationml/2006/main">
+  <p:cSld>
+    <p:spTree>
+      <p:nvGrpSpPr>
+        <p:cNvPr id="1" name=""/>
+        <p:cNvGrpSpPr/>
+        <p:nvPr/>
+      </p:nvGrpSpPr>
+      <p:grpSpPr>
+        <a:xfrm>
+          <a:off x="0" y="0"/>
+          <a:ext cx="0" cy="0"/>
+          <a:chOff x="0" y="0"/>
+          <a:chExt cx="0" cy="0"/>
+        </a:xfrm>
+      </p:grpSpPr>
+      <p:sp>
+        <p:nvSpPr>
+          <p:cNvPr id="4" name="Title 3"/>
+          <p:cNvSpPr>
+            <a:spLocks noGrp="1"/>
+          </p:cNvSpPr>
+          <p:nvPr>
+            <p:ph type="title"/>
+          </p:nvPr>
+        </p:nvSpPr>
+        <p:spPr/>
+        <p:txBody>
+          <a:bodyPr/>
+          <a:lstStyle/>
+          <a:p>
+            <a:r>
+              <a:rPr lang="vi-VN" dirty="0" err="1" smtClean="0"/>
+              <a:t>Image</a:t>
+            </a:r>
+            <a:r>
+              <a:rPr lang="vi-VN" dirty="0" smtClean="0"/>
+              <a:t> </a:t>
+            </a:r>
+            <a:r>
+              <a:rPr lang="vi-VN" dirty="0" err="1" smtClean="0"/>
+              <a:t>sheets</a:t>
+            </a:r>
+            <a:endParaRPr lang="en-US" dirty="0"/>
+          </a:p>
+        </p:txBody>
+      </p:sp>
+      <p:sp>
+        <p:nvSpPr>
+          <p:cNvPr id="5" name="Content Placeholder 4"/>
+          <p:cNvSpPr>
+            <a:spLocks noGrp="1"/>
+          </p:cNvSpPr>
+          <p:nvPr>
+            <p:ph idx="1"/>
+          </p:nvPr>
+        </p:nvSpPr>
+        <p:spPr/>
+        <p:txBody>
+          <a:bodyPr/>
+          <a:lstStyle/>
+          <a:p>
+            <a:r>
+              <a:rPr lang="vi-VN" dirty="0" err="1" smtClean="0"/>
+              <a:t>Image</a:t>
+            </a:r>
+            <a:r>
+              <a:rPr lang="vi-VN" dirty="0" smtClean="0"/>
+              <a:t> </a:t>
+            </a:r>
+            <a:r>
+              <a:rPr lang="vi-VN" dirty="0" err="1" smtClean="0"/>
+              <a:t>sheet</a:t>
+            </a:r>
+            <a:r>
+              <a:rPr lang="vi-VN" dirty="0" smtClean="0"/>
+              <a:t> là cơ sở cho mọi </a:t>
+            </a:r>
+            <a:r>
+              <a:rPr lang="vi-VN" dirty="0" err="1" smtClean="0"/>
+              <a:t>animated</a:t>
+            </a:r>
+            <a:r>
+              <a:rPr lang="vi-VN" dirty="0" smtClean="0"/>
+              <a:t> </a:t>
+            </a:r>
+            <a:r>
+              <a:rPr lang="vi-VN" dirty="0" err="1" smtClean="0"/>
+              <a:t>sprites</a:t>
+            </a:r>
+            <a:r>
+              <a:rPr lang="vi-VN" dirty="0" smtClean="0"/>
+              <a:t> trong </a:t>
+            </a:r>
+            <a:r>
+              <a:rPr lang="vi-VN" dirty="0" err="1" smtClean="0"/>
+              <a:t>Corona</a:t>
+            </a:r>
+            <a:r>
+              <a:rPr lang="vi-VN" dirty="0" smtClean="0"/>
+              <a:t>.</a:t>
+            </a:r>
+          </a:p>
+          <a:p>
+            <a:r>
+              <a:rPr lang="vi-VN" dirty="0" smtClean="0"/>
+              <a:t>Nó giống như một cuộn phim khi được chiếu nhanh sẽ tạo thành hoạt ảnh.</a:t>
+            </a:r>
+          </a:p>
+          <a:p>
+            <a:endParaRPr lang="en-US" dirty="0"/>
+          </a:p>
+        </p:txBody>
+      </p:sp>
+      <p:pic>
+        <p:nvPicPr>
+          <p:cNvPr id="1026" name="Picture 2" descr="https://docs.coronalabs.com/images/simulator/sprites-cat-running.png"/>
+          <p:cNvPicPr>
+            <a:picLocks noChangeAspect="1" noChangeArrowheads="1"/>
+          </p:cNvPicPr>
+          <p:nvPr/>
+        </p:nvPicPr>
+        <p:blipFill>
+          <a:blip r:embed="rId2">
+            <a:extLst>
+              <a:ext uri="{28A0092B-C50C-407E-A947-70E740481C1C}">
+                <a14:useLocalDpi xmlns:a14="http://schemas.microsoft.com/office/drawing/2010/main" val="0"/>
+              </a:ext>
+            </a:extLst>
+          </a:blip>
+          <a:srcRect/>
+          <a:stretch>
+            <a:fillRect/>
+          </a:stretch>
+        </p:blipFill>
+        <p:spPr bwMode="auto">
+          <a:xfrm>
+            <a:off x="403670" y="3250882"/>
+            <a:ext cx="8778236" cy="2194560"/>
+          </a:xfrm>
+          <a:prstGeom prst="rect">
+            <a:avLst/>
+          </a:prstGeom>
+          <a:noFill/>
+          <a:extLst>
+            <a:ext uri="{909E8E84-426E-40DD-AFC4-6F175D3DCCD1}">
+              <a14:hiddenFill xmlns:a14="http://schemas.microsoft.com/office/drawing/2010/main">
+                <a:solidFill>
+                  <a:srgbClr val="FFFFFF"/>
+                </a:solidFill>
+              </a14:hiddenFill>
+            </a:ext>
+          </a:extLst>
+        </p:spPr>
+      </p:pic>
+    </p:spTree>
+    <p:extLst>
+      <p:ext uri="{BB962C8B-B14F-4D97-AF65-F5344CB8AC3E}">
+        <p14:creationId xmlns:p14="http://schemas.microsoft.com/office/powerpoint/2010/main" val="947059766"/>
+      </p:ext>
+    </p:extLst>
+  </p:cSld>
+  <p:clrMapOvr>
+    <a:masterClrMapping/>
+  </p:clrMapOvr>
+  <p:timing>
+    <p:tnLst>
+      <p:par>
+        <p:cTn id="1" dur="indefinite" restart="never" nodeType="tmRoot"/>
+      </p:par>
+    </p:tnLst>
+  </p:timing>
+</p:sld>
+</file>
+
+<file path=ppt/slides/slide23.xml><?xml version="1.0" encoding="utf-8"?>
+<p:sld xmlns:a="http://schemas.openxmlformats.org/drawingml/2006/main" xmlns:r="http://schemas.openxmlformats.org/officeDocument/2006/relationships" xmlns:p="http://schemas.openxmlformats.org/presentationml/2006/main">
+  <p:cSld>
+    <p:spTree>
+      <p:nvGrpSpPr>
+        <p:cNvPr id="1" name=""/>
+        <p:cNvGrpSpPr/>
+        <p:nvPr/>
+      </p:nvGrpSpPr>
+      <p:grpSpPr>
+        <a:xfrm>
+          <a:off x="0" y="0"/>
+          <a:ext cx="0" cy="0"/>
+          <a:chOff x="0" y="0"/>
+          <a:chExt cx="0" cy="0"/>
+        </a:xfrm>
+      </p:grpSpPr>
+      <p:sp>
+        <p:nvSpPr>
+          <p:cNvPr id="4" name="Title 3"/>
+          <p:cNvSpPr>
+            <a:spLocks noGrp="1"/>
+          </p:cNvSpPr>
+          <p:nvPr>
+            <p:ph type="title"/>
+          </p:nvPr>
+        </p:nvSpPr>
+        <p:spPr/>
+        <p:txBody>
+          <a:bodyPr/>
+          <a:lstStyle/>
+          <a:p>
+            <a:r>
+              <a:rPr lang="vi-VN" dirty="0" err="1" smtClean="0"/>
+              <a:t>Image</a:t>
+            </a:r>
+            <a:r>
+              <a:rPr lang="vi-VN" dirty="0" smtClean="0"/>
+              <a:t> </a:t>
+            </a:r>
+            <a:r>
+              <a:rPr lang="vi-VN" dirty="0" err="1" smtClean="0"/>
+              <a:t>sheets</a:t>
+            </a:r>
+            <a:endParaRPr lang="en-US" dirty="0"/>
+          </a:p>
+        </p:txBody>
+      </p:sp>
+      <p:sp>
+        <p:nvSpPr>
+          <p:cNvPr id="5" name="Content Placeholder 4"/>
+          <p:cNvSpPr>
+            <a:spLocks noGrp="1"/>
+          </p:cNvSpPr>
+          <p:nvPr>
+            <p:ph idx="1"/>
+          </p:nvPr>
+        </p:nvSpPr>
+        <p:spPr/>
+        <p:txBody>
+          <a:bodyPr/>
+          <a:lstStyle/>
+          <a:p>
+            <a:r>
+              <a:rPr lang="vi-VN" dirty="0" smtClean="0"/>
+              <a:t>Để tạo được </a:t>
+            </a:r>
+            <a:r>
+              <a:rPr lang="vi-VN" dirty="0" err="1" smtClean="0"/>
+              <a:t>Image</a:t>
+            </a:r>
+            <a:r>
+              <a:rPr lang="vi-VN" dirty="0" smtClean="0"/>
+              <a:t> </a:t>
+            </a:r>
+            <a:r>
+              <a:rPr lang="vi-VN" dirty="0" err="1" smtClean="0"/>
+              <a:t>sheets</a:t>
+            </a:r>
+            <a:r>
+              <a:rPr lang="vi-VN" dirty="0" smtClean="0"/>
+              <a:t> ta cần có 1 </a:t>
+            </a:r>
+            <a:r>
+              <a:rPr lang="vi-VN" dirty="0" err="1" smtClean="0"/>
+              <a:t>file</a:t>
+            </a:r>
+            <a:r>
+              <a:rPr lang="vi-VN" dirty="0" smtClean="0"/>
+              <a:t> ảnh và 1 cấu hình cho </a:t>
+            </a:r>
+            <a:r>
+              <a:rPr lang="vi-VN" dirty="0" err="1" smtClean="0"/>
+              <a:t>file</a:t>
+            </a:r>
+            <a:r>
+              <a:rPr lang="vi-VN" dirty="0" smtClean="0"/>
+              <a:t> ảnh đó.</a:t>
+            </a:r>
+          </a:p>
+          <a:p>
+            <a:r>
+              <a:rPr lang="vi-VN" b="1" dirty="0" err="1" smtClean="0"/>
+              <a:t>width</a:t>
+            </a:r>
+            <a:r>
+              <a:rPr lang="vi-VN" dirty="0" smtClean="0"/>
+              <a:t>, </a:t>
+            </a:r>
+            <a:r>
+              <a:rPr lang="vi-VN" b="1" dirty="0" err="1" smtClean="0"/>
+              <a:t>height</a:t>
+            </a:r>
+            <a:r>
+              <a:rPr lang="vi-VN" dirty="0" smtClean="0"/>
+              <a:t> là kích thước của 1 ảnh đơn.</a:t>
+            </a:r>
+          </a:p>
+          <a:p>
+            <a:r>
+              <a:rPr lang="vi-VN" b="1" dirty="0" err="1" smtClean="0"/>
+              <a:t>numFrames</a:t>
+            </a:r>
+            <a:r>
+              <a:rPr lang="vi-VN" b="1" dirty="0" smtClean="0"/>
+              <a:t> </a:t>
+            </a:r>
+            <a:r>
+              <a:rPr lang="vi-VN" dirty="0" smtClean="0"/>
+              <a:t>là số lượng ảnh sẽ được cắt ra từ ảnh gốc. Theo thứ tự từ trái qua phải, từ trên xuống dưới.</a:t>
+            </a:r>
+            <a:endParaRPr lang="vi-VN" b="1" dirty="0" smtClean="0"/>
+          </a:p>
+          <a:p>
+            <a:endParaRPr lang="en-US" dirty="0"/>
+          </a:p>
+        </p:txBody>
+      </p:sp>
+      <p:pic>
+        <p:nvPicPr>
+          <p:cNvPr id="2" name="Picture 1"/>
+          <p:cNvPicPr>
+            <a:picLocks noChangeAspect="1"/>
+          </p:cNvPicPr>
+          <p:nvPr/>
+        </p:nvPicPr>
+        <p:blipFill>
+          <a:blip r:embed="rId2"/>
+          <a:stretch>
+            <a:fillRect/>
+          </a:stretch>
+        </p:blipFill>
+        <p:spPr>
+          <a:xfrm>
+            <a:off x="3346231" y="3967870"/>
+            <a:ext cx="3485493" cy="2404991"/>
+          </a:xfrm>
+          <a:prstGeom prst="rect">
+            <a:avLst/>
+          </a:prstGeom>
+        </p:spPr>
+      </p:pic>
+    </p:spTree>
+    <p:extLst>
+      <p:ext uri="{BB962C8B-B14F-4D97-AF65-F5344CB8AC3E}">
+        <p14:creationId xmlns:p14="http://schemas.microsoft.com/office/powerpoint/2010/main" val="3147176617"/>
+      </p:ext>
+    </p:extLst>
+  </p:cSld>
+  <p:clrMapOvr>
+    <a:masterClrMapping/>
+  </p:clrMapOvr>
+  <p:timing>
+    <p:tnLst>
+      <p:par>
+        <p:cTn id="1" dur="indefinite" restart="never" nodeType="tmRoot"/>
+      </p:par>
+    </p:tnLst>
+  </p:timing>
+</p:sld>
+</file>
+
+<file path=ppt/slides/slide24.xml><?xml version="1.0" encoding="utf-8"?>
+<p:sld xmlns:a="http://schemas.openxmlformats.org/drawingml/2006/main" xmlns:r="http://schemas.openxmlformats.org/officeDocument/2006/relationships" xmlns:p="http://schemas.openxmlformats.org/presentationml/2006/main">
+  <p:cSld>
+    <p:spTree>
+      <p:nvGrpSpPr>
+        <p:cNvPr id="1" name=""/>
+        <p:cNvGrpSpPr/>
+        <p:nvPr/>
+      </p:nvGrpSpPr>
+      <p:grpSpPr>
+        <a:xfrm>
+          <a:off x="0" y="0"/>
+          <a:ext cx="0" cy="0"/>
+          <a:chOff x="0" y="0"/>
+          <a:chExt cx="0" cy="0"/>
+        </a:xfrm>
+      </p:grpSpPr>
+      <p:sp>
+        <p:nvSpPr>
+          <p:cNvPr id="4" name="Title 3"/>
+          <p:cNvSpPr>
+            <a:spLocks noGrp="1"/>
+          </p:cNvSpPr>
+          <p:nvPr>
+            <p:ph type="title"/>
+          </p:nvPr>
+        </p:nvSpPr>
+        <p:spPr/>
+        <p:txBody>
+          <a:bodyPr/>
+          <a:lstStyle/>
+          <a:p>
+            <a:r>
+              <a:rPr lang="vi-VN" dirty="0" err="1" smtClean="0"/>
+              <a:t>Image</a:t>
+            </a:r>
+            <a:r>
+              <a:rPr lang="vi-VN" dirty="0" smtClean="0"/>
+              <a:t> </a:t>
+            </a:r>
+            <a:r>
+              <a:rPr lang="vi-VN" dirty="0" err="1" smtClean="0"/>
+              <a:t>sheets</a:t>
+            </a:r>
+            <a:endParaRPr lang="en-US" dirty="0"/>
+          </a:p>
+        </p:txBody>
+      </p:sp>
+      <p:sp>
+        <p:nvSpPr>
+          <p:cNvPr id="5" name="Content Placeholder 4"/>
+          <p:cNvSpPr>
+            <a:spLocks noGrp="1"/>
+          </p:cNvSpPr>
+          <p:nvPr>
+            <p:ph idx="1"/>
+          </p:nvPr>
+        </p:nvSpPr>
+        <p:spPr/>
+        <p:txBody>
+          <a:bodyPr/>
+          <a:lstStyle/>
+          <a:p>
+            <a:r>
+              <a:rPr lang="vi-VN" dirty="0" smtClean="0"/>
+              <a:t>Tạo </a:t>
+            </a:r>
+            <a:r>
+              <a:rPr lang="vi-VN" dirty="0" err="1" smtClean="0"/>
+              <a:t>image</a:t>
+            </a:r>
+            <a:r>
+              <a:rPr lang="vi-VN" dirty="0" smtClean="0"/>
+              <a:t> </a:t>
+            </a:r>
+            <a:r>
+              <a:rPr lang="vi-VN" dirty="0" err="1" smtClean="0"/>
+              <a:t>sheets</a:t>
+            </a:r>
+            <a:r>
+              <a:rPr lang="vi-VN" dirty="0" smtClean="0"/>
+              <a:t> bằng câu lệnh.</a:t>
+            </a:r>
+            <a:endParaRPr lang="en-US" dirty="0"/>
+          </a:p>
+        </p:txBody>
+      </p:sp>
+      <p:pic>
+        <p:nvPicPr>
+          <p:cNvPr id="3" name="Picture 2"/>
+          <p:cNvPicPr>
+            <a:picLocks noChangeAspect="1"/>
+          </p:cNvPicPr>
+          <p:nvPr/>
+        </p:nvPicPr>
+        <p:blipFill>
+          <a:blip r:embed="rId2"/>
+          <a:stretch>
+            <a:fillRect/>
+          </a:stretch>
+        </p:blipFill>
+        <p:spPr>
+          <a:xfrm>
+            <a:off x="452930" y="3844158"/>
+            <a:ext cx="9805167" cy="407487"/>
+          </a:xfrm>
+          <a:prstGeom prst="rect">
+            <a:avLst/>
+          </a:prstGeom>
+        </p:spPr>
+      </p:pic>
+    </p:spTree>
+    <p:extLst>
+      <p:ext uri="{BB962C8B-B14F-4D97-AF65-F5344CB8AC3E}">
+        <p14:creationId xmlns:p14="http://schemas.microsoft.com/office/powerpoint/2010/main" val="3860046882"/>
+      </p:ext>
+    </p:extLst>
+  </p:cSld>
+  <p:clrMapOvr>
+    <a:masterClrMapping/>
+  </p:clrMapOvr>
+  <p:timing>
+    <p:tnLst>
+      <p:par>
+        <p:cTn id="1" dur="indefinite" restart="never" nodeType="tmRoot"/>
+      </p:par>
+    </p:tnLst>
+  </p:timing>
+</p:sld>
+</file>
+
 <file path=ppt/slides/slide3.xml><?xml version="1.0" encoding="utf-8"?>
+<p:sld xmlns:a="http://schemas.openxmlformats.org/drawingml/2006/main" xmlns:r="http://schemas.openxmlformats.org/officeDocument/2006/relationships" xmlns:p="http://schemas.openxmlformats.org/presentationml/2006/main">
+  <p:cSld>
+    <p:spTree>
+      <p:nvGrpSpPr>
+        <p:cNvPr id="1" name=""/>
+        <p:cNvGrpSpPr/>
+        <p:nvPr/>
+      </p:nvGrpSpPr>
+      <p:grpSpPr>
+        <a:xfrm>
+          <a:off x="0" y="0"/>
+          <a:ext cx="0" cy="0"/>
+          <a:chOff x="0" y="0"/>
+          <a:chExt cx="0" cy="0"/>
+        </a:xfrm>
+      </p:grpSpPr>
+      <p:sp>
+        <p:nvSpPr>
+          <p:cNvPr id="2" name="Title 1"/>
+          <p:cNvSpPr>
+            <a:spLocks noGrp="1"/>
+          </p:cNvSpPr>
+          <p:nvPr>
+            <p:ph type="title"/>
+          </p:nvPr>
+        </p:nvSpPr>
+        <p:spPr>
+          <a:xfrm>
+            <a:off x="677334" y="609600"/>
+            <a:ext cx="8596668" cy="683172"/>
+          </a:xfrm>
+        </p:spPr>
+        <p:txBody>
+          <a:bodyPr/>
+          <a:lstStyle/>
+          <a:p>
+            <a:r>
+              <a:rPr lang="vi-VN" dirty="0" smtClean="0"/>
+              <a:t>Có gì trong bài này?</a:t>
+            </a:r>
+            <a:endParaRPr lang="vi-VN" dirty="0"/>
+          </a:p>
+        </p:txBody>
+      </p:sp>
+      <p:sp>
+        <p:nvSpPr>
+          <p:cNvPr id="3" name="Content Placeholder 2"/>
+          <p:cNvSpPr>
+            <a:spLocks noGrp="1"/>
+          </p:cNvSpPr>
+          <p:nvPr>
+            <p:ph idx="1"/>
+          </p:nvPr>
+        </p:nvSpPr>
+        <p:spPr>
+          <a:xfrm>
+            <a:off x="677334" y="1608083"/>
+            <a:ext cx="8596668" cy="4433280"/>
+          </a:xfrm>
+        </p:spPr>
+        <p:txBody>
+          <a:bodyPr>
+            <a:normAutofit/>
+          </a:bodyPr>
+          <a:lstStyle/>
+          <a:p>
+            <a:r>
+              <a:rPr lang="vi-VN" dirty="0" smtClean="0">
+                <a:latin typeface="Arial" panose="020B0604020202020204" pitchFamily="34" charset="0"/>
+                <a:cs typeface="Arial" panose="020B0604020202020204" pitchFamily="34" charset="0"/>
+              </a:rPr>
+              <a:t>Đồ họa.</a:t>
+            </a:r>
+          </a:p>
+          <a:p>
+            <a:pPr lvl="1"/>
+            <a:r>
+              <a:rPr lang="vi-VN" dirty="0" err="1" smtClean="0">
+                <a:latin typeface="Arial" panose="020B0604020202020204" pitchFamily="34" charset="0"/>
+                <a:cs typeface="Arial" panose="020B0604020202020204" pitchFamily="34" charset="0"/>
+              </a:rPr>
+              <a:t>Display</a:t>
+            </a:r>
+            <a:r>
+              <a:rPr lang="vi-VN" dirty="0" smtClean="0">
+                <a:latin typeface="Arial" panose="020B0604020202020204" pitchFamily="34" charset="0"/>
+                <a:cs typeface="Arial" panose="020B0604020202020204" pitchFamily="34" charset="0"/>
+              </a:rPr>
+              <a:t> </a:t>
+            </a:r>
+            <a:r>
+              <a:rPr lang="vi-VN" dirty="0" err="1" smtClean="0">
+                <a:latin typeface="Arial" panose="020B0604020202020204" pitchFamily="34" charset="0"/>
+                <a:cs typeface="Arial" panose="020B0604020202020204" pitchFamily="34" charset="0"/>
+              </a:rPr>
+              <a:t>Object</a:t>
+            </a:r>
+            <a:r>
+              <a:rPr lang="vi-VN" dirty="0" smtClean="0">
+                <a:latin typeface="Arial" panose="020B0604020202020204" pitchFamily="34" charset="0"/>
+                <a:cs typeface="Arial" panose="020B0604020202020204" pitchFamily="34" charset="0"/>
+              </a:rPr>
+              <a:t>( đối tượng hiển thị).</a:t>
+            </a:r>
+          </a:p>
+          <a:p>
+            <a:pPr lvl="2"/>
+            <a:r>
+              <a:rPr lang="vi-VN" dirty="0" smtClean="0">
+                <a:latin typeface="Arial" panose="020B0604020202020204" pitchFamily="34" charset="0"/>
+                <a:cs typeface="Arial" panose="020B0604020202020204" pitchFamily="34" charset="0"/>
+              </a:rPr>
+              <a:t>Tạo.</a:t>
+            </a:r>
+          </a:p>
+          <a:p>
+            <a:pPr lvl="2"/>
+            <a:r>
+              <a:rPr lang="vi-VN" dirty="0" smtClean="0">
+                <a:latin typeface="Arial" panose="020B0604020202020204" pitchFamily="34" charset="0"/>
+                <a:cs typeface="Arial" panose="020B0604020202020204" pitchFamily="34" charset="0"/>
+              </a:rPr>
+              <a:t>Phương thức và thuộc tính.</a:t>
+            </a:r>
+          </a:p>
+          <a:p>
+            <a:pPr lvl="2"/>
+            <a:r>
+              <a:rPr lang="en-US" dirty="0">
+                <a:latin typeface="Arial" panose="020B0604020202020204" pitchFamily="34" charset="0"/>
+                <a:cs typeface="Arial" panose="020B0604020202020204" pitchFamily="34" charset="0"/>
+              </a:rPr>
+              <a:t>Object </a:t>
+            </a:r>
+            <a:r>
+              <a:rPr lang="en-US" dirty="0" smtClean="0">
+                <a:latin typeface="Arial" panose="020B0604020202020204" pitchFamily="34" charset="0"/>
+                <a:cs typeface="Arial" panose="020B0604020202020204" pitchFamily="34" charset="0"/>
+              </a:rPr>
+              <a:t>Order</a:t>
+            </a:r>
+            <a:endParaRPr lang="vi-VN" dirty="0" smtClean="0">
+              <a:latin typeface="Arial" panose="020B0604020202020204" pitchFamily="34" charset="0"/>
+              <a:cs typeface="Arial" panose="020B0604020202020204" pitchFamily="34" charset="0"/>
+            </a:endParaRPr>
+          </a:p>
+          <a:p>
+            <a:pPr lvl="2"/>
+            <a:r>
+              <a:rPr lang="en-US" dirty="0" smtClean="0">
+                <a:latin typeface="Arial" panose="020B0604020202020204" pitchFamily="34" charset="0"/>
+                <a:cs typeface="Arial" panose="020B0604020202020204" pitchFamily="34" charset="0"/>
+              </a:rPr>
+              <a:t>Removing </a:t>
+            </a:r>
+            <a:r>
+              <a:rPr lang="en-US" dirty="0">
+                <a:latin typeface="Arial" panose="020B0604020202020204" pitchFamily="34" charset="0"/>
+                <a:cs typeface="Arial" panose="020B0604020202020204" pitchFamily="34" charset="0"/>
+              </a:rPr>
+              <a:t>Display </a:t>
+            </a:r>
+            <a:r>
+              <a:rPr lang="en-US" dirty="0" smtClean="0">
+                <a:latin typeface="Arial" panose="020B0604020202020204" pitchFamily="34" charset="0"/>
+                <a:cs typeface="Arial" panose="020B0604020202020204" pitchFamily="34" charset="0"/>
+              </a:rPr>
+              <a:t>Objects</a:t>
+            </a:r>
+            <a:endParaRPr lang="vi-VN" dirty="0" smtClean="0">
+              <a:latin typeface="Arial" panose="020B0604020202020204" pitchFamily="34" charset="0"/>
+              <a:cs typeface="Arial" panose="020B0604020202020204" pitchFamily="34" charset="0"/>
+            </a:endParaRPr>
+          </a:p>
+        </p:txBody>
+      </p:sp>
+    </p:spTree>
+    <p:extLst>
+      <p:ext uri="{BB962C8B-B14F-4D97-AF65-F5344CB8AC3E}">
+        <p14:creationId xmlns:p14="http://schemas.microsoft.com/office/powerpoint/2010/main" val="471833175"/>
+      </p:ext>
+    </p:extLst>
+  </p:cSld>
+  <p:clrMapOvr>
+    <a:masterClrMapping/>
+  </p:clrMapOvr>
+  <p:timing>
+    <p:tnLst>
+      <p:par>
+        <p:cTn id="1" dur="indefinite" restart="never" nodeType="tmRoot"/>
+      </p:par>
+    </p:tnLst>
+  </p:timing>
+</p:sld>
+</file>
+
+<file path=ppt/slides/slide4.xml><?xml version="1.0" encoding="utf-8"?>
 <p:sld xmlns:a="http://schemas.openxmlformats.org/drawingml/2006/main" xmlns:r="http://schemas.openxmlformats.org/officeDocument/2006/relationships" xmlns:p="http://schemas.openxmlformats.org/presentationml/2006/main">
   <p:cSld>
     <p:spTree>
@@ -7631,7 +9569,7 @@
 </p:sld>
 </file>
 
-<file path=ppt/slides/slide4.xml><?xml version="1.0" encoding="utf-8"?>
+<file path=ppt/slides/slide5.xml><?xml version="1.0" encoding="utf-8"?>
 <p:sld xmlns:a="http://schemas.openxmlformats.org/drawingml/2006/main" xmlns:r="http://schemas.openxmlformats.org/officeDocument/2006/relationships" xmlns:p="http://schemas.openxmlformats.org/presentationml/2006/main">
   <p:cSld>
     <p:spTree>
@@ -7790,7 +9728,7 @@
 </p:sld>
 </file>
 
-<file path=ppt/slides/slide5.xml><?xml version="1.0" encoding="utf-8"?>
+<file path=ppt/slides/slide6.xml><?xml version="1.0" encoding="utf-8"?>
 <p:sld xmlns:a="http://schemas.openxmlformats.org/drawingml/2006/main" xmlns:r="http://schemas.openxmlformats.org/officeDocument/2006/relationships" xmlns:p="http://schemas.openxmlformats.org/presentationml/2006/main">
   <p:cSld>
     <p:spTree>
@@ -7899,7 +9837,7 @@
 </p:sld>
 </file>
 
-<file path=ppt/slides/slide6.xml><?xml version="1.0" encoding="utf-8"?>
+<file path=ppt/slides/slide7.xml><?xml version="1.0" encoding="utf-8"?>
 <p:sld xmlns:a="http://schemas.openxmlformats.org/drawingml/2006/main" xmlns:r="http://schemas.openxmlformats.org/officeDocument/2006/relationships" xmlns:p="http://schemas.openxmlformats.org/presentationml/2006/main">
   <p:cSld>
     <p:spTree>
@@ -8045,7 +9983,7 @@
 </p:sld>
 </file>
 
-<file path=ppt/slides/slide7.xml><?xml version="1.0" encoding="utf-8"?>
+<file path=ppt/slides/slide8.xml><?xml version="1.0" encoding="utf-8"?>
 <p:sld xmlns:a="http://schemas.openxmlformats.org/drawingml/2006/main" xmlns:r="http://schemas.openxmlformats.org/officeDocument/2006/relationships" xmlns:p="http://schemas.openxmlformats.org/presentationml/2006/main">
   <p:cSld>
     <p:spTree>
@@ -8154,130 +10092,6 @@
 </p:sld>
 </file>
 
-<file path=ppt/slides/slide8.xml><?xml version="1.0" encoding="utf-8"?>
-<p:sld xmlns:a="http://schemas.openxmlformats.org/drawingml/2006/main" xmlns:r="http://schemas.openxmlformats.org/officeDocument/2006/relationships" xmlns:p="http://schemas.openxmlformats.org/presentationml/2006/main">
-  <p:cSld>
-    <p:spTree>
-      <p:nvGrpSpPr>
-        <p:cNvPr id="1" name=""/>
-        <p:cNvGrpSpPr/>
-        <p:nvPr/>
-      </p:nvGrpSpPr>
-      <p:grpSpPr>
-        <a:xfrm>
-          <a:off x="0" y="0"/>
-          <a:ext cx="0" cy="0"/>
-          <a:chOff x="0" y="0"/>
-          <a:chExt cx="0" cy="0"/>
-        </a:xfrm>
-      </p:grpSpPr>
-      <p:sp>
-        <p:nvSpPr>
-          <p:cNvPr id="2" name="Title 1"/>
-          <p:cNvSpPr>
-            <a:spLocks noGrp="1"/>
-          </p:cNvSpPr>
-          <p:nvPr>
-            <p:ph type="title"/>
-          </p:nvPr>
-        </p:nvSpPr>
-        <p:spPr/>
-        <p:txBody>
-          <a:bodyPr/>
-          <a:lstStyle/>
-          <a:p>
-            <a:r>
-              <a:rPr lang="vi-VN" dirty="0" smtClean="0"/>
-              <a:t>Cấu hình Project </a:t>
-            </a:r>
-            <a:r>
-              <a:rPr lang="vi-VN" dirty="0" err="1" smtClean="0"/>
-              <a:t>Corona</a:t>
-            </a:r>
-            <a:r>
-              <a:rPr lang="vi-VN" dirty="0" smtClean="0"/>
-              <a:t>.</a:t>
-            </a:r>
-            <a:br>
-              <a:rPr lang="vi-VN" dirty="0" smtClean="0"/>
-            </a:br>
-            <a:endParaRPr lang="en-US" dirty="0"/>
-          </a:p>
-        </p:txBody>
-      </p:sp>
-      <p:sp>
-        <p:nvSpPr>
-          <p:cNvPr id="3" name="Content Placeholder 2"/>
-          <p:cNvSpPr>
-            <a:spLocks noGrp="1"/>
-          </p:cNvSpPr>
-          <p:nvPr>
-            <p:ph idx="1"/>
-          </p:nvPr>
-        </p:nvSpPr>
-        <p:spPr/>
-        <p:txBody>
-          <a:bodyPr/>
-          <a:lstStyle/>
-          <a:p>
-            <a:r>
-              <a:rPr lang="vi-VN" dirty="0"/>
-              <a:t>Cấu trúc </a:t>
-            </a:r>
-            <a:r>
-              <a:rPr lang="vi-VN" dirty="0" err="1"/>
-              <a:t>file</a:t>
-            </a:r>
-            <a:r>
-              <a:rPr lang="vi-VN" dirty="0"/>
-              <a:t> cấu hình.</a:t>
-            </a:r>
-          </a:p>
-          <a:p>
-            <a:r>
-              <a:rPr lang="vi-VN" dirty="0"/>
-              <a:t>Kéo dãn nội dung.</a:t>
-            </a:r>
-          </a:p>
-          <a:p>
-            <a:r>
-              <a:rPr lang="vi-VN" dirty="0"/>
-              <a:t>Lựa chọn nội dung.</a:t>
-            </a:r>
-          </a:p>
-          <a:p>
-            <a:r>
-              <a:rPr lang="vi-VN" dirty="0"/>
-              <a:t>Tốc độ khung hình</a:t>
-            </a:r>
-            <a:r>
-              <a:rPr lang="vi-VN" dirty="0" smtClean="0"/>
-              <a:t>.</a:t>
-            </a:r>
-            <a:endParaRPr lang="en-US" dirty="0"/>
-          </a:p>
-        </p:txBody>
-      </p:sp>
-    </p:spTree>
-    <p:extLst>
-      <p:ext uri="{BB962C8B-B14F-4D97-AF65-F5344CB8AC3E}">
-        <p14:creationId xmlns:p14="http://schemas.microsoft.com/office/powerpoint/2010/main" val="4198865290"/>
-      </p:ext>
-    </p:extLst>
-  </p:cSld>
-  <p:clrMapOvr>
-    <a:masterClrMapping/>
-  </p:clrMapOvr>
-  <p:timing>
-    <p:tnLst>
-      <p:par>
-        <p:cTn id="1" dur="indefinite" restart="never" nodeType="tmRoot"/>
-      </p:par>
-    </p:tnLst>
-  </p:timing>
-</p:sld>
-</file>
-
 <file path=ppt/slides/slide9.xml><?xml version="1.0" encoding="utf-8"?>
 <p:sld xmlns:a="http://schemas.openxmlformats.org/drawingml/2006/main" xmlns:r="http://schemas.openxmlformats.org/officeDocument/2006/relationships" xmlns:p="http://schemas.openxmlformats.org/presentationml/2006/main">
   <p:cSld>
@@ -8311,6 +10125,40 @@
           <a:lstStyle/>
           <a:p>
             <a:r>
+              <a:rPr lang="vi-VN" dirty="0" smtClean="0"/>
+              <a:t>Cấu hình Project </a:t>
+            </a:r>
+            <a:r>
+              <a:rPr lang="vi-VN" dirty="0" err="1" smtClean="0"/>
+              <a:t>Corona</a:t>
+            </a:r>
+            <a:r>
+              <a:rPr lang="vi-VN" dirty="0" smtClean="0"/>
+              <a:t>.</a:t>
+            </a:r>
+            <a:br>
+              <a:rPr lang="vi-VN" dirty="0" smtClean="0"/>
+            </a:br>
+            <a:endParaRPr lang="en-US" dirty="0"/>
+          </a:p>
+        </p:txBody>
+      </p:sp>
+      <p:sp>
+        <p:nvSpPr>
+          <p:cNvPr id="3" name="Content Placeholder 2"/>
+          <p:cNvSpPr>
+            <a:spLocks noGrp="1"/>
+          </p:cNvSpPr>
+          <p:nvPr>
+            <p:ph idx="1"/>
+          </p:nvPr>
+        </p:nvSpPr>
+        <p:spPr/>
+        <p:txBody>
+          <a:bodyPr/>
+          <a:lstStyle/>
+          <a:p>
+            <a:r>
               <a:rPr lang="vi-VN" dirty="0"/>
               <a:t>Cấu trúc </a:t>
             </a:r>
@@ -8322,114 +10170,36 @@
               <a:rPr lang="vi-VN" dirty="0"/>
               <a:t> cấu hình.</a:t>
             </a:r>
-            <a:br>
+          </a:p>
+          <a:p>
+            <a:r>
               <a:rPr lang="vi-VN" dirty="0"/>
-            </a:br>
-            <a:endParaRPr lang="en-US" dirty="0"/>
-          </a:p>
-        </p:txBody>
-      </p:sp>
-      <p:sp>
-        <p:nvSpPr>
-          <p:cNvPr id="3" name="Content Placeholder 2"/>
-          <p:cNvSpPr>
-            <a:spLocks noGrp="1"/>
-          </p:cNvSpPr>
-          <p:nvPr>
-            <p:ph idx="1"/>
-          </p:nvPr>
-        </p:nvSpPr>
-        <p:spPr/>
-        <p:txBody>
-          <a:bodyPr/>
-          <a:lstStyle/>
-          <a:p>
-            <a:r>
-              <a:rPr lang="vi-VN" dirty="0" smtClean="0"/>
-              <a:t>Cấu hình Project </a:t>
-            </a:r>
-            <a:r>
-              <a:rPr lang="vi-VN" dirty="0" err="1" smtClean="0"/>
-              <a:t>Corona</a:t>
-            </a:r>
-            <a:r>
-              <a:rPr lang="vi-VN" dirty="0" smtClean="0"/>
-              <a:t> trong </a:t>
-            </a:r>
-            <a:r>
-              <a:rPr lang="vi-VN" dirty="0" err="1" smtClean="0"/>
-              <a:t>file</a:t>
-            </a:r>
-            <a:r>
-              <a:rPr lang="vi-VN" dirty="0" smtClean="0"/>
-              <a:t> </a:t>
-            </a:r>
-            <a:r>
-              <a:rPr lang="vi-VN" dirty="0" err="1" smtClean="0"/>
-              <a:t>Config.lua</a:t>
-            </a:r>
-            <a:r>
-              <a:rPr lang="vi-VN" dirty="0" smtClean="0"/>
-              <a:t> sửa dụng thuộc tính </a:t>
-            </a:r>
-            <a:r>
-              <a:rPr lang="vi-VN" b="1" dirty="0" err="1" smtClean="0"/>
-              <a:t>content</a:t>
-            </a:r>
+              <a:t>Kéo dãn nội dung.</a:t>
+            </a:r>
+          </a:p>
+          <a:p>
             <a:r>
               <a:rPr lang="vi-VN" dirty="0"/>
-              <a:t> </a:t>
-            </a:r>
-            <a:r>
-              <a:rPr lang="vi-VN" dirty="0" smtClean="0"/>
-              <a:t>trong </a:t>
-            </a:r>
-            <a:r>
-              <a:rPr lang="vi-VN" b="1" dirty="0" err="1" smtClean="0"/>
-              <a:t>application</a:t>
-            </a:r>
+              <a:t>Lựa chọn nội dung.</a:t>
+            </a:r>
+          </a:p>
+          <a:p>
             <a:r>
               <a:rPr lang="vi-VN" dirty="0"/>
-              <a:t> </a:t>
-            </a:r>
-            <a:r>
-              <a:rPr lang="vi-VN" dirty="0" smtClean="0"/>
-              <a:t>để cấu hình.</a:t>
-            </a:r>
-          </a:p>
-          <a:p>
-            <a:endParaRPr lang="en-US" b="1" dirty="0"/>
-          </a:p>
-        </p:txBody>
-      </p:sp>
-      <p:pic>
-        <p:nvPicPr>
-          <p:cNvPr id="4" name="Picture 3"/>
-          <p:cNvPicPr>
-            <a:picLocks noChangeAspect="1"/>
-          </p:cNvPicPr>
-          <p:nvPr/>
-        </p:nvPicPr>
-        <p:blipFill>
-          <a:blip r:embed="rId2"/>
-          <a:stretch>
-            <a:fillRect/>
-          </a:stretch>
-        </p:blipFill>
-        <p:spPr>
-          <a:xfrm>
-            <a:off x="1889486" y="3232587"/>
-            <a:ext cx="6172364" cy="2475293"/>
-          </a:xfrm>
-          <a:prstGeom prst="rect">
-            <a:avLst/>
-          </a:prstGeom>
-        </p:spPr>
-      </p:pic>
+              <a:t>Tốc độ khung hình</a:t>
+            </a:r>
+            <a:r>
+              <a:rPr lang="vi-VN" dirty="0" smtClean="0"/>
+              <a:t>.</a:t>
+            </a:r>
+            <a:endParaRPr lang="en-US" dirty="0"/>
+          </a:p>
+        </p:txBody>
+      </p:sp>
     </p:spTree>
     <p:extLst>
       <p:ext uri="{BB962C8B-B14F-4D97-AF65-F5344CB8AC3E}">
-        <p14:creationId xmlns:p14="http://schemas.microsoft.com/office/powerpoint/2010/main" val="661667088"/>
+        <p14:creationId xmlns:p14="http://schemas.microsoft.com/office/powerpoint/2010/main" val="4198865290"/>
       </p:ext>
     </p:extLst>
   </p:cSld>

--- a/Corona/Presentation1.pptx
+++ b/Corona/Presentation1.pptx
@@ -5,7 +5,7 @@
     <p:sldMasterId id="2147483648" r:id="rId1"/>
   </p:sldMasterIdLst>
   <p:notesMasterIdLst>
-    <p:notesMasterId r:id="rId26"/>
+    <p:notesMasterId r:id="rId35"/>
   </p:notesMasterIdLst>
   <p:sldIdLst>
     <p:sldId id="256" r:id="rId2"/>
@@ -32,6 +32,15 @@
     <p:sldId id="278" r:id="rId23"/>
     <p:sldId id="279" r:id="rId24"/>
     <p:sldId id="280" r:id="rId25"/>
+    <p:sldId id="281" r:id="rId26"/>
+    <p:sldId id="282" r:id="rId27"/>
+    <p:sldId id="283" r:id="rId28"/>
+    <p:sldId id="284" r:id="rId29"/>
+    <p:sldId id="285" r:id="rId30"/>
+    <p:sldId id="286" r:id="rId31"/>
+    <p:sldId id="287" r:id="rId32"/>
+    <p:sldId id="288" r:id="rId33"/>
+    <p:sldId id="289" r:id="rId34"/>
   </p:sldIdLst>
   <p:sldSz cx="12192000" cy="6858000"/>
   <p:notesSz cx="6858000" cy="9144000"/>
@@ -138,6 +147,2549 @@
 </p:presentation>
 </file>
 
+<file path=ppt/diagrams/colors1.xml><?xml version="1.0" encoding="utf-8"?>
+<dgm:colorsDef xmlns:dgm="http://schemas.openxmlformats.org/drawingml/2006/diagram" xmlns:a="http://schemas.openxmlformats.org/drawingml/2006/main" uniqueId="urn:microsoft.com/office/officeart/2005/8/colors/accent1_2">
+  <dgm:title val=""/>
+  <dgm:desc val=""/>
+  <dgm:catLst>
+    <dgm:cat type="accent1" pri="11200"/>
+  </dgm:catLst>
+  <dgm:styleLbl name="node0">
+    <dgm:fillClrLst meth="repeat">
+      <a:schemeClr val="accent1"/>
+    </dgm:fillClrLst>
+    <dgm:linClrLst meth="repeat">
+      <a:schemeClr val="lt1"/>
+    </dgm:linClrLst>
+    <dgm:effectClrLst/>
+    <dgm:txLinClrLst/>
+    <dgm:txFillClrLst/>
+    <dgm:txEffectClrLst/>
+  </dgm:styleLbl>
+  <dgm:styleLbl name="alignNode1">
+    <dgm:fillClrLst meth="repeat">
+      <a:schemeClr val="accent1"/>
+    </dgm:fillClrLst>
+    <dgm:linClrLst meth="repeat">
+      <a:schemeClr val="accent1"/>
+    </dgm:linClrLst>
+    <dgm:effectClrLst/>
+    <dgm:txLinClrLst/>
+    <dgm:txFillClrLst/>
+    <dgm:txEffectClrLst/>
+  </dgm:styleLbl>
+  <dgm:styleLbl name="node1">
+    <dgm:fillClrLst meth="repeat">
+      <a:schemeClr val="accent1"/>
+    </dgm:fillClrLst>
+    <dgm:linClrLst meth="repeat">
+      <a:schemeClr val="lt1"/>
+    </dgm:linClrLst>
+    <dgm:effectClrLst/>
+    <dgm:txLinClrLst/>
+    <dgm:txFillClrLst/>
+    <dgm:txEffectClrLst/>
+  </dgm:styleLbl>
+  <dgm:styleLbl name="lnNode1">
+    <dgm:fillClrLst meth="repeat">
+      <a:schemeClr val="accent1"/>
+    </dgm:fillClrLst>
+    <dgm:linClrLst meth="repeat">
+      <a:schemeClr val="lt1"/>
+    </dgm:linClrLst>
+    <dgm:effectClrLst/>
+    <dgm:txLinClrLst/>
+    <dgm:txFillClrLst/>
+    <dgm:txEffectClrLst/>
+  </dgm:styleLbl>
+  <dgm:styleLbl name="vennNode1">
+    <dgm:fillClrLst meth="repeat">
+      <a:schemeClr val="accent1">
+        <a:alpha val="50000"/>
+      </a:schemeClr>
+    </dgm:fillClrLst>
+    <dgm:linClrLst meth="repeat">
+      <a:schemeClr val="lt1"/>
+    </dgm:linClrLst>
+    <dgm:effectClrLst/>
+    <dgm:txLinClrLst/>
+    <dgm:txFillClrLst/>
+    <dgm:txEffectClrLst/>
+  </dgm:styleLbl>
+  <dgm:styleLbl name="node2">
+    <dgm:fillClrLst meth="repeat">
+      <a:schemeClr val="accent1"/>
+    </dgm:fillClrLst>
+    <dgm:linClrLst meth="repeat">
+      <a:schemeClr val="lt1"/>
+    </dgm:linClrLst>
+    <dgm:effectClrLst/>
+    <dgm:txLinClrLst/>
+    <dgm:txFillClrLst/>
+    <dgm:txEffectClrLst/>
+  </dgm:styleLbl>
+  <dgm:styleLbl name="node3">
+    <dgm:fillClrLst meth="repeat">
+      <a:schemeClr val="accent1"/>
+    </dgm:fillClrLst>
+    <dgm:linClrLst meth="repeat">
+      <a:schemeClr val="lt1"/>
+    </dgm:linClrLst>
+    <dgm:effectClrLst/>
+    <dgm:txLinClrLst/>
+    <dgm:txFillClrLst/>
+    <dgm:txEffectClrLst/>
+  </dgm:styleLbl>
+  <dgm:styleLbl name="node4">
+    <dgm:fillClrLst meth="repeat">
+      <a:schemeClr val="accent1"/>
+    </dgm:fillClrLst>
+    <dgm:linClrLst meth="repeat">
+      <a:schemeClr val="lt1"/>
+    </dgm:linClrLst>
+    <dgm:effectClrLst/>
+    <dgm:txLinClrLst/>
+    <dgm:txFillClrLst/>
+    <dgm:txEffectClrLst/>
+  </dgm:styleLbl>
+  <dgm:styleLbl name="fgImgPlace1">
+    <dgm:fillClrLst meth="repeat">
+      <a:schemeClr val="accent1">
+        <a:tint val="50000"/>
+      </a:schemeClr>
+    </dgm:fillClrLst>
+    <dgm:linClrLst meth="repeat">
+      <a:schemeClr val="lt1"/>
+    </dgm:linClrLst>
+    <dgm:effectClrLst/>
+    <dgm:txLinClrLst/>
+    <dgm:txFillClrLst meth="repeat">
+      <a:schemeClr val="lt1"/>
+    </dgm:txFillClrLst>
+    <dgm:txEffectClrLst/>
+  </dgm:styleLbl>
+  <dgm:styleLbl name="alignImgPlace1">
+    <dgm:fillClrLst meth="repeat">
+      <a:schemeClr val="accent1">
+        <a:tint val="50000"/>
+      </a:schemeClr>
+    </dgm:fillClrLst>
+    <dgm:linClrLst meth="repeat">
+      <a:schemeClr val="lt1"/>
+    </dgm:linClrLst>
+    <dgm:effectClrLst/>
+    <dgm:txLinClrLst/>
+    <dgm:txFillClrLst meth="repeat">
+      <a:schemeClr val="lt1"/>
+    </dgm:txFillClrLst>
+    <dgm:txEffectClrLst/>
+  </dgm:styleLbl>
+  <dgm:styleLbl name="bgImgPlace1">
+    <dgm:fillClrLst meth="repeat">
+      <a:schemeClr val="accent1">
+        <a:tint val="50000"/>
+      </a:schemeClr>
+    </dgm:fillClrLst>
+    <dgm:linClrLst meth="repeat">
+      <a:schemeClr val="lt1"/>
+    </dgm:linClrLst>
+    <dgm:effectClrLst/>
+    <dgm:txLinClrLst/>
+    <dgm:txFillClrLst meth="repeat">
+      <a:schemeClr val="lt1"/>
+    </dgm:txFillClrLst>
+    <dgm:txEffectClrLst/>
+  </dgm:styleLbl>
+  <dgm:styleLbl name="sibTrans2D1">
+    <dgm:fillClrLst meth="repeat">
+      <a:schemeClr val="accent1">
+        <a:tint val="60000"/>
+      </a:schemeClr>
+    </dgm:fillClrLst>
+    <dgm:linClrLst meth="repeat">
+      <a:schemeClr val="accent1">
+        <a:tint val="60000"/>
+      </a:schemeClr>
+    </dgm:linClrLst>
+    <dgm:effectClrLst/>
+    <dgm:txLinClrLst/>
+    <dgm:txFillClrLst/>
+    <dgm:txEffectClrLst/>
+  </dgm:styleLbl>
+  <dgm:styleLbl name="fgSibTrans2D1">
+    <dgm:fillClrLst meth="repeat">
+      <a:schemeClr val="accent1">
+        <a:tint val="60000"/>
+      </a:schemeClr>
+    </dgm:fillClrLst>
+    <dgm:linClrLst meth="repeat">
+      <a:schemeClr val="accent1">
+        <a:tint val="60000"/>
+      </a:schemeClr>
+    </dgm:linClrLst>
+    <dgm:effectClrLst/>
+    <dgm:txLinClrLst/>
+    <dgm:txFillClrLst/>
+    <dgm:txEffectClrLst/>
+  </dgm:styleLbl>
+  <dgm:styleLbl name="bgSibTrans2D1">
+    <dgm:fillClrLst meth="repeat">
+      <a:schemeClr val="accent1">
+        <a:tint val="60000"/>
+      </a:schemeClr>
+    </dgm:fillClrLst>
+    <dgm:linClrLst meth="repeat">
+      <a:schemeClr val="accent1">
+        <a:tint val="60000"/>
+      </a:schemeClr>
+    </dgm:linClrLst>
+    <dgm:effectClrLst/>
+    <dgm:txLinClrLst/>
+    <dgm:txFillClrLst/>
+    <dgm:txEffectClrLst/>
+  </dgm:styleLbl>
+  <dgm:styleLbl name="sibTrans1D1">
+    <dgm:fillClrLst meth="repeat">
+      <a:schemeClr val="accent1"/>
+    </dgm:fillClrLst>
+    <dgm:linClrLst meth="repeat">
+      <a:schemeClr val="accent1"/>
+    </dgm:linClrLst>
+    <dgm:effectClrLst/>
+    <dgm:txLinClrLst/>
+    <dgm:txFillClrLst meth="repeat">
+      <a:schemeClr val="tx1"/>
+    </dgm:txFillClrLst>
+    <dgm:txEffectClrLst/>
+  </dgm:styleLbl>
+  <dgm:styleLbl name="callout">
+    <dgm:fillClrLst meth="repeat">
+      <a:schemeClr val="accent1"/>
+    </dgm:fillClrLst>
+    <dgm:linClrLst meth="repeat">
+      <a:schemeClr val="accent1">
+        <a:tint val="50000"/>
+      </a:schemeClr>
+    </dgm:linClrLst>
+    <dgm:effectClrLst/>
+    <dgm:txLinClrLst/>
+    <dgm:txFillClrLst meth="repeat">
+      <a:schemeClr val="tx1"/>
+    </dgm:txFillClrLst>
+    <dgm:txEffectClrLst/>
+  </dgm:styleLbl>
+  <dgm:styleLbl name="asst0">
+    <dgm:fillClrLst meth="repeat">
+      <a:schemeClr val="accent1"/>
+    </dgm:fillClrLst>
+    <dgm:linClrLst meth="repeat">
+      <a:schemeClr val="lt1"/>
+    </dgm:linClrLst>
+    <dgm:effectClrLst/>
+    <dgm:txLinClrLst/>
+    <dgm:txFillClrLst/>
+    <dgm:txEffectClrLst/>
+  </dgm:styleLbl>
+  <dgm:styleLbl name="asst1">
+    <dgm:fillClrLst meth="repeat">
+      <a:schemeClr val="accent1"/>
+    </dgm:fillClrLst>
+    <dgm:linClrLst meth="repeat">
+      <a:schemeClr val="lt1"/>
+    </dgm:linClrLst>
+    <dgm:effectClrLst/>
+    <dgm:txLinClrLst/>
+    <dgm:txFillClrLst/>
+    <dgm:txEffectClrLst/>
+  </dgm:styleLbl>
+  <dgm:styleLbl name="asst2">
+    <dgm:fillClrLst meth="repeat">
+      <a:schemeClr val="accent1"/>
+    </dgm:fillClrLst>
+    <dgm:linClrLst meth="repeat">
+      <a:schemeClr val="lt1"/>
+    </dgm:linClrLst>
+    <dgm:effectClrLst/>
+    <dgm:txLinClrLst/>
+    <dgm:txFillClrLst/>
+    <dgm:txEffectClrLst/>
+  </dgm:styleLbl>
+  <dgm:styleLbl name="asst3">
+    <dgm:fillClrLst meth="repeat">
+      <a:schemeClr val="accent1"/>
+    </dgm:fillClrLst>
+    <dgm:linClrLst meth="repeat">
+      <a:schemeClr val="lt1"/>
+    </dgm:linClrLst>
+    <dgm:effectClrLst/>
+    <dgm:txLinClrLst/>
+    <dgm:txFillClrLst/>
+    <dgm:txEffectClrLst/>
+  </dgm:styleLbl>
+  <dgm:styleLbl name="asst4">
+    <dgm:fillClrLst meth="repeat">
+      <a:schemeClr val="accent1"/>
+    </dgm:fillClrLst>
+    <dgm:linClrLst meth="repeat">
+      <a:schemeClr val="lt1"/>
+    </dgm:linClrLst>
+    <dgm:effectClrLst/>
+    <dgm:txLinClrLst/>
+    <dgm:txFillClrLst/>
+    <dgm:txEffectClrLst/>
+  </dgm:styleLbl>
+  <dgm:styleLbl name="parChTrans2D1">
+    <dgm:fillClrLst meth="repeat">
+      <a:schemeClr val="accent1">
+        <a:tint val="60000"/>
+      </a:schemeClr>
+    </dgm:fillClrLst>
+    <dgm:linClrLst meth="repeat">
+      <a:schemeClr val="accent1">
+        <a:tint val="60000"/>
+      </a:schemeClr>
+    </dgm:linClrLst>
+    <dgm:effectClrLst/>
+    <dgm:txLinClrLst/>
+    <dgm:txFillClrLst meth="repeat">
+      <a:schemeClr val="lt1"/>
+    </dgm:txFillClrLst>
+    <dgm:txEffectClrLst/>
+  </dgm:styleLbl>
+  <dgm:styleLbl name="parChTrans2D2">
+    <dgm:fillClrLst meth="repeat">
+      <a:schemeClr val="accent1"/>
+    </dgm:fillClrLst>
+    <dgm:linClrLst meth="repeat">
+      <a:schemeClr val="accent1"/>
+    </dgm:linClrLst>
+    <dgm:effectClrLst/>
+    <dgm:txLinClrLst/>
+    <dgm:txFillClrLst meth="repeat">
+      <a:schemeClr val="lt1"/>
+    </dgm:txFillClrLst>
+    <dgm:txEffectClrLst/>
+  </dgm:styleLbl>
+  <dgm:styleLbl name="parChTrans2D3">
+    <dgm:fillClrLst meth="repeat">
+      <a:schemeClr val="accent1"/>
+    </dgm:fillClrLst>
+    <dgm:linClrLst meth="repeat">
+      <a:schemeClr val="accent1"/>
+    </dgm:linClrLst>
+    <dgm:effectClrLst/>
+    <dgm:txLinClrLst/>
+    <dgm:txFillClrLst meth="repeat">
+      <a:schemeClr val="lt1"/>
+    </dgm:txFillClrLst>
+    <dgm:txEffectClrLst/>
+  </dgm:styleLbl>
+  <dgm:styleLbl name="parChTrans2D4">
+    <dgm:fillClrLst meth="repeat">
+      <a:schemeClr val="accent1"/>
+    </dgm:fillClrLst>
+    <dgm:linClrLst meth="repeat">
+      <a:schemeClr val="accent1"/>
+    </dgm:linClrLst>
+    <dgm:effectClrLst/>
+    <dgm:txLinClrLst/>
+    <dgm:txFillClrLst meth="repeat">
+      <a:schemeClr val="lt1"/>
+    </dgm:txFillClrLst>
+    <dgm:txEffectClrLst/>
+  </dgm:styleLbl>
+  <dgm:styleLbl name="parChTrans1D1">
+    <dgm:fillClrLst meth="repeat">
+      <a:schemeClr val="accent1"/>
+    </dgm:fillClrLst>
+    <dgm:linClrLst meth="repeat">
+      <a:schemeClr val="accent1">
+        <a:shade val="60000"/>
+      </a:schemeClr>
+    </dgm:linClrLst>
+    <dgm:effectClrLst/>
+    <dgm:txLinClrLst/>
+    <dgm:txFillClrLst meth="repeat">
+      <a:schemeClr val="tx1"/>
+    </dgm:txFillClrLst>
+    <dgm:txEffectClrLst/>
+  </dgm:styleLbl>
+  <dgm:styleLbl name="parChTrans1D2">
+    <dgm:fillClrLst meth="repeat">
+      <a:schemeClr val="accent1"/>
+    </dgm:fillClrLst>
+    <dgm:linClrLst meth="repeat">
+      <a:schemeClr val="accent1">
+        <a:shade val="60000"/>
+      </a:schemeClr>
+    </dgm:linClrLst>
+    <dgm:effectClrLst/>
+    <dgm:txLinClrLst/>
+    <dgm:txFillClrLst meth="repeat">
+      <a:schemeClr val="tx1"/>
+    </dgm:txFillClrLst>
+    <dgm:txEffectClrLst/>
+  </dgm:styleLbl>
+  <dgm:styleLbl name="parChTrans1D3">
+    <dgm:fillClrLst meth="repeat">
+      <a:schemeClr val="accent1"/>
+    </dgm:fillClrLst>
+    <dgm:linClrLst meth="repeat">
+      <a:schemeClr val="accent1">
+        <a:shade val="80000"/>
+      </a:schemeClr>
+    </dgm:linClrLst>
+    <dgm:effectClrLst/>
+    <dgm:txLinClrLst/>
+    <dgm:txFillClrLst meth="repeat">
+      <a:schemeClr val="tx1"/>
+    </dgm:txFillClrLst>
+    <dgm:txEffectClrLst/>
+  </dgm:styleLbl>
+  <dgm:styleLbl name="parChTrans1D4">
+    <dgm:fillClrLst meth="repeat">
+      <a:schemeClr val="accent1"/>
+    </dgm:fillClrLst>
+    <dgm:linClrLst meth="repeat">
+      <a:schemeClr val="accent1">
+        <a:shade val="80000"/>
+      </a:schemeClr>
+    </dgm:linClrLst>
+    <dgm:effectClrLst/>
+    <dgm:txLinClrLst/>
+    <dgm:txFillClrLst meth="repeat">
+      <a:schemeClr val="tx1"/>
+    </dgm:txFillClrLst>
+    <dgm:txEffectClrLst/>
+  </dgm:styleLbl>
+  <dgm:styleLbl name="fgAcc1">
+    <dgm:fillClrLst meth="repeat">
+      <a:schemeClr val="lt1">
+        <a:alpha val="90000"/>
+      </a:schemeClr>
+    </dgm:fillClrLst>
+    <dgm:linClrLst meth="repeat">
+      <a:schemeClr val="accent1"/>
+    </dgm:linClrLst>
+    <dgm:effectClrLst/>
+    <dgm:txLinClrLst/>
+    <dgm:txFillClrLst meth="repeat">
+      <a:schemeClr val="dk1"/>
+    </dgm:txFillClrLst>
+    <dgm:txEffectClrLst/>
+  </dgm:styleLbl>
+  <dgm:styleLbl name="conFgAcc1">
+    <dgm:fillClrLst meth="repeat">
+      <a:schemeClr val="lt1">
+        <a:alpha val="90000"/>
+      </a:schemeClr>
+    </dgm:fillClrLst>
+    <dgm:linClrLst meth="repeat">
+      <a:schemeClr val="accent1"/>
+    </dgm:linClrLst>
+    <dgm:effectClrLst/>
+    <dgm:txLinClrLst/>
+    <dgm:txFillClrLst meth="repeat">
+      <a:schemeClr val="dk1"/>
+    </dgm:txFillClrLst>
+    <dgm:txEffectClrLst/>
+  </dgm:styleLbl>
+  <dgm:styleLbl name="alignAcc1">
+    <dgm:fillClrLst meth="repeat">
+      <a:schemeClr val="lt1">
+        <a:alpha val="90000"/>
+      </a:schemeClr>
+    </dgm:fillClrLst>
+    <dgm:linClrLst meth="repeat">
+      <a:schemeClr val="accent1"/>
+    </dgm:linClrLst>
+    <dgm:effectClrLst/>
+    <dgm:txLinClrLst/>
+    <dgm:txFillClrLst meth="repeat">
+      <a:schemeClr val="dk1"/>
+    </dgm:txFillClrLst>
+    <dgm:txEffectClrLst/>
+  </dgm:styleLbl>
+  <dgm:styleLbl name="trAlignAcc1">
+    <dgm:fillClrLst meth="repeat">
+      <a:schemeClr val="lt1">
+        <a:alpha val="40000"/>
+      </a:schemeClr>
+    </dgm:fillClrLst>
+    <dgm:linClrLst meth="repeat">
+      <a:schemeClr val="accent1"/>
+    </dgm:linClrLst>
+    <dgm:effectClrLst/>
+    <dgm:txLinClrLst/>
+    <dgm:txFillClrLst meth="repeat">
+      <a:schemeClr val="dk1"/>
+    </dgm:txFillClrLst>
+    <dgm:txEffectClrLst/>
+  </dgm:styleLbl>
+  <dgm:styleLbl name="bgAcc1">
+    <dgm:fillClrLst meth="repeat">
+      <a:schemeClr val="lt1">
+        <a:alpha val="90000"/>
+      </a:schemeClr>
+    </dgm:fillClrLst>
+    <dgm:linClrLst meth="repeat">
+      <a:schemeClr val="accent1"/>
+    </dgm:linClrLst>
+    <dgm:effectClrLst/>
+    <dgm:txLinClrLst/>
+    <dgm:txFillClrLst meth="repeat">
+      <a:schemeClr val="dk1"/>
+    </dgm:txFillClrLst>
+    <dgm:txEffectClrLst/>
+  </dgm:styleLbl>
+  <dgm:styleLbl name="solidFgAcc1">
+    <dgm:fillClrLst meth="repeat">
+      <a:schemeClr val="lt1"/>
+    </dgm:fillClrLst>
+    <dgm:linClrLst meth="repeat">
+      <a:schemeClr val="accent1"/>
+    </dgm:linClrLst>
+    <dgm:effectClrLst/>
+    <dgm:txLinClrLst/>
+    <dgm:txFillClrLst meth="repeat">
+      <a:schemeClr val="dk1"/>
+    </dgm:txFillClrLst>
+    <dgm:txEffectClrLst/>
+  </dgm:styleLbl>
+  <dgm:styleLbl name="solidAlignAcc1">
+    <dgm:fillClrLst meth="repeat">
+      <a:schemeClr val="lt1"/>
+    </dgm:fillClrLst>
+    <dgm:linClrLst meth="repeat">
+      <a:schemeClr val="accent1"/>
+    </dgm:linClrLst>
+    <dgm:effectClrLst/>
+    <dgm:txLinClrLst/>
+    <dgm:txFillClrLst meth="repeat">
+      <a:schemeClr val="dk1"/>
+    </dgm:txFillClrLst>
+    <dgm:txEffectClrLst/>
+  </dgm:styleLbl>
+  <dgm:styleLbl name="solidBgAcc1">
+    <dgm:fillClrLst meth="repeat">
+      <a:schemeClr val="lt1"/>
+    </dgm:fillClrLst>
+    <dgm:linClrLst meth="repeat">
+      <a:schemeClr val="accent1"/>
+    </dgm:linClrLst>
+    <dgm:effectClrLst/>
+    <dgm:txLinClrLst/>
+    <dgm:txFillClrLst meth="repeat">
+      <a:schemeClr val="dk1"/>
+    </dgm:txFillClrLst>
+    <dgm:txEffectClrLst/>
+  </dgm:styleLbl>
+  <dgm:styleLbl name="fgAccFollowNode1">
+    <dgm:fillClrLst meth="repeat">
+      <a:schemeClr val="accent1">
+        <a:alpha val="90000"/>
+        <a:tint val="40000"/>
+      </a:schemeClr>
+    </dgm:fillClrLst>
+    <dgm:linClrLst meth="repeat">
+      <a:schemeClr val="accent1">
+        <a:alpha val="90000"/>
+        <a:tint val="40000"/>
+      </a:schemeClr>
+    </dgm:linClrLst>
+    <dgm:effectClrLst/>
+    <dgm:txLinClrLst/>
+    <dgm:txFillClrLst meth="repeat">
+      <a:schemeClr val="dk1"/>
+    </dgm:txFillClrLst>
+    <dgm:txEffectClrLst/>
+  </dgm:styleLbl>
+  <dgm:styleLbl name="alignAccFollowNode1">
+    <dgm:fillClrLst meth="repeat">
+      <a:schemeClr val="accent1">
+        <a:alpha val="90000"/>
+        <a:tint val="40000"/>
+      </a:schemeClr>
+    </dgm:fillClrLst>
+    <dgm:linClrLst meth="repeat">
+      <a:schemeClr val="accent1">
+        <a:alpha val="90000"/>
+        <a:tint val="40000"/>
+      </a:schemeClr>
+    </dgm:linClrLst>
+    <dgm:effectClrLst/>
+    <dgm:txLinClrLst/>
+    <dgm:txFillClrLst meth="repeat">
+      <a:schemeClr val="dk1"/>
+    </dgm:txFillClrLst>
+    <dgm:txEffectClrLst/>
+  </dgm:styleLbl>
+  <dgm:styleLbl name="bgAccFollowNode1">
+    <dgm:fillClrLst meth="repeat">
+      <a:schemeClr val="accent1">
+        <a:alpha val="90000"/>
+        <a:tint val="40000"/>
+      </a:schemeClr>
+    </dgm:fillClrLst>
+    <dgm:linClrLst meth="repeat">
+      <a:schemeClr val="accent1">
+        <a:alpha val="90000"/>
+        <a:tint val="40000"/>
+      </a:schemeClr>
+    </dgm:linClrLst>
+    <dgm:effectClrLst/>
+    <dgm:txLinClrLst/>
+    <dgm:txFillClrLst meth="repeat">
+      <a:schemeClr val="dk1"/>
+    </dgm:txFillClrLst>
+    <dgm:txEffectClrLst/>
+  </dgm:styleLbl>
+  <dgm:styleLbl name="fgAcc0">
+    <dgm:fillClrLst meth="repeat">
+      <a:schemeClr val="lt1">
+        <a:alpha val="90000"/>
+      </a:schemeClr>
+    </dgm:fillClrLst>
+    <dgm:linClrLst meth="repeat">
+      <a:schemeClr val="accent1"/>
+    </dgm:linClrLst>
+    <dgm:effectClrLst/>
+    <dgm:txLinClrLst/>
+    <dgm:txFillClrLst meth="repeat">
+      <a:schemeClr val="dk1"/>
+    </dgm:txFillClrLst>
+    <dgm:txEffectClrLst/>
+  </dgm:styleLbl>
+  <dgm:styleLbl name="fgAcc2">
+    <dgm:fillClrLst meth="repeat">
+      <a:schemeClr val="lt1">
+        <a:alpha val="90000"/>
+      </a:schemeClr>
+    </dgm:fillClrLst>
+    <dgm:linClrLst meth="repeat">
+      <a:schemeClr val="accent1"/>
+    </dgm:linClrLst>
+    <dgm:effectClrLst/>
+    <dgm:txLinClrLst/>
+    <dgm:txFillClrLst meth="repeat">
+      <a:schemeClr val="dk1"/>
+    </dgm:txFillClrLst>
+    <dgm:txEffectClrLst/>
+  </dgm:styleLbl>
+  <dgm:styleLbl name="fgAcc3">
+    <dgm:fillClrLst meth="repeat">
+      <a:schemeClr val="lt1">
+        <a:alpha val="90000"/>
+      </a:schemeClr>
+    </dgm:fillClrLst>
+    <dgm:linClrLst meth="repeat">
+      <a:schemeClr val="accent1"/>
+    </dgm:linClrLst>
+    <dgm:effectClrLst/>
+    <dgm:txLinClrLst/>
+    <dgm:txFillClrLst meth="repeat">
+      <a:schemeClr val="dk1"/>
+    </dgm:txFillClrLst>
+    <dgm:txEffectClrLst/>
+  </dgm:styleLbl>
+  <dgm:styleLbl name="fgAcc4">
+    <dgm:fillClrLst meth="repeat">
+      <a:schemeClr val="lt1">
+        <a:alpha val="90000"/>
+      </a:schemeClr>
+    </dgm:fillClrLst>
+    <dgm:linClrLst meth="repeat">
+      <a:schemeClr val="accent1"/>
+    </dgm:linClrLst>
+    <dgm:effectClrLst/>
+    <dgm:txLinClrLst/>
+    <dgm:txFillClrLst meth="repeat">
+      <a:schemeClr val="dk1"/>
+    </dgm:txFillClrLst>
+    <dgm:txEffectClrLst/>
+  </dgm:styleLbl>
+  <dgm:styleLbl name="bgShp">
+    <dgm:fillClrLst meth="repeat">
+      <a:schemeClr val="accent1">
+        <a:tint val="40000"/>
+      </a:schemeClr>
+    </dgm:fillClrLst>
+    <dgm:linClrLst meth="repeat">
+      <a:schemeClr val="accent1"/>
+    </dgm:linClrLst>
+    <dgm:effectClrLst/>
+    <dgm:txLinClrLst/>
+    <dgm:txFillClrLst meth="repeat">
+      <a:schemeClr val="dk1"/>
+    </dgm:txFillClrLst>
+    <dgm:txEffectClrLst/>
+  </dgm:styleLbl>
+  <dgm:styleLbl name="dkBgShp">
+    <dgm:fillClrLst meth="repeat">
+      <a:schemeClr val="accent1">
+        <a:shade val="80000"/>
+      </a:schemeClr>
+    </dgm:fillClrLst>
+    <dgm:linClrLst meth="repeat">
+      <a:schemeClr val="accent1"/>
+    </dgm:linClrLst>
+    <dgm:effectClrLst/>
+    <dgm:txLinClrLst/>
+    <dgm:txFillClrLst meth="repeat">
+      <a:schemeClr val="lt1"/>
+    </dgm:txFillClrLst>
+    <dgm:txEffectClrLst/>
+  </dgm:styleLbl>
+  <dgm:styleLbl name="trBgShp">
+    <dgm:fillClrLst meth="repeat">
+      <a:schemeClr val="accent1">
+        <a:tint val="50000"/>
+        <a:alpha val="40000"/>
+      </a:schemeClr>
+    </dgm:fillClrLst>
+    <dgm:linClrLst meth="repeat">
+      <a:schemeClr val="accent1"/>
+    </dgm:linClrLst>
+    <dgm:effectClrLst/>
+    <dgm:txLinClrLst/>
+    <dgm:txFillClrLst meth="repeat">
+      <a:schemeClr val="lt1"/>
+    </dgm:txFillClrLst>
+    <dgm:txEffectClrLst/>
+  </dgm:styleLbl>
+  <dgm:styleLbl name="fgShp">
+    <dgm:fillClrLst meth="repeat">
+      <a:schemeClr val="accent1">
+        <a:tint val="60000"/>
+      </a:schemeClr>
+    </dgm:fillClrLst>
+    <dgm:linClrLst meth="repeat">
+      <a:schemeClr val="lt1"/>
+    </dgm:linClrLst>
+    <dgm:effectClrLst/>
+    <dgm:txLinClrLst/>
+    <dgm:txFillClrLst meth="repeat">
+      <a:schemeClr val="dk1"/>
+    </dgm:txFillClrLst>
+    <dgm:txEffectClrLst/>
+  </dgm:styleLbl>
+  <dgm:styleLbl name="revTx">
+    <dgm:fillClrLst meth="repeat">
+      <a:schemeClr val="lt1">
+        <a:alpha val="0"/>
+      </a:schemeClr>
+    </dgm:fillClrLst>
+    <dgm:linClrLst meth="repeat">
+      <a:schemeClr val="dk1">
+        <a:alpha val="0"/>
+      </a:schemeClr>
+    </dgm:linClrLst>
+    <dgm:effectClrLst/>
+    <dgm:txLinClrLst/>
+    <dgm:txFillClrLst meth="repeat">
+      <a:schemeClr val="tx1"/>
+    </dgm:txFillClrLst>
+    <dgm:txEffectClrLst/>
+  </dgm:styleLbl>
+</dgm:colorsDef>
+</file>
+
+<file path=ppt/diagrams/data1.xml><?xml version="1.0" encoding="utf-8"?>
+<dgm:dataModel xmlns:dgm="http://schemas.openxmlformats.org/drawingml/2006/diagram" xmlns:a="http://schemas.openxmlformats.org/drawingml/2006/main">
+  <dgm:ptLst>
+    <dgm:pt modelId="{D528CF19-565E-4D14-B892-34BBCBE2BDD9}" type="doc">
+      <dgm:prSet loTypeId="urn:microsoft.com/office/officeart/2005/8/layout/equation1" loCatId="process" qsTypeId="urn:microsoft.com/office/officeart/2005/8/quickstyle/simple1" qsCatId="simple" csTypeId="urn:microsoft.com/office/officeart/2005/8/colors/accent1_2" csCatId="accent1" phldr="1"/>
+      <dgm:spPr/>
+    </dgm:pt>
+    <dgm:pt modelId="{8F40D64B-2B81-418F-B5F2-A13B765F5FEE}">
+      <dgm:prSet phldrT="[Text]"/>
+      <dgm:spPr/>
+      <dgm:t>
+        <a:bodyPr/>
+        <a:lstStyle/>
+        <a:p>
+          <a:r>
+            <a:rPr lang="en-US" dirty="0" smtClean="0"/>
+            <a:t>Image sheets</a:t>
+          </a:r>
+          <a:endParaRPr lang="en-US" dirty="0"/>
+        </a:p>
+      </dgm:t>
+    </dgm:pt>
+    <dgm:pt modelId="{1B320258-D7B2-4A7B-8C60-FAEA27FC565F}" type="parTrans" cxnId="{0BA226FF-0875-4271-8009-0290F7BB1FF9}">
+      <dgm:prSet/>
+      <dgm:spPr/>
+      <dgm:t>
+        <a:bodyPr/>
+        <a:lstStyle/>
+        <a:p>
+          <a:endParaRPr lang="en-US"/>
+        </a:p>
+      </dgm:t>
+    </dgm:pt>
+    <dgm:pt modelId="{31454B4F-93A0-4183-906C-92A392D6E477}" type="sibTrans" cxnId="{0BA226FF-0875-4271-8009-0290F7BB1FF9}">
+      <dgm:prSet/>
+      <dgm:spPr/>
+      <dgm:t>
+        <a:bodyPr/>
+        <a:lstStyle/>
+        <a:p>
+          <a:endParaRPr lang="en-US"/>
+        </a:p>
+      </dgm:t>
+    </dgm:pt>
+    <dgm:pt modelId="{FD1FF1DD-CBB3-488A-BF6D-315E3B5A70FC}">
+      <dgm:prSet phldrT="[Text]"/>
+      <dgm:spPr/>
+      <dgm:t>
+        <a:bodyPr/>
+        <a:lstStyle/>
+        <a:p>
+          <a:r>
+            <a:rPr lang="en-US" dirty="0" smtClean="0">
+              <a:latin typeface="Arial" panose="020B0604020202020204" pitchFamily="34" charset="0"/>
+              <a:cs typeface="Arial" panose="020B0604020202020204" pitchFamily="34" charset="0"/>
+            </a:rPr>
+            <a:t>Animation Sequences</a:t>
+          </a:r>
+          <a:endParaRPr lang="en-US" dirty="0"/>
+        </a:p>
+      </dgm:t>
+    </dgm:pt>
+    <dgm:pt modelId="{E6EC5151-D27B-4D86-A967-3700FE2C2583}" type="parTrans" cxnId="{B1A8FD04-ADE5-42C3-BBBD-EDBA39200F7E}">
+      <dgm:prSet/>
+      <dgm:spPr/>
+      <dgm:t>
+        <a:bodyPr/>
+        <a:lstStyle/>
+        <a:p>
+          <a:endParaRPr lang="en-US"/>
+        </a:p>
+      </dgm:t>
+    </dgm:pt>
+    <dgm:pt modelId="{533A7F56-D6C8-4A12-B550-601E02EFCE79}" type="sibTrans" cxnId="{B1A8FD04-ADE5-42C3-BBBD-EDBA39200F7E}">
+      <dgm:prSet/>
+      <dgm:spPr/>
+      <dgm:t>
+        <a:bodyPr/>
+        <a:lstStyle/>
+        <a:p>
+          <a:endParaRPr lang="en-US"/>
+        </a:p>
+      </dgm:t>
+    </dgm:pt>
+    <dgm:pt modelId="{60D10692-B818-4C92-8772-E67D71CB6B19}">
+      <dgm:prSet phldrT="[Text]"/>
+      <dgm:spPr/>
+      <dgm:t>
+        <a:bodyPr/>
+        <a:lstStyle/>
+        <a:p>
+          <a:r>
+            <a:rPr lang="en-US" dirty="0" smtClean="0">
+              <a:latin typeface="Arial" panose="020B0604020202020204" pitchFamily="34" charset="0"/>
+              <a:cs typeface="Arial" panose="020B0604020202020204" pitchFamily="34" charset="0"/>
+            </a:rPr>
+            <a:t>Sprite Objects</a:t>
+          </a:r>
+          <a:endParaRPr lang="en-US" dirty="0"/>
+        </a:p>
+      </dgm:t>
+    </dgm:pt>
+    <dgm:pt modelId="{1ED39581-DB65-4E62-B053-F90B05B2BC7A}" type="parTrans" cxnId="{4C5E0EEE-0069-41C4-89BC-AF1A7251B4B8}">
+      <dgm:prSet/>
+      <dgm:spPr/>
+      <dgm:t>
+        <a:bodyPr/>
+        <a:lstStyle/>
+        <a:p>
+          <a:endParaRPr lang="en-US"/>
+        </a:p>
+      </dgm:t>
+    </dgm:pt>
+    <dgm:pt modelId="{CB79C785-A37D-4582-BECE-4A4F4E1B2A3F}" type="sibTrans" cxnId="{4C5E0EEE-0069-41C4-89BC-AF1A7251B4B8}">
+      <dgm:prSet/>
+      <dgm:spPr/>
+      <dgm:t>
+        <a:bodyPr/>
+        <a:lstStyle/>
+        <a:p>
+          <a:endParaRPr lang="en-US"/>
+        </a:p>
+      </dgm:t>
+    </dgm:pt>
+    <dgm:pt modelId="{397D9BA0-7E9E-4B4F-9BA3-7F5660B859BF}" type="pres">
+      <dgm:prSet presAssocID="{D528CF19-565E-4D14-B892-34BBCBE2BDD9}" presName="linearFlow" presStyleCnt="0">
+        <dgm:presLayoutVars>
+          <dgm:dir/>
+          <dgm:resizeHandles val="exact"/>
+        </dgm:presLayoutVars>
+      </dgm:prSet>
+      <dgm:spPr/>
+    </dgm:pt>
+    <dgm:pt modelId="{A50E4736-13FD-4729-BB42-C253576566D4}" type="pres">
+      <dgm:prSet presAssocID="{8F40D64B-2B81-418F-B5F2-A13B765F5FEE}" presName="node" presStyleLbl="node1" presStyleIdx="0" presStyleCnt="3">
+        <dgm:presLayoutVars>
+          <dgm:bulletEnabled val="1"/>
+        </dgm:presLayoutVars>
+      </dgm:prSet>
+      <dgm:spPr/>
+    </dgm:pt>
+    <dgm:pt modelId="{EF50B534-AD5D-4EAF-85A7-D6EE2DB0294D}" type="pres">
+      <dgm:prSet presAssocID="{31454B4F-93A0-4183-906C-92A392D6E477}" presName="spacerL" presStyleCnt="0"/>
+      <dgm:spPr/>
+    </dgm:pt>
+    <dgm:pt modelId="{71EBD2F7-0681-44A4-9CBF-90A002CE8F07}" type="pres">
+      <dgm:prSet presAssocID="{31454B4F-93A0-4183-906C-92A392D6E477}" presName="sibTrans" presStyleLbl="sibTrans2D1" presStyleIdx="0" presStyleCnt="2"/>
+      <dgm:spPr/>
+    </dgm:pt>
+    <dgm:pt modelId="{B584CA45-A33F-4D4F-8059-DFEADB6631CC}" type="pres">
+      <dgm:prSet presAssocID="{31454B4F-93A0-4183-906C-92A392D6E477}" presName="spacerR" presStyleCnt="0"/>
+      <dgm:spPr/>
+    </dgm:pt>
+    <dgm:pt modelId="{D25F5F0E-2B59-4A21-8BB9-FF0EF7A7350B}" type="pres">
+      <dgm:prSet presAssocID="{FD1FF1DD-CBB3-488A-BF6D-315E3B5A70FC}" presName="node" presStyleLbl="node1" presStyleIdx="1" presStyleCnt="3">
+        <dgm:presLayoutVars>
+          <dgm:bulletEnabled val="1"/>
+        </dgm:presLayoutVars>
+      </dgm:prSet>
+      <dgm:spPr/>
+      <dgm:t>
+        <a:bodyPr/>
+        <a:lstStyle/>
+        <a:p>
+          <a:endParaRPr lang="en-US"/>
+        </a:p>
+      </dgm:t>
+    </dgm:pt>
+    <dgm:pt modelId="{129B303E-B5D2-4E8F-B11C-F1293329E418}" type="pres">
+      <dgm:prSet presAssocID="{533A7F56-D6C8-4A12-B550-601E02EFCE79}" presName="spacerL" presStyleCnt="0"/>
+      <dgm:spPr/>
+    </dgm:pt>
+    <dgm:pt modelId="{D0AF58D7-7771-4E61-B9F2-EBE818DCCC90}" type="pres">
+      <dgm:prSet presAssocID="{533A7F56-D6C8-4A12-B550-601E02EFCE79}" presName="sibTrans" presStyleLbl="sibTrans2D1" presStyleIdx="1" presStyleCnt="2"/>
+      <dgm:spPr/>
+    </dgm:pt>
+    <dgm:pt modelId="{880E6CC5-C9A9-44FF-86E3-21ED419D6E4B}" type="pres">
+      <dgm:prSet presAssocID="{533A7F56-D6C8-4A12-B550-601E02EFCE79}" presName="spacerR" presStyleCnt="0"/>
+      <dgm:spPr/>
+    </dgm:pt>
+    <dgm:pt modelId="{0CD1CBA8-6ED0-4D91-AC15-1FBA6BABD87D}" type="pres">
+      <dgm:prSet presAssocID="{60D10692-B818-4C92-8772-E67D71CB6B19}" presName="node" presStyleLbl="node1" presStyleIdx="2" presStyleCnt="3">
+        <dgm:presLayoutVars>
+          <dgm:bulletEnabled val="1"/>
+        </dgm:presLayoutVars>
+      </dgm:prSet>
+      <dgm:spPr/>
+      <dgm:t>
+        <a:bodyPr/>
+        <a:lstStyle/>
+        <a:p>
+          <a:endParaRPr lang="en-US"/>
+        </a:p>
+      </dgm:t>
+    </dgm:pt>
+  </dgm:ptLst>
+  <dgm:cxnLst>
+    <dgm:cxn modelId="{4C5E0EEE-0069-41C4-89BC-AF1A7251B4B8}" srcId="{D528CF19-565E-4D14-B892-34BBCBE2BDD9}" destId="{60D10692-B818-4C92-8772-E67D71CB6B19}" srcOrd="2" destOrd="0" parTransId="{1ED39581-DB65-4E62-B053-F90B05B2BC7A}" sibTransId="{CB79C785-A37D-4582-BECE-4A4F4E1B2A3F}"/>
+    <dgm:cxn modelId="{E7A5C5C2-036D-478F-B498-6496812B2899}" type="presOf" srcId="{31454B4F-93A0-4183-906C-92A392D6E477}" destId="{71EBD2F7-0681-44A4-9CBF-90A002CE8F07}" srcOrd="0" destOrd="0" presId="urn:microsoft.com/office/officeart/2005/8/layout/equation1"/>
+    <dgm:cxn modelId="{B1A8FD04-ADE5-42C3-BBBD-EDBA39200F7E}" srcId="{D528CF19-565E-4D14-B892-34BBCBE2BDD9}" destId="{FD1FF1DD-CBB3-488A-BF6D-315E3B5A70FC}" srcOrd="1" destOrd="0" parTransId="{E6EC5151-D27B-4D86-A967-3700FE2C2583}" sibTransId="{533A7F56-D6C8-4A12-B550-601E02EFCE79}"/>
+    <dgm:cxn modelId="{0BA226FF-0875-4271-8009-0290F7BB1FF9}" srcId="{D528CF19-565E-4D14-B892-34BBCBE2BDD9}" destId="{8F40D64B-2B81-418F-B5F2-A13B765F5FEE}" srcOrd="0" destOrd="0" parTransId="{1B320258-D7B2-4A7B-8C60-FAEA27FC565F}" sibTransId="{31454B4F-93A0-4183-906C-92A392D6E477}"/>
+    <dgm:cxn modelId="{B731E85B-5EF4-4C38-9243-3310FA0396EF}" type="presOf" srcId="{533A7F56-D6C8-4A12-B550-601E02EFCE79}" destId="{D0AF58D7-7771-4E61-B9F2-EBE818DCCC90}" srcOrd="0" destOrd="0" presId="urn:microsoft.com/office/officeart/2005/8/layout/equation1"/>
+    <dgm:cxn modelId="{C84AA443-99A4-4E02-A65A-BC4CA69B9D73}" type="presOf" srcId="{60D10692-B818-4C92-8772-E67D71CB6B19}" destId="{0CD1CBA8-6ED0-4D91-AC15-1FBA6BABD87D}" srcOrd="0" destOrd="0" presId="urn:microsoft.com/office/officeart/2005/8/layout/equation1"/>
+    <dgm:cxn modelId="{0FE5C591-FC43-4C33-9F0A-B235A8439F1F}" type="presOf" srcId="{FD1FF1DD-CBB3-488A-BF6D-315E3B5A70FC}" destId="{D25F5F0E-2B59-4A21-8BB9-FF0EF7A7350B}" srcOrd="0" destOrd="0" presId="urn:microsoft.com/office/officeart/2005/8/layout/equation1"/>
+    <dgm:cxn modelId="{07EA6223-D6EE-438D-A75A-D6F7685FBEDC}" type="presOf" srcId="{D528CF19-565E-4D14-B892-34BBCBE2BDD9}" destId="{397D9BA0-7E9E-4B4F-9BA3-7F5660B859BF}" srcOrd="0" destOrd="0" presId="urn:microsoft.com/office/officeart/2005/8/layout/equation1"/>
+    <dgm:cxn modelId="{A02106CF-5755-4166-8513-51C6C3488343}" type="presOf" srcId="{8F40D64B-2B81-418F-B5F2-A13B765F5FEE}" destId="{A50E4736-13FD-4729-BB42-C253576566D4}" srcOrd="0" destOrd="0" presId="urn:microsoft.com/office/officeart/2005/8/layout/equation1"/>
+    <dgm:cxn modelId="{E95EA558-ACFA-455D-BD86-1A87157A65C4}" type="presParOf" srcId="{397D9BA0-7E9E-4B4F-9BA3-7F5660B859BF}" destId="{A50E4736-13FD-4729-BB42-C253576566D4}" srcOrd="0" destOrd="0" presId="urn:microsoft.com/office/officeart/2005/8/layout/equation1"/>
+    <dgm:cxn modelId="{9DA887CC-B0CE-47ED-94EC-2B8DCBE11E7F}" type="presParOf" srcId="{397D9BA0-7E9E-4B4F-9BA3-7F5660B859BF}" destId="{EF50B534-AD5D-4EAF-85A7-D6EE2DB0294D}" srcOrd="1" destOrd="0" presId="urn:microsoft.com/office/officeart/2005/8/layout/equation1"/>
+    <dgm:cxn modelId="{848AC1D4-5D7B-480A-8A8C-0FB7DAFB3E26}" type="presParOf" srcId="{397D9BA0-7E9E-4B4F-9BA3-7F5660B859BF}" destId="{71EBD2F7-0681-44A4-9CBF-90A002CE8F07}" srcOrd="2" destOrd="0" presId="urn:microsoft.com/office/officeart/2005/8/layout/equation1"/>
+    <dgm:cxn modelId="{4414CCEE-6606-4F40-8FD8-BB5736D67756}" type="presParOf" srcId="{397D9BA0-7E9E-4B4F-9BA3-7F5660B859BF}" destId="{B584CA45-A33F-4D4F-8059-DFEADB6631CC}" srcOrd="3" destOrd="0" presId="urn:microsoft.com/office/officeart/2005/8/layout/equation1"/>
+    <dgm:cxn modelId="{1F6B6356-C140-4242-A200-30F7E9F52BD0}" type="presParOf" srcId="{397D9BA0-7E9E-4B4F-9BA3-7F5660B859BF}" destId="{D25F5F0E-2B59-4A21-8BB9-FF0EF7A7350B}" srcOrd="4" destOrd="0" presId="urn:microsoft.com/office/officeart/2005/8/layout/equation1"/>
+    <dgm:cxn modelId="{CBE685CB-115B-4B8A-A153-9E6D40C92923}" type="presParOf" srcId="{397D9BA0-7E9E-4B4F-9BA3-7F5660B859BF}" destId="{129B303E-B5D2-4E8F-B11C-F1293329E418}" srcOrd="5" destOrd="0" presId="urn:microsoft.com/office/officeart/2005/8/layout/equation1"/>
+    <dgm:cxn modelId="{6B4F3701-815D-4635-8992-7FCDA0875211}" type="presParOf" srcId="{397D9BA0-7E9E-4B4F-9BA3-7F5660B859BF}" destId="{D0AF58D7-7771-4E61-B9F2-EBE818DCCC90}" srcOrd="6" destOrd="0" presId="urn:microsoft.com/office/officeart/2005/8/layout/equation1"/>
+    <dgm:cxn modelId="{CE9771B6-E037-4988-AE07-7C06A9D014DC}" type="presParOf" srcId="{397D9BA0-7E9E-4B4F-9BA3-7F5660B859BF}" destId="{880E6CC5-C9A9-44FF-86E3-21ED419D6E4B}" srcOrd="7" destOrd="0" presId="urn:microsoft.com/office/officeart/2005/8/layout/equation1"/>
+    <dgm:cxn modelId="{92F5CF1C-3019-4918-A04D-81F735477FDF}" type="presParOf" srcId="{397D9BA0-7E9E-4B4F-9BA3-7F5660B859BF}" destId="{0CD1CBA8-6ED0-4D91-AC15-1FBA6BABD87D}" srcOrd="8" destOrd="0" presId="urn:microsoft.com/office/officeart/2005/8/layout/equation1"/>
+  </dgm:cxnLst>
+  <dgm:bg/>
+  <dgm:whole/>
+  <dgm:extLst>
+    <a:ext uri="http://schemas.microsoft.com/office/drawing/2008/diagram">
+      <dsp:dataModelExt xmlns:dsp="http://schemas.microsoft.com/office/drawing/2008/diagram" relId="rId6" minVer="http://schemas.openxmlformats.org/drawingml/2006/diagram"/>
+    </a:ext>
+  </dgm:extLst>
+</dgm:dataModel>
+</file>
+
+<file path=ppt/diagrams/drawing1.xml><?xml version="1.0" encoding="utf-8"?>
+<dsp:drawing xmlns:dgm="http://schemas.openxmlformats.org/drawingml/2006/diagram" xmlns:dsp="http://schemas.microsoft.com/office/drawing/2008/diagram" xmlns:a="http://schemas.openxmlformats.org/drawingml/2006/main">
+  <dsp:spTree>
+    <dsp:nvGrpSpPr>
+      <dsp:cNvPr id="0" name=""/>
+      <dsp:cNvGrpSpPr/>
+    </dsp:nvGrpSpPr>
+    <dsp:grpSpPr/>
+    <dsp:sp modelId="{A50E4736-13FD-4729-BB42-C253576566D4}">
+      <dsp:nvSpPr>
+        <dsp:cNvPr id="0" name=""/>
+        <dsp:cNvSpPr/>
+      </dsp:nvSpPr>
+      <dsp:spPr>
+        <a:xfrm>
+          <a:off x="1445" y="1379532"/>
+          <a:ext cx="1916121" cy="1916121"/>
+        </a:xfrm>
+        <a:prstGeom prst="ellipse">
+          <a:avLst/>
+        </a:prstGeom>
+        <a:solidFill>
+          <a:schemeClr val="accent1">
+            <a:hueOff val="0"/>
+            <a:satOff val="0"/>
+            <a:lumOff val="0"/>
+            <a:alphaOff val="0"/>
+          </a:schemeClr>
+        </a:solidFill>
+        <a:ln w="19050" cap="rnd" cmpd="sng" algn="ctr">
+          <a:solidFill>
+            <a:schemeClr val="lt1">
+              <a:hueOff val="0"/>
+              <a:satOff val="0"/>
+              <a:lumOff val="0"/>
+              <a:alphaOff val="0"/>
+            </a:schemeClr>
+          </a:solidFill>
+          <a:prstDash val="solid"/>
+        </a:ln>
+        <a:effectLst/>
+      </dsp:spPr>
+      <dsp:style>
+        <a:lnRef idx="2">
+          <a:scrgbClr r="0" g="0" b="0"/>
+        </a:lnRef>
+        <a:fillRef idx="1">
+          <a:scrgbClr r="0" g="0" b="0"/>
+        </a:fillRef>
+        <a:effectRef idx="0">
+          <a:scrgbClr r="0" g="0" b="0"/>
+        </a:effectRef>
+        <a:fontRef idx="minor">
+          <a:schemeClr val="lt1"/>
+        </a:fontRef>
+      </dsp:style>
+      <dsp:txBody>
+        <a:bodyPr spcFirstLastPara="0" vert="horz" wrap="square" lIns="25400" tIns="25400" rIns="25400" bIns="25400" numCol="1" spcCol="1270" anchor="ctr" anchorCtr="0">
+          <a:noAutofit/>
+        </a:bodyPr>
+        <a:lstStyle/>
+        <a:p>
+          <a:pPr lvl="0" algn="ctr" defTabSz="889000">
+            <a:lnSpc>
+              <a:spcPct val="90000"/>
+            </a:lnSpc>
+            <a:spcBef>
+              <a:spcPct val="0"/>
+            </a:spcBef>
+            <a:spcAft>
+              <a:spcPct val="35000"/>
+            </a:spcAft>
+          </a:pPr>
+          <a:r>
+            <a:rPr lang="en-US" sz="2000" kern="1200" dirty="0" smtClean="0"/>
+            <a:t>Image sheets</a:t>
+          </a:r>
+          <a:endParaRPr lang="en-US" sz="2000" kern="1200" dirty="0"/>
+        </a:p>
+      </dsp:txBody>
+      <dsp:txXfrm>
+        <a:off x="282054" y="1660141"/>
+        <a:ext cx="1354903" cy="1354903"/>
+      </dsp:txXfrm>
+    </dsp:sp>
+    <dsp:sp modelId="{71EBD2F7-0681-44A4-9CBF-90A002CE8F07}">
+      <dsp:nvSpPr>
+        <dsp:cNvPr id="0" name=""/>
+        <dsp:cNvSpPr/>
+      </dsp:nvSpPr>
+      <dsp:spPr>
+        <a:xfrm>
+          <a:off x="2073155" y="1781918"/>
+          <a:ext cx="1111350" cy="1111350"/>
+        </a:xfrm>
+        <a:prstGeom prst="mathPlus">
+          <a:avLst/>
+        </a:prstGeom>
+        <a:solidFill>
+          <a:schemeClr val="accent1">
+            <a:tint val="60000"/>
+            <a:hueOff val="0"/>
+            <a:satOff val="0"/>
+            <a:lumOff val="0"/>
+            <a:alphaOff val="0"/>
+          </a:schemeClr>
+        </a:solidFill>
+        <a:ln>
+          <a:noFill/>
+        </a:ln>
+        <a:effectLst/>
+      </dsp:spPr>
+      <dsp:style>
+        <a:lnRef idx="0">
+          <a:scrgbClr r="0" g="0" b="0"/>
+        </a:lnRef>
+        <a:fillRef idx="1">
+          <a:scrgbClr r="0" g="0" b="0"/>
+        </a:fillRef>
+        <a:effectRef idx="0">
+          <a:scrgbClr r="0" g="0" b="0"/>
+        </a:effectRef>
+        <a:fontRef idx="minor">
+          <a:schemeClr val="lt1"/>
+        </a:fontRef>
+      </dsp:style>
+      <dsp:txBody>
+        <a:bodyPr spcFirstLastPara="0" vert="horz" wrap="square" lIns="0" tIns="0" rIns="0" bIns="0" numCol="1" spcCol="1270" anchor="ctr" anchorCtr="0">
+          <a:noAutofit/>
+        </a:bodyPr>
+        <a:lstStyle/>
+        <a:p>
+          <a:pPr lvl="0" algn="ctr" defTabSz="711200">
+            <a:lnSpc>
+              <a:spcPct val="90000"/>
+            </a:lnSpc>
+            <a:spcBef>
+              <a:spcPct val="0"/>
+            </a:spcBef>
+            <a:spcAft>
+              <a:spcPct val="35000"/>
+            </a:spcAft>
+          </a:pPr>
+          <a:endParaRPr lang="en-US" sz="1600" kern="1200"/>
+        </a:p>
+      </dsp:txBody>
+      <dsp:txXfrm>
+        <a:off x="2220464" y="2206898"/>
+        <a:ext cx="816732" cy="261390"/>
+      </dsp:txXfrm>
+    </dsp:sp>
+    <dsp:sp modelId="{D25F5F0E-2B59-4A21-8BB9-FF0EF7A7350B}">
+      <dsp:nvSpPr>
+        <dsp:cNvPr id="0" name=""/>
+        <dsp:cNvSpPr/>
+      </dsp:nvSpPr>
+      <dsp:spPr>
+        <a:xfrm>
+          <a:off x="3340095" y="1379532"/>
+          <a:ext cx="1916121" cy="1916121"/>
+        </a:xfrm>
+        <a:prstGeom prst="ellipse">
+          <a:avLst/>
+        </a:prstGeom>
+        <a:solidFill>
+          <a:schemeClr val="accent1">
+            <a:hueOff val="0"/>
+            <a:satOff val="0"/>
+            <a:lumOff val="0"/>
+            <a:alphaOff val="0"/>
+          </a:schemeClr>
+        </a:solidFill>
+        <a:ln w="19050" cap="rnd" cmpd="sng" algn="ctr">
+          <a:solidFill>
+            <a:schemeClr val="lt1">
+              <a:hueOff val="0"/>
+              <a:satOff val="0"/>
+              <a:lumOff val="0"/>
+              <a:alphaOff val="0"/>
+            </a:schemeClr>
+          </a:solidFill>
+          <a:prstDash val="solid"/>
+        </a:ln>
+        <a:effectLst/>
+      </dsp:spPr>
+      <dsp:style>
+        <a:lnRef idx="2">
+          <a:scrgbClr r="0" g="0" b="0"/>
+        </a:lnRef>
+        <a:fillRef idx="1">
+          <a:scrgbClr r="0" g="0" b="0"/>
+        </a:fillRef>
+        <a:effectRef idx="0">
+          <a:scrgbClr r="0" g="0" b="0"/>
+        </a:effectRef>
+        <a:fontRef idx="minor">
+          <a:schemeClr val="lt1"/>
+        </a:fontRef>
+      </dsp:style>
+      <dsp:txBody>
+        <a:bodyPr spcFirstLastPara="0" vert="horz" wrap="square" lIns="25400" tIns="25400" rIns="25400" bIns="25400" numCol="1" spcCol="1270" anchor="ctr" anchorCtr="0">
+          <a:noAutofit/>
+        </a:bodyPr>
+        <a:lstStyle/>
+        <a:p>
+          <a:pPr lvl="0" algn="ctr" defTabSz="889000">
+            <a:lnSpc>
+              <a:spcPct val="90000"/>
+            </a:lnSpc>
+            <a:spcBef>
+              <a:spcPct val="0"/>
+            </a:spcBef>
+            <a:spcAft>
+              <a:spcPct val="35000"/>
+            </a:spcAft>
+          </a:pPr>
+          <a:r>
+            <a:rPr lang="en-US" sz="2000" kern="1200" dirty="0" smtClean="0">
+              <a:latin typeface="Arial" panose="020B0604020202020204" pitchFamily="34" charset="0"/>
+              <a:cs typeface="Arial" panose="020B0604020202020204" pitchFamily="34" charset="0"/>
+            </a:rPr>
+            <a:t>Animation Sequences</a:t>
+          </a:r>
+          <a:endParaRPr lang="en-US" sz="2000" kern="1200" dirty="0"/>
+        </a:p>
+      </dsp:txBody>
+      <dsp:txXfrm>
+        <a:off x="3620704" y="1660141"/>
+        <a:ext cx="1354903" cy="1354903"/>
+      </dsp:txXfrm>
+    </dsp:sp>
+    <dsp:sp modelId="{D0AF58D7-7771-4E61-B9F2-EBE818DCCC90}">
+      <dsp:nvSpPr>
+        <dsp:cNvPr id="0" name=""/>
+        <dsp:cNvSpPr/>
+      </dsp:nvSpPr>
+      <dsp:spPr>
+        <a:xfrm>
+          <a:off x="5411805" y="1781918"/>
+          <a:ext cx="1111350" cy="1111350"/>
+        </a:xfrm>
+        <a:prstGeom prst="mathEqual">
+          <a:avLst/>
+        </a:prstGeom>
+        <a:solidFill>
+          <a:schemeClr val="accent1">
+            <a:tint val="60000"/>
+            <a:hueOff val="0"/>
+            <a:satOff val="0"/>
+            <a:lumOff val="0"/>
+            <a:alphaOff val="0"/>
+          </a:schemeClr>
+        </a:solidFill>
+        <a:ln>
+          <a:noFill/>
+        </a:ln>
+        <a:effectLst/>
+      </dsp:spPr>
+      <dsp:style>
+        <a:lnRef idx="0">
+          <a:scrgbClr r="0" g="0" b="0"/>
+        </a:lnRef>
+        <a:fillRef idx="1">
+          <a:scrgbClr r="0" g="0" b="0"/>
+        </a:fillRef>
+        <a:effectRef idx="0">
+          <a:scrgbClr r="0" g="0" b="0"/>
+        </a:effectRef>
+        <a:fontRef idx="minor">
+          <a:schemeClr val="lt1"/>
+        </a:fontRef>
+      </dsp:style>
+      <dsp:txBody>
+        <a:bodyPr spcFirstLastPara="0" vert="horz" wrap="square" lIns="0" tIns="0" rIns="0" bIns="0" numCol="1" spcCol="1270" anchor="ctr" anchorCtr="0">
+          <a:noAutofit/>
+        </a:bodyPr>
+        <a:lstStyle/>
+        <a:p>
+          <a:pPr lvl="0" algn="ctr" defTabSz="711200">
+            <a:lnSpc>
+              <a:spcPct val="90000"/>
+            </a:lnSpc>
+            <a:spcBef>
+              <a:spcPct val="0"/>
+            </a:spcBef>
+            <a:spcAft>
+              <a:spcPct val="35000"/>
+            </a:spcAft>
+          </a:pPr>
+          <a:endParaRPr lang="en-US" sz="1600" kern="1200"/>
+        </a:p>
+      </dsp:txBody>
+      <dsp:txXfrm>
+        <a:off x="5559114" y="2010856"/>
+        <a:ext cx="816732" cy="653474"/>
+      </dsp:txXfrm>
+    </dsp:sp>
+    <dsp:sp modelId="{0CD1CBA8-6ED0-4D91-AC15-1FBA6BABD87D}">
+      <dsp:nvSpPr>
+        <dsp:cNvPr id="0" name=""/>
+        <dsp:cNvSpPr/>
+      </dsp:nvSpPr>
+      <dsp:spPr>
+        <a:xfrm>
+          <a:off x="6678745" y="1379532"/>
+          <a:ext cx="1916121" cy="1916121"/>
+        </a:xfrm>
+        <a:prstGeom prst="ellipse">
+          <a:avLst/>
+        </a:prstGeom>
+        <a:solidFill>
+          <a:schemeClr val="accent1">
+            <a:hueOff val="0"/>
+            <a:satOff val="0"/>
+            <a:lumOff val="0"/>
+            <a:alphaOff val="0"/>
+          </a:schemeClr>
+        </a:solidFill>
+        <a:ln w="19050" cap="rnd" cmpd="sng" algn="ctr">
+          <a:solidFill>
+            <a:schemeClr val="lt1">
+              <a:hueOff val="0"/>
+              <a:satOff val="0"/>
+              <a:lumOff val="0"/>
+              <a:alphaOff val="0"/>
+            </a:schemeClr>
+          </a:solidFill>
+          <a:prstDash val="solid"/>
+        </a:ln>
+        <a:effectLst/>
+      </dsp:spPr>
+      <dsp:style>
+        <a:lnRef idx="2">
+          <a:scrgbClr r="0" g="0" b="0"/>
+        </a:lnRef>
+        <a:fillRef idx="1">
+          <a:scrgbClr r="0" g="0" b="0"/>
+        </a:fillRef>
+        <a:effectRef idx="0">
+          <a:scrgbClr r="0" g="0" b="0"/>
+        </a:effectRef>
+        <a:fontRef idx="minor">
+          <a:schemeClr val="lt1"/>
+        </a:fontRef>
+      </dsp:style>
+      <dsp:txBody>
+        <a:bodyPr spcFirstLastPara="0" vert="horz" wrap="square" lIns="25400" tIns="25400" rIns="25400" bIns="25400" numCol="1" spcCol="1270" anchor="ctr" anchorCtr="0">
+          <a:noAutofit/>
+        </a:bodyPr>
+        <a:lstStyle/>
+        <a:p>
+          <a:pPr lvl="0" algn="ctr" defTabSz="889000">
+            <a:lnSpc>
+              <a:spcPct val="90000"/>
+            </a:lnSpc>
+            <a:spcBef>
+              <a:spcPct val="0"/>
+            </a:spcBef>
+            <a:spcAft>
+              <a:spcPct val="35000"/>
+            </a:spcAft>
+          </a:pPr>
+          <a:r>
+            <a:rPr lang="en-US" sz="2000" kern="1200" dirty="0" smtClean="0">
+              <a:latin typeface="Arial" panose="020B0604020202020204" pitchFamily="34" charset="0"/>
+              <a:cs typeface="Arial" panose="020B0604020202020204" pitchFamily="34" charset="0"/>
+            </a:rPr>
+            <a:t>Sprite Objects</a:t>
+          </a:r>
+          <a:endParaRPr lang="en-US" sz="2000" kern="1200" dirty="0"/>
+        </a:p>
+      </dsp:txBody>
+      <dsp:txXfrm>
+        <a:off x="6959354" y="1660141"/>
+        <a:ext cx="1354903" cy="1354903"/>
+      </dsp:txXfrm>
+    </dsp:sp>
+  </dsp:spTree>
+</dsp:drawing>
+</file>
+
+<file path=ppt/diagrams/layout1.xml><?xml version="1.0" encoding="utf-8"?>
+<dgm:layoutDef xmlns:dgm="http://schemas.openxmlformats.org/drawingml/2006/diagram" xmlns:a="http://schemas.openxmlformats.org/drawingml/2006/main" uniqueId="urn:microsoft.com/office/officeart/2005/8/layout/equation1">
+  <dgm:title val=""/>
+  <dgm:desc val=""/>
+  <dgm:catLst>
+    <dgm:cat type="relationship" pri="17000"/>
+    <dgm:cat type="process" pri="25000"/>
+  </dgm:catLst>
+  <dgm:sampData useDef="1">
+    <dgm:dataModel>
+      <dgm:ptLst/>
+      <dgm:bg/>
+      <dgm:whole/>
+    </dgm:dataModel>
+  </dgm:sampData>
+  <dgm:styleData>
+    <dgm:dataModel>
+      <dgm:ptLst>
+        <dgm:pt modelId="0" type="doc"/>
+        <dgm:pt modelId="1"/>
+        <dgm:pt modelId="2"/>
+      </dgm:ptLst>
+      <dgm:cxnLst>
+        <dgm:cxn modelId="3" srcId="0" destId="1" srcOrd="0" destOrd="0"/>
+        <dgm:cxn modelId="4" srcId="0" destId="2" srcOrd="1" destOrd="0"/>
+      </dgm:cxnLst>
+      <dgm:bg/>
+      <dgm:whole/>
+    </dgm:dataModel>
+  </dgm:styleData>
+  <dgm:clrData>
+    <dgm:dataModel>
+      <dgm:ptLst>
+        <dgm:pt modelId="0" type="doc"/>
+        <dgm:pt modelId="1"/>
+        <dgm:pt modelId="2"/>
+        <dgm:pt modelId="3"/>
+        <dgm:pt modelId="4"/>
+      </dgm:ptLst>
+      <dgm:cxnLst>
+        <dgm:cxn modelId="5" srcId="0" destId="1" srcOrd="0" destOrd="0"/>
+        <dgm:cxn modelId="6" srcId="0" destId="2" srcOrd="1" destOrd="0"/>
+        <dgm:cxn modelId="7" srcId="0" destId="3" srcOrd="2" destOrd="0"/>
+        <dgm:cxn modelId="8" srcId="0" destId="4" srcOrd="3" destOrd="0"/>
+      </dgm:cxnLst>
+      <dgm:bg/>
+      <dgm:whole/>
+    </dgm:dataModel>
+  </dgm:clrData>
+  <dgm:layoutNode name="linearFlow">
+    <dgm:varLst>
+      <dgm:dir/>
+      <dgm:resizeHandles val="exact"/>
+    </dgm:varLst>
+    <dgm:choose name="Name0">
+      <dgm:if name="Name1" func="var" arg="dir" op="equ" val="norm">
+        <dgm:alg type="lin">
+          <dgm:param type="fallback" val="2D"/>
+        </dgm:alg>
+      </dgm:if>
+      <dgm:else name="Name2">
+        <dgm:alg type="lin">
+          <dgm:param type="linDir" val="fromR"/>
+          <dgm:param type="fallback" val="2D"/>
+        </dgm:alg>
+      </dgm:else>
+    </dgm:choose>
+    <dgm:shape xmlns:r="http://schemas.openxmlformats.org/officeDocument/2006/relationships" r:blip="">
+      <dgm:adjLst/>
+    </dgm:shape>
+    <dgm:presOf/>
+    <dgm:constrLst>
+      <dgm:constr type="w" for="ch" ptType="node" refType="w"/>
+      <dgm:constr type="w" for="ch" ptType="sibTrans" refType="w" refFor="ch" refPtType="node" fact="0.58"/>
+      <dgm:constr type="primFontSz" for="ch" ptType="node" op="equ" val="65"/>
+      <dgm:constr type="primFontSz" for="ch" ptType="sibTrans" op="equ" val="55"/>
+      <dgm:constr type="primFontSz" for="ch" ptType="sibTrans" refType="primFontSz" refFor="ch" refPtType="node" op="lte" fact="0.8"/>
+      <dgm:constr type="w" for="ch" forName="spacerL" refType="w" refFor="ch" refPtType="sibTrans" fact="0.14"/>
+      <dgm:constr type="w" for="ch" forName="spacerR" refType="w" refFor="ch" refPtType="sibTrans" fact="0.14"/>
+    </dgm:constrLst>
+    <dgm:ruleLst/>
+    <dgm:forEach name="nodesForEach" axis="ch" ptType="node">
+      <dgm:layoutNode name="node">
+        <dgm:varLst>
+          <dgm:bulletEnabled val="1"/>
+        </dgm:varLst>
+        <dgm:alg type="tx">
+          <dgm:param type="txAnchorVertCh" val="mid"/>
+        </dgm:alg>
+        <dgm:shape xmlns:r="http://schemas.openxmlformats.org/officeDocument/2006/relationships" type="ellipse" r:blip="">
+          <dgm:adjLst/>
+        </dgm:shape>
+        <dgm:presOf axis="desOrSelf" ptType="node"/>
+        <dgm:constrLst>
+          <dgm:constr type="h" refType="w"/>
+          <dgm:constr type="tMarg" refType="primFontSz" fact="0.1"/>
+          <dgm:constr type="bMarg" refType="primFontSz" fact="0.1"/>
+          <dgm:constr type="lMarg" refType="primFontSz" fact="0.1"/>
+          <dgm:constr type="rMarg" refType="primFontSz" fact="0.1"/>
+        </dgm:constrLst>
+        <dgm:ruleLst>
+          <dgm:rule type="primFontSz" val="5" fact="NaN" max="NaN"/>
+        </dgm:ruleLst>
+      </dgm:layoutNode>
+      <dgm:forEach name="sibTransForEach" axis="followSib" ptType="sibTrans" cnt="1">
+        <dgm:layoutNode name="spacerL">
+          <dgm:alg type="sp"/>
+          <dgm:shape xmlns:r="http://schemas.openxmlformats.org/officeDocument/2006/relationships" r:blip="">
+            <dgm:adjLst/>
+          </dgm:shape>
+          <dgm:presOf/>
+          <dgm:constrLst/>
+          <dgm:ruleLst/>
+        </dgm:layoutNode>
+        <dgm:layoutNode name="sibTrans">
+          <dgm:alg type="tx"/>
+          <dgm:choose name="Name3">
+            <dgm:if name="Name4" axis="followSib" ptType="sibTrans" func="cnt" op="equ" val="0">
+              <dgm:shape xmlns:r="http://schemas.openxmlformats.org/officeDocument/2006/relationships" type="mathEqual" r:blip="">
+                <dgm:adjLst/>
+              </dgm:shape>
+            </dgm:if>
+            <dgm:else name="Name5">
+              <dgm:shape xmlns:r="http://schemas.openxmlformats.org/officeDocument/2006/relationships" type="mathPlus" r:blip="">
+                <dgm:adjLst/>
+              </dgm:shape>
+            </dgm:else>
+          </dgm:choose>
+          <dgm:presOf axis="self"/>
+          <dgm:constrLst>
+            <dgm:constr type="h" refType="w"/>
+            <dgm:constr type="lMarg"/>
+            <dgm:constr type="rMarg"/>
+            <dgm:constr type="tMarg"/>
+            <dgm:constr type="bMarg"/>
+          </dgm:constrLst>
+          <dgm:ruleLst>
+            <dgm:rule type="primFontSz" val="5" fact="NaN" max="NaN"/>
+          </dgm:ruleLst>
+        </dgm:layoutNode>
+        <dgm:layoutNode name="spacerR">
+          <dgm:alg type="sp"/>
+          <dgm:shape xmlns:r="http://schemas.openxmlformats.org/officeDocument/2006/relationships" r:blip="">
+            <dgm:adjLst/>
+          </dgm:shape>
+          <dgm:presOf/>
+          <dgm:constrLst/>
+          <dgm:ruleLst/>
+        </dgm:layoutNode>
+      </dgm:forEach>
+    </dgm:forEach>
+  </dgm:layoutNode>
+</dgm:layoutDef>
+</file>
+
+<file path=ppt/diagrams/quickStyle1.xml><?xml version="1.0" encoding="utf-8"?>
+<dgm:styleDef xmlns:dgm="http://schemas.openxmlformats.org/drawingml/2006/diagram" xmlns:a="http://schemas.openxmlformats.org/drawingml/2006/main" uniqueId="urn:microsoft.com/office/officeart/2005/8/quickstyle/simple1">
+  <dgm:title val=""/>
+  <dgm:desc val=""/>
+  <dgm:catLst>
+    <dgm:cat type="simple" pri="10100"/>
+  </dgm:catLst>
+  <dgm:scene3d>
+    <a:camera prst="orthographicFront"/>
+    <a:lightRig rig="threePt" dir="t"/>
+  </dgm:scene3d>
+  <dgm:styleLbl name="node0">
+    <dgm:scene3d>
+      <a:camera prst="orthographicFront"/>
+      <a:lightRig rig="threePt" dir="t"/>
+    </dgm:scene3d>
+    <dgm:sp3d/>
+    <dgm:txPr/>
+    <dgm:style>
+      <a:lnRef idx="2">
+        <a:scrgbClr r="0" g="0" b="0"/>
+      </a:lnRef>
+      <a:fillRef idx="1">
+        <a:scrgbClr r="0" g="0" b="0"/>
+      </a:fillRef>
+      <a:effectRef idx="0">
+        <a:scrgbClr r="0" g="0" b="0"/>
+      </a:effectRef>
+      <a:fontRef idx="minor">
+        <a:schemeClr val="lt1"/>
+      </a:fontRef>
+    </dgm:style>
+  </dgm:styleLbl>
+  <dgm:styleLbl name="lnNode1">
+    <dgm:scene3d>
+      <a:camera prst="orthographicFront"/>
+      <a:lightRig rig="threePt" dir="t"/>
+    </dgm:scene3d>
+    <dgm:sp3d/>
+    <dgm:txPr/>
+    <dgm:style>
+      <a:lnRef idx="2">
+        <a:scrgbClr r="0" g="0" b="0"/>
+      </a:lnRef>
+      <a:fillRef idx="1">
+        <a:scrgbClr r="0" g="0" b="0"/>
+      </a:fillRef>
+      <a:effectRef idx="0">
+        <a:scrgbClr r="0" g="0" b="0"/>
+      </a:effectRef>
+      <a:fontRef idx="minor">
+        <a:schemeClr val="lt1"/>
+      </a:fontRef>
+    </dgm:style>
+  </dgm:styleLbl>
+  <dgm:styleLbl name="vennNode1">
+    <dgm:scene3d>
+      <a:camera prst="orthographicFront"/>
+      <a:lightRig rig="threePt" dir="t"/>
+    </dgm:scene3d>
+    <dgm:sp3d/>
+    <dgm:txPr/>
+    <dgm:style>
+      <a:lnRef idx="2">
+        <a:scrgbClr r="0" g="0" b="0"/>
+      </a:lnRef>
+      <a:fillRef idx="1">
+        <a:scrgbClr r="0" g="0" b="0"/>
+      </a:fillRef>
+      <a:effectRef idx="0">
+        <a:scrgbClr r="0" g="0" b="0"/>
+      </a:effectRef>
+      <a:fontRef idx="minor">
+        <a:schemeClr val="tx1"/>
+      </a:fontRef>
+    </dgm:style>
+  </dgm:styleLbl>
+  <dgm:styleLbl name="alignNode1">
+    <dgm:scene3d>
+      <a:camera prst="orthographicFront"/>
+      <a:lightRig rig="threePt" dir="t"/>
+    </dgm:scene3d>
+    <dgm:sp3d/>
+    <dgm:txPr/>
+    <dgm:style>
+      <a:lnRef idx="2">
+        <a:scrgbClr r="0" g="0" b="0"/>
+      </a:lnRef>
+      <a:fillRef idx="1">
+        <a:scrgbClr r="0" g="0" b="0"/>
+      </a:fillRef>
+      <a:effectRef idx="0">
+        <a:scrgbClr r="0" g="0" b="0"/>
+      </a:effectRef>
+      <a:fontRef idx="minor">
+        <a:schemeClr val="lt1"/>
+      </a:fontRef>
+    </dgm:style>
+  </dgm:styleLbl>
+  <dgm:styleLbl name="node1">
+    <dgm:scene3d>
+      <a:camera prst="orthographicFront"/>
+      <a:lightRig rig="threePt" dir="t"/>
+    </dgm:scene3d>
+    <dgm:sp3d/>
+    <dgm:txPr/>
+    <dgm:style>
+      <a:lnRef idx="2">
+        <a:scrgbClr r="0" g="0" b="0"/>
+      </a:lnRef>
+      <a:fillRef idx="1">
+        <a:scrgbClr r="0" g="0" b="0"/>
+      </a:fillRef>
+      <a:effectRef idx="0">
+        <a:scrgbClr r="0" g="0" b="0"/>
+      </a:effectRef>
+      <a:fontRef idx="minor">
+        <a:schemeClr val="lt1"/>
+      </a:fontRef>
+    </dgm:style>
+  </dgm:styleLbl>
+  <dgm:styleLbl name="node2">
+    <dgm:scene3d>
+      <a:camera prst="orthographicFront"/>
+      <a:lightRig rig="threePt" dir="t"/>
+    </dgm:scene3d>
+    <dgm:sp3d/>
+    <dgm:txPr/>
+    <dgm:style>
+      <a:lnRef idx="2">
+        <a:scrgbClr r="0" g="0" b="0"/>
+      </a:lnRef>
+      <a:fillRef idx="1">
+        <a:scrgbClr r="0" g="0" b="0"/>
+      </a:fillRef>
+      <a:effectRef idx="0">
+        <a:scrgbClr r="0" g="0" b="0"/>
+      </a:effectRef>
+      <a:fontRef idx="minor">
+        <a:schemeClr val="lt1"/>
+      </a:fontRef>
+    </dgm:style>
+  </dgm:styleLbl>
+  <dgm:styleLbl name="node3">
+    <dgm:scene3d>
+      <a:camera prst="orthographicFront"/>
+      <a:lightRig rig="threePt" dir="t"/>
+    </dgm:scene3d>
+    <dgm:sp3d/>
+    <dgm:txPr/>
+    <dgm:style>
+      <a:lnRef idx="2">
+        <a:scrgbClr r="0" g="0" b="0"/>
+      </a:lnRef>
+      <a:fillRef idx="1">
+        <a:scrgbClr r="0" g="0" b="0"/>
+      </a:fillRef>
+      <a:effectRef idx="0">
+        <a:scrgbClr r="0" g="0" b="0"/>
+      </a:effectRef>
+      <a:fontRef idx="minor">
+        <a:schemeClr val="lt1"/>
+      </a:fontRef>
+    </dgm:style>
+  </dgm:styleLbl>
+  <dgm:styleLbl name="node4">
+    <dgm:scene3d>
+      <a:camera prst="orthographicFront"/>
+      <a:lightRig rig="threePt" dir="t"/>
+    </dgm:scene3d>
+    <dgm:sp3d/>
+    <dgm:txPr/>
+    <dgm:style>
+      <a:lnRef idx="2">
+        <a:scrgbClr r="0" g="0" b="0"/>
+      </a:lnRef>
+      <a:fillRef idx="1">
+        <a:scrgbClr r="0" g="0" b="0"/>
+      </a:fillRef>
+      <a:effectRef idx="0">
+        <a:scrgbClr r="0" g="0" b="0"/>
+      </a:effectRef>
+      <a:fontRef idx="minor">
+        <a:schemeClr val="lt1"/>
+      </a:fontRef>
+    </dgm:style>
+  </dgm:styleLbl>
+  <dgm:styleLbl name="fgImgPlace1">
+    <dgm:scene3d>
+      <a:camera prst="orthographicFront"/>
+      <a:lightRig rig="threePt" dir="t"/>
+    </dgm:scene3d>
+    <dgm:sp3d/>
+    <dgm:txPr/>
+    <dgm:style>
+      <a:lnRef idx="2">
+        <a:scrgbClr r="0" g="0" b="0"/>
+      </a:lnRef>
+      <a:fillRef idx="1">
+        <a:scrgbClr r="0" g="0" b="0"/>
+      </a:fillRef>
+      <a:effectRef idx="0">
+        <a:scrgbClr r="0" g="0" b="0"/>
+      </a:effectRef>
+      <a:fontRef idx="minor"/>
+    </dgm:style>
+  </dgm:styleLbl>
+  <dgm:styleLbl name="alignImgPlace1">
+    <dgm:scene3d>
+      <a:camera prst="orthographicFront"/>
+      <a:lightRig rig="threePt" dir="t"/>
+    </dgm:scene3d>
+    <dgm:sp3d/>
+    <dgm:txPr/>
+    <dgm:style>
+      <a:lnRef idx="2">
+        <a:scrgbClr r="0" g="0" b="0"/>
+      </a:lnRef>
+      <a:fillRef idx="1">
+        <a:scrgbClr r="0" g="0" b="0"/>
+      </a:fillRef>
+      <a:effectRef idx="0">
+        <a:scrgbClr r="0" g="0" b="0"/>
+      </a:effectRef>
+      <a:fontRef idx="minor"/>
+    </dgm:style>
+  </dgm:styleLbl>
+  <dgm:styleLbl name="bgImgPlace1">
+    <dgm:scene3d>
+      <a:camera prst="orthographicFront"/>
+      <a:lightRig rig="threePt" dir="t"/>
+    </dgm:scene3d>
+    <dgm:sp3d/>
+    <dgm:txPr/>
+    <dgm:style>
+      <a:lnRef idx="2">
+        <a:scrgbClr r="0" g="0" b="0"/>
+      </a:lnRef>
+      <a:fillRef idx="1">
+        <a:scrgbClr r="0" g="0" b="0"/>
+      </a:fillRef>
+      <a:effectRef idx="0">
+        <a:scrgbClr r="0" g="0" b="0"/>
+      </a:effectRef>
+      <a:fontRef idx="minor"/>
+    </dgm:style>
+  </dgm:styleLbl>
+  <dgm:styleLbl name="sibTrans2D1">
+    <dgm:scene3d>
+      <a:camera prst="orthographicFront"/>
+      <a:lightRig rig="threePt" dir="t"/>
+    </dgm:scene3d>
+    <dgm:sp3d/>
+    <dgm:txPr/>
+    <dgm:style>
+      <a:lnRef idx="0">
+        <a:scrgbClr r="0" g="0" b="0"/>
+      </a:lnRef>
+      <a:fillRef idx="1">
+        <a:scrgbClr r="0" g="0" b="0"/>
+      </a:fillRef>
+      <a:effectRef idx="0">
+        <a:scrgbClr r="0" g="0" b="0"/>
+      </a:effectRef>
+      <a:fontRef idx="minor">
+        <a:schemeClr val="lt1"/>
+      </a:fontRef>
+    </dgm:style>
+  </dgm:styleLbl>
+  <dgm:styleLbl name="fgSibTrans2D1">
+    <dgm:scene3d>
+      <a:camera prst="orthographicFront"/>
+      <a:lightRig rig="threePt" dir="t"/>
+    </dgm:scene3d>
+    <dgm:sp3d/>
+    <dgm:txPr/>
+    <dgm:style>
+      <a:lnRef idx="0">
+        <a:scrgbClr r="0" g="0" b="0"/>
+      </a:lnRef>
+      <a:fillRef idx="1">
+        <a:scrgbClr r="0" g="0" b="0"/>
+      </a:fillRef>
+      <a:effectRef idx="0">
+        <a:scrgbClr r="0" g="0" b="0"/>
+      </a:effectRef>
+      <a:fontRef idx="minor">
+        <a:schemeClr val="lt1"/>
+      </a:fontRef>
+    </dgm:style>
+  </dgm:styleLbl>
+  <dgm:styleLbl name="bgSibTrans2D1">
+    <dgm:scene3d>
+      <a:camera prst="orthographicFront"/>
+      <a:lightRig rig="threePt" dir="t"/>
+    </dgm:scene3d>
+    <dgm:sp3d/>
+    <dgm:txPr/>
+    <dgm:style>
+      <a:lnRef idx="0">
+        <a:scrgbClr r="0" g="0" b="0"/>
+      </a:lnRef>
+      <a:fillRef idx="1">
+        <a:scrgbClr r="0" g="0" b="0"/>
+      </a:fillRef>
+      <a:effectRef idx="0">
+        <a:scrgbClr r="0" g="0" b="0"/>
+      </a:effectRef>
+      <a:fontRef idx="minor">
+        <a:schemeClr val="lt1"/>
+      </a:fontRef>
+    </dgm:style>
+  </dgm:styleLbl>
+  <dgm:styleLbl name="sibTrans1D1">
+    <dgm:scene3d>
+      <a:camera prst="orthographicFront"/>
+      <a:lightRig rig="threePt" dir="t"/>
+    </dgm:scene3d>
+    <dgm:sp3d/>
+    <dgm:txPr/>
+    <dgm:style>
+      <a:lnRef idx="1">
+        <a:scrgbClr r="0" g="0" b="0"/>
+      </a:lnRef>
+      <a:fillRef idx="0">
+        <a:scrgbClr r="0" g="0" b="0"/>
+      </a:fillRef>
+      <a:effectRef idx="0">
+        <a:scrgbClr r="0" g="0" b="0"/>
+      </a:effectRef>
+      <a:fontRef idx="minor"/>
+    </dgm:style>
+  </dgm:styleLbl>
+  <dgm:styleLbl name="callout">
+    <dgm:scene3d>
+      <a:camera prst="orthographicFront"/>
+      <a:lightRig rig="threePt" dir="t"/>
+    </dgm:scene3d>
+    <dgm:sp3d/>
+    <dgm:txPr/>
+    <dgm:style>
+      <a:lnRef idx="2">
+        <a:scrgbClr r="0" g="0" b="0"/>
+      </a:lnRef>
+      <a:fillRef idx="1">
+        <a:scrgbClr r="0" g="0" b="0"/>
+      </a:fillRef>
+      <a:effectRef idx="0">
+        <a:scrgbClr r="0" g="0" b="0"/>
+      </a:effectRef>
+      <a:fontRef idx="minor"/>
+    </dgm:style>
+  </dgm:styleLbl>
+  <dgm:styleLbl name="asst0">
+    <dgm:scene3d>
+      <a:camera prst="orthographicFront"/>
+      <a:lightRig rig="threePt" dir="t"/>
+    </dgm:scene3d>
+    <dgm:sp3d/>
+    <dgm:txPr/>
+    <dgm:style>
+      <a:lnRef idx="2">
+        <a:scrgbClr r="0" g="0" b="0"/>
+      </a:lnRef>
+      <a:fillRef idx="1">
+        <a:scrgbClr r="0" g="0" b="0"/>
+      </a:fillRef>
+      <a:effectRef idx="0">
+        <a:scrgbClr r="0" g="0" b="0"/>
+      </a:effectRef>
+      <a:fontRef idx="minor">
+        <a:schemeClr val="lt1"/>
+      </a:fontRef>
+    </dgm:style>
+  </dgm:styleLbl>
+  <dgm:styleLbl name="asst1">
+    <dgm:scene3d>
+      <a:camera prst="orthographicFront"/>
+      <a:lightRig rig="threePt" dir="t"/>
+    </dgm:scene3d>
+    <dgm:sp3d/>
+    <dgm:txPr/>
+    <dgm:style>
+      <a:lnRef idx="2">
+        <a:scrgbClr r="0" g="0" b="0"/>
+      </a:lnRef>
+      <a:fillRef idx="1">
+        <a:scrgbClr r="0" g="0" b="0"/>
+      </a:fillRef>
+      <a:effectRef idx="0">
+        <a:scrgbClr r="0" g="0" b="0"/>
+      </a:effectRef>
+      <a:fontRef idx="minor">
+        <a:schemeClr val="lt1"/>
+      </a:fontRef>
+    </dgm:style>
+  </dgm:styleLbl>
+  <dgm:styleLbl name="asst2">
+    <dgm:scene3d>
+      <a:camera prst="orthographicFront"/>
+      <a:lightRig rig="threePt" dir="t"/>
+    </dgm:scene3d>
+    <dgm:sp3d/>
+    <dgm:txPr/>
+    <dgm:style>
+      <a:lnRef idx="2">
+        <a:scrgbClr r="0" g="0" b="0"/>
+      </a:lnRef>
+      <a:fillRef idx="1">
+        <a:scrgbClr r="0" g="0" b="0"/>
+      </a:fillRef>
+      <a:effectRef idx="0">
+        <a:scrgbClr r="0" g="0" b="0"/>
+      </a:effectRef>
+      <a:fontRef idx="minor">
+        <a:schemeClr val="lt1"/>
+      </a:fontRef>
+    </dgm:style>
+  </dgm:styleLbl>
+  <dgm:styleLbl name="asst3">
+    <dgm:scene3d>
+      <a:camera prst="orthographicFront"/>
+      <a:lightRig rig="threePt" dir="t"/>
+    </dgm:scene3d>
+    <dgm:sp3d/>
+    <dgm:txPr/>
+    <dgm:style>
+      <a:lnRef idx="2">
+        <a:scrgbClr r="0" g="0" b="0"/>
+      </a:lnRef>
+      <a:fillRef idx="1">
+        <a:scrgbClr r="0" g="0" b="0"/>
+      </a:fillRef>
+      <a:effectRef idx="0">
+        <a:scrgbClr r="0" g="0" b="0"/>
+      </a:effectRef>
+      <a:fontRef idx="minor">
+        <a:schemeClr val="lt1"/>
+      </a:fontRef>
+    </dgm:style>
+  </dgm:styleLbl>
+  <dgm:styleLbl name="asst4">
+    <dgm:scene3d>
+      <a:camera prst="orthographicFront"/>
+      <a:lightRig rig="threePt" dir="t"/>
+    </dgm:scene3d>
+    <dgm:sp3d/>
+    <dgm:txPr/>
+    <dgm:style>
+      <a:lnRef idx="2">
+        <a:scrgbClr r="0" g="0" b="0"/>
+      </a:lnRef>
+      <a:fillRef idx="1">
+        <a:scrgbClr r="0" g="0" b="0"/>
+      </a:fillRef>
+      <a:effectRef idx="0">
+        <a:scrgbClr r="0" g="0" b="0"/>
+      </a:effectRef>
+      <a:fontRef idx="minor">
+        <a:schemeClr val="lt1"/>
+      </a:fontRef>
+    </dgm:style>
+  </dgm:styleLbl>
+  <dgm:styleLbl name="parChTrans2D1">
+    <dgm:scene3d>
+      <a:camera prst="orthographicFront"/>
+      <a:lightRig rig="threePt" dir="t"/>
+    </dgm:scene3d>
+    <dgm:sp3d/>
+    <dgm:txPr/>
+    <dgm:style>
+      <a:lnRef idx="2">
+        <a:scrgbClr r="0" g="0" b="0"/>
+      </a:lnRef>
+      <a:fillRef idx="1">
+        <a:scrgbClr r="0" g="0" b="0"/>
+      </a:fillRef>
+      <a:effectRef idx="0">
+        <a:scrgbClr r="0" g="0" b="0"/>
+      </a:effectRef>
+      <a:fontRef idx="minor">
+        <a:schemeClr val="lt1"/>
+      </a:fontRef>
+    </dgm:style>
+  </dgm:styleLbl>
+  <dgm:styleLbl name="parChTrans2D2">
+    <dgm:scene3d>
+      <a:camera prst="orthographicFront"/>
+      <a:lightRig rig="threePt" dir="t"/>
+    </dgm:scene3d>
+    <dgm:sp3d/>
+    <dgm:txPr/>
+    <dgm:style>
+      <a:lnRef idx="2">
+        <a:scrgbClr r="0" g="0" b="0"/>
+      </a:lnRef>
+      <a:fillRef idx="1">
+        <a:scrgbClr r="0" g="0" b="0"/>
+      </a:fillRef>
+      <a:effectRef idx="0">
+        <a:scrgbClr r="0" g="0" b="0"/>
+      </a:effectRef>
+      <a:fontRef idx="minor">
+        <a:schemeClr val="lt1"/>
+      </a:fontRef>
+    </dgm:style>
+  </dgm:styleLbl>
+  <dgm:styleLbl name="parChTrans2D3">
+    <dgm:scene3d>
+      <a:camera prst="orthographicFront"/>
+      <a:lightRig rig="threePt" dir="t"/>
+    </dgm:scene3d>
+    <dgm:sp3d/>
+    <dgm:txPr/>
+    <dgm:style>
+      <a:lnRef idx="2">
+        <a:scrgbClr r="0" g="0" b="0"/>
+      </a:lnRef>
+      <a:fillRef idx="1">
+        <a:scrgbClr r="0" g="0" b="0"/>
+      </a:fillRef>
+      <a:effectRef idx="0">
+        <a:scrgbClr r="0" g="0" b="0"/>
+      </a:effectRef>
+      <a:fontRef idx="minor">
+        <a:schemeClr val="lt1"/>
+      </a:fontRef>
+    </dgm:style>
+  </dgm:styleLbl>
+  <dgm:styleLbl name="parChTrans2D4">
+    <dgm:scene3d>
+      <a:camera prst="orthographicFront"/>
+      <a:lightRig rig="threePt" dir="t"/>
+    </dgm:scene3d>
+    <dgm:sp3d/>
+    <dgm:txPr/>
+    <dgm:style>
+      <a:lnRef idx="2">
+        <a:scrgbClr r="0" g="0" b="0"/>
+      </a:lnRef>
+      <a:fillRef idx="1">
+        <a:scrgbClr r="0" g="0" b="0"/>
+      </a:fillRef>
+      <a:effectRef idx="0">
+        <a:scrgbClr r="0" g="0" b="0"/>
+      </a:effectRef>
+      <a:fontRef idx="minor">
+        <a:schemeClr val="lt1"/>
+      </a:fontRef>
+    </dgm:style>
+  </dgm:styleLbl>
+  <dgm:styleLbl name="parChTrans1D1">
+    <dgm:scene3d>
+      <a:camera prst="orthographicFront"/>
+      <a:lightRig rig="threePt" dir="t"/>
+    </dgm:scene3d>
+    <dgm:sp3d/>
+    <dgm:txPr/>
+    <dgm:style>
+      <a:lnRef idx="2">
+        <a:scrgbClr r="0" g="0" b="0"/>
+      </a:lnRef>
+      <a:fillRef idx="0">
+        <a:scrgbClr r="0" g="0" b="0"/>
+      </a:fillRef>
+      <a:effectRef idx="0">
+        <a:scrgbClr r="0" g="0" b="0"/>
+      </a:effectRef>
+      <a:fontRef idx="minor"/>
+    </dgm:style>
+  </dgm:styleLbl>
+  <dgm:styleLbl name="parChTrans1D2">
+    <dgm:scene3d>
+      <a:camera prst="orthographicFront"/>
+      <a:lightRig rig="threePt" dir="t"/>
+    </dgm:scene3d>
+    <dgm:sp3d/>
+    <dgm:txPr/>
+    <dgm:style>
+      <a:lnRef idx="2">
+        <a:scrgbClr r="0" g="0" b="0"/>
+      </a:lnRef>
+      <a:fillRef idx="0">
+        <a:scrgbClr r="0" g="0" b="0"/>
+      </a:fillRef>
+      <a:effectRef idx="0">
+        <a:scrgbClr r="0" g="0" b="0"/>
+      </a:effectRef>
+      <a:fontRef idx="minor"/>
+    </dgm:style>
+  </dgm:styleLbl>
+  <dgm:styleLbl name="parChTrans1D3">
+    <dgm:scene3d>
+      <a:camera prst="orthographicFront"/>
+      <a:lightRig rig="threePt" dir="t"/>
+    </dgm:scene3d>
+    <dgm:sp3d/>
+    <dgm:txPr/>
+    <dgm:style>
+      <a:lnRef idx="2">
+        <a:scrgbClr r="0" g="0" b="0"/>
+      </a:lnRef>
+      <a:fillRef idx="0">
+        <a:scrgbClr r="0" g="0" b="0"/>
+      </a:fillRef>
+      <a:effectRef idx="0">
+        <a:scrgbClr r="0" g="0" b="0"/>
+      </a:effectRef>
+      <a:fontRef idx="minor"/>
+    </dgm:style>
+  </dgm:styleLbl>
+  <dgm:styleLbl name="parChTrans1D4">
+    <dgm:scene3d>
+      <a:camera prst="orthographicFront"/>
+      <a:lightRig rig="threePt" dir="t"/>
+    </dgm:scene3d>
+    <dgm:sp3d/>
+    <dgm:txPr/>
+    <dgm:style>
+      <a:lnRef idx="2">
+        <a:scrgbClr r="0" g="0" b="0"/>
+      </a:lnRef>
+      <a:fillRef idx="0">
+        <a:scrgbClr r="0" g="0" b="0"/>
+      </a:fillRef>
+      <a:effectRef idx="0">
+        <a:scrgbClr r="0" g="0" b="0"/>
+      </a:effectRef>
+      <a:fontRef idx="minor"/>
+    </dgm:style>
+  </dgm:styleLbl>
+  <dgm:styleLbl name="fgAcc1">
+    <dgm:scene3d>
+      <a:camera prst="orthographicFront"/>
+      <a:lightRig rig="threePt" dir="t"/>
+    </dgm:scene3d>
+    <dgm:sp3d/>
+    <dgm:txPr/>
+    <dgm:style>
+      <a:lnRef idx="2">
+        <a:scrgbClr r="0" g="0" b="0"/>
+      </a:lnRef>
+      <a:fillRef idx="1">
+        <a:scrgbClr r="0" g="0" b="0"/>
+      </a:fillRef>
+      <a:effectRef idx="0">
+        <a:scrgbClr r="0" g="0" b="0"/>
+      </a:effectRef>
+      <a:fontRef idx="minor"/>
+    </dgm:style>
+  </dgm:styleLbl>
+  <dgm:styleLbl name="conFgAcc1">
+    <dgm:scene3d>
+      <a:camera prst="orthographicFront"/>
+      <a:lightRig rig="threePt" dir="t"/>
+    </dgm:scene3d>
+    <dgm:sp3d/>
+    <dgm:txPr/>
+    <dgm:style>
+      <a:lnRef idx="2">
+        <a:scrgbClr r="0" g="0" b="0"/>
+      </a:lnRef>
+      <a:fillRef idx="1">
+        <a:scrgbClr r="0" g="0" b="0"/>
+      </a:fillRef>
+      <a:effectRef idx="0">
+        <a:scrgbClr r="0" g="0" b="0"/>
+      </a:effectRef>
+      <a:fontRef idx="minor"/>
+    </dgm:style>
+  </dgm:styleLbl>
+  <dgm:styleLbl name="alignAcc1">
+    <dgm:scene3d>
+      <a:camera prst="orthographicFront"/>
+      <a:lightRig rig="threePt" dir="t"/>
+    </dgm:scene3d>
+    <dgm:sp3d/>
+    <dgm:txPr/>
+    <dgm:style>
+      <a:lnRef idx="2">
+        <a:scrgbClr r="0" g="0" b="0"/>
+      </a:lnRef>
+      <a:fillRef idx="1">
+        <a:scrgbClr r="0" g="0" b="0"/>
+      </a:fillRef>
+      <a:effectRef idx="0">
+        <a:scrgbClr r="0" g="0" b="0"/>
+      </a:effectRef>
+      <a:fontRef idx="minor"/>
+    </dgm:style>
+  </dgm:styleLbl>
+  <dgm:styleLbl name="trAlignAcc1">
+    <dgm:scene3d>
+      <a:camera prst="orthographicFront"/>
+      <a:lightRig rig="threePt" dir="t"/>
+    </dgm:scene3d>
+    <dgm:sp3d/>
+    <dgm:txPr/>
+    <dgm:style>
+      <a:lnRef idx="1">
+        <a:scrgbClr r="0" g="0" b="0"/>
+      </a:lnRef>
+      <a:fillRef idx="1">
+        <a:scrgbClr r="0" g="0" b="0"/>
+      </a:fillRef>
+      <a:effectRef idx="0">
+        <a:scrgbClr r="0" g="0" b="0"/>
+      </a:effectRef>
+      <a:fontRef idx="minor"/>
+    </dgm:style>
+  </dgm:styleLbl>
+  <dgm:styleLbl name="bgAcc1">
+    <dgm:scene3d>
+      <a:camera prst="orthographicFront"/>
+      <a:lightRig rig="threePt" dir="t"/>
+    </dgm:scene3d>
+    <dgm:sp3d/>
+    <dgm:txPr/>
+    <dgm:style>
+      <a:lnRef idx="2">
+        <a:scrgbClr r="0" g="0" b="0"/>
+      </a:lnRef>
+      <a:fillRef idx="1">
+        <a:scrgbClr r="0" g="0" b="0"/>
+      </a:fillRef>
+      <a:effectRef idx="0">
+        <a:scrgbClr r="0" g="0" b="0"/>
+      </a:effectRef>
+      <a:fontRef idx="minor"/>
+    </dgm:style>
+  </dgm:styleLbl>
+  <dgm:styleLbl name="solidFgAcc1">
+    <dgm:scene3d>
+      <a:camera prst="orthographicFront"/>
+      <a:lightRig rig="threePt" dir="t"/>
+    </dgm:scene3d>
+    <dgm:sp3d/>
+    <dgm:txPr/>
+    <dgm:style>
+      <a:lnRef idx="2">
+        <a:scrgbClr r="0" g="0" b="0"/>
+      </a:lnRef>
+      <a:fillRef idx="1">
+        <a:scrgbClr r="0" g="0" b="0"/>
+      </a:fillRef>
+      <a:effectRef idx="0">
+        <a:scrgbClr r="0" g="0" b="0"/>
+      </a:effectRef>
+      <a:fontRef idx="minor"/>
+    </dgm:style>
+  </dgm:styleLbl>
+  <dgm:styleLbl name="solidAlignAcc1">
+    <dgm:scene3d>
+      <a:camera prst="orthographicFront"/>
+      <a:lightRig rig="threePt" dir="t"/>
+    </dgm:scene3d>
+    <dgm:sp3d/>
+    <dgm:txPr/>
+    <dgm:style>
+      <a:lnRef idx="2">
+        <a:scrgbClr r="0" g="0" b="0"/>
+      </a:lnRef>
+      <a:fillRef idx="1">
+        <a:scrgbClr r="0" g="0" b="0"/>
+      </a:fillRef>
+      <a:effectRef idx="0">
+        <a:scrgbClr r="0" g="0" b="0"/>
+      </a:effectRef>
+      <a:fontRef idx="minor"/>
+    </dgm:style>
+  </dgm:styleLbl>
+  <dgm:styleLbl name="solidBgAcc1">
+    <dgm:scene3d>
+      <a:camera prst="orthographicFront"/>
+      <a:lightRig rig="threePt" dir="t"/>
+    </dgm:scene3d>
+    <dgm:sp3d/>
+    <dgm:txPr/>
+    <dgm:style>
+      <a:lnRef idx="2">
+        <a:scrgbClr r="0" g="0" b="0"/>
+      </a:lnRef>
+      <a:fillRef idx="1">
+        <a:scrgbClr r="0" g="0" b="0"/>
+      </a:fillRef>
+      <a:effectRef idx="0">
+        <a:scrgbClr r="0" g="0" b="0"/>
+      </a:effectRef>
+      <a:fontRef idx="minor"/>
+    </dgm:style>
+  </dgm:styleLbl>
+  <dgm:styleLbl name="fgAccFollowNode1">
+    <dgm:scene3d>
+      <a:camera prst="orthographicFront"/>
+      <a:lightRig rig="threePt" dir="t"/>
+    </dgm:scene3d>
+    <dgm:sp3d/>
+    <dgm:txPr/>
+    <dgm:style>
+      <a:lnRef idx="2">
+        <a:scrgbClr r="0" g="0" b="0"/>
+      </a:lnRef>
+      <a:fillRef idx="1">
+        <a:scrgbClr r="0" g="0" b="0"/>
+      </a:fillRef>
+      <a:effectRef idx="0">
+        <a:scrgbClr r="0" g="0" b="0"/>
+      </a:effectRef>
+      <a:fontRef idx="minor"/>
+    </dgm:style>
+  </dgm:styleLbl>
+  <dgm:styleLbl name="alignAccFollowNode1">
+    <dgm:scene3d>
+      <a:camera prst="orthographicFront"/>
+      <a:lightRig rig="threePt" dir="t"/>
+    </dgm:scene3d>
+    <dgm:sp3d/>
+    <dgm:txPr/>
+    <dgm:style>
+      <a:lnRef idx="2">
+        <a:scrgbClr r="0" g="0" b="0"/>
+      </a:lnRef>
+      <a:fillRef idx="1">
+        <a:scrgbClr r="0" g="0" b="0"/>
+      </a:fillRef>
+      <a:effectRef idx="0">
+        <a:scrgbClr r="0" g="0" b="0"/>
+      </a:effectRef>
+      <a:fontRef idx="minor"/>
+    </dgm:style>
+  </dgm:styleLbl>
+  <dgm:styleLbl name="bgAccFollowNode1">
+    <dgm:scene3d>
+      <a:camera prst="orthographicFront"/>
+      <a:lightRig rig="threePt" dir="t"/>
+    </dgm:scene3d>
+    <dgm:sp3d/>
+    <dgm:txPr/>
+    <dgm:style>
+      <a:lnRef idx="2">
+        <a:scrgbClr r="0" g="0" b="0"/>
+      </a:lnRef>
+      <a:fillRef idx="1">
+        <a:scrgbClr r="0" g="0" b="0"/>
+      </a:fillRef>
+      <a:effectRef idx="0">
+        <a:scrgbClr r="0" g="0" b="0"/>
+      </a:effectRef>
+      <a:fontRef idx="minor"/>
+    </dgm:style>
+  </dgm:styleLbl>
+  <dgm:styleLbl name="fgAcc0">
+    <dgm:scene3d>
+      <a:camera prst="orthographicFront"/>
+      <a:lightRig rig="threePt" dir="t"/>
+    </dgm:scene3d>
+    <dgm:sp3d/>
+    <dgm:txPr/>
+    <dgm:style>
+      <a:lnRef idx="2">
+        <a:scrgbClr r="0" g="0" b="0"/>
+      </a:lnRef>
+      <a:fillRef idx="1">
+        <a:scrgbClr r="0" g="0" b="0"/>
+      </a:fillRef>
+      <a:effectRef idx="0">
+        <a:scrgbClr r="0" g="0" b="0"/>
+      </a:effectRef>
+      <a:fontRef idx="minor"/>
+    </dgm:style>
+  </dgm:styleLbl>
+  <dgm:styleLbl name="fgAcc2">
+    <dgm:scene3d>
+      <a:camera prst="orthographicFront"/>
+      <a:lightRig rig="threePt" dir="t"/>
+    </dgm:scene3d>
+    <dgm:sp3d/>
+    <dgm:txPr/>
+    <dgm:style>
+      <a:lnRef idx="2">
+        <a:scrgbClr r="0" g="0" b="0"/>
+      </a:lnRef>
+      <a:fillRef idx="1">
+        <a:scrgbClr r="0" g="0" b="0"/>
+      </a:fillRef>
+      <a:effectRef idx="0">
+        <a:scrgbClr r="0" g="0" b="0"/>
+      </a:effectRef>
+      <a:fontRef idx="minor"/>
+    </dgm:style>
+  </dgm:styleLbl>
+  <dgm:styleLbl name="fgAcc3">
+    <dgm:scene3d>
+      <a:camera prst="orthographicFront"/>
+      <a:lightRig rig="threePt" dir="t"/>
+    </dgm:scene3d>
+    <dgm:sp3d/>
+    <dgm:txPr/>
+    <dgm:style>
+      <a:lnRef idx="2">
+        <a:scrgbClr r="0" g="0" b="0"/>
+      </a:lnRef>
+      <a:fillRef idx="1">
+        <a:scrgbClr r="0" g="0" b="0"/>
+      </a:fillRef>
+      <a:effectRef idx="0">
+        <a:scrgbClr r="0" g="0" b="0"/>
+      </a:effectRef>
+      <a:fontRef idx="minor"/>
+    </dgm:style>
+  </dgm:styleLbl>
+  <dgm:styleLbl name="fgAcc4">
+    <dgm:scene3d>
+      <a:camera prst="orthographicFront"/>
+      <a:lightRig rig="threePt" dir="t"/>
+    </dgm:scene3d>
+    <dgm:sp3d/>
+    <dgm:txPr/>
+    <dgm:style>
+      <a:lnRef idx="2">
+        <a:scrgbClr r="0" g="0" b="0"/>
+      </a:lnRef>
+      <a:fillRef idx="1">
+        <a:scrgbClr r="0" g="0" b="0"/>
+      </a:fillRef>
+      <a:effectRef idx="0">
+        <a:scrgbClr r="0" g="0" b="0"/>
+      </a:effectRef>
+      <a:fontRef idx="minor"/>
+    </dgm:style>
+  </dgm:styleLbl>
+  <dgm:styleLbl name="bgShp">
+    <dgm:scene3d>
+      <a:camera prst="orthographicFront"/>
+      <a:lightRig rig="threePt" dir="t"/>
+    </dgm:scene3d>
+    <dgm:sp3d/>
+    <dgm:txPr/>
+    <dgm:style>
+      <a:lnRef idx="0">
+        <a:scrgbClr r="0" g="0" b="0"/>
+      </a:lnRef>
+      <a:fillRef idx="1">
+        <a:scrgbClr r="0" g="0" b="0"/>
+      </a:fillRef>
+      <a:effectRef idx="0">
+        <a:scrgbClr r="0" g="0" b="0"/>
+      </a:effectRef>
+      <a:fontRef idx="minor"/>
+    </dgm:style>
+  </dgm:styleLbl>
+  <dgm:styleLbl name="dkBgShp">
+    <dgm:scene3d>
+      <a:camera prst="orthographicFront"/>
+      <a:lightRig rig="threePt" dir="t"/>
+    </dgm:scene3d>
+    <dgm:sp3d/>
+    <dgm:txPr/>
+    <dgm:style>
+      <a:lnRef idx="0">
+        <a:scrgbClr r="0" g="0" b="0"/>
+      </a:lnRef>
+      <a:fillRef idx="1">
+        <a:scrgbClr r="0" g="0" b="0"/>
+      </a:fillRef>
+      <a:effectRef idx="0">
+        <a:scrgbClr r="0" g="0" b="0"/>
+      </a:effectRef>
+      <a:fontRef idx="minor"/>
+    </dgm:style>
+  </dgm:styleLbl>
+  <dgm:styleLbl name="trBgShp">
+    <dgm:scene3d>
+      <a:camera prst="orthographicFront"/>
+      <a:lightRig rig="threePt" dir="t"/>
+    </dgm:scene3d>
+    <dgm:sp3d/>
+    <dgm:txPr/>
+    <dgm:style>
+      <a:lnRef idx="0">
+        <a:scrgbClr r="0" g="0" b="0"/>
+      </a:lnRef>
+      <a:fillRef idx="1">
+        <a:scrgbClr r="0" g="0" b="0"/>
+      </a:fillRef>
+      <a:effectRef idx="0">
+        <a:scrgbClr r="0" g="0" b="0"/>
+      </a:effectRef>
+      <a:fontRef idx="minor"/>
+    </dgm:style>
+  </dgm:styleLbl>
+  <dgm:styleLbl name="fgShp">
+    <dgm:scene3d>
+      <a:camera prst="orthographicFront"/>
+      <a:lightRig rig="threePt" dir="t"/>
+    </dgm:scene3d>
+    <dgm:sp3d/>
+    <dgm:txPr/>
+    <dgm:style>
+      <a:lnRef idx="2">
+        <a:scrgbClr r="0" g="0" b="0"/>
+      </a:lnRef>
+      <a:fillRef idx="1">
+        <a:scrgbClr r="0" g="0" b="0"/>
+      </a:fillRef>
+      <a:effectRef idx="0">
+        <a:scrgbClr r="0" g="0" b="0"/>
+      </a:effectRef>
+      <a:fontRef idx="minor"/>
+    </dgm:style>
+  </dgm:styleLbl>
+  <dgm:styleLbl name="revTx">
+    <dgm:scene3d>
+      <a:camera prst="orthographicFront"/>
+      <a:lightRig rig="threePt" dir="t"/>
+    </dgm:scene3d>
+    <dgm:sp3d/>
+    <dgm:txPr/>
+    <dgm:style>
+      <a:lnRef idx="0">
+        <a:scrgbClr r="0" g="0" b="0"/>
+      </a:lnRef>
+      <a:fillRef idx="0">
+        <a:scrgbClr r="0" g="0" b="0"/>
+      </a:fillRef>
+      <a:effectRef idx="0">
+        <a:scrgbClr r="0" g="0" b="0"/>
+      </a:effectRef>
+      <a:fontRef idx="minor"/>
+    </dgm:style>
+  </dgm:styleLbl>
+</dgm:styleDef>
+</file>
+
 <file path=ppt/notesMasters/notesMaster1.xml><?xml version="1.0" encoding="utf-8"?>
 <p:notesMaster xmlns:a="http://schemas.openxmlformats.org/drawingml/2006/main" xmlns:r="http://schemas.openxmlformats.org/officeDocument/2006/relationships" xmlns:p="http://schemas.openxmlformats.org/presentationml/2006/main">
   <p:cSld>
@@ -220,7 +2772,7 @@
           <a:p>
             <a:fld id="{1A1EE168-712A-4437-B4A0-08837E6F813B}" type="datetimeFigureOut">
               <a:rPr lang="vi-VN" smtClean="0"/>
-              <a:t>21/04/2017</a:t>
+              <a:t>22/04/2017</a:t>
             </a:fld>
             <a:endParaRPr lang="vi-VN"/>
           </a:p>
@@ -1234,7 +3786,7 @@
             <a:fld id="{B61BEF0D-F0BB-DE4B-95CE-6DB70DBA9567}" type="datetimeFigureOut">
               <a:rPr lang="en-US"/>
               <a:pPr/>
-              <a:t>4/21/2017</a:t>
+              <a:t>4/22/2017</a:t>
             </a:fld>
             <a:endParaRPr lang="en-US" dirty="0"/>
           </a:p>
@@ -1482,7 +4034,7 @@
             <a:fld id="{B61BEF0D-F0BB-DE4B-95CE-6DB70DBA9567}" type="datetimeFigureOut">
               <a:rPr lang="en-US"/>
               <a:pPr/>
-              <a:t>4/21/2017</a:t>
+              <a:t>4/22/2017</a:t>
             </a:fld>
             <a:endParaRPr lang="en-US" dirty="0"/>
           </a:p>
@@ -1793,7 +4345,7 @@
             <a:fld id="{B61BEF0D-F0BB-DE4B-95CE-6DB70DBA9567}" type="datetimeFigureOut">
               <a:rPr lang="en-US"/>
               <a:pPr/>
-              <a:t>4/21/2017</a:t>
+              <a:t>4/22/2017</a:t>
             </a:fld>
             <a:endParaRPr lang="en-US" dirty="0"/>
           </a:p>
@@ -2123,7 +4675,7 @@
             <a:fld id="{B61BEF0D-F0BB-DE4B-95CE-6DB70DBA9567}" type="datetimeFigureOut">
               <a:rPr lang="en-US"/>
               <a:pPr/>
-              <a:t>4/21/2017</a:t>
+              <a:t>4/22/2017</a:t>
             </a:fld>
             <a:endParaRPr lang="en-US" dirty="0"/>
           </a:p>
@@ -2434,7 +4986,7 @@
             <a:fld id="{B61BEF0D-F0BB-DE4B-95CE-6DB70DBA9567}" type="datetimeFigureOut">
               <a:rPr lang="en-US"/>
               <a:pPr/>
-              <a:t>4/21/2017</a:t>
+              <a:t>4/22/2017</a:t>
             </a:fld>
             <a:endParaRPr lang="en-US" dirty="0"/>
           </a:p>
@@ -2824,7 +5376,7 @@
             <a:fld id="{B61BEF0D-F0BB-DE4B-95CE-6DB70DBA9567}" type="datetimeFigureOut">
               <a:rPr lang="en-US"/>
               <a:pPr/>
-              <a:t>4/21/2017</a:t>
+              <a:t>4/22/2017</a:t>
             </a:fld>
             <a:endParaRPr lang="en-US" dirty="0"/>
           </a:p>
@@ -2990,7 +5542,7 @@
           <a:p>
             <a:fld id="{55C6B4A9-1611-4792-9094-5F34BCA07E0B}" type="datetimeFigureOut">
               <a:rPr lang="en-US"/>
-              <a:t>4/21/2017</a:t>
+              <a:t>4/22/2017</a:t>
             </a:fld>
             <a:endParaRPr lang="en-US" dirty="0"/>
           </a:p>
@@ -3166,7 +5718,7 @@
             <a:fld id="{B61BEF0D-F0BB-DE4B-95CE-6DB70DBA9567}" type="datetimeFigureOut">
               <a:rPr lang="en-US"/>
               <a:pPr/>
-              <a:t>4/21/2017</a:t>
+              <a:t>4/22/2017</a:t>
             </a:fld>
             <a:endParaRPr lang="en-US" dirty="0"/>
           </a:p>
@@ -3332,7 +5884,7 @@
           <a:p>
             <a:fld id="{42A54C80-263E-416B-A8E0-580EDEADCBDC}" type="datetimeFigureOut">
               <a:rPr lang="en-US"/>
-              <a:t>4/21/2017</a:t>
+              <a:t>4/22/2017</a:t>
             </a:fld>
             <a:endParaRPr lang="en-US" dirty="0"/>
           </a:p>
@@ -3575,7 +6127,7 @@
             <a:fld id="{B61BEF0D-F0BB-DE4B-95CE-6DB70DBA9567}" type="datetimeFigureOut">
               <a:rPr lang="en-US"/>
               <a:pPr/>
-              <a:t>4/21/2017</a:t>
+              <a:t>4/22/2017</a:t>
             </a:fld>
             <a:endParaRPr lang="en-US" dirty="0"/>
           </a:p>
@@ -3803,7 +6355,7 @@
           <a:p>
             <a:fld id="{42A54C80-263E-416B-A8E0-580EDEADCBDC}" type="datetimeFigureOut">
               <a:rPr lang="en-US"/>
-              <a:t>4/21/2017</a:t>
+              <a:t>4/22/2017</a:t>
             </a:fld>
             <a:endParaRPr lang="en-US" dirty="0"/>
           </a:p>
@@ -4173,7 +6725,7 @@
             <a:fld id="{B61BEF0D-F0BB-DE4B-95CE-6DB70DBA9567}" type="datetimeFigureOut">
               <a:rPr lang="en-US"/>
               <a:pPr/>
-              <a:t>4/21/2017</a:t>
+              <a:t>4/22/2017</a:t>
             </a:fld>
             <a:endParaRPr lang="en-US" dirty="0"/>
           </a:p>
@@ -4293,7 +6845,7 @@
             <a:fld id="{B61BEF0D-F0BB-DE4B-95CE-6DB70DBA9567}" type="datetimeFigureOut">
               <a:rPr lang="en-US"/>
               <a:pPr/>
-              <a:t>4/21/2017</a:t>
+              <a:t>4/22/2017</a:t>
             </a:fld>
             <a:endParaRPr lang="en-US" dirty="0"/>
           </a:p>
@@ -4385,7 +6937,7 @@
             <a:fld id="{B61BEF0D-F0BB-DE4B-95CE-6DB70DBA9567}" type="datetimeFigureOut">
               <a:rPr lang="en-US"/>
               <a:pPr/>
-              <a:t>4/21/2017</a:t>
+              <a:t>4/22/2017</a:t>
             </a:fld>
             <a:endParaRPr lang="en-US" dirty="0"/>
           </a:p>
@@ -4636,7 +7188,7 @@
           <a:p>
             <a:fld id="{42A54C80-263E-416B-A8E0-580EDEADCBDC}" type="datetimeFigureOut">
               <a:rPr lang="en-US"/>
-              <a:t>4/21/2017</a:t>
+              <a:t>4/22/2017</a:t>
             </a:fld>
             <a:endParaRPr lang="en-US" dirty="0"/>
           </a:p>
@@ -4938,7 +7490,7 @@
             <a:fld id="{B61BEF0D-F0BB-DE4B-95CE-6DB70DBA9567}" type="datetimeFigureOut">
               <a:rPr lang="en-US"/>
               <a:pPr/>
-              <a:t>4/21/2017</a:t>
+              <a:t>4/22/2017</a:t>
             </a:fld>
             <a:endParaRPr lang="en-US" dirty="0"/>
           </a:p>
@@ -5636,7 +8188,7 @@
             <a:fld id="{B61BEF0D-F0BB-DE4B-95CE-6DB70DBA9567}" type="datetimeFigureOut">
               <a:rPr lang="en-US"/>
               <a:pPr/>
-              <a:t>4/21/2017</a:t>
+              <a:t>4/22/2017</a:t>
             </a:fld>
             <a:endParaRPr lang="en-US" dirty="0"/>
           </a:p>
@@ -9121,6 +11673,689 @@
 </p:sld>
 </file>
 
+<file path=ppt/slides/slide25.xml><?xml version="1.0" encoding="utf-8"?>
+<p:sld xmlns:a="http://schemas.openxmlformats.org/drawingml/2006/main" xmlns:r="http://schemas.openxmlformats.org/officeDocument/2006/relationships" xmlns:p="http://schemas.openxmlformats.org/presentationml/2006/main">
+  <p:cSld>
+    <p:spTree>
+      <p:nvGrpSpPr>
+        <p:cNvPr id="1" name=""/>
+        <p:cNvGrpSpPr/>
+        <p:nvPr/>
+      </p:nvGrpSpPr>
+      <p:grpSpPr>
+        <a:xfrm>
+          <a:off x="0" y="0"/>
+          <a:ext cx="0" cy="0"/>
+          <a:chOff x="0" y="0"/>
+          <a:chExt cx="0" cy="0"/>
+        </a:xfrm>
+      </p:grpSpPr>
+      <p:sp>
+        <p:nvSpPr>
+          <p:cNvPr id="2" name="Title 1"/>
+          <p:cNvSpPr>
+            <a:spLocks noGrp="1"/>
+          </p:cNvSpPr>
+          <p:nvPr>
+            <p:ph type="title"/>
+          </p:nvPr>
+        </p:nvSpPr>
+        <p:spPr/>
+        <p:txBody>
+          <a:bodyPr/>
+          <a:lstStyle/>
+          <a:p>
+            <a:r>
+              <a:rPr lang="en-US" dirty="0"/>
+              <a:t>Animation Sequences</a:t>
+            </a:r>
+            <a:br>
+              <a:rPr lang="en-US" dirty="0"/>
+            </a:br>
+            <a:endParaRPr lang="en-US" dirty="0"/>
+          </a:p>
+        </p:txBody>
+      </p:sp>
+      <p:graphicFrame>
+        <p:nvGraphicFramePr>
+          <p:cNvPr id="4" name="Content Placeholder 3"/>
+          <p:cNvGraphicFramePr>
+            <a:graphicFrameLocks noGrp="1"/>
+          </p:cNvGraphicFramePr>
+          <p:nvPr>
+            <p:ph idx="1"/>
+            <p:extLst>
+              <p:ext uri="{D42A27DB-BD31-4B8C-83A1-F6EECF244321}">
+                <p14:modId xmlns:p14="http://schemas.microsoft.com/office/powerpoint/2010/main" val="3294592885"/>
+              </p:ext>
+            </p:extLst>
+          </p:nvPr>
+        </p:nvGraphicFramePr>
+        <p:xfrm>
+          <a:off x="677863" y="1366838"/>
+          <a:ext cx="8596312" cy="4675187"/>
+        </p:xfrm>
+        <a:graphic>
+          <a:graphicData uri="http://schemas.openxmlformats.org/drawingml/2006/diagram">
+            <dgm:relIds xmlns:dgm="http://schemas.openxmlformats.org/drawingml/2006/diagram" xmlns:r="http://schemas.openxmlformats.org/officeDocument/2006/relationships" r:dm="rId2" r:lo="rId3" r:qs="rId4" r:cs="rId5"/>
+          </a:graphicData>
+        </a:graphic>
+      </p:graphicFrame>
+    </p:spTree>
+    <p:extLst>
+      <p:ext uri="{BB962C8B-B14F-4D97-AF65-F5344CB8AC3E}">
+        <p14:creationId xmlns:p14="http://schemas.microsoft.com/office/powerpoint/2010/main" val="2723691661"/>
+      </p:ext>
+    </p:extLst>
+  </p:cSld>
+  <p:clrMapOvr>
+    <a:masterClrMapping/>
+  </p:clrMapOvr>
+</p:sld>
+</file>
+
+<file path=ppt/slides/slide26.xml><?xml version="1.0" encoding="utf-8"?>
+<p:sld xmlns:a="http://schemas.openxmlformats.org/drawingml/2006/main" xmlns:r="http://schemas.openxmlformats.org/officeDocument/2006/relationships" xmlns:p="http://schemas.openxmlformats.org/presentationml/2006/main">
+  <p:cSld>
+    <p:spTree>
+      <p:nvGrpSpPr>
+        <p:cNvPr id="1" name=""/>
+        <p:cNvGrpSpPr/>
+        <p:nvPr/>
+      </p:nvGrpSpPr>
+      <p:grpSpPr>
+        <a:xfrm>
+          <a:off x="0" y="0"/>
+          <a:ext cx="0" cy="0"/>
+          <a:chOff x="0" y="0"/>
+          <a:chExt cx="0" cy="0"/>
+        </a:xfrm>
+      </p:grpSpPr>
+      <p:sp>
+        <p:nvSpPr>
+          <p:cNvPr id="2" name="Title 1"/>
+          <p:cNvSpPr>
+            <a:spLocks noGrp="1"/>
+          </p:cNvSpPr>
+          <p:nvPr>
+            <p:ph type="title"/>
+          </p:nvPr>
+        </p:nvSpPr>
+        <p:spPr/>
+        <p:txBody>
+          <a:bodyPr/>
+          <a:lstStyle/>
+          <a:p>
+            <a:r>
+              <a:rPr lang="en-US" dirty="0"/>
+              <a:t>Animation Sequences</a:t>
+            </a:r>
+            <a:br>
+              <a:rPr lang="en-US" dirty="0"/>
+            </a:br>
+            <a:endParaRPr lang="en-US" dirty="0"/>
+          </a:p>
+        </p:txBody>
+      </p:sp>
+      <p:sp>
+        <p:nvSpPr>
+          <p:cNvPr id="3" name="Content Placeholder 2"/>
+          <p:cNvSpPr>
+            <a:spLocks noGrp="1"/>
+          </p:cNvSpPr>
+          <p:nvPr>
+            <p:ph idx="1"/>
+          </p:nvPr>
+        </p:nvSpPr>
+        <p:spPr/>
+        <p:txBody>
+          <a:bodyPr/>
+          <a:lstStyle/>
+          <a:p>
+            <a:r>
+              <a:rPr lang="vi-VN" dirty="0" smtClean="0"/>
+              <a:t>Dùng để mô tả cách trình chiếu các khung hình để tạo thành đoạn hoạt hình.</a:t>
+            </a:r>
+          </a:p>
+          <a:p>
+            <a:r>
+              <a:rPr lang="vi-VN" dirty="0" smtClean="0"/>
+              <a:t>Các </a:t>
+            </a:r>
+            <a:r>
+              <a:rPr lang="vi-VN" dirty="0" err="1"/>
+              <a:t>Sprite</a:t>
+            </a:r>
+            <a:r>
+              <a:rPr lang="vi-VN" dirty="0"/>
+              <a:t> </a:t>
+            </a:r>
+            <a:r>
+              <a:rPr lang="vi-VN" dirty="0" err="1" smtClean="0"/>
+              <a:t>Objects</a:t>
+            </a:r>
+            <a:r>
+              <a:rPr lang="vi-VN" dirty="0" smtClean="0"/>
+              <a:t> cần ít nhất 1 </a:t>
+            </a:r>
+            <a:r>
+              <a:rPr lang="vi-VN" b="1" dirty="0" err="1"/>
+              <a:t>A</a:t>
+            </a:r>
+            <a:r>
+              <a:rPr lang="vi-VN" b="1" dirty="0" err="1" smtClean="0"/>
+              <a:t>nimation</a:t>
+            </a:r>
+            <a:r>
+              <a:rPr lang="vi-VN" b="1" dirty="0" smtClean="0"/>
+              <a:t> </a:t>
+            </a:r>
+            <a:r>
+              <a:rPr lang="vi-VN" b="1" dirty="0" err="1" smtClean="0"/>
+              <a:t>sequences</a:t>
+            </a:r>
+            <a:r>
+              <a:rPr lang="vi-VN" dirty="0"/>
+              <a:t> </a:t>
+            </a:r>
+            <a:r>
+              <a:rPr lang="vi-VN" dirty="0" smtClean="0"/>
+              <a:t>để có thể hoạt động.</a:t>
+            </a:r>
+          </a:p>
+          <a:p>
+            <a:endParaRPr lang="vi-VN" dirty="0"/>
+          </a:p>
+          <a:p>
+            <a:endParaRPr lang="en-US" dirty="0" smtClean="0"/>
+          </a:p>
+          <a:p>
+            <a:endParaRPr lang="en-US" dirty="0"/>
+          </a:p>
+        </p:txBody>
+      </p:sp>
+    </p:spTree>
+    <p:extLst>
+      <p:ext uri="{BB962C8B-B14F-4D97-AF65-F5344CB8AC3E}">
+        <p14:creationId xmlns:p14="http://schemas.microsoft.com/office/powerpoint/2010/main" val="2768747043"/>
+      </p:ext>
+    </p:extLst>
+  </p:cSld>
+  <p:clrMapOvr>
+    <a:masterClrMapping/>
+  </p:clrMapOvr>
+</p:sld>
+</file>
+
+<file path=ppt/slides/slide27.xml><?xml version="1.0" encoding="utf-8"?>
+<p:sld xmlns:a="http://schemas.openxmlformats.org/drawingml/2006/main" xmlns:r="http://schemas.openxmlformats.org/officeDocument/2006/relationships" xmlns:p="http://schemas.openxmlformats.org/presentationml/2006/main">
+  <p:cSld>
+    <p:spTree>
+      <p:nvGrpSpPr>
+        <p:cNvPr id="1" name=""/>
+        <p:cNvGrpSpPr/>
+        <p:nvPr/>
+      </p:nvGrpSpPr>
+      <p:grpSpPr>
+        <a:xfrm>
+          <a:off x="0" y="0"/>
+          <a:ext cx="0" cy="0"/>
+          <a:chOff x="0" y="0"/>
+          <a:chExt cx="0" cy="0"/>
+        </a:xfrm>
+      </p:grpSpPr>
+      <p:sp>
+        <p:nvSpPr>
+          <p:cNvPr id="2" name="Title 1"/>
+          <p:cNvSpPr>
+            <a:spLocks noGrp="1"/>
+          </p:cNvSpPr>
+          <p:nvPr>
+            <p:ph type="title"/>
+          </p:nvPr>
+        </p:nvSpPr>
+        <p:spPr/>
+        <p:txBody>
+          <a:bodyPr>
+            <a:normAutofit fontScale="90000"/>
+          </a:bodyPr>
+          <a:lstStyle/>
+          <a:p>
+            <a:r>
+              <a:rPr lang="en-US" b="1" dirty="0"/>
+              <a:t>Consecutive Frames</a:t>
+            </a:r>
+            <a:br>
+              <a:rPr lang="en-US" b="1" dirty="0"/>
+            </a:br>
+            <a:r>
+              <a:rPr lang="en-US" dirty="0"/>
+              <a:t/>
+            </a:r>
+            <a:br>
+              <a:rPr lang="en-US" dirty="0"/>
+            </a:br>
+            <a:endParaRPr lang="en-US" dirty="0"/>
+          </a:p>
+        </p:txBody>
+      </p:sp>
+      <mc:AlternateContent xmlns:mc="http://schemas.openxmlformats.org/markup-compatibility/2006">
+        <mc:Choice xmlns:a14="http://schemas.microsoft.com/office/drawing/2010/main" Requires="a14">
+          <p:sp>
+            <p:nvSpPr>
+              <p:cNvPr id="3" name="Content Placeholder 2"/>
+              <p:cNvSpPr>
+                <a:spLocks noGrp="1"/>
+              </p:cNvSpPr>
+              <p:nvPr>
+                <p:ph idx="1"/>
+              </p:nvPr>
+            </p:nvSpPr>
+            <p:spPr/>
+            <p:txBody>
+              <a:bodyPr/>
+              <a:lstStyle/>
+              <a:p>
+                <a:r>
+                  <a:rPr lang="vi-VN" b="1" dirty="0" smtClean="0"/>
+                  <a:t>name</a:t>
+                </a:r>
+                <a:r>
+                  <a:rPr lang="vi-VN" dirty="0" smtClean="0"/>
+                  <a:t>: dùng trong trường hợp có nhiều hơn 1.</a:t>
+                </a:r>
+                <a:endParaRPr lang="vi-VN" b="1" dirty="0" smtClean="0"/>
+              </a:p>
+              <a:p>
+                <a:r>
+                  <a:rPr lang="vi-VN" b="1" dirty="0" err="1"/>
+                  <a:t>s</a:t>
+                </a:r>
+                <a:r>
+                  <a:rPr lang="vi-VN" b="1" dirty="0" err="1" smtClean="0"/>
+                  <a:t>tart</a:t>
+                </a:r>
+                <a:r>
+                  <a:rPr lang="vi-VN" dirty="0" smtClean="0"/>
+                  <a:t>: điểm bắt đầu:</a:t>
+                </a:r>
+                <a:endParaRPr lang="vi-VN" b="1" dirty="0" smtClean="0"/>
+              </a:p>
+              <a:p>
+                <a:r>
+                  <a:rPr lang="vi-VN" b="1" dirty="0" err="1" smtClean="0"/>
+                  <a:t>count</a:t>
+                </a:r>
+                <a:r>
+                  <a:rPr lang="vi-VN" dirty="0" smtClean="0"/>
+                  <a:t>: số lượng.</a:t>
+                </a:r>
+                <a:endParaRPr lang="vi-VN" b="1" dirty="0" smtClean="0"/>
+              </a:p>
+              <a:p>
+                <a:r>
+                  <a:rPr lang="vi-VN" b="1" dirty="0" err="1" smtClean="0"/>
+                  <a:t>time</a:t>
+                </a:r>
+                <a:r>
+                  <a:rPr lang="vi-VN" dirty="0" smtClean="0"/>
+                  <a:t>: thời gian chạy.</a:t>
+                </a:r>
+                <a:endParaRPr lang="vi-VN" b="1" dirty="0" smtClean="0"/>
+              </a:p>
+              <a:p>
+                <a:r>
+                  <a:rPr lang="vi-VN" b="1" dirty="0" err="1" smtClean="0"/>
+                  <a:t>loopcount</a:t>
+                </a:r>
+                <a:r>
+                  <a:rPr lang="vi-VN" dirty="0" smtClean="0"/>
+                  <a:t>: số lần lập (0 = </a:t>
+                </a:r>
+                <a14:m>
+                  <m:oMath xmlns:m="http://schemas.openxmlformats.org/officeDocument/2006/math">
+                    <m:r>
+                      <m:rPr>
+                        <m:nor/>
+                      </m:rPr>
+                      <a:rPr lang="en-US"/>
+                      <m:t>∞</m:t>
+                    </m:r>
+                  </m:oMath>
+                </a14:m>
+                <a:r>
+                  <a:rPr lang="vi-VN" dirty="0" smtClean="0"/>
+                  <a:t>)</a:t>
+                </a:r>
+                <a:endParaRPr lang="vi-VN" b="1" dirty="0" smtClean="0"/>
+              </a:p>
+              <a:p>
+                <a:r>
+                  <a:rPr lang="vi-VN" b="1" dirty="0" err="1" smtClean="0"/>
+                  <a:t>loopDirection</a:t>
+                </a:r>
+                <a:r>
+                  <a:rPr lang="vi-VN" dirty="0" smtClean="0"/>
+                  <a:t>: hướng chạy.</a:t>
+                </a:r>
+                <a:endParaRPr lang="vi-VN" b="1" dirty="0" smtClean="0"/>
+              </a:p>
+              <a:p>
+                <a:endParaRPr lang="vi-VN" b="1" dirty="0"/>
+              </a:p>
+            </p:txBody>
+          </p:sp>
+        </mc:Choice>
+        <mc:Fallback>
+          <p:sp>
+            <p:nvSpPr>
+              <p:cNvPr id="3" name="Content Placeholder 2"/>
+              <p:cNvSpPr>
+                <a:spLocks noGrp="1" noRot="1" noChangeAspect="1" noMove="1" noResize="1" noEditPoints="1" noAdjustHandles="1" noChangeArrowheads="1" noChangeShapeType="1" noTextEdit="1"/>
+              </p:cNvSpPr>
+              <p:nvPr>
+                <p:ph idx="1"/>
+              </p:nvPr>
+            </p:nvSpPr>
+            <p:spPr>
+              <a:blipFill>
+                <a:blip r:embed="rId2"/>
+                <a:stretch>
+                  <a:fillRect l="-142" t="-785"/>
+                </a:stretch>
+              </a:blipFill>
+            </p:spPr>
+            <p:txBody>
+              <a:bodyPr/>
+              <a:lstStyle/>
+              <a:p>
+                <a:r>
+                  <a:rPr lang="en-US">
+                    <a:noFill/>
+                  </a:rPr>
+                  <a:t> </a:t>
+                </a:r>
+              </a:p>
+            </p:txBody>
+          </p:sp>
+        </mc:Fallback>
+      </mc:AlternateContent>
+      <p:pic>
+        <p:nvPicPr>
+          <p:cNvPr id="4" name="Picture 3"/>
+          <p:cNvPicPr>
+            <a:picLocks noChangeAspect="1"/>
+          </p:cNvPicPr>
+          <p:nvPr/>
+        </p:nvPicPr>
+        <p:blipFill>
+          <a:blip r:embed="rId3"/>
+          <a:stretch>
+            <a:fillRect/>
+          </a:stretch>
+        </p:blipFill>
+        <p:spPr>
+          <a:xfrm>
+            <a:off x="4695167" y="2709205"/>
+            <a:ext cx="4228115" cy="3164354"/>
+          </a:xfrm>
+          <a:prstGeom prst="rect">
+            <a:avLst/>
+          </a:prstGeom>
+        </p:spPr>
+      </p:pic>
+    </p:spTree>
+    <p:extLst>
+      <p:ext uri="{BB962C8B-B14F-4D97-AF65-F5344CB8AC3E}">
+        <p14:creationId xmlns:p14="http://schemas.microsoft.com/office/powerpoint/2010/main" val="3053296556"/>
+      </p:ext>
+    </p:extLst>
+  </p:cSld>
+  <p:clrMapOvr>
+    <a:masterClrMapping/>
+  </p:clrMapOvr>
+</p:sld>
+</file>
+
+<file path=ppt/slides/slide28.xml><?xml version="1.0" encoding="utf-8"?>
+<p:sld xmlns:a="http://schemas.openxmlformats.org/drawingml/2006/main" xmlns:r="http://schemas.openxmlformats.org/officeDocument/2006/relationships" xmlns:p="http://schemas.openxmlformats.org/presentationml/2006/main">
+  <p:cSld>
+    <p:spTree>
+      <p:nvGrpSpPr>
+        <p:cNvPr id="1" name=""/>
+        <p:cNvGrpSpPr/>
+        <p:nvPr/>
+      </p:nvGrpSpPr>
+      <p:grpSpPr>
+        <a:xfrm>
+          <a:off x="0" y="0"/>
+          <a:ext cx="0" cy="0"/>
+          <a:chOff x="0" y="0"/>
+          <a:chExt cx="0" cy="0"/>
+        </a:xfrm>
+      </p:grpSpPr>
+      <p:sp>
+        <p:nvSpPr>
+          <p:cNvPr id="2" name="Title 1"/>
+          <p:cNvSpPr>
+            <a:spLocks noGrp="1"/>
+          </p:cNvSpPr>
+          <p:nvPr>
+            <p:ph type="title"/>
+          </p:nvPr>
+        </p:nvSpPr>
+        <p:spPr/>
+        <p:txBody>
+          <a:bodyPr>
+            <a:normAutofit fontScale="90000"/>
+          </a:bodyPr>
+          <a:lstStyle/>
+          <a:p>
+            <a:r>
+              <a:rPr lang="en-US" b="1" dirty="0"/>
+              <a:t>Non-Consecutive Frames</a:t>
+            </a:r>
+            <a:br>
+              <a:rPr lang="en-US" b="1" dirty="0"/>
+            </a:br>
+            <a:r>
+              <a:rPr lang="en-US" b="1" dirty="0"/>
+              <a:t/>
+            </a:r>
+            <a:br>
+              <a:rPr lang="en-US" b="1" dirty="0"/>
+            </a:br>
+            <a:r>
+              <a:rPr lang="en-US" dirty="0"/>
+              <a:t/>
+            </a:r>
+            <a:br>
+              <a:rPr lang="en-US" dirty="0"/>
+            </a:br>
+            <a:endParaRPr lang="en-US" dirty="0"/>
+          </a:p>
+        </p:txBody>
+      </p:sp>
+      <p:sp>
+        <p:nvSpPr>
+          <p:cNvPr id="3" name="Content Placeholder 2"/>
+          <p:cNvSpPr>
+            <a:spLocks noGrp="1"/>
+          </p:cNvSpPr>
+          <p:nvPr>
+            <p:ph idx="1"/>
+          </p:nvPr>
+        </p:nvSpPr>
+        <p:spPr/>
+        <p:txBody>
+          <a:bodyPr/>
+          <a:lstStyle/>
+          <a:p>
+            <a:r>
+              <a:rPr lang="vi-VN" b="1" dirty="0" err="1" smtClean="0"/>
+              <a:t>frames</a:t>
+            </a:r>
+            <a:r>
+              <a:rPr lang="vi-VN" dirty="0" smtClean="0"/>
+              <a:t>: thứ tự các khung hình được chiếu.</a:t>
+            </a:r>
+            <a:endParaRPr lang="vi-VN" b="1" dirty="0"/>
+          </a:p>
+        </p:txBody>
+      </p:sp>
+      <p:pic>
+        <p:nvPicPr>
+          <p:cNvPr id="5" name="Picture 4"/>
+          <p:cNvPicPr>
+            <a:picLocks noChangeAspect="1"/>
+          </p:cNvPicPr>
+          <p:nvPr/>
+        </p:nvPicPr>
+        <p:blipFill>
+          <a:blip r:embed="rId2"/>
+          <a:stretch>
+            <a:fillRect/>
+          </a:stretch>
+        </p:blipFill>
+        <p:spPr>
+          <a:xfrm>
+            <a:off x="2518049" y="3022545"/>
+            <a:ext cx="4933786" cy="3322754"/>
+          </a:xfrm>
+          <a:prstGeom prst="rect">
+            <a:avLst/>
+          </a:prstGeom>
+        </p:spPr>
+      </p:pic>
+    </p:spTree>
+    <p:extLst>
+      <p:ext uri="{BB962C8B-B14F-4D97-AF65-F5344CB8AC3E}">
+        <p14:creationId xmlns:p14="http://schemas.microsoft.com/office/powerpoint/2010/main" val="1389432275"/>
+      </p:ext>
+    </p:extLst>
+  </p:cSld>
+  <p:clrMapOvr>
+    <a:masterClrMapping/>
+  </p:clrMapOvr>
+</p:sld>
+</file>
+
+<file path=ppt/slides/slide29.xml><?xml version="1.0" encoding="utf-8"?>
+<p:sld xmlns:a="http://schemas.openxmlformats.org/drawingml/2006/main" xmlns:r="http://schemas.openxmlformats.org/officeDocument/2006/relationships" xmlns:p="http://schemas.openxmlformats.org/presentationml/2006/main">
+  <p:cSld>
+    <p:spTree>
+      <p:nvGrpSpPr>
+        <p:cNvPr id="1" name=""/>
+        <p:cNvGrpSpPr/>
+        <p:nvPr/>
+      </p:nvGrpSpPr>
+      <p:grpSpPr>
+        <a:xfrm>
+          <a:off x="0" y="0"/>
+          <a:ext cx="0" cy="0"/>
+          <a:chOff x="0" y="0"/>
+          <a:chExt cx="0" cy="0"/>
+        </a:xfrm>
+      </p:grpSpPr>
+      <p:sp>
+        <p:nvSpPr>
+          <p:cNvPr id="2" name="Title 1"/>
+          <p:cNvSpPr>
+            <a:spLocks noGrp="1"/>
+          </p:cNvSpPr>
+          <p:nvPr>
+            <p:ph type="title"/>
+          </p:nvPr>
+        </p:nvSpPr>
+        <p:spPr/>
+        <p:txBody>
+          <a:bodyPr/>
+          <a:lstStyle/>
+          <a:p>
+            <a:r>
+              <a:rPr lang="en-US" b="1" dirty="0"/>
+              <a:t>Multiple Sequences</a:t>
+            </a:r>
+            <a:br>
+              <a:rPr lang="en-US" b="1" dirty="0"/>
+            </a:br>
+            <a:endParaRPr lang="en-US" dirty="0"/>
+          </a:p>
+        </p:txBody>
+      </p:sp>
+      <p:sp>
+        <p:nvSpPr>
+          <p:cNvPr id="3" name="Content Placeholder 2"/>
+          <p:cNvSpPr>
+            <a:spLocks noGrp="1"/>
+          </p:cNvSpPr>
+          <p:nvPr>
+            <p:ph idx="1"/>
+          </p:nvPr>
+        </p:nvSpPr>
+        <p:spPr>
+          <a:xfrm>
+            <a:off x="677334" y="1614051"/>
+            <a:ext cx="8596668" cy="4366335"/>
+          </a:xfrm>
+        </p:spPr>
+        <p:txBody>
+          <a:bodyPr/>
+          <a:lstStyle/>
+          <a:p>
+            <a:r>
+              <a:rPr lang="vi-VN" dirty="0" smtClean="0"/>
+              <a:t>Chứa nhiều </a:t>
+            </a:r>
+            <a:r>
+              <a:rPr lang="vi-VN" dirty="0" err="1" smtClean="0"/>
+              <a:t>sequences</a:t>
+            </a:r>
+            <a:r>
+              <a:rPr lang="vi-VN" dirty="0" smtClean="0"/>
+              <a:t> dùng tên để xác định.</a:t>
+            </a:r>
+            <a:endParaRPr lang="en-US" dirty="0"/>
+          </a:p>
+        </p:txBody>
+      </p:sp>
+      <p:pic>
+        <p:nvPicPr>
+          <p:cNvPr id="4" name="Picture 3"/>
+          <p:cNvPicPr>
+            <a:picLocks noChangeAspect="1"/>
+          </p:cNvPicPr>
+          <p:nvPr/>
+        </p:nvPicPr>
+        <p:blipFill>
+          <a:blip r:embed="rId2"/>
+          <a:stretch>
+            <a:fillRect/>
+          </a:stretch>
+        </p:blipFill>
+        <p:spPr>
+          <a:xfrm>
+            <a:off x="2689339" y="2089314"/>
+            <a:ext cx="4572657" cy="4334969"/>
+          </a:xfrm>
+          <a:prstGeom prst="rect">
+            <a:avLst/>
+          </a:prstGeom>
+        </p:spPr>
+      </p:pic>
+    </p:spTree>
+    <p:extLst>
+      <p:ext uri="{BB962C8B-B14F-4D97-AF65-F5344CB8AC3E}">
+        <p14:creationId xmlns:p14="http://schemas.microsoft.com/office/powerpoint/2010/main" val="4183607137"/>
+      </p:ext>
+    </p:extLst>
+  </p:cSld>
+  <p:clrMapOvr>
+    <a:masterClrMapping/>
+  </p:clrMapOvr>
+</p:sld>
+</file>
+
 <file path=ppt/slides/slide3.xml><?xml version="1.0" encoding="utf-8"?>
 <p:sld xmlns:a="http://schemas.openxmlformats.org/drawingml/2006/main" xmlns:r="http://schemas.openxmlformats.org/officeDocument/2006/relationships" xmlns:p="http://schemas.openxmlformats.org/presentationml/2006/main">
   <p:cSld>
@@ -9315,6 +12550,660 @@
       </p:par>
     </p:tnLst>
   </p:timing>
+</p:sld>
+</file>
+
+<file path=ppt/slides/slide30.xml><?xml version="1.0" encoding="utf-8"?>
+<p:sld xmlns:a="http://schemas.openxmlformats.org/drawingml/2006/main" xmlns:r="http://schemas.openxmlformats.org/officeDocument/2006/relationships" xmlns:p="http://schemas.openxmlformats.org/presentationml/2006/main">
+  <p:cSld>
+    <p:spTree>
+      <p:nvGrpSpPr>
+        <p:cNvPr id="1" name=""/>
+        <p:cNvGrpSpPr/>
+        <p:nvPr/>
+      </p:nvGrpSpPr>
+      <p:grpSpPr>
+        <a:xfrm>
+          <a:off x="0" y="0"/>
+          <a:ext cx="0" cy="0"/>
+          <a:chOff x="0" y="0"/>
+          <a:chExt cx="0" cy="0"/>
+        </a:xfrm>
+      </p:grpSpPr>
+      <p:sp>
+        <p:nvSpPr>
+          <p:cNvPr id="2" name="Title 1"/>
+          <p:cNvSpPr>
+            <a:spLocks noGrp="1"/>
+          </p:cNvSpPr>
+          <p:nvPr>
+            <p:ph type="title"/>
+          </p:nvPr>
+        </p:nvSpPr>
+        <p:spPr/>
+        <p:txBody>
+          <a:bodyPr/>
+          <a:lstStyle/>
+          <a:p>
+            <a:r>
+              <a:rPr lang="en-US" b="1" dirty="0"/>
+              <a:t>Sprite Objects</a:t>
+            </a:r>
+            <a:br>
+              <a:rPr lang="en-US" b="1" dirty="0"/>
+            </a:br>
+            <a:endParaRPr lang="en-US" dirty="0"/>
+          </a:p>
+        </p:txBody>
+      </p:sp>
+      <p:sp>
+        <p:nvSpPr>
+          <p:cNvPr id="3" name="Content Placeholder 2"/>
+          <p:cNvSpPr>
+            <a:spLocks noGrp="1"/>
+          </p:cNvSpPr>
+          <p:nvPr>
+            <p:ph idx="1"/>
+          </p:nvPr>
+        </p:nvSpPr>
+        <p:spPr/>
+        <p:txBody>
+          <a:bodyPr/>
+          <a:lstStyle/>
+          <a:p>
+            <a:r>
+              <a:rPr lang="vi-VN" dirty="0" smtClean="0"/>
+              <a:t>Cú pháo.</a:t>
+            </a:r>
+            <a:endParaRPr lang="en-US" dirty="0"/>
+          </a:p>
+        </p:txBody>
+      </p:sp>
+      <p:pic>
+        <p:nvPicPr>
+          <p:cNvPr id="4" name="Picture 3"/>
+          <p:cNvPicPr>
+            <a:picLocks noChangeAspect="1"/>
+          </p:cNvPicPr>
+          <p:nvPr/>
+        </p:nvPicPr>
+        <p:blipFill>
+          <a:blip r:embed="rId2"/>
+          <a:stretch>
+            <a:fillRect/>
+          </a:stretch>
+        </p:blipFill>
+        <p:spPr>
+          <a:xfrm>
+            <a:off x="844112" y="3484015"/>
+            <a:ext cx="8588224" cy="667572"/>
+          </a:xfrm>
+          <a:prstGeom prst="rect">
+            <a:avLst/>
+          </a:prstGeom>
+        </p:spPr>
+      </p:pic>
+    </p:spTree>
+    <p:extLst>
+      <p:ext uri="{BB962C8B-B14F-4D97-AF65-F5344CB8AC3E}">
+        <p14:creationId xmlns:p14="http://schemas.microsoft.com/office/powerpoint/2010/main" val="539111288"/>
+      </p:ext>
+    </p:extLst>
+  </p:cSld>
+  <p:clrMapOvr>
+    <a:masterClrMapping/>
+  </p:clrMapOvr>
+</p:sld>
+</file>
+
+<file path=ppt/slides/slide31.xml><?xml version="1.0" encoding="utf-8"?>
+<p:sld xmlns:a="http://schemas.openxmlformats.org/drawingml/2006/main" xmlns:r="http://schemas.openxmlformats.org/officeDocument/2006/relationships" xmlns:p="http://schemas.openxmlformats.org/presentationml/2006/main">
+  <p:cSld>
+    <p:spTree>
+      <p:nvGrpSpPr>
+        <p:cNvPr id="1" name=""/>
+        <p:cNvGrpSpPr/>
+        <p:nvPr/>
+      </p:nvGrpSpPr>
+      <p:grpSpPr>
+        <a:xfrm>
+          <a:off x="0" y="0"/>
+          <a:ext cx="0" cy="0"/>
+          <a:chOff x="0" y="0"/>
+          <a:chExt cx="0" cy="0"/>
+        </a:xfrm>
+      </p:grpSpPr>
+      <p:sp>
+        <p:nvSpPr>
+          <p:cNvPr id="2" name="Title 1"/>
+          <p:cNvSpPr>
+            <a:spLocks noGrp="1"/>
+          </p:cNvSpPr>
+          <p:nvPr>
+            <p:ph type="title"/>
+          </p:nvPr>
+        </p:nvSpPr>
+        <p:spPr/>
+        <p:txBody>
+          <a:bodyPr/>
+          <a:lstStyle/>
+          <a:p>
+            <a:r>
+              <a:rPr lang="en-US" b="1" dirty="0"/>
+              <a:t>Sprite Control Methods</a:t>
+            </a:r>
+            <a:br>
+              <a:rPr lang="en-US" b="1" dirty="0"/>
+            </a:br>
+            <a:endParaRPr lang="en-US" dirty="0"/>
+          </a:p>
+        </p:txBody>
+      </p:sp>
+      <p:sp>
+        <p:nvSpPr>
+          <p:cNvPr id="3" name="Content Placeholder 2"/>
+          <p:cNvSpPr>
+            <a:spLocks noGrp="1"/>
+          </p:cNvSpPr>
+          <p:nvPr>
+            <p:ph idx="1"/>
+          </p:nvPr>
+        </p:nvSpPr>
+        <p:spPr/>
+        <p:txBody>
+          <a:bodyPr>
+            <a:normAutofit fontScale="85000" lnSpcReduction="20000"/>
+          </a:bodyPr>
+          <a:lstStyle/>
+          <a:p>
+            <a:r>
+              <a:rPr lang="en-US" dirty="0" err="1">
+                <a:latin typeface="Arial" panose="020B0604020202020204" pitchFamily="34" charset="0"/>
+                <a:cs typeface="Arial" panose="020B0604020202020204" pitchFamily="34" charset="0"/>
+              </a:rPr>
+              <a:t>object:play</a:t>
+            </a:r>
+            <a:r>
+              <a:rPr lang="en-US" dirty="0">
+                <a:latin typeface="Arial" panose="020B0604020202020204" pitchFamily="34" charset="0"/>
+                <a:cs typeface="Arial" panose="020B0604020202020204" pitchFamily="34" charset="0"/>
+              </a:rPr>
+              <a:t>() — Starts the animation using the default or set sequence. Sprites do not automatically begin playing when you create them, so you must start them with this command.</a:t>
+            </a:r>
+          </a:p>
+          <a:p>
+            <a:endParaRPr lang="en-US" dirty="0">
+              <a:latin typeface="Arial" panose="020B0604020202020204" pitchFamily="34" charset="0"/>
+              <a:cs typeface="Arial" panose="020B0604020202020204" pitchFamily="34" charset="0"/>
+            </a:endParaRPr>
+          </a:p>
+          <a:p>
+            <a:r>
+              <a:rPr lang="en-US" dirty="0" err="1">
+                <a:latin typeface="Arial" panose="020B0604020202020204" pitchFamily="34" charset="0"/>
+                <a:cs typeface="Arial" panose="020B0604020202020204" pitchFamily="34" charset="0"/>
+              </a:rPr>
+              <a:t>object:pause</a:t>
+            </a:r>
+            <a:r>
+              <a:rPr lang="en-US" dirty="0">
+                <a:latin typeface="Arial" panose="020B0604020202020204" pitchFamily="34" charset="0"/>
+                <a:cs typeface="Arial" panose="020B0604020202020204" pitchFamily="34" charset="0"/>
+              </a:rPr>
+              <a:t>() — Pauses the animation. There is no "stop" control method, so this method serves both purposes.</a:t>
+            </a:r>
+          </a:p>
+          <a:p>
+            <a:endParaRPr lang="en-US" dirty="0">
+              <a:latin typeface="Arial" panose="020B0604020202020204" pitchFamily="34" charset="0"/>
+              <a:cs typeface="Arial" panose="020B0604020202020204" pitchFamily="34" charset="0"/>
+            </a:endParaRPr>
+          </a:p>
+          <a:p>
+            <a:r>
+              <a:rPr lang="en-US" dirty="0" err="1">
+                <a:latin typeface="Arial" panose="020B0604020202020204" pitchFamily="34" charset="0"/>
+                <a:cs typeface="Arial" panose="020B0604020202020204" pitchFamily="34" charset="0"/>
+              </a:rPr>
+              <a:t>object:setFrame</a:t>
+            </a:r>
+            <a:r>
+              <a:rPr lang="en-US" dirty="0">
+                <a:latin typeface="Arial" panose="020B0604020202020204" pitchFamily="34" charset="0"/>
+                <a:cs typeface="Arial" panose="020B0604020202020204" pitchFamily="34" charset="0"/>
+              </a:rPr>
+              <a:t>() — Immediately set or skip to an indicated frame index within the current sequence. If you want to "stop and reset" an animation after it has started playing, use the pause() and </a:t>
+            </a:r>
+            <a:r>
+              <a:rPr lang="en-US" dirty="0" err="1">
+                <a:latin typeface="Arial" panose="020B0604020202020204" pitchFamily="34" charset="0"/>
+                <a:cs typeface="Arial" panose="020B0604020202020204" pitchFamily="34" charset="0"/>
+              </a:rPr>
+              <a:t>setFrame</a:t>
+            </a:r>
+            <a:r>
+              <a:rPr lang="en-US" dirty="0">
+                <a:latin typeface="Arial" panose="020B0604020202020204" pitchFamily="34" charset="0"/>
+                <a:cs typeface="Arial" panose="020B0604020202020204" pitchFamily="34" charset="0"/>
+              </a:rPr>
+              <a:t>() commands consecutively, setting the frame back to the beginning of the sequence.</a:t>
+            </a:r>
+          </a:p>
+          <a:p>
+            <a:endParaRPr lang="en-US" dirty="0">
+              <a:latin typeface="Arial" panose="020B0604020202020204" pitchFamily="34" charset="0"/>
+              <a:cs typeface="Arial" panose="020B0604020202020204" pitchFamily="34" charset="0"/>
+            </a:endParaRPr>
+          </a:p>
+          <a:p>
+            <a:r>
+              <a:rPr lang="en-US" dirty="0" err="1">
+                <a:latin typeface="Arial" panose="020B0604020202020204" pitchFamily="34" charset="0"/>
+                <a:cs typeface="Arial" panose="020B0604020202020204" pitchFamily="34" charset="0"/>
+              </a:rPr>
+              <a:t>object:setSequence</a:t>
+            </a:r>
+            <a:r>
+              <a:rPr lang="en-US" dirty="0">
+                <a:latin typeface="Arial" panose="020B0604020202020204" pitchFamily="34" charset="0"/>
+                <a:cs typeface="Arial" panose="020B0604020202020204" pitchFamily="34" charset="0"/>
+              </a:rPr>
+              <a:t>() — Set the sprite to a specific sequence. For example, to change the </a:t>
+            </a:r>
+            <a:r>
+              <a:rPr lang="en-US" dirty="0" err="1">
+                <a:latin typeface="Arial" panose="020B0604020202020204" pitchFamily="34" charset="0"/>
+                <a:cs typeface="Arial" panose="020B0604020202020204" pitchFamily="34" charset="0"/>
+              </a:rPr>
+              <a:t>runningCat</a:t>
+            </a:r>
+            <a:r>
+              <a:rPr lang="en-US" dirty="0">
+                <a:latin typeface="Arial" panose="020B0604020202020204" pitchFamily="34" charset="0"/>
+                <a:cs typeface="Arial" panose="020B0604020202020204" pitchFamily="34" charset="0"/>
+              </a:rPr>
+              <a:t> sprite animation from </a:t>
+            </a:r>
+            <a:r>
+              <a:rPr lang="en-US" dirty="0" err="1">
+                <a:latin typeface="Arial" panose="020B0604020202020204" pitchFamily="34" charset="0"/>
+                <a:cs typeface="Arial" panose="020B0604020202020204" pitchFamily="34" charset="0"/>
+              </a:rPr>
+              <a:t>normalRun</a:t>
+            </a:r>
+            <a:r>
+              <a:rPr lang="en-US" dirty="0">
+                <a:latin typeface="Arial" panose="020B0604020202020204" pitchFamily="34" charset="0"/>
+                <a:cs typeface="Arial" panose="020B0604020202020204" pitchFamily="34" charset="0"/>
+              </a:rPr>
+              <a:t> to </a:t>
+            </a:r>
+            <a:r>
+              <a:rPr lang="en-US" dirty="0" err="1">
+                <a:latin typeface="Arial" panose="020B0604020202020204" pitchFamily="34" charset="0"/>
+                <a:cs typeface="Arial" panose="020B0604020202020204" pitchFamily="34" charset="0"/>
+              </a:rPr>
+              <a:t>fastRun</a:t>
+            </a:r>
+            <a:r>
+              <a:rPr lang="en-US" dirty="0">
+                <a:latin typeface="Arial" panose="020B0604020202020204" pitchFamily="34" charset="0"/>
+                <a:cs typeface="Arial" panose="020B0604020202020204" pitchFamily="34" charset="0"/>
+              </a:rPr>
+              <a:t> (assuming both sequences are declared in the </a:t>
+            </a:r>
+            <a:r>
+              <a:rPr lang="en-US" dirty="0" err="1">
+                <a:latin typeface="Arial" panose="020B0604020202020204" pitchFamily="34" charset="0"/>
+                <a:cs typeface="Arial" panose="020B0604020202020204" pitchFamily="34" charset="0"/>
+              </a:rPr>
+              <a:t>sequences_runningCat</a:t>
+            </a:r>
+            <a:r>
+              <a:rPr lang="en-US" dirty="0">
+                <a:latin typeface="Arial" panose="020B0604020202020204" pitchFamily="34" charset="0"/>
+                <a:cs typeface="Arial" panose="020B0604020202020204" pitchFamily="34" charset="0"/>
+              </a:rPr>
+              <a:t> table), call </a:t>
+            </a:r>
+            <a:r>
+              <a:rPr lang="en-US" dirty="0" err="1">
+                <a:latin typeface="Arial" panose="020B0604020202020204" pitchFamily="34" charset="0"/>
+                <a:cs typeface="Arial" panose="020B0604020202020204" pitchFamily="34" charset="0"/>
+              </a:rPr>
+              <a:t>runningCat:setSequence</a:t>
+            </a:r>
+            <a:r>
+              <a:rPr lang="en-US" dirty="0">
+                <a:latin typeface="Arial" panose="020B0604020202020204" pitchFamily="34" charset="0"/>
+                <a:cs typeface="Arial" panose="020B0604020202020204" pitchFamily="34" charset="0"/>
+              </a:rPr>
+              <a:t>( "</a:t>
+            </a:r>
+            <a:r>
+              <a:rPr lang="en-US" dirty="0" err="1">
+                <a:latin typeface="Arial" panose="020B0604020202020204" pitchFamily="34" charset="0"/>
+                <a:cs typeface="Arial" panose="020B0604020202020204" pitchFamily="34" charset="0"/>
+              </a:rPr>
+              <a:t>fastRun</a:t>
+            </a:r>
+            <a:r>
+              <a:rPr lang="en-US" dirty="0">
+                <a:latin typeface="Arial" panose="020B0604020202020204" pitchFamily="34" charset="0"/>
+                <a:cs typeface="Arial" panose="020B0604020202020204" pitchFamily="34" charset="0"/>
+              </a:rPr>
+              <a:t>" ). Then, call </a:t>
+            </a:r>
+            <a:r>
+              <a:rPr lang="en-US" dirty="0" err="1">
+                <a:latin typeface="Arial" panose="020B0604020202020204" pitchFamily="34" charset="0"/>
+                <a:cs typeface="Arial" panose="020B0604020202020204" pitchFamily="34" charset="0"/>
+              </a:rPr>
+              <a:t>runningCat:play</a:t>
+            </a:r>
+            <a:r>
+              <a:rPr lang="en-US" dirty="0">
+                <a:latin typeface="Arial" panose="020B0604020202020204" pitchFamily="34" charset="0"/>
+                <a:cs typeface="Arial" panose="020B0604020202020204" pitchFamily="34" charset="0"/>
+              </a:rPr>
+              <a:t>() to begin playing the animation, since sprites do not automatically begin playing after a sequence is set/changed.</a:t>
+            </a:r>
+          </a:p>
+        </p:txBody>
+      </p:sp>
+    </p:spTree>
+    <p:extLst>
+      <p:ext uri="{BB962C8B-B14F-4D97-AF65-F5344CB8AC3E}">
+        <p14:creationId xmlns:p14="http://schemas.microsoft.com/office/powerpoint/2010/main" val="4246174816"/>
+      </p:ext>
+    </p:extLst>
+  </p:cSld>
+  <p:clrMapOvr>
+    <a:masterClrMapping/>
+  </p:clrMapOvr>
+</p:sld>
+</file>
+
+<file path=ppt/slides/slide32.xml><?xml version="1.0" encoding="utf-8"?>
+<p:sld xmlns:a="http://schemas.openxmlformats.org/drawingml/2006/main" xmlns:r="http://schemas.openxmlformats.org/officeDocument/2006/relationships" xmlns:p="http://schemas.openxmlformats.org/presentationml/2006/main">
+  <p:cSld>
+    <p:spTree>
+      <p:nvGrpSpPr>
+        <p:cNvPr id="1" name=""/>
+        <p:cNvGrpSpPr/>
+        <p:nvPr/>
+      </p:nvGrpSpPr>
+      <p:grpSpPr>
+        <a:xfrm>
+          <a:off x="0" y="0"/>
+          <a:ext cx="0" cy="0"/>
+          <a:chOff x="0" y="0"/>
+          <a:chExt cx="0" cy="0"/>
+        </a:xfrm>
+      </p:grpSpPr>
+      <p:sp>
+        <p:nvSpPr>
+          <p:cNvPr id="2" name="Title 1"/>
+          <p:cNvSpPr>
+            <a:spLocks noGrp="1"/>
+          </p:cNvSpPr>
+          <p:nvPr>
+            <p:ph type="title"/>
+          </p:nvPr>
+        </p:nvSpPr>
+        <p:spPr>
+          <a:xfrm>
+            <a:off x="677334" y="609600"/>
+            <a:ext cx="8596668" cy="840828"/>
+          </a:xfrm>
+        </p:spPr>
+        <p:txBody>
+          <a:bodyPr/>
+          <a:lstStyle/>
+          <a:p>
+            <a:r>
+              <a:rPr lang="en-US" b="1" dirty="0"/>
+              <a:t>Sprite </a:t>
+            </a:r>
+            <a:r>
+              <a:rPr lang="en-US" b="1" dirty="0" smtClean="0"/>
+              <a:t>Events</a:t>
+            </a:r>
+            <a:endParaRPr lang="en-US" dirty="0"/>
+          </a:p>
+        </p:txBody>
+      </p:sp>
+      <p:sp>
+        <p:nvSpPr>
+          <p:cNvPr id="3" name="Content Placeholder 2"/>
+          <p:cNvSpPr>
+            <a:spLocks noGrp="1"/>
+          </p:cNvSpPr>
+          <p:nvPr>
+            <p:ph idx="1"/>
+          </p:nvPr>
+        </p:nvSpPr>
+        <p:spPr>
+          <a:xfrm>
+            <a:off x="677334" y="1566041"/>
+            <a:ext cx="8596668" cy="4475321"/>
+          </a:xfrm>
+        </p:spPr>
+        <p:txBody>
+          <a:bodyPr>
+            <a:normAutofit fontScale="77500" lnSpcReduction="20000"/>
+          </a:bodyPr>
+          <a:lstStyle/>
+          <a:p>
+            <a:r>
+              <a:rPr lang="vi-VN" dirty="0" smtClean="0"/>
+              <a:t>Dùng </a:t>
+            </a:r>
+            <a:r>
+              <a:rPr lang="vi-VN" dirty="0" err="1" smtClean="0"/>
+              <a:t>method</a:t>
+            </a:r>
+            <a:r>
+              <a:rPr lang="vi-VN" dirty="0" smtClean="0"/>
+              <a:t> </a:t>
+            </a:r>
+            <a:r>
+              <a:rPr lang="vi-VN" b="1" dirty="0" err="1" smtClean="0"/>
+              <a:t>addEventListener</a:t>
+            </a:r>
+            <a:r>
+              <a:rPr lang="vi-VN" dirty="0" smtClean="0"/>
+              <a:t> để bắt sự kiện. Sẽ nói rõ hơn ở phần </a:t>
+            </a:r>
+            <a:r>
+              <a:rPr lang="vi-VN" b="1" dirty="0" err="1" smtClean="0"/>
+              <a:t>event</a:t>
+            </a:r>
+            <a:r>
+              <a:rPr lang="vi-VN" dirty="0" smtClean="0"/>
+              <a:t>.</a:t>
+            </a:r>
+          </a:p>
+          <a:p>
+            <a:endParaRPr lang="vi-VN" dirty="0"/>
+          </a:p>
+          <a:p>
+            <a:endParaRPr lang="vi-VN" dirty="0" smtClean="0"/>
+          </a:p>
+          <a:p>
+            <a:endParaRPr lang="vi-VN" dirty="0"/>
+          </a:p>
+          <a:p>
+            <a:endParaRPr lang="vi-VN" dirty="0" smtClean="0"/>
+          </a:p>
+          <a:p>
+            <a:endParaRPr lang="vi-VN" dirty="0"/>
+          </a:p>
+          <a:p>
+            <a:endParaRPr lang="vi-VN" dirty="0" smtClean="0"/>
+          </a:p>
+          <a:p>
+            <a:endParaRPr lang="vi-VN" dirty="0"/>
+          </a:p>
+          <a:p>
+            <a:endParaRPr lang="vi-VN" dirty="0" smtClean="0"/>
+          </a:p>
+          <a:p>
+            <a:r>
+              <a:rPr lang="vi-VN" dirty="0" smtClean="0"/>
+              <a:t>các sự kiện có thể bắt:</a:t>
+            </a:r>
+          </a:p>
+          <a:p>
+            <a:pPr lvl="1"/>
+            <a:r>
+              <a:rPr lang="en-US" dirty="0" smtClean="0"/>
+              <a:t>began </a:t>
+            </a:r>
+            <a:r>
+              <a:rPr lang="en-US" dirty="0"/>
+              <a:t>— The animation began playing.</a:t>
+            </a:r>
+          </a:p>
+          <a:p>
+            <a:pPr lvl="1"/>
+            <a:r>
+              <a:rPr lang="en-US" dirty="0"/>
+              <a:t>ended — The animation showed its final frame.</a:t>
+            </a:r>
+          </a:p>
+          <a:p>
+            <a:pPr lvl="1"/>
+            <a:r>
+              <a:rPr lang="en-US" dirty="0"/>
+              <a:t>bounce — The animation bounced from forward to backward while playing.</a:t>
+            </a:r>
+          </a:p>
+          <a:p>
+            <a:pPr lvl="1"/>
+            <a:r>
+              <a:rPr lang="en-US" dirty="0"/>
+              <a:t>loop — The animation looped from the beginning of the sequence.</a:t>
+            </a:r>
+          </a:p>
+          <a:p>
+            <a:pPr lvl="1"/>
+            <a:r>
+              <a:rPr lang="en-US" dirty="0"/>
+              <a:t>next — The animation played a subsequent frame that's not one of the above phases.</a:t>
+            </a:r>
+          </a:p>
+        </p:txBody>
+      </p:sp>
+      <p:pic>
+        <p:nvPicPr>
+          <p:cNvPr id="5" name="Picture 4"/>
+          <p:cNvPicPr>
+            <a:picLocks noChangeAspect="1"/>
+          </p:cNvPicPr>
+          <p:nvPr/>
+        </p:nvPicPr>
+        <p:blipFill>
+          <a:blip r:embed="rId2"/>
+          <a:stretch>
+            <a:fillRect/>
+          </a:stretch>
+        </p:blipFill>
+        <p:spPr>
+          <a:xfrm>
+            <a:off x="386091" y="2884760"/>
+            <a:ext cx="11007123" cy="631755"/>
+          </a:xfrm>
+          <a:prstGeom prst="rect">
+            <a:avLst/>
+          </a:prstGeom>
+        </p:spPr>
+      </p:pic>
+    </p:spTree>
+    <p:extLst>
+      <p:ext uri="{BB962C8B-B14F-4D97-AF65-F5344CB8AC3E}">
+        <p14:creationId xmlns:p14="http://schemas.microsoft.com/office/powerpoint/2010/main" val="3855798642"/>
+      </p:ext>
+    </p:extLst>
+  </p:cSld>
+  <p:clrMapOvr>
+    <a:masterClrMapping/>
+  </p:clrMapOvr>
+</p:sld>
+</file>
+
+<file path=ppt/slides/slide33.xml><?xml version="1.0" encoding="utf-8"?>
+<p:sld xmlns:a="http://schemas.openxmlformats.org/drawingml/2006/main" xmlns:r="http://schemas.openxmlformats.org/officeDocument/2006/relationships" xmlns:p="http://schemas.openxmlformats.org/presentationml/2006/main">
+  <p:cSld>
+    <p:spTree>
+      <p:nvGrpSpPr>
+        <p:cNvPr id="1" name=""/>
+        <p:cNvGrpSpPr/>
+        <p:nvPr/>
+      </p:nvGrpSpPr>
+      <p:grpSpPr>
+        <a:xfrm>
+          <a:off x="0" y="0"/>
+          <a:ext cx="0" cy="0"/>
+          <a:chOff x="0" y="0"/>
+          <a:chExt cx="0" cy="0"/>
+        </a:xfrm>
+      </p:grpSpPr>
+      <p:sp>
+        <p:nvSpPr>
+          <p:cNvPr id="4" name="Title 3"/>
+          <p:cNvSpPr>
+            <a:spLocks noGrp="1"/>
+          </p:cNvSpPr>
+          <p:nvPr>
+            <p:ph type="title"/>
+          </p:nvPr>
+        </p:nvSpPr>
+        <p:spPr/>
+        <p:txBody>
+          <a:bodyPr/>
+          <a:lstStyle/>
+          <a:p>
+            <a:r>
+              <a:rPr lang="en-US" b="1" dirty="0"/>
+              <a:t>Physics</a:t>
+            </a:r>
+            <a:br>
+              <a:rPr lang="en-US" b="1" dirty="0"/>
+            </a:br>
+            <a:endParaRPr lang="en-US" dirty="0"/>
+          </a:p>
+        </p:txBody>
+      </p:sp>
+      <p:sp>
+        <p:nvSpPr>
+          <p:cNvPr id="5" name="Content Placeholder 4"/>
+          <p:cNvSpPr>
+            <a:spLocks noGrp="1"/>
+          </p:cNvSpPr>
+          <p:nvPr>
+            <p:ph idx="1"/>
+          </p:nvPr>
+        </p:nvSpPr>
+        <p:spPr/>
+        <p:txBody>
+          <a:bodyPr/>
+          <a:lstStyle/>
+          <a:p>
+            <a:endParaRPr lang="en-US" dirty="0"/>
+          </a:p>
+        </p:txBody>
+      </p:sp>
+    </p:spTree>
+    <p:extLst>
+      <p:ext uri="{BB962C8B-B14F-4D97-AF65-F5344CB8AC3E}">
+        <p14:creationId xmlns:p14="http://schemas.microsoft.com/office/powerpoint/2010/main" val="3270741429"/>
+      </p:ext>
+    </p:extLst>
+  </p:cSld>
+  <p:clrMapOvr>
+    <a:masterClrMapping/>
+  </p:clrMapOvr>
 </p:sld>
 </file>
 

--- a/Corona/Presentation1.pptx
+++ b/Corona/Presentation1.pptx
@@ -5,7 +5,7 @@
     <p:sldMasterId id="2147483648" r:id="rId1"/>
   </p:sldMasterIdLst>
   <p:notesMasterIdLst>
-    <p:notesMasterId r:id="rId35"/>
+    <p:notesMasterId r:id="rId44"/>
   </p:notesMasterIdLst>
   <p:sldIdLst>
     <p:sldId id="256" r:id="rId2"/>
@@ -41,6 +41,15 @@
     <p:sldId id="287" r:id="rId32"/>
     <p:sldId id="288" r:id="rId33"/>
     <p:sldId id="289" r:id="rId34"/>
+    <p:sldId id="295" r:id="rId35"/>
+    <p:sldId id="290" r:id="rId36"/>
+    <p:sldId id="291" r:id="rId37"/>
+    <p:sldId id="292" r:id="rId38"/>
+    <p:sldId id="294" r:id="rId39"/>
+    <p:sldId id="296" r:id="rId40"/>
+    <p:sldId id="297" r:id="rId41"/>
+    <p:sldId id="298" r:id="rId42"/>
+    <p:sldId id="299" r:id="rId43"/>
   </p:sldIdLst>
   <p:sldSz cx="12192000" cy="6858000"/>
   <p:notesSz cx="6858000" cy="9144000"/>
@@ -148,6 +157,753 @@
 </file>
 
 <file path=ppt/diagrams/colors1.xml><?xml version="1.0" encoding="utf-8"?>
+<dgm:colorsDef xmlns:dgm="http://schemas.openxmlformats.org/drawingml/2006/diagram" xmlns:a="http://schemas.openxmlformats.org/drawingml/2006/main" uniqueId="urn:microsoft.com/office/officeart/2005/8/colors/accent1_2">
+  <dgm:title val=""/>
+  <dgm:desc val=""/>
+  <dgm:catLst>
+    <dgm:cat type="accent1" pri="11200"/>
+  </dgm:catLst>
+  <dgm:styleLbl name="node0">
+    <dgm:fillClrLst meth="repeat">
+      <a:schemeClr val="accent1"/>
+    </dgm:fillClrLst>
+    <dgm:linClrLst meth="repeat">
+      <a:schemeClr val="lt1"/>
+    </dgm:linClrLst>
+    <dgm:effectClrLst/>
+    <dgm:txLinClrLst/>
+    <dgm:txFillClrLst/>
+    <dgm:txEffectClrLst/>
+  </dgm:styleLbl>
+  <dgm:styleLbl name="alignNode1">
+    <dgm:fillClrLst meth="repeat">
+      <a:schemeClr val="accent1"/>
+    </dgm:fillClrLst>
+    <dgm:linClrLst meth="repeat">
+      <a:schemeClr val="accent1"/>
+    </dgm:linClrLst>
+    <dgm:effectClrLst/>
+    <dgm:txLinClrLst/>
+    <dgm:txFillClrLst/>
+    <dgm:txEffectClrLst/>
+  </dgm:styleLbl>
+  <dgm:styleLbl name="node1">
+    <dgm:fillClrLst meth="repeat">
+      <a:schemeClr val="accent1"/>
+    </dgm:fillClrLst>
+    <dgm:linClrLst meth="repeat">
+      <a:schemeClr val="lt1"/>
+    </dgm:linClrLst>
+    <dgm:effectClrLst/>
+    <dgm:txLinClrLst/>
+    <dgm:txFillClrLst/>
+    <dgm:txEffectClrLst/>
+  </dgm:styleLbl>
+  <dgm:styleLbl name="lnNode1">
+    <dgm:fillClrLst meth="repeat">
+      <a:schemeClr val="accent1"/>
+    </dgm:fillClrLst>
+    <dgm:linClrLst meth="repeat">
+      <a:schemeClr val="lt1"/>
+    </dgm:linClrLst>
+    <dgm:effectClrLst/>
+    <dgm:txLinClrLst/>
+    <dgm:txFillClrLst/>
+    <dgm:txEffectClrLst/>
+  </dgm:styleLbl>
+  <dgm:styleLbl name="vennNode1">
+    <dgm:fillClrLst meth="repeat">
+      <a:schemeClr val="accent1">
+        <a:alpha val="50000"/>
+      </a:schemeClr>
+    </dgm:fillClrLst>
+    <dgm:linClrLst meth="repeat">
+      <a:schemeClr val="lt1"/>
+    </dgm:linClrLst>
+    <dgm:effectClrLst/>
+    <dgm:txLinClrLst/>
+    <dgm:txFillClrLst/>
+    <dgm:txEffectClrLst/>
+  </dgm:styleLbl>
+  <dgm:styleLbl name="node2">
+    <dgm:fillClrLst meth="repeat">
+      <a:schemeClr val="accent1"/>
+    </dgm:fillClrLst>
+    <dgm:linClrLst meth="repeat">
+      <a:schemeClr val="lt1"/>
+    </dgm:linClrLst>
+    <dgm:effectClrLst/>
+    <dgm:txLinClrLst/>
+    <dgm:txFillClrLst/>
+    <dgm:txEffectClrLst/>
+  </dgm:styleLbl>
+  <dgm:styleLbl name="node3">
+    <dgm:fillClrLst meth="repeat">
+      <a:schemeClr val="accent1"/>
+    </dgm:fillClrLst>
+    <dgm:linClrLst meth="repeat">
+      <a:schemeClr val="lt1"/>
+    </dgm:linClrLst>
+    <dgm:effectClrLst/>
+    <dgm:txLinClrLst/>
+    <dgm:txFillClrLst/>
+    <dgm:txEffectClrLst/>
+  </dgm:styleLbl>
+  <dgm:styleLbl name="node4">
+    <dgm:fillClrLst meth="repeat">
+      <a:schemeClr val="accent1"/>
+    </dgm:fillClrLst>
+    <dgm:linClrLst meth="repeat">
+      <a:schemeClr val="lt1"/>
+    </dgm:linClrLst>
+    <dgm:effectClrLst/>
+    <dgm:txLinClrLst/>
+    <dgm:txFillClrLst/>
+    <dgm:txEffectClrLst/>
+  </dgm:styleLbl>
+  <dgm:styleLbl name="fgImgPlace1">
+    <dgm:fillClrLst meth="repeat">
+      <a:schemeClr val="accent1">
+        <a:tint val="50000"/>
+      </a:schemeClr>
+    </dgm:fillClrLst>
+    <dgm:linClrLst meth="repeat">
+      <a:schemeClr val="lt1"/>
+    </dgm:linClrLst>
+    <dgm:effectClrLst/>
+    <dgm:txLinClrLst/>
+    <dgm:txFillClrLst meth="repeat">
+      <a:schemeClr val="lt1"/>
+    </dgm:txFillClrLst>
+    <dgm:txEffectClrLst/>
+  </dgm:styleLbl>
+  <dgm:styleLbl name="alignImgPlace1">
+    <dgm:fillClrLst meth="repeat">
+      <a:schemeClr val="accent1">
+        <a:tint val="50000"/>
+      </a:schemeClr>
+    </dgm:fillClrLst>
+    <dgm:linClrLst meth="repeat">
+      <a:schemeClr val="lt1"/>
+    </dgm:linClrLst>
+    <dgm:effectClrLst/>
+    <dgm:txLinClrLst/>
+    <dgm:txFillClrLst meth="repeat">
+      <a:schemeClr val="lt1"/>
+    </dgm:txFillClrLst>
+    <dgm:txEffectClrLst/>
+  </dgm:styleLbl>
+  <dgm:styleLbl name="bgImgPlace1">
+    <dgm:fillClrLst meth="repeat">
+      <a:schemeClr val="accent1">
+        <a:tint val="50000"/>
+      </a:schemeClr>
+    </dgm:fillClrLst>
+    <dgm:linClrLst meth="repeat">
+      <a:schemeClr val="lt1"/>
+    </dgm:linClrLst>
+    <dgm:effectClrLst/>
+    <dgm:txLinClrLst/>
+    <dgm:txFillClrLst meth="repeat">
+      <a:schemeClr val="lt1"/>
+    </dgm:txFillClrLst>
+    <dgm:txEffectClrLst/>
+  </dgm:styleLbl>
+  <dgm:styleLbl name="sibTrans2D1">
+    <dgm:fillClrLst meth="repeat">
+      <a:schemeClr val="accent1">
+        <a:tint val="60000"/>
+      </a:schemeClr>
+    </dgm:fillClrLst>
+    <dgm:linClrLst meth="repeat">
+      <a:schemeClr val="accent1">
+        <a:tint val="60000"/>
+      </a:schemeClr>
+    </dgm:linClrLst>
+    <dgm:effectClrLst/>
+    <dgm:txLinClrLst/>
+    <dgm:txFillClrLst/>
+    <dgm:txEffectClrLst/>
+  </dgm:styleLbl>
+  <dgm:styleLbl name="fgSibTrans2D1">
+    <dgm:fillClrLst meth="repeat">
+      <a:schemeClr val="accent1">
+        <a:tint val="60000"/>
+      </a:schemeClr>
+    </dgm:fillClrLst>
+    <dgm:linClrLst meth="repeat">
+      <a:schemeClr val="accent1">
+        <a:tint val="60000"/>
+      </a:schemeClr>
+    </dgm:linClrLst>
+    <dgm:effectClrLst/>
+    <dgm:txLinClrLst/>
+    <dgm:txFillClrLst/>
+    <dgm:txEffectClrLst/>
+  </dgm:styleLbl>
+  <dgm:styleLbl name="bgSibTrans2D1">
+    <dgm:fillClrLst meth="repeat">
+      <a:schemeClr val="accent1">
+        <a:tint val="60000"/>
+      </a:schemeClr>
+    </dgm:fillClrLst>
+    <dgm:linClrLst meth="repeat">
+      <a:schemeClr val="accent1">
+        <a:tint val="60000"/>
+      </a:schemeClr>
+    </dgm:linClrLst>
+    <dgm:effectClrLst/>
+    <dgm:txLinClrLst/>
+    <dgm:txFillClrLst/>
+    <dgm:txEffectClrLst/>
+  </dgm:styleLbl>
+  <dgm:styleLbl name="sibTrans1D1">
+    <dgm:fillClrLst meth="repeat">
+      <a:schemeClr val="accent1"/>
+    </dgm:fillClrLst>
+    <dgm:linClrLst meth="repeat">
+      <a:schemeClr val="accent1"/>
+    </dgm:linClrLst>
+    <dgm:effectClrLst/>
+    <dgm:txLinClrLst/>
+    <dgm:txFillClrLst meth="repeat">
+      <a:schemeClr val="tx1"/>
+    </dgm:txFillClrLst>
+    <dgm:txEffectClrLst/>
+  </dgm:styleLbl>
+  <dgm:styleLbl name="callout">
+    <dgm:fillClrLst meth="repeat">
+      <a:schemeClr val="accent1"/>
+    </dgm:fillClrLst>
+    <dgm:linClrLst meth="repeat">
+      <a:schemeClr val="accent1">
+        <a:tint val="50000"/>
+      </a:schemeClr>
+    </dgm:linClrLst>
+    <dgm:effectClrLst/>
+    <dgm:txLinClrLst/>
+    <dgm:txFillClrLst meth="repeat">
+      <a:schemeClr val="tx1"/>
+    </dgm:txFillClrLst>
+    <dgm:txEffectClrLst/>
+  </dgm:styleLbl>
+  <dgm:styleLbl name="asst0">
+    <dgm:fillClrLst meth="repeat">
+      <a:schemeClr val="accent1"/>
+    </dgm:fillClrLst>
+    <dgm:linClrLst meth="repeat">
+      <a:schemeClr val="lt1"/>
+    </dgm:linClrLst>
+    <dgm:effectClrLst/>
+    <dgm:txLinClrLst/>
+    <dgm:txFillClrLst/>
+    <dgm:txEffectClrLst/>
+  </dgm:styleLbl>
+  <dgm:styleLbl name="asst1">
+    <dgm:fillClrLst meth="repeat">
+      <a:schemeClr val="accent1"/>
+    </dgm:fillClrLst>
+    <dgm:linClrLst meth="repeat">
+      <a:schemeClr val="lt1"/>
+    </dgm:linClrLst>
+    <dgm:effectClrLst/>
+    <dgm:txLinClrLst/>
+    <dgm:txFillClrLst/>
+    <dgm:txEffectClrLst/>
+  </dgm:styleLbl>
+  <dgm:styleLbl name="asst2">
+    <dgm:fillClrLst meth="repeat">
+      <a:schemeClr val="accent1"/>
+    </dgm:fillClrLst>
+    <dgm:linClrLst meth="repeat">
+      <a:schemeClr val="lt1"/>
+    </dgm:linClrLst>
+    <dgm:effectClrLst/>
+    <dgm:txLinClrLst/>
+    <dgm:txFillClrLst/>
+    <dgm:txEffectClrLst/>
+  </dgm:styleLbl>
+  <dgm:styleLbl name="asst3">
+    <dgm:fillClrLst meth="repeat">
+      <a:schemeClr val="accent1"/>
+    </dgm:fillClrLst>
+    <dgm:linClrLst meth="repeat">
+      <a:schemeClr val="lt1"/>
+    </dgm:linClrLst>
+    <dgm:effectClrLst/>
+    <dgm:txLinClrLst/>
+    <dgm:txFillClrLst/>
+    <dgm:txEffectClrLst/>
+  </dgm:styleLbl>
+  <dgm:styleLbl name="asst4">
+    <dgm:fillClrLst meth="repeat">
+      <a:schemeClr val="accent1"/>
+    </dgm:fillClrLst>
+    <dgm:linClrLst meth="repeat">
+      <a:schemeClr val="lt1"/>
+    </dgm:linClrLst>
+    <dgm:effectClrLst/>
+    <dgm:txLinClrLst/>
+    <dgm:txFillClrLst/>
+    <dgm:txEffectClrLst/>
+  </dgm:styleLbl>
+  <dgm:styleLbl name="parChTrans2D1">
+    <dgm:fillClrLst meth="repeat">
+      <a:schemeClr val="accent1">
+        <a:tint val="60000"/>
+      </a:schemeClr>
+    </dgm:fillClrLst>
+    <dgm:linClrLst meth="repeat">
+      <a:schemeClr val="accent1">
+        <a:tint val="60000"/>
+      </a:schemeClr>
+    </dgm:linClrLst>
+    <dgm:effectClrLst/>
+    <dgm:txLinClrLst/>
+    <dgm:txFillClrLst meth="repeat">
+      <a:schemeClr val="lt1"/>
+    </dgm:txFillClrLst>
+    <dgm:txEffectClrLst/>
+  </dgm:styleLbl>
+  <dgm:styleLbl name="parChTrans2D2">
+    <dgm:fillClrLst meth="repeat">
+      <a:schemeClr val="accent1"/>
+    </dgm:fillClrLst>
+    <dgm:linClrLst meth="repeat">
+      <a:schemeClr val="accent1"/>
+    </dgm:linClrLst>
+    <dgm:effectClrLst/>
+    <dgm:txLinClrLst/>
+    <dgm:txFillClrLst meth="repeat">
+      <a:schemeClr val="lt1"/>
+    </dgm:txFillClrLst>
+    <dgm:txEffectClrLst/>
+  </dgm:styleLbl>
+  <dgm:styleLbl name="parChTrans2D3">
+    <dgm:fillClrLst meth="repeat">
+      <a:schemeClr val="accent1"/>
+    </dgm:fillClrLst>
+    <dgm:linClrLst meth="repeat">
+      <a:schemeClr val="accent1"/>
+    </dgm:linClrLst>
+    <dgm:effectClrLst/>
+    <dgm:txLinClrLst/>
+    <dgm:txFillClrLst meth="repeat">
+      <a:schemeClr val="lt1"/>
+    </dgm:txFillClrLst>
+    <dgm:txEffectClrLst/>
+  </dgm:styleLbl>
+  <dgm:styleLbl name="parChTrans2D4">
+    <dgm:fillClrLst meth="repeat">
+      <a:schemeClr val="accent1"/>
+    </dgm:fillClrLst>
+    <dgm:linClrLst meth="repeat">
+      <a:schemeClr val="accent1"/>
+    </dgm:linClrLst>
+    <dgm:effectClrLst/>
+    <dgm:txLinClrLst/>
+    <dgm:txFillClrLst meth="repeat">
+      <a:schemeClr val="lt1"/>
+    </dgm:txFillClrLst>
+    <dgm:txEffectClrLst/>
+  </dgm:styleLbl>
+  <dgm:styleLbl name="parChTrans1D1">
+    <dgm:fillClrLst meth="repeat">
+      <a:schemeClr val="accent1"/>
+    </dgm:fillClrLst>
+    <dgm:linClrLst meth="repeat">
+      <a:schemeClr val="accent1">
+        <a:shade val="60000"/>
+      </a:schemeClr>
+    </dgm:linClrLst>
+    <dgm:effectClrLst/>
+    <dgm:txLinClrLst/>
+    <dgm:txFillClrLst meth="repeat">
+      <a:schemeClr val="tx1"/>
+    </dgm:txFillClrLst>
+    <dgm:txEffectClrLst/>
+  </dgm:styleLbl>
+  <dgm:styleLbl name="parChTrans1D2">
+    <dgm:fillClrLst meth="repeat">
+      <a:schemeClr val="accent1"/>
+    </dgm:fillClrLst>
+    <dgm:linClrLst meth="repeat">
+      <a:schemeClr val="accent1">
+        <a:shade val="60000"/>
+      </a:schemeClr>
+    </dgm:linClrLst>
+    <dgm:effectClrLst/>
+    <dgm:txLinClrLst/>
+    <dgm:txFillClrLst meth="repeat">
+      <a:schemeClr val="tx1"/>
+    </dgm:txFillClrLst>
+    <dgm:txEffectClrLst/>
+  </dgm:styleLbl>
+  <dgm:styleLbl name="parChTrans1D3">
+    <dgm:fillClrLst meth="repeat">
+      <a:schemeClr val="accent1"/>
+    </dgm:fillClrLst>
+    <dgm:linClrLst meth="repeat">
+      <a:schemeClr val="accent1">
+        <a:shade val="80000"/>
+      </a:schemeClr>
+    </dgm:linClrLst>
+    <dgm:effectClrLst/>
+    <dgm:txLinClrLst/>
+    <dgm:txFillClrLst meth="repeat">
+      <a:schemeClr val="tx1"/>
+    </dgm:txFillClrLst>
+    <dgm:txEffectClrLst/>
+  </dgm:styleLbl>
+  <dgm:styleLbl name="parChTrans1D4">
+    <dgm:fillClrLst meth="repeat">
+      <a:schemeClr val="accent1"/>
+    </dgm:fillClrLst>
+    <dgm:linClrLst meth="repeat">
+      <a:schemeClr val="accent1">
+        <a:shade val="80000"/>
+      </a:schemeClr>
+    </dgm:linClrLst>
+    <dgm:effectClrLst/>
+    <dgm:txLinClrLst/>
+    <dgm:txFillClrLst meth="repeat">
+      <a:schemeClr val="tx1"/>
+    </dgm:txFillClrLst>
+    <dgm:txEffectClrLst/>
+  </dgm:styleLbl>
+  <dgm:styleLbl name="fgAcc1">
+    <dgm:fillClrLst meth="repeat">
+      <a:schemeClr val="lt1">
+        <a:alpha val="90000"/>
+      </a:schemeClr>
+    </dgm:fillClrLst>
+    <dgm:linClrLst meth="repeat">
+      <a:schemeClr val="accent1"/>
+    </dgm:linClrLst>
+    <dgm:effectClrLst/>
+    <dgm:txLinClrLst/>
+    <dgm:txFillClrLst meth="repeat">
+      <a:schemeClr val="dk1"/>
+    </dgm:txFillClrLst>
+    <dgm:txEffectClrLst/>
+  </dgm:styleLbl>
+  <dgm:styleLbl name="conFgAcc1">
+    <dgm:fillClrLst meth="repeat">
+      <a:schemeClr val="lt1">
+        <a:alpha val="90000"/>
+      </a:schemeClr>
+    </dgm:fillClrLst>
+    <dgm:linClrLst meth="repeat">
+      <a:schemeClr val="accent1"/>
+    </dgm:linClrLst>
+    <dgm:effectClrLst/>
+    <dgm:txLinClrLst/>
+    <dgm:txFillClrLst meth="repeat">
+      <a:schemeClr val="dk1"/>
+    </dgm:txFillClrLst>
+    <dgm:txEffectClrLst/>
+  </dgm:styleLbl>
+  <dgm:styleLbl name="alignAcc1">
+    <dgm:fillClrLst meth="repeat">
+      <a:schemeClr val="lt1">
+        <a:alpha val="90000"/>
+      </a:schemeClr>
+    </dgm:fillClrLst>
+    <dgm:linClrLst meth="repeat">
+      <a:schemeClr val="accent1"/>
+    </dgm:linClrLst>
+    <dgm:effectClrLst/>
+    <dgm:txLinClrLst/>
+    <dgm:txFillClrLst meth="repeat">
+      <a:schemeClr val="dk1"/>
+    </dgm:txFillClrLst>
+    <dgm:txEffectClrLst/>
+  </dgm:styleLbl>
+  <dgm:styleLbl name="trAlignAcc1">
+    <dgm:fillClrLst meth="repeat">
+      <a:schemeClr val="lt1">
+        <a:alpha val="40000"/>
+      </a:schemeClr>
+    </dgm:fillClrLst>
+    <dgm:linClrLst meth="repeat">
+      <a:schemeClr val="accent1"/>
+    </dgm:linClrLst>
+    <dgm:effectClrLst/>
+    <dgm:txLinClrLst/>
+    <dgm:txFillClrLst meth="repeat">
+      <a:schemeClr val="dk1"/>
+    </dgm:txFillClrLst>
+    <dgm:txEffectClrLst/>
+  </dgm:styleLbl>
+  <dgm:styleLbl name="bgAcc1">
+    <dgm:fillClrLst meth="repeat">
+      <a:schemeClr val="lt1">
+        <a:alpha val="90000"/>
+      </a:schemeClr>
+    </dgm:fillClrLst>
+    <dgm:linClrLst meth="repeat">
+      <a:schemeClr val="accent1"/>
+    </dgm:linClrLst>
+    <dgm:effectClrLst/>
+    <dgm:txLinClrLst/>
+    <dgm:txFillClrLst meth="repeat">
+      <a:schemeClr val="dk1"/>
+    </dgm:txFillClrLst>
+    <dgm:txEffectClrLst/>
+  </dgm:styleLbl>
+  <dgm:styleLbl name="solidFgAcc1">
+    <dgm:fillClrLst meth="repeat">
+      <a:schemeClr val="lt1"/>
+    </dgm:fillClrLst>
+    <dgm:linClrLst meth="repeat">
+      <a:schemeClr val="accent1"/>
+    </dgm:linClrLst>
+    <dgm:effectClrLst/>
+    <dgm:txLinClrLst/>
+    <dgm:txFillClrLst meth="repeat">
+      <a:schemeClr val="dk1"/>
+    </dgm:txFillClrLst>
+    <dgm:txEffectClrLst/>
+  </dgm:styleLbl>
+  <dgm:styleLbl name="solidAlignAcc1">
+    <dgm:fillClrLst meth="repeat">
+      <a:schemeClr val="lt1"/>
+    </dgm:fillClrLst>
+    <dgm:linClrLst meth="repeat">
+      <a:schemeClr val="accent1"/>
+    </dgm:linClrLst>
+    <dgm:effectClrLst/>
+    <dgm:txLinClrLst/>
+    <dgm:txFillClrLst meth="repeat">
+      <a:schemeClr val="dk1"/>
+    </dgm:txFillClrLst>
+    <dgm:txEffectClrLst/>
+  </dgm:styleLbl>
+  <dgm:styleLbl name="solidBgAcc1">
+    <dgm:fillClrLst meth="repeat">
+      <a:schemeClr val="lt1"/>
+    </dgm:fillClrLst>
+    <dgm:linClrLst meth="repeat">
+      <a:schemeClr val="accent1"/>
+    </dgm:linClrLst>
+    <dgm:effectClrLst/>
+    <dgm:txLinClrLst/>
+    <dgm:txFillClrLst meth="repeat">
+      <a:schemeClr val="dk1"/>
+    </dgm:txFillClrLst>
+    <dgm:txEffectClrLst/>
+  </dgm:styleLbl>
+  <dgm:styleLbl name="fgAccFollowNode1">
+    <dgm:fillClrLst meth="repeat">
+      <a:schemeClr val="accent1">
+        <a:alpha val="90000"/>
+        <a:tint val="40000"/>
+      </a:schemeClr>
+    </dgm:fillClrLst>
+    <dgm:linClrLst meth="repeat">
+      <a:schemeClr val="accent1">
+        <a:alpha val="90000"/>
+        <a:tint val="40000"/>
+      </a:schemeClr>
+    </dgm:linClrLst>
+    <dgm:effectClrLst/>
+    <dgm:txLinClrLst/>
+    <dgm:txFillClrLst meth="repeat">
+      <a:schemeClr val="dk1"/>
+    </dgm:txFillClrLst>
+    <dgm:txEffectClrLst/>
+  </dgm:styleLbl>
+  <dgm:styleLbl name="alignAccFollowNode1">
+    <dgm:fillClrLst meth="repeat">
+      <a:schemeClr val="accent1">
+        <a:alpha val="90000"/>
+        <a:tint val="40000"/>
+      </a:schemeClr>
+    </dgm:fillClrLst>
+    <dgm:linClrLst meth="repeat">
+      <a:schemeClr val="accent1">
+        <a:alpha val="90000"/>
+        <a:tint val="40000"/>
+      </a:schemeClr>
+    </dgm:linClrLst>
+    <dgm:effectClrLst/>
+    <dgm:txLinClrLst/>
+    <dgm:txFillClrLst meth="repeat">
+      <a:schemeClr val="dk1"/>
+    </dgm:txFillClrLst>
+    <dgm:txEffectClrLst/>
+  </dgm:styleLbl>
+  <dgm:styleLbl name="bgAccFollowNode1">
+    <dgm:fillClrLst meth="repeat">
+      <a:schemeClr val="accent1">
+        <a:alpha val="90000"/>
+        <a:tint val="40000"/>
+      </a:schemeClr>
+    </dgm:fillClrLst>
+    <dgm:linClrLst meth="repeat">
+      <a:schemeClr val="accent1">
+        <a:alpha val="90000"/>
+        <a:tint val="40000"/>
+      </a:schemeClr>
+    </dgm:linClrLst>
+    <dgm:effectClrLst/>
+    <dgm:txLinClrLst/>
+    <dgm:txFillClrLst meth="repeat">
+      <a:schemeClr val="dk1"/>
+    </dgm:txFillClrLst>
+    <dgm:txEffectClrLst/>
+  </dgm:styleLbl>
+  <dgm:styleLbl name="fgAcc0">
+    <dgm:fillClrLst meth="repeat">
+      <a:schemeClr val="lt1">
+        <a:alpha val="90000"/>
+      </a:schemeClr>
+    </dgm:fillClrLst>
+    <dgm:linClrLst meth="repeat">
+      <a:schemeClr val="accent1"/>
+    </dgm:linClrLst>
+    <dgm:effectClrLst/>
+    <dgm:txLinClrLst/>
+    <dgm:txFillClrLst meth="repeat">
+      <a:schemeClr val="dk1"/>
+    </dgm:txFillClrLst>
+    <dgm:txEffectClrLst/>
+  </dgm:styleLbl>
+  <dgm:styleLbl name="fgAcc2">
+    <dgm:fillClrLst meth="repeat">
+      <a:schemeClr val="lt1">
+        <a:alpha val="90000"/>
+      </a:schemeClr>
+    </dgm:fillClrLst>
+    <dgm:linClrLst meth="repeat">
+      <a:schemeClr val="accent1"/>
+    </dgm:linClrLst>
+    <dgm:effectClrLst/>
+    <dgm:txLinClrLst/>
+    <dgm:txFillClrLst meth="repeat">
+      <a:schemeClr val="dk1"/>
+    </dgm:txFillClrLst>
+    <dgm:txEffectClrLst/>
+  </dgm:styleLbl>
+  <dgm:styleLbl name="fgAcc3">
+    <dgm:fillClrLst meth="repeat">
+      <a:schemeClr val="lt1">
+        <a:alpha val="90000"/>
+      </a:schemeClr>
+    </dgm:fillClrLst>
+    <dgm:linClrLst meth="repeat">
+      <a:schemeClr val="accent1"/>
+    </dgm:linClrLst>
+    <dgm:effectClrLst/>
+    <dgm:txLinClrLst/>
+    <dgm:txFillClrLst meth="repeat">
+      <a:schemeClr val="dk1"/>
+    </dgm:txFillClrLst>
+    <dgm:txEffectClrLst/>
+  </dgm:styleLbl>
+  <dgm:styleLbl name="fgAcc4">
+    <dgm:fillClrLst meth="repeat">
+      <a:schemeClr val="lt1">
+        <a:alpha val="90000"/>
+      </a:schemeClr>
+    </dgm:fillClrLst>
+    <dgm:linClrLst meth="repeat">
+      <a:schemeClr val="accent1"/>
+    </dgm:linClrLst>
+    <dgm:effectClrLst/>
+    <dgm:txLinClrLst/>
+    <dgm:txFillClrLst meth="repeat">
+      <a:schemeClr val="dk1"/>
+    </dgm:txFillClrLst>
+    <dgm:txEffectClrLst/>
+  </dgm:styleLbl>
+  <dgm:styleLbl name="bgShp">
+    <dgm:fillClrLst meth="repeat">
+      <a:schemeClr val="accent1">
+        <a:tint val="40000"/>
+      </a:schemeClr>
+    </dgm:fillClrLst>
+    <dgm:linClrLst meth="repeat">
+      <a:schemeClr val="accent1"/>
+    </dgm:linClrLst>
+    <dgm:effectClrLst/>
+    <dgm:txLinClrLst/>
+    <dgm:txFillClrLst meth="repeat">
+      <a:schemeClr val="dk1"/>
+    </dgm:txFillClrLst>
+    <dgm:txEffectClrLst/>
+  </dgm:styleLbl>
+  <dgm:styleLbl name="dkBgShp">
+    <dgm:fillClrLst meth="repeat">
+      <a:schemeClr val="accent1">
+        <a:shade val="80000"/>
+      </a:schemeClr>
+    </dgm:fillClrLst>
+    <dgm:linClrLst meth="repeat">
+      <a:schemeClr val="accent1"/>
+    </dgm:linClrLst>
+    <dgm:effectClrLst/>
+    <dgm:txLinClrLst/>
+    <dgm:txFillClrLst meth="repeat">
+      <a:schemeClr val="lt1"/>
+    </dgm:txFillClrLst>
+    <dgm:txEffectClrLst/>
+  </dgm:styleLbl>
+  <dgm:styleLbl name="trBgShp">
+    <dgm:fillClrLst meth="repeat">
+      <a:schemeClr val="accent1">
+        <a:tint val="50000"/>
+        <a:alpha val="40000"/>
+      </a:schemeClr>
+    </dgm:fillClrLst>
+    <dgm:linClrLst meth="repeat">
+      <a:schemeClr val="accent1"/>
+    </dgm:linClrLst>
+    <dgm:effectClrLst/>
+    <dgm:txLinClrLst/>
+    <dgm:txFillClrLst meth="repeat">
+      <a:schemeClr val="lt1"/>
+    </dgm:txFillClrLst>
+    <dgm:txEffectClrLst/>
+  </dgm:styleLbl>
+  <dgm:styleLbl name="fgShp">
+    <dgm:fillClrLst meth="repeat">
+      <a:schemeClr val="accent1">
+        <a:tint val="60000"/>
+      </a:schemeClr>
+    </dgm:fillClrLst>
+    <dgm:linClrLst meth="repeat">
+      <a:schemeClr val="lt1"/>
+    </dgm:linClrLst>
+    <dgm:effectClrLst/>
+    <dgm:txLinClrLst/>
+    <dgm:txFillClrLst meth="repeat">
+      <a:schemeClr val="dk1"/>
+    </dgm:txFillClrLst>
+    <dgm:txEffectClrLst/>
+  </dgm:styleLbl>
+  <dgm:styleLbl name="revTx">
+    <dgm:fillClrLst meth="repeat">
+      <a:schemeClr val="lt1">
+        <a:alpha val="0"/>
+      </a:schemeClr>
+    </dgm:fillClrLst>
+    <dgm:linClrLst meth="repeat">
+      <a:schemeClr val="dk1">
+        <a:alpha val="0"/>
+      </a:schemeClr>
+    </dgm:linClrLst>
+    <dgm:effectClrLst/>
+    <dgm:txLinClrLst/>
+    <dgm:txFillClrLst meth="repeat">
+      <a:schemeClr val="tx1"/>
+    </dgm:txFillClrLst>
+    <dgm:txEffectClrLst/>
+  </dgm:styleLbl>
+</dgm:colorsDef>
+</file>
+
+<file path=ppt/diagrams/colors2.xml><?xml version="1.0" encoding="utf-8"?>
 <dgm:colorsDef xmlns:dgm="http://schemas.openxmlformats.org/drawingml/2006/diagram" xmlns:a="http://schemas.openxmlformats.org/drawingml/2006/main" uniqueId="urn:microsoft.com/office/officeart/2005/8/colors/accent1_2">
   <dgm:title val=""/>
   <dgm:desc val=""/>
@@ -1034,6 +1790,13 @@
         </dgm:presLayoutVars>
       </dgm:prSet>
       <dgm:spPr/>
+      <dgm:t>
+        <a:bodyPr/>
+        <a:lstStyle/>
+        <a:p>
+          <a:endParaRPr lang="en-US"/>
+        </a:p>
+      </dgm:t>
     </dgm:pt>
     <dgm:pt modelId="{EF50B534-AD5D-4EAF-85A7-D6EE2DB0294D}" type="pres">
       <dgm:prSet presAssocID="{31454B4F-93A0-4183-906C-92A392D6E477}" presName="spacerL" presStyleCnt="0"/>
@@ -1042,6 +1805,13 @@
     <dgm:pt modelId="{71EBD2F7-0681-44A4-9CBF-90A002CE8F07}" type="pres">
       <dgm:prSet presAssocID="{31454B4F-93A0-4183-906C-92A392D6E477}" presName="sibTrans" presStyleLbl="sibTrans2D1" presStyleIdx="0" presStyleCnt="2"/>
       <dgm:spPr/>
+      <dgm:t>
+        <a:bodyPr/>
+        <a:lstStyle/>
+        <a:p>
+          <a:endParaRPr lang="en-US"/>
+        </a:p>
+      </dgm:t>
     </dgm:pt>
     <dgm:pt modelId="{B584CA45-A33F-4D4F-8059-DFEADB6631CC}" type="pres">
       <dgm:prSet presAssocID="{31454B4F-93A0-4183-906C-92A392D6E477}" presName="spacerR" presStyleCnt="0"/>
@@ -1069,6 +1839,13 @@
     <dgm:pt modelId="{D0AF58D7-7771-4E61-B9F2-EBE818DCCC90}" type="pres">
       <dgm:prSet presAssocID="{533A7F56-D6C8-4A12-B550-601E02EFCE79}" presName="sibTrans" presStyleLbl="sibTrans2D1" presStyleIdx="1" presStyleCnt="2"/>
       <dgm:spPr/>
+      <dgm:t>
+        <a:bodyPr/>
+        <a:lstStyle/>
+        <a:p>
+          <a:endParaRPr lang="en-US"/>
+        </a:p>
+      </dgm:t>
     </dgm:pt>
     <dgm:pt modelId="{880E6CC5-C9A9-44FF-86E3-21ED419D6E4B}" type="pres">
       <dgm:prSet presAssocID="{533A7F56-D6C8-4A12-B550-601E02EFCE79}" presName="spacerR" presStyleCnt="0"/>
@@ -1109,6 +1886,250 @@
     <dgm:cxn modelId="{6B4F3701-815D-4635-8992-7FCDA0875211}" type="presParOf" srcId="{397D9BA0-7E9E-4B4F-9BA3-7F5660B859BF}" destId="{D0AF58D7-7771-4E61-B9F2-EBE818DCCC90}" srcOrd="6" destOrd="0" presId="urn:microsoft.com/office/officeart/2005/8/layout/equation1"/>
     <dgm:cxn modelId="{CE9771B6-E037-4988-AE07-7C06A9D014DC}" type="presParOf" srcId="{397D9BA0-7E9E-4B4F-9BA3-7F5660B859BF}" destId="{880E6CC5-C9A9-44FF-86E3-21ED419D6E4B}" srcOrd="7" destOrd="0" presId="urn:microsoft.com/office/officeart/2005/8/layout/equation1"/>
     <dgm:cxn modelId="{92F5CF1C-3019-4918-A04D-81F735477FDF}" type="presParOf" srcId="{397D9BA0-7E9E-4B4F-9BA3-7F5660B859BF}" destId="{0CD1CBA8-6ED0-4D91-AC15-1FBA6BABD87D}" srcOrd="8" destOrd="0" presId="urn:microsoft.com/office/officeart/2005/8/layout/equation1"/>
+  </dgm:cxnLst>
+  <dgm:bg/>
+  <dgm:whole/>
+  <dgm:extLst>
+    <a:ext uri="http://schemas.microsoft.com/office/drawing/2008/diagram">
+      <dsp:dataModelExt xmlns:dsp="http://schemas.microsoft.com/office/drawing/2008/diagram" relId="rId6" minVer="http://schemas.openxmlformats.org/drawingml/2006/diagram"/>
+    </a:ext>
+  </dgm:extLst>
+</dgm:dataModel>
+</file>
+
+<file path=ppt/diagrams/data2.xml><?xml version="1.0" encoding="utf-8"?>
+<dgm:dataModel xmlns:dgm="http://schemas.openxmlformats.org/drawingml/2006/diagram" xmlns:a="http://schemas.openxmlformats.org/drawingml/2006/main">
+  <dgm:ptLst>
+    <dgm:pt modelId="{B421029E-31D2-40D5-8BE9-E513650914EB}" type="doc">
+      <dgm:prSet loTypeId="urn:microsoft.com/office/officeart/2005/8/layout/equation1" loCatId="process" qsTypeId="urn:microsoft.com/office/officeart/2005/8/quickstyle/simple1" qsCatId="simple" csTypeId="urn:microsoft.com/office/officeart/2005/8/colors/accent1_2" csCatId="accent1" phldr="1"/>
+      <dgm:spPr/>
+    </dgm:pt>
+    <dgm:pt modelId="{61C8B73A-C0E1-4600-A1E0-AFE1AB322813}">
+      <dgm:prSet phldrT="[Text]"/>
+      <dgm:spPr/>
+      <dgm:t>
+        <a:bodyPr/>
+        <a:lstStyle/>
+        <a:p>
+          <a:r>
+            <a:rPr lang="vi-VN" dirty="0" err="1" smtClean="0"/>
+            <a:t>Display</a:t>
+          </a:r>
+          <a:r>
+            <a:rPr lang="vi-VN" dirty="0" smtClean="0"/>
+            <a:t> </a:t>
+          </a:r>
+          <a:r>
+            <a:rPr lang="vi-VN" dirty="0" err="1" smtClean="0"/>
+            <a:t>object</a:t>
+          </a:r>
+          <a:endParaRPr lang="en-US" dirty="0"/>
+        </a:p>
+      </dgm:t>
+    </dgm:pt>
+    <dgm:pt modelId="{1EDA08D9-B1A1-44FB-9434-E3CBD25C5831}" type="parTrans" cxnId="{0804E023-5307-482B-ABA0-0E6D5C090EDE}">
+      <dgm:prSet/>
+      <dgm:spPr/>
+      <dgm:t>
+        <a:bodyPr/>
+        <a:lstStyle/>
+        <a:p>
+          <a:endParaRPr lang="en-US"/>
+        </a:p>
+      </dgm:t>
+    </dgm:pt>
+    <dgm:pt modelId="{492ABFE8-E624-40A3-8BFA-08E09BB8A7D4}" type="sibTrans" cxnId="{0804E023-5307-482B-ABA0-0E6D5C090EDE}">
+      <dgm:prSet/>
+      <dgm:spPr/>
+      <dgm:t>
+        <a:bodyPr/>
+        <a:lstStyle/>
+        <a:p>
+          <a:endParaRPr lang="en-US"/>
+        </a:p>
+      </dgm:t>
+    </dgm:pt>
+    <dgm:pt modelId="{22CFC5F5-0D61-4F73-8E14-D6365DA99E28}">
+      <dgm:prSet phldrT="[Text]"/>
+      <dgm:spPr/>
+      <dgm:t>
+        <a:bodyPr/>
+        <a:lstStyle/>
+        <a:p>
+          <a:r>
+            <a:rPr lang="vi-VN" dirty="0" err="1" smtClean="0"/>
+            <a:t>Physical</a:t>
+          </a:r>
+          <a:r>
+            <a:rPr lang="vi-VN" dirty="0" smtClean="0"/>
+            <a:t> </a:t>
+          </a:r>
+          <a:r>
+            <a:rPr lang="vi-VN" dirty="0" err="1" smtClean="0"/>
+            <a:t>property</a:t>
+          </a:r>
+          <a:endParaRPr lang="en-US" dirty="0"/>
+        </a:p>
+      </dgm:t>
+    </dgm:pt>
+    <dgm:pt modelId="{D9B361C4-DB50-4A25-A4E3-087419F451DE}" type="parTrans" cxnId="{B38DB6A5-0F2A-45FF-B5A8-005A4C6D3BA0}">
+      <dgm:prSet/>
+      <dgm:spPr/>
+      <dgm:t>
+        <a:bodyPr/>
+        <a:lstStyle/>
+        <a:p>
+          <a:endParaRPr lang="en-US"/>
+        </a:p>
+      </dgm:t>
+    </dgm:pt>
+    <dgm:pt modelId="{D2172B2A-A4E1-4E12-BB70-2C22B1377750}" type="sibTrans" cxnId="{B38DB6A5-0F2A-45FF-B5A8-005A4C6D3BA0}">
+      <dgm:prSet/>
+      <dgm:spPr/>
+      <dgm:t>
+        <a:bodyPr/>
+        <a:lstStyle/>
+        <a:p>
+          <a:endParaRPr lang="en-US"/>
+        </a:p>
+      </dgm:t>
+    </dgm:pt>
+    <dgm:pt modelId="{3B92838F-43BC-4EDF-9DE1-BF25AFB44288}">
+      <dgm:prSet phldrT="[Text]"/>
+      <dgm:spPr/>
+      <dgm:t>
+        <a:bodyPr/>
+        <a:lstStyle/>
+        <a:p>
+          <a:r>
+            <a:rPr lang="vi-VN" dirty="0" err="1" smtClean="0"/>
+            <a:t>Physics</a:t>
+          </a:r>
+          <a:r>
+            <a:rPr lang="vi-VN" dirty="0" smtClean="0"/>
+            <a:t> </a:t>
+          </a:r>
+          <a:r>
+            <a:rPr lang="vi-VN" dirty="0" err="1" smtClean="0"/>
+            <a:t>body</a:t>
+          </a:r>
+          <a:endParaRPr lang="en-US" dirty="0"/>
+        </a:p>
+      </dgm:t>
+    </dgm:pt>
+    <dgm:pt modelId="{A68E5547-5732-47F3-AF55-CACC3147BA46}" type="parTrans" cxnId="{D293DCEC-5227-4B0A-B2BE-66851C795800}">
+      <dgm:prSet/>
+      <dgm:spPr/>
+      <dgm:t>
+        <a:bodyPr/>
+        <a:lstStyle/>
+        <a:p>
+          <a:endParaRPr lang="en-US"/>
+        </a:p>
+      </dgm:t>
+    </dgm:pt>
+    <dgm:pt modelId="{FDC0B724-DACF-48F0-8EB9-6295CEFB4712}" type="sibTrans" cxnId="{D293DCEC-5227-4B0A-B2BE-66851C795800}">
+      <dgm:prSet/>
+      <dgm:spPr/>
+      <dgm:t>
+        <a:bodyPr/>
+        <a:lstStyle/>
+        <a:p>
+          <a:endParaRPr lang="en-US"/>
+        </a:p>
+      </dgm:t>
+    </dgm:pt>
+    <dgm:pt modelId="{07C3E598-59E7-4CB9-BD90-F6DA721666C0}" type="pres">
+      <dgm:prSet presAssocID="{B421029E-31D2-40D5-8BE9-E513650914EB}" presName="linearFlow" presStyleCnt="0">
+        <dgm:presLayoutVars>
+          <dgm:dir/>
+          <dgm:resizeHandles val="exact"/>
+        </dgm:presLayoutVars>
+      </dgm:prSet>
+      <dgm:spPr/>
+    </dgm:pt>
+    <dgm:pt modelId="{AA111043-B1B5-4B2C-A6F5-72A32DD4541A}" type="pres">
+      <dgm:prSet presAssocID="{61C8B73A-C0E1-4600-A1E0-AFE1AB322813}" presName="node" presStyleLbl="node1" presStyleIdx="0" presStyleCnt="3">
+        <dgm:presLayoutVars>
+          <dgm:bulletEnabled val="1"/>
+        </dgm:presLayoutVars>
+      </dgm:prSet>
+      <dgm:spPr/>
+      <dgm:t>
+        <a:bodyPr/>
+        <a:lstStyle/>
+        <a:p>
+          <a:endParaRPr lang="en-US"/>
+        </a:p>
+      </dgm:t>
+    </dgm:pt>
+    <dgm:pt modelId="{0F30EBCD-4BA9-4DDA-8A43-BDEF7D3B6E4E}" type="pres">
+      <dgm:prSet presAssocID="{492ABFE8-E624-40A3-8BFA-08E09BB8A7D4}" presName="spacerL" presStyleCnt="0"/>
+      <dgm:spPr/>
+    </dgm:pt>
+    <dgm:pt modelId="{161C80E5-68F4-4700-91E2-412C6BC969DB}" type="pres">
+      <dgm:prSet presAssocID="{492ABFE8-E624-40A3-8BFA-08E09BB8A7D4}" presName="sibTrans" presStyleLbl="sibTrans2D1" presStyleIdx="0" presStyleCnt="2"/>
+      <dgm:spPr/>
+    </dgm:pt>
+    <dgm:pt modelId="{DF55D829-4977-4EBA-90DD-4F166E4D6A48}" type="pres">
+      <dgm:prSet presAssocID="{492ABFE8-E624-40A3-8BFA-08E09BB8A7D4}" presName="spacerR" presStyleCnt="0"/>
+      <dgm:spPr/>
+    </dgm:pt>
+    <dgm:pt modelId="{D53EC669-CC1F-446E-9E94-051C58052FF9}" type="pres">
+      <dgm:prSet presAssocID="{22CFC5F5-0D61-4F73-8E14-D6365DA99E28}" presName="node" presStyleLbl="node1" presStyleIdx="1" presStyleCnt="3">
+        <dgm:presLayoutVars>
+          <dgm:bulletEnabled val="1"/>
+        </dgm:presLayoutVars>
+      </dgm:prSet>
+      <dgm:spPr/>
+      <dgm:t>
+        <a:bodyPr/>
+        <a:lstStyle/>
+        <a:p>
+          <a:endParaRPr lang="en-US"/>
+        </a:p>
+      </dgm:t>
+    </dgm:pt>
+    <dgm:pt modelId="{399CD9DE-B1D2-42A8-BDAA-F9DE2845782E}" type="pres">
+      <dgm:prSet presAssocID="{D2172B2A-A4E1-4E12-BB70-2C22B1377750}" presName="spacerL" presStyleCnt="0"/>
+      <dgm:spPr/>
+    </dgm:pt>
+    <dgm:pt modelId="{B705BB06-F48D-4535-AEB6-119AB143A5D8}" type="pres">
+      <dgm:prSet presAssocID="{D2172B2A-A4E1-4E12-BB70-2C22B1377750}" presName="sibTrans" presStyleLbl="sibTrans2D1" presStyleIdx="1" presStyleCnt="2"/>
+      <dgm:spPr/>
+    </dgm:pt>
+    <dgm:pt modelId="{A028F1A0-1E6D-441B-857B-F263995F3FD6}" type="pres">
+      <dgm:prSet presAssocID="{D2172B2A-A4E1-4E12-BB70-2C22B1377750}" presName="spacerR" presStyleCnt="0"/>
+      <dgm:spPr/>
+    </dgm:pt>
+    <dgm:pt modelId="{11AE805D-8532-4DB0-9525-8B5CCCD93750}" type="pres">
+      <dgm:prSet presAssocID="{3B92838F-43BC-4EDF-9DE1-BF25AFB44288}" presName="node" presStyleLbl="node1" presStyleIdx="2" presStyleCnt="3">
+        <dgm:presLayoutVars>
+          <dgm:bulletEnabled val="1"/>
+        </dgm:presLayoutVars>
+      </dgm:prSet>
+      <dgm:spPr/>
+    </dgm:pt>
+  </dgm:ptLst>
+  <dgm:cxnLst>
+    <dgm:cxn modelId="{B38DB6A5-0F2A-45FF-B5A8-005A4C6D3BA0}" srcId="{B421029E-31D2-40D5-8BE9-E513650914EB}" destId="{22CFC5F5-0D61-4F73-8E14-D6365DA99E28}" srcOrd="1" destOrd="0" parTransId="{D9B361C4-DB50-4A25-A4E3-087419F451DE}" sibTransId="{D2172B2A-A4E1-4E12-BB70-2C22B1377750}"/>
+    <dgm:cxn modelId="{0804E023-5307-482B-ABA0-0E6D5C090EDE}" srcId="{B421029E-31D2-40D5-8BE9-E513650914EB}" destId="{61C8B73A-C0E1-4600-A1E0-AFE1AB322813}" srcOrd="0" destOrd="0" parTransId="{1EDA08D9-B1A1-44FB-9434-E3CBD25C5831}" sibTransId="{492ABFE8-E624-40A3-8BFA-08E09BB8A7D4}"/>
+    <dgm:cxn modelId="{D1820264-023C-43F9-8822-B9BB81DDADA4}" type="presOf" srcId="{D2172B2A-A4E1-4E12-BB70-2C22B1377750}" destId="{B705BB06-F48D-4535-AEB6-119AB143A5D8}" srcOrd="0" destOrd="0" presId="urn:microsoft.com/office/officeart/2005/8/layout/equation1"/>
+    <dgm:cxn modelId="{F4044FB4-CC6A-46C8-9BD1-83B5E36F5E80}" type="presOf" srcId="{B421029E-31D2-40D5-8BE9-E513650914EB}" destId="{07C3E598-59E7-4CB9-BD90-F6DA721666C0}" srcOrd="0" destOrd="0" presId="urn:microsoft.com/office/officeart/2005/8/layout/equation1"/>
+    <dgm:cxn modelId="{B518BF51-B912-4182-9514-377D8DC54285}" type="presOf" srcId="{61C8B73A-C0E1-4600-A1E0-AFE1AB322813}" destId="{AA111043-B1B5-4B2C-A6F5-72A32DD4541A}" srcOrd="0" destOrd="0" presId="urn:microsoft.com/office/officeart/2005/8/layout/equation1"/>
+    <dgm:cxn modelId="{2F7CA0B8-C5A8-453D-B513-2C90452A07C9}" type="presOf" srcId="{22CFC5F5-0D61-4F73-8E14-D6365DA99E28}" destId="{D53EC669-CC1F-446E-9E94-051C58052FF9}" srcOrd="0" destOrd="0" presId="urn:microsoft.com/office/officeart/2005/8/layout/equation1"/>
+    <dgm:cxn modelId="{D293DCEC-5227-4B0A-B2BE-66851C795800}" srcId="{B421029E-31D2-40D5-8BE9-E513650914EB}" destId="{3B92838F-43BC-4EDF-9DE1-BF25AFB44288}" srcOrd="2" destOrd="0" parTransId="{A68E5547-5732-47F3-AF55-CACC3147BA46}" sibTransId="{FDC0B724-DACF-48F0-8EB9-6295CEFB4712}"/>
+    <dgm:cxn modelId="{6C792D4D-A132-4CF1-B9AD-D9BC99AC4C0B}" type="presOf" srcId="{3B92838F-43BC-4EDF-9DE1-BF25AFB44288}" destId="{11AE805D-8532-4DB0-9525-8B5CCCD93750}" srcOrd="0" destOrd="0" presId="urn:microsoft.com/office/officeart/2005/8/layout/equation1"/>
+    <dgm:cxn modelId="{E0F6D84C-DE6D-4C6D-B4DD-B3806DCB1984}" type="presOf" srcId="{492ABFE8-E624-40A3-8BFA-08E09BB8A7D4}" destId="{161C80E5-68F4-4700-91E2-412C6BC969DB}" srcOrd="0" destOrd="0" presId="urn:microsoft.com/office/officeart/2005/8/layout/equation1"/>
+    <dgm:cxn modelId="{0F9106AF-6DF2-4E45-AF3C-B2B37D64F539}" type="presParOf" srcId="{07C3E598-59E7-4CB9-BD90-F6DA721666C0}" destId="{AA111043-B1B5-4B2C-A6F5-72A32DD4541A}" srcOrd="0" destOrd="0" presId="urn:microsoft.com/office/officeart/2005/8/layout/equation1"/>
+    <dgm:cxn modelId="{EF950D3D-A30D-4506-BC88-8EFC1BD1EAD1}" type="presParOf" srcId="{07C3E598-59E7-4CB9-BD90-F6DA721666C0}" destId="{0F30EBCD-4BA9-4DDA-8A43-BDEF7D3B6E4E}" srcOrd="1" destOrd="0" presId="urn:microsoft.com/office/officeart/2005/8/layout/equation1"/>
+    <dgm:cxn modelId="{7F281D83-1B63-4294-A079-FCD7582B50A0}" type="presParOf" srcId="{07C3E598-59E7-4CB9-BD90-F6DA721666C0}" destId="{161C80E5-68F4-4700-91E2-412C6BC969DB}" srcOrd="2" destOrd="0" presId="urn:microsoft.com/office/officeart/2005/8/layout/equation1"/>
+    <dgm:cxn modelId="{592C4BA2-DFD3-4B44-B5E0-2A04B1686FBC}" type="presParOf" srcId="{07C3E598-59E7-4CB9-BD90-F6DA721666C0}" destId="{DF55D829-4977-4EBA-90DD-4F166E4D6A48}" srcOrd="3" destOrd="0" presId="urn:microsoft.com/office/officeart/2005/8/layout/equation1"/>
+    <dgm:cxn modelId="{5CDD9C2A-1C66-4E0F-A4D2-7D021B928399}" type="presParOf" srcId="{07C3E598-59E7-4CB9-BD90-F6DA721666C0}" destId="{D53EC669-CC1F-446E-9E94-051C58052FF9}" srcOrd="4" destOrd="0" presId="urn:microsoft.com/office/officeart/2005/8/layout/equation1"/>
+    <dgm:cxn modelId="{52C5C5CA-CBFA-4D78-985A-8F99470F7476}" type="presParOf" srcId="{07C3E598-59E7-4CB9-BD90-F6DA721666C0}" destId="{399CD9DE-B1D2-42A8-BDAA-F9DE2845782E}" srcOrd="5" destOrd="0" presId="urn:microsoft.com/office/officeart/2005/8/layout/equation1"/>
+    <dgm:cxn modelId="{277A7CE8-1491-4A71-8028-A12F2C0F0DB6}" type="presParOf" srcId="{07C3E598-59E7-4CB9-BD90-F6DA721666C0}" destId="{B705BB06-F48D-4535-AEB6-119AB143A5D8}" srcOrd="6" destOrd="0" presId="urn:microsoft.com/office/officeart/2005/8/layout/equation1"/>
+    <dgm:cxn modelId="{FBC8C899-D3D8-4977-B81A-532DE69C1A40}" type="presParOf" srcId="{07C3E598-59E7-4CB9-BD90-F6DA721666C0}" destId="{A028F1A0-1E6D-441B-857B-F263995F3FD6}" srcOrd="7" destOrd="0" presId="urn:microsoft.com/office/officeart/2005/8/layout/equation1"/>
+    <dgm:cxn modelId="{5359E38D-81FF-41E7-A638-A0DB2413907C}" type="presParOf" srcId="{07C3E598-59E7-4CB9-BD90-F6DA721666C0}" destId="{11AE805D-8532-4DB0-9525-8B5CCCD93750}" srcOrd="8" destOrd="0" presId="urn:microsoft.com/office/officeart/2005/8/layout/equation1"/>
   </dgm:cxnLst>
   <dgm:bg/>
   <dgm:whole/>
@@ -1501,6 +2522,405 @@
 </dsp:drawing>
 </file>
 
+<file path=ppt/diagrams/drawing2.xml><?xml version="1.0" encoding="utf-8"?>
+<dsp:drawing xmlns:dgm="http://schemas.openxmlformats.org/drawingml/2006/diagram" xmlns:dsp="http://schemas.microsoft.com/office/drawing/2008/diagram" xmlns:a="http://schemas.openxmlformats.org/drawingml/2006/main">
+  <dsp:spTree>
+    <dsp:nvGrpSpPr>
+      <dsp:cNvPr id="0" name=""/>
+      <dsp:cNvGrpSpPr/>
+    </dsp:nvGrpSpPr>
+    <dsp:grpSpPr/>
+    <dsp:sp modelId="{AA111043-B1B5-4B2C-A6F5-72A32DD4541A}">
+      <dsp:nvSpPr>
+        <dsp:cNvPr id="0" name=""/>
+        <dsp:cNvSpPr/>
+      </dsp:nvSpPr>
+      <dsp:spPr>
+        <a:xfrm>
+          <a:off x="1366" y="1803466"/>
+          <a:ext cx="1811734" cy="1811734"/>
+        </a:xfrm>
+        <a:prstGeom prst="ellipse">
+          <a:avLst/>
+        </a:prstGeom>
+        <a:solidFill>
+          <a:schemeClr val="accent1">
+            <a:hueOff val="0"/>
+            <a:satOff val="0"/>
+            <a:lumOff val="0"/>
+            <a:alphaOff val="0"/>
+          </a:schemeClr>
+        </a:solidFill>
+        <a:ln w="19050" cap="rnd" cmpd="sng" algn="ctr">
+          <a:solidFill>
+            <a:schemeClr val="lt1">
+              <a:hueOff val="0"/>
+              <a:satOff val="0"/>
+              <a:lumOff val="0"/>
+              <a:alphaOff val="0"/>
+            </a:schemeClr>
+          </a:solidFill>
+          <a:prstDash val="solid"/>
+        </a:ln>
+        <a:effectLst/>
+      </dsp:spPr>
+      <dsp:style>
+        <a:lnRef idx="2">
+          <a:scrgbClr r="0" g="0" b="0"/>
+        </a:lnRef>
+        <a:fillRef idx="1">
+          <a:scrgbClr r="0" g="0" b="0"/>
+        </a:fillRef>
+        <a:effectRef idx="0">
+          <a:scrgbClr r="0" g="0" b="0"/>
+        </a:effectRef>
+        <a:fontRef idx="minor">
+          <a:schemeClr val="lt1"/>
+        </a:fontRef>
+      </dsp:style>
+      <dsp:txBody>
+        <a:bodyPr spcFirstLastPara="0" vert="horz" wrap="square" lIns="31750" tIns="31750" rIns="31750" bIns="31750" numCol="1" spcCol="1270" anchor="ctr" anchorCtr="0">
+          <a:noAutofit/>
+        </a:bodyPr>
+        <a:lstStyle/>
+        <a:p>
+          <a:pPr lvl="0" algn="ctr" defTabSz="1111250">
+            <a:lnSpc>
+              <a:spcPct val="90000"/>
+            </a:lnSpc>
+            <a:spcBef>
+              <a:spcPct val="0"/>
+            </a:spcBef>
+            <a:spcAft>
+              <a:spcPct val="35000"/>
+            </a:spcAft>
+          </a:pPr>
+          <a:r>
+            <a:rPr lang="vi-VN" sz="2500" kern="1200" dirty="0" err="1" smtClean="0"/>
+            <a:t>Display</a:t>
+          </a:r>
+          <a:r>
+            <a:rPr lang="vi-VN" sz="2500" kern="1200" dirty="0" smtClean="0"/>
+            <a:t> </a:t>
+          </a:r>
+          <a:r>
+            <a:rPr lang="vi-VN" sz="2500" kern="1200" dirty="0" err="1" smtClean="0"/>
+            <a:t>object</a:t>
+          </a:r>
+          <a:endParaRPr lang="en-US" sz="2500" kern="1200" dirty="0"/>
+        </a:p>
+      </dsp:txBody>
+      <dsp:txXfrm>
+        <a:off x="266688" y="2068788"/>
+        <a:ext cx="1281090" cy="1281090"/>
+      </dsp:txXfrm>
+    </dsp:sp>
+    <dsp:sp modelId="{161C80E5-68F4-4700-91E2-412C6BC969DB}">
+      <dsp:nvSpPr>
+        <dsp:cNvPr id="0" name=""/>
+        <dsp:cNvSpPr/>
+      </dsp:nvSpPr>
+      <dsp:spPr>
+        <a:xfrm>
+          <a:off x="1960214" y="2183930"/>
+          <a:ext cx="1050805" cy="1050805"/>
+        </a:xfrm>
+        <a:prstGeom prst="mathPlus">
+          <a:avLst/>
+        </a:prstGeom>
+        <a:solidFill>
+          <a:schemeClr val="accent1">
+            <a:tint val="60000"/>
+            <a:hueOff val="0"/>
+            <a:satOff val="0"/>
+            <a:lumOff val="0"/>
+            <a:alphaOff val="0"/>
+          </a:schemeClr>
+        </a:solidFill>
+        <a:ln>
+          <a:noFill/>
+        </a:ln>
+        <a:effectLst/>
+      </dsp:spPr>
+      <dsp:style>
+        <a:lnRef idx="0">
+          <a:scrgbClr r="0" g="0" b="0"/>
+        </a:lnRef>
+        <a:fillRef idx="1">
+          <a:scrgbClr r="0" g="0" b="0"/>
+        </a:fillRef>
+        <a:effectRef idx="0">
+          <a:scrgbClr r="0" g="0" b="0"/>
+        </a:effectRef>
+        <a:fontRef idx="minor">
+          <a:schemeClr val="lt1"/>
+        </a:fontRef>
+      </dsp:style>
+      <dsp:txBody>
+        <a:bodyPr spcFirstLastPara="0" vert="horz" wrap="square" lIns="0" tIns="0" rIns="0" bIns="0" numCol="1" spcCol="1270" anchor="ctr" anchorCtr="0">
+          <a:noAutofit/>
+        </a:bodyPr>
+        <a:lstStyle/>
+        <a:p>
+          <a:pPr lvl="0" algn="ctr" defTabSz="800100">
+            <a:lnSpc>
+              <a:spcPct val="90000"/>
+            </a:lnSpc>
+            <a:spcBef>
+              <a:spcPct val="0"/>
+            </a:spcBef>
+            <a:spcAft>
+              <a:spcPct val="35000"/>
+            </a:spcAft>
+          </a:pPr>
+          <a:endParaRPr lang="en-US" sz="1800" kern="1200"/>
+        </a:p>
+      </dsp:txBody>
+      <dsp:txXfrm>
+        <a:off x="2099498" y="2585758"/>
+        <a:ext cx="772237" cy="247149"/>
+      </dsp:txXfrm>
+    </dsp:sp>
+    <dsp:sp modelId="{D53EC669-CC1F-446E-9E94-051C58052FF9}">
+      <dsp:nvSpPr>
+        <dsp:cNvPr id="0" name=""/>
+        <dsp:cNvSpPr/>
+      </dsp:nvSpPr>
+      <dsp:spPr>
+        <a:xfrm>
+          <a:off x="3158132" y="1803466"/>
+          <a:ext cx="1811734" cy="1811734"/>
+        </a:xfrm>
+        <a:prstGeom prst="ellipse">
+          <a:avLst/>
+        </a:prstGeom>
+        <a:solidFill>
+          <a:schemeClr val="accent1">
+            <a:hueOff val="0"/>
+            <a:satOff val="0"/>
+            <a:lumOff val="0"/>
+            <a:alphaOff val="0"/>
+          </a:schemeClr>
+        </a:solidFill>
+        <a:ln w="19050" cap="rnd" cmpd="sng" algn="ctr">
+          <a:solidFill>
+            <a:schemeClr val="lt1">
+              <a:hueOff val="0"/>
+              <a:satOff val="0"/>
+              <a:lumOff val="0"/>
+              <a:alphaOff val="0"/>
+            </a:schemeClr>
+          </a:solidFill>
+          <a:prstDash val="solid"/>
+        </a:ln>
+        <a:effectLst/>
+      </dsp:spPr>
+      <dsp:style>
+        <a:lnRef idx="2">
+          <a:scrgbClr r="0" g="0" b="0"/>
+        </a:lnRef>
+        <a:fillRef idx="1">
+          <a:scrgbClr r="0" g="0" b="0"/>
+        </a:fillRef>
+        <a:effectRef idx="0">
+          <a:scrgbClr r="0" g="0" b="0"/>
+        </a:effectRef>
+        <a:fontRef idx="minor">
+          <a:schemeClr val="lt1"/>
+        </a:fontRef>
+      </dsp:style>
+      <dsp:txBody>
+        <a:bodyPr spcFirstLastPara="0" vert="horz" wrap="square" lIns="31750" tIns="31750" rIns="31750" bIns="31750" numCol="1" spcCol="1270" anchor="ctr" anchorCtr="0">
+          <a:noAutofit/>
+        </a:bodyPr>
+        <a:lstStyle/>
+        <a:p>
+          <a:pPr lvl="0" algn="ctr" defTabSz="1111250">
+            <a:lnSpc>
+              <a:spcPct val="90000"/>
+            </a:lnSpc>
+            <a:spcBef>
+              <a:spcPct val="0"/>
+            </a:spcBef>
+            <a:spcAft>
+              <a:spcPct val="35000"/>
+            </a:spcAft>
+          </a:pPr>
+          <a:r>
+            <a:rPr lang="vi-VN" sz="2500" kern="1200" dirty="0" err="1" smtClean="0"/>
+            <a:t>Physical</a:t>
+          </a:r>
+          <a:r>
+            <a:rPr lang="vi-VN" sz="2500" kern="1200" dirty="0" smtClean="0"/>
+            <a:t> </a:t>
+          </a:r>
+          <a:r>
+            <a:rPr lang="vi-VN" sz="2500" kern="1200" dirty="0" err="1" smtClean="0"/>
+            <a:t>property</a:t>
+          </a:r>
+          <a:endParaRPr lang="en-US" sz="2500" kern="1200" dirty="0"/>
+        </a:p>
+      </dsp:txBody>
+      <dsp:txXfrm>
+        <a:off x="3423454" y="2068788"/>
+        <a:ext cx="1281090" cy="1281090"/>
+      </dsp:txXfrm>
+    </dsp:sp>
+    <dsp:sp modelId="{B705BB06-F48D-4535-AEB6-119AB143A5D8}">
+      <dsp:nvSpPr>
+        <dsp:cNvPr id="0" name=""/>
+        <dsp:cNvSpPr/>
+      </dsp:nvSpPr>
+      <dsp:spPr>
+        <a:xfrm>
+          <a:off x="5116980" y="2183930"/>
+          <a:ext cx="1050805" cy="1050805"/>
+        </a:xfrm>
+        <a:prstGeom prst="mathEqual">
+          <a:avLst/>
+        </a:prstGeom>
+        <a:solidFill>
+          <a:schemeClr val="accent1">
+            <a:tint val="60000"/>
+            <a:hueOff val="0"/>
+            <a:satOff val="0"/>
+            <a:lumOff val="0"/>
+            <a:alphaOff val="0"/>
+          </a:schemeClr>
+        </a:solidFill>
+        <a:ln>
+          <a:noFill/>
+        </a:ln>
+        <a:effectLst/>
+      </dsp:spPr>
+      <dsp:style>
+        <a:lnRef idx="0">
+          <a:scrgbClr r="0" g="0" b="0"/>
+        </a:lnRef>
+        <a:fillRef idx="1">
+          <a:scrgbClr r="0" g="0" b="0"/>
+        </a:fillRef>
+        <a:effectRef idx="0">
+          <a:scrgbClr r="0" g="0" b="0"/>
+        </a:effectRef>
+        <a:fontRef idx="minor">
+          <a:schemeClr val="lt1"/>
+        </a:fontRef>
+      </dsp:style>
+      <dsp:txBody>
+        <a:bodyPr spcFirstLastPara="0" vert="horz" wrap="square" lIns="0" tIns="0" rIns="0" bIns="0" numCol="1" spcCol="1270" anchor="ctr" anchorCtr="0">
+          <a:noAutofit/>
+        </a:bodyPr>
+        <a:lstStyle/>
+        <a:p>
+          <a:pPr lvl="0" algn="ctr" defTabSz="1022350">
+            <a:lnSpc>
+              <a:spcPct val="90000"/>
+            </a:lnSpc>
+            <a:spcBef>
+              <a:spcPct val="0"/>
+            </a:spcBef>
+            <a:spcAft>
+              <a:spcPct val="35000"/>
+            </a:spcAft>
+          </a:pPr>
+          <a:endParaRPr lang="en-US" sz="2300" kern="1200"/>
+        </a:p>
+      </dsp:txBody>
+      <dsp:txXfrm>
+        <a:off x="5256264" y="2400396"/>
+        <a:ext cx="772237" cy="617873"/>
+      </dsp:txXfrm>
+    </dsp:sp>
+    <dsp:sp modelId="{11AE805D-8532-4DB0-9525-8B5CCCD93750}">
+      <dsp:nvSpPr>
+        <dsp:cNvPr id="0" name=""/>
+        <dsp:cNvSpPr/>
+      </dsp:nvSpPr>
+      <dsp:spPr>
+        <a:xfrm>
+          <a:off x="6314898" y="1803466"/>
+          <a:ext cx="1811734" cy="1811734"/>
+        </a:xfrm>
+        <a:prstGeom prst="ellipse">
+          <a:avLst/>
+        </a:prstGeom>
+        <a:solidFill>
+          <a:schemeClr val="accent1">
+            <a:hueOff val="0"/>
+            <a:satOff val="0"/>
+            <a:lumOff val="0"/>
+            <a:alphaOff val="0"/>
+          </a:schemeClr>
+        </a:solidFill>
+        <a:ln w="19050" cap="rnd" cmpd="sng" algn="ctr">
+          <a:solidFill>
+            <a:schemeClr val="lt1">
+              <a:hueOff val="0"/>
+              <a:satOff val="0"/>
+              <a:lumOff val="0"/>
+              <a:alphaOff val="0"/>
+            </a:schemeClr>
+          </a:solidFill>
+          <a:prstDash val="solid"/>
+        </a:ln>
+        <a:effectLst/>
+      </dsp:spPr>
+      <dsp:style>
+        <a:lnRef idx="2">
+          <a:scrgbClr r="0" g="0" b="0"/>
+        </a:lnRef>
+        <a:fillRef idx="1">
+          <a:scrgbClr r="0" g="0" b="0"/>
+        </a:fillRef>
+        <a:effectRef idx="0">
+          <a:scrgbClr r="0" g="0" b="0"/>
+        </a:effectRef>
+        <a:fontRef idx="minor">
+          <a:schemeClr val="lt1"/>
+        </a:fontRef>
+      </dsp:style>
+      <dsp:txBody>
+        <a:bodyPr spcFirstLastPara="0" vert="horz" wrap="square" lIns="31750" tIns="31750" rIns="31750" bIns="31750" numCol="1" spcCol="1270" anchor="ctr" anchorCtr="0">
+          <a:noAutofit/>
+        </a:bodyPr>
+        <a:lstStyle/>
+        <a:p>
+          <a:pPr lvl="0" algn="ctr" defTabSz="1111250">
+            <a:lnSpc>
+              <a:spcPct val="90000"/>
+            </a:lnSpc>
+            <a:spcBef>
+              <a:spcPct val="0"/>
+            </a:spcBef>
+            <a:spcAft>
+              <a:spcPct val="35000"/>
+            </a:spcAft>
+          </a:pPr>
+          <a:r>
+            <a:rPr lang="vi-VN" sz="2500" kern="1200" dirty="0" err="1" smtClean="0"/>
+            <a:t>Physics</a:t>
+          </a:r>
+          <a:r>
+            <a:rPr lang="vi-VN" sz="2500" kern="1200" dirty="0" smtClean="0"/>
+            <a:t> </a:t>
+          </a:r>
+          <a:r>
+            <a:rPr lang="vi-VN" sz="2500" kern="1200" dirty="0" err="1" smtClean="0"/>
+            <a:t>body</a:t>
+          </a:r>
+          <a:endParaRPr lang="en-US" sz="2500" kern="1200" dirty="0"/>
+        </a:p>
+      </dsp:txBody>
+      <dsp:txXfrm>
+        <a:off x="6580220" y="2068788"/>
+        <a:ext cx="1281090" cy="1281090"/>
+      </dsp:txXfrm>
+    </dsp:sp>
+  </dsp:spTree>
+</dsp:drawing>
+</file>
+
 <file path=ppt/diagrams/layout1.xml><?xml version="1.0" encoding="utf-8"?>
 <dgm:layoutDef xmlns:dgm="http://schemas.openxmlformats.org/drawingml/2006/diagram" xmlns:a="http://schemas.openxmlformats.org/drawingml/2006/main" uniqueId="urn:microsoft.com/office/officeart/2005/8/layout/equation1">
   <dgm:title val=""/>
@@ -1656,7 +3076,1196 @@
 </dgm:layoutDef>
 </file>
 
+<file path=ppt/diagrams/layout2.xml><?xml version="1.0" encoding="utf-8"?>
+<dgm:layoutDef xmlns:dgm="http://schemas.openxmlformats.org/drawingml/2006/diagram" xmlns:a="http://schemas.openxmlformats.org/drawingml/2006/main" uniqueId="urn:microsoft.com/office/officeart/2005/8/layout/equation1">
+  <dgm:title val=""/>
+  <dgm:desc val=""/>
+  <dgm:catLst>
+    <dgm:cat type="relationship" pri="17000"/>
+    <dgm:cat type="process" pri="25000"/>
+  </dgm:catLst>
+  <dgm:sampData useDef="1">
+    <dgm:dataModel>
+      <dgm:ptLst/>
+      <dgm:bg/>
+      <dgm:whole/>
+    </dgm:dataModel>
+  </dgm:sampData>
+  <dgm:styleData>
+    <dgm:dataModel>
+      <dgm:ptLst>
+        <dgm:pt modelId="0" type="doc"/>
+        <dgm:pt modelId="1"/>
+        <dgm:pt modelId="2"/>
+      </dgm:ptLst>
+      <dgm:cxnLst>
+        <dgm:cxn modelId="3" srcId="0" destId="1" srcOrd="0" destOrd="0"/>
+        <dgm:cxn modelId="4" srcId="0" destId="2" srcOrd="1" destOrd="0"/>
+      </dgm:cxnLst>
+      <dgm:bg/>
+      <dgm:whole/>
+    </dgm:dataModel>
+  </dgm:styleData>
+  <dgm:clrData>
+    <dgm:dataModel>
+      <dgm:ptLst>
+        <dgm:pt modelId="0" type="doc"/>
+        <dgm:pt modelId="1"/>
+        <dgm:pt modelId="2"/>
+        <dgm:pt modelId="3"/>
+        <dgm:pt modelId="4"/>
+      </dgm:ptLst>
+      <dgm:cxnLst>
+        <dgm:cxn modelId="5" srcId="0" destId="1" srcOrd="0" destOrd="0"/>
+        <dgm:cxn modelId="6" srcId="0" destId="2" srcOrd="1" destOrd="0"/>
+        <dgm:cxn modelId="7" srcId="0" destId="3" srcOrd="2" destOrd="0"/>
+        <dgm:cxn modelId="8" srcId="0" destId="4" srcOrd="3" destOrd="0"/>
+      </dgm:cxnLst>
+      <dgm:bg/>
+      <dgm:whole/>
+    </dgm:dataModel>
+  </dgm:clrData>
+  <dgm:layoutNode name="linearFlow">
+    <dgm:varLst>
+      <dgm:dir/>
+      <dgm:resizeHandles val="exact"/>
+    </dgm:varLst>
+    <dgm:choose name="Name0">
+      <dgm:if name="Name1" func="var" arg="dir" op="equ" val="norm">
+        <dgm:alg type="lin">
+          <dgm:param type="fallback" val="2D"/>
+        </dgm:alg>
+      </dgm:if>
+      <dgm:else name="Name2">
+        <dgm:alg type="lin">
+          <dgm:param type="linDir" val="fromR"/>
+          <dgm:param type="fallback" val="2D"/>
+        </dgm:alg>
+      </dgm:else>
+    </dgm:choose>
+    <dgm:shape xmlns:r="http://schemas.openxmlformats.org/officeDocument/2006/relationships" r:blip="">
+      <dgm:adjLst/>
+    </dgm:shape>
+    <dgm:presOf/>
+    <dgm:constrLst>
+      <dgm:constr type="w" for="ch" ptType="node" refType="w"/>
+      <dgm:constr type="w" for="ch" ptType="sibTrans" refType="w" refFor="ch" refPtType="node" fact="0.58"/>
+      <dgm:constr type="primFontSz" for="ch" ptType="node" op="equ" val="65"/>
+      <dgm:constr type="primFontSz" for="ch" ptType="sibTrans" op="equ" val="55"/>
+      <dgm:constr type="primFontSz" for="ch" ptType="sibTrans" refType="primFontSz" refFor="ch" refPtType="node" op="lte" fact="0.8"/>
+      <dgm:constr type="w" for="ch" forName="spacerL" refType="w" refFor="ch" refPtType="sibTrans" fact="0.14"/>
+      <dgm:constr type="w" for="ch" forName="spacerR" refType="w" refFor="ch" refPtType="sibTrans" fact="0.14"/>
+    </dgm:constrLst>
+    <dgm:ruleLst/>
+    <dgm:forEach name="nodesForEach" axis="ch" ptType="node">
+      <dgm:layoutNode name="node">
+        <dgm:varLst>
+          <dgm:bulletEnabled val="1"/>
+        </dgm:varLst>
+        <dgm:alg type="tx">
+          <dgm:param type="txAnchorVertCh" val="mid"/>
+        </dgm:alg>
+        <dgm:shape xmlns:r="http://schemas.openxmlformats.org/officeDocument/2006/relationships" type="ellipse" r:blip="">
+          <dgm:adjLst/>
+        </dgm:shape>
+        <dgm:presOf axis="desOrSelf" ptType="node"/>
+        <dgm:constrLst>
+          <dgm:constr type="h" refType="w"/>
+          <dgm:constr type="tMarg" refType="primFontSz" fact="0.1"/>
+          <dgm:constr type="bMarg" refType="primFontSz" fact="0.1"/>
+          <dgm:constr type="lMarg" refType="primFontSz" fact="0.1"/>
+          <dgm:constr type="rMarg" refType="primFontSz" fact="0.1"/>
+        </dgm:constrLst>
+        <dgm:ruleLst>
+          <dgm:rule type="primFontSz" val="5" fact="NaN" max="NaN"/>
+        </dgm:ruleLst>
+      </dgm:layoutNode>
+      <dgm:forEach name="sibTransForEach" axis="followSib" ptType="sibTrans" cnt="1">
+        <dgm:layoutNode name="spacerL">
+          <dgm:alg type="sp"/>
+          <dgm:shape xmlns:r="http://schemas.openxmlformats.org/officeDocument/2006/relationships" r:blip="">
+            <dgm:adjLst/>
+          </dgm:shape>
+          <dgm:presOf/>
+          <dgm:constrLst/>
+          <dgm:ruleLst/>
+        </dgm:layoutNode>
+        <dgm:layoutNode name="sibTrans">
+          <dgm:alg type="tx"/>
+          <dgm:choose name="Name3">
+            <dgm:if name="Name4" axis="followSib" ptType="sibTrans" func="cnt" op="equ" val="0">
+              <dgm:shape xmlns:r="http://schemas.openxmlformats.org/officeDocument/2006/relationships" type="mathEqual" r:blip="">
+                <dgm:adjLst/>
+              </dgm:shape>
+            </dgm:if>
+            <dgm:else name="Name5">
+              <dgm:shape xmlns:r="http://schemas.openxmlformats.org/officeDocument/2006/relationships" type="mathPlus" r:blip="">
+                <dgm:adjLst/>
+              </dgm:shape>
+            </dgm:else>
+          </dgm:choose>
+          <dgm:presOf axis="self"/>
+          <dgm:constrLst>
+            <dgm:constr type="h" refType="w"/>
+            <dgm:constr type="lMarg"/>
+            <dgm:constr type="rMarg"/>
+            <dgm:constr type="tMarg"/>
+            <dgm:constr type="bMarg"/>
+          </dgm:constrLst>
+          <dgm:ruleLst>
+            <dgm:rule type="primFontSz" val="5" fact="NaN" max="NaN"/>
+          </dgm:ruleLst>
+        </dgm:layoutNode>
+        <dgm:layoutNode name="spacerR">
+          <dgm:alg type="sp"/>
+          <dgm:shape xmlns:r="http://schemas.openxmlformats.org/officeDocument/2006/relationships" r:blip="">
+            <dgm:adjLst/>
+          </dgm:shape>
+          <dgm:presOf/>
+          <dgm:constrLst/>
+          <dgm:ruleLst/>
+        </dgm:layoutNode>
+      </dgm:forEach>
+    </dgm:forEach>
+  </dgm:layoutNode>
+</dgm:layoutDef>
+</file>
+
 <file path=ppt/diagrams/quickStyle1.xml><?xml version="1.0" encoding="utf-8"?>
+<dgm:styleDef xmlns:dgm="http://schemas.openxmlformats.org/drawingml/2006/diagram" xmlns:a="http://schemas.openxmlformats.org/drawingml/2006/main" uniqueId="urn:microsoft.com/office/officeart/2005/8/quickstyle/simple1">
+  <dgm:title val=""/>
+  <dgm:desc val=""/>
+  <dgm:catLst>
+    <dgm:cat type="simple" pri="10100"/>
+  </dgm:catLst>
+  <dgm:scene3d>
+    <a:camera prst="orthographicFront"/>
+    <a:lightRig rig="threePt" dir="t"/>
+  </dgm:scene3d>
+  <dgm:styleLbl name="node0">
+    <dgm:scene3d>
+      <a:camera prst="orthographicFront"/>
+      <a:lightRig rig="threePt" dir="t"/>
+    </dgm:scene3d>
+    <dgm:sp3d/>
+    <dgm:txPr/>
+    <dgm:style>
+      <a:lnRef idx="2">
+        <a:scrgbClr r="0" g="0" b="0"/>
+      </a:lnRef>
+      <a:fillRef idx="1">
+        <a:scrgbClr r="0" g="0" b="0"/>
+      </a:fillRef>
+      <a:effectRef idx="0">
+        <a:scrgbClr r="0" g="0" b="0"/>
+      </a:effectRef>
+      <a:fontRef idx="minor">
+        <a:schemeClr val="lt1"/>
+      </a:fontRef>
+    </dgm:style>
+  </dgm:styleLbl>
+  <dgm:styleLbl name="lnNode1">
+    <dgm:scene3d>
+      <a:camera prst="orthographicFront"/>
+      <a:lightRig rig="threePt" dir="t"/>
+    </dgm:scene3d>
+    <dgm:sp3d/>
+    <dgm:txPr/>
+    <dgm:style>
+      <a:lnRef idx="2">
+        <a:scrgbClr r="0" g="0" b="0"/>
+      </a:lnRef>
+      <a:fillRef idx="1">
+        <a:scrgbClr r="0" g="0" b="0"/>
+      </a:fillRef>
+      <a:effectRef idx="0">
+        <a:scrgbClr r="0" g="0" b="0"/>
+      </a:effectRef>
+      <a:fontRef idx="minor">
+        <a:schemeClr val="lt1"/>
+      </a:fontRef>
+    </dgm:style>
+  </dgm:styleLbl>
+  <dgm:styleLbl name="vennNode1">
+    <dgm:scene3d>
+      <a:camera prst="orthographicFront"/>
+      <a:lightRig rig="threePt" dir="t"/>
+    </dgm:scene3d>
+    <dgm:sp3d/>
+    <dgm:txPr/>
+    <dgm:style>
+      <a:lnRef idx="2">
+        <a:scrgbClr r="0" g="0" b="0"/>
+      </a:lnRef>
+      <a:fillRef idx="1">
+        <a:scrgbClr r="0" g="0" b="0"/>
+      </a:fillRef>
+      <a:effectRef idx="0">
+        <a:scrgbClr r="0" g="0" b="0"/>
+      </a:effectRef>
+      <a:fontRef idx="minor">
+        <a:schemeClr val="tx1"/>
+      </a:fontRef>
+    </dgm:style>
+  </dgm:styleLbl>
+  <dgm:styleLbl name="alignNode1">
+    <dgm:scene3d>
+      <a:camera prst="orthographicFront"/>
+      <a:lightRig rig="threePt" dir="t"/>
+    </dgm:scene3d>
+    <dgm:sp3d/>
+    <dgm:txPr/>
+    <dgm:style>
+      <a:lnRef idx="2">
+        <a:scrgbClr r="0" g="0" b="0"/>
+      </a:lnRef>
+      <a:fillRef idx="1">
+        <a:scrgbClr r="0" g="0" b="0"/>
+      </a:fillRef>
+      <a:effectRef idx="0">
+        <a:scrgbClr r="0" g="0" b="0"/>
+      </a:effectRef>
+      <a:fontRef idx="minor">
+        <a:schemeClr val="lt1"/>
+      </a:fontRef>
+    </dgm:style>
+  </dgm:styleLbl>
+  <dgm:styleLbl name="node1">
+    <dgm:scene3d>
+      <a:camera prst="orthographicFront"/>
+      <a:lightRig rig="threePt" dir="t"/>
+    </dgm:scene3d>
+    <dgm:sp3d/>
+    <dgm:txPr/>
+    <dgm:style>
+      <a:lnRef idx="2">
+        <a:scrgbClr r="0" g="0" b="0"/>
+      </a:lnRef>
+      <a:fillRef idx="1">
+        <a:scrgbClr r="0" g="0" b="0"/>
+      </a:fillRef>
+      <a:effectRef idx="0">
+        <a:scrgbClr r="0" g="0" b="0"/>
+      </a:effectRef>
+      <a:fontRef idx="minor">
+        <a:schemeClr val="lt1"/>
+      </a:fontRef>
+    </dgm:style>
+  </dgm:styleLbl>
+  <dgm:styleLbl name="node2">
+    <dgm:scene3d>
+      <a:camera prst="orthographicFront"/>
+      <a:lightRig rig="threePt" dir="t"/>
+    </dgm:scene3d>
+    <dgm:sp3d/>
+    <dgm:txPr/>
+    <dgm:style>
+      <a:lnRef idx="2">
+        <a:scrgbClr r="0" g="0" b="0"/>
+      </a:lnRef>
+      <a:fillRef idx="1">
+        <a:scrgbClr r="0" g="0" b="0"/>
+      </a:fillRef>
+      <a:effectRef idx="0">
+        <a:scrgbClr r="0" g="0" b="0"/>
+      </a:effectRef>
+      <a:fontRef idx="minor">
+        <a:schemeClr val="lt1"/>
+      </a:fontRef>
+    </dgm:style>
+  </dgm:styleLbl>
+  <dgm:styleLbl name="node3">
+    <dgm:scene3d>
+      <a:camera prst="orthographicFront"/>
+      <a:lightRig rig="threePt" dir="t"/>
+    </dgm:scene3d>
+    <dgm:sp3d/>
+    <dgm:txPr/>
+    <dgm:style>
+      <a:lnRef idx="2">
+        <a:scrgbClr r="0" g="0" b="0"/>
+      </a:lnRef>
+      <a:fillRef idx="1">
+        <a:scrgbClr r="0" g="0" b="0"/>
+      </a:fillRef>
+      <a:effectRef idx="0">
+        <a:scrgbClr r="0" g="0" b="0"/>
+      </a:effectRef>
+      <a:fontRef idx="minor">
+        <a:schemeClr val="lt1"/>
+      </a:fontRef>
+    </dgm:style>
+  </dgm:styleLbl>
+  <dgm:styleLbl name="node4">
+    <dgm:scene3d>
+      <a:camera prst="orthographicFront"/>
+      <a:lightRig rig="threePt" dir="t"/>
+    </dgm:scene3d>
+    <dgm:sp3d/>
+    <dgm:txPr/>
+    <dgm:style>
+      <a:lnRef idx="2">
+        <a:scrgbClr r="0" g="0" b="0"/>
+      </a:lnRef>
+      <a:fillRef idx="1">
+        <a:scrgbClr r="0" g="0" b="0"/>
+      </a:fillRef>
+      <a:effectRef idx="0">
+        <a:scrgbClr r="0" g="0" b="0"/>
+      </a:effectRef>
+      <a:fontRef idx="minor">
+        <a:schemeClr val="lt1"/>
+      </a:fontRef>
+    </dgm:style>
+  </dgm:styleLbl>
+  <dgm:styleLbl name="fgImgPlace1">
+    <dgm:scene3d>
+      <a:camera prst="orthographicFront"/>
+      <a:lightRig rig="threePt" dir="t"/>
+    </dgm:scene3d>
+    <dgm:sp3d/>
+    <dgm:txPr/>
+    <dgm:style>
+      <a:lnRef idx="2">
+        <a:scrgbClr r="0" g="0" b="0"/>
+      </a:lnRef>
+      <a:fillRef idx="1">
+        <a:scrgbClr r="0" g="0" b="0"/>
+      </a:fillRef>
+      <a:effectRef idx="0">
+        <a:scrgbClr r="0" g="0" b="0"/>
+      </a:effectRef>
+      <a:fontRef idx="minor"/>
+    </dgm:style>
+  </dgm:styleLbl>
+  <dgm:styleLbl name="alignImgPlace1">
+    <dgm:scene3d>
+      <a:camera prst="orthographicFront"/>
+      <a:lightRig rig="threePt" dir="t"/>
+    </dgm:scene3d>
+    <dgm:sp3d/>
+    <dgm:txPr/>
+    <dgm:style>
+      <a:lnRef idx="2">
+        <a:scrgbClr r="0" g="0" b="0"/>
+      </a:lnRef>
+      <a:fillRef idx="1">
+        <a:scrgbClr r="0" g="0" b="0"/>
+      </a:fillRef>
+      <a:effectRef idx="0">
+        <a:scrgbClr r="0" g="0" b="0"/>
+      </a:effectRef>
+      <a:fontRef idx="minor"/>
+    </dgm:style>
+  </dgm:styleLbl>
+  <dgm:styleLbl name="bgImgPlace1">
+    <dgm:scene3d>
+      <a:camera prst="orthographicFront"/>
+      <a:lightRig rig="threePt" dir="t"/>
+    </dgm:scene3d>
+    <dgm:sp3d/>
+    <dgm:txPr/>
+    <dgm:style>
+      <a:lnRef idx="2">
+        <a:scrgbClr r="0" g="0" b="0"/>
+      </a:lnRef>
+      <a:fillRef idx="1">
+        <a:scrgbClr r="0" g="0" b="0"/>
+      </a:fillRef>
+      <a:effectRef idx="0">
+        <a:scrgbClr r="0" g="0" b="0"/>
+      </a:effectRef>
+      <a:fontRef idx="minor"/>
+    </dgm:style>
+  </dgm:styleLbl>
+  <dgm:styleLbl name="sibTrans2D1">
+    <dgm:scene3d>
+      <a:camera prst="orthographicFront"/>
+      <a:lightRig rig="threePt" dir="t"/>
+    </dgm:scene3d>
+    <dgm:sp3d/>
+    <dgm:txPr/>
+    <dgm:style>
+      <a:lnRef idx="0">
+        <a:scrgbClr r="0" g="0" b="0"/>
+      </a:lnRef>
+      <a:fillRef idx="1">
+        <a:scrgbClr r="0" g="0" b="0"/>
+      </a:fillRef>
+      <a:effectRef idx="0">
+        <a:scrgbClr r="0" g="0" b="0"/>
+      </a:effectRef>
+      <a:fontRef idx="minor">
+        <a:schemeClr val="lt1"/>
+      </a:fontRef>
+    </dgm:style>
+  </dgm:styleLbl>
+  <dgm:styleLbl name="fgSibTrans2D1">
+    <dgm:scene3d>
+      <a:camera prst="orthographicFront"/>
+      <a:lightRig rig="threePt" dir="t"/>
+    </dgm:scene3d>
+    <dgm:sp3d/>
+    <dgm:txPr/>
+    <dgm:style>
+      <a:lnRef idx="0">
+        <a:scrgbClr r="0" g="0" b="0"/>
+      </a:lnRef>
+      <a:fillRef idx="1">
+        <a:scrgbClr r="0" g="0" b="0"/>
+      </a:fillRef>
+      <a:effectRef idx="0">
+        <a:scrgbClr r="0" g="0" b="0"/>
+      </a:effectRef>
+      <a:fontRef idx="minor">
+        <a:schemeClr val="lt1"/>
+      </a:fontRef>
+    </dgm:style>
+  </dgm:styleLbl>
+  <dgm:styleLbl name="bgSibTrans2D1">
+    <dgm:scene3d>
+      <a:camera prst="orthographicFront"/>
+      <a:lightRig rig="threePt" dir="t"/>
+    </dgm:scene3d>
+    <dgm:sp3d/>
+    <dgm:txPr/>
+    <dgm:style>
+      <a:lnRef idx="0">
+        <a:scrgbClr r="0" g="0" b="0"/>
+      </a:lnRef>
+      <a:fillRef idx="1">
+        <a:scrgbClr r="0" g="0" b="0"/>
+      </a:fillRef>
+      <a:effectRef idx="0">
+        <a:scrgbClr r="0" g="0" b="0"/>
+      </a:effectRef>
+      <a:fontRef idx="minor">
+        <a:schemeClr val="lt1"/>
+      </a:fontRef>
+    </dgm:style>
+  </dgm:styleLbl>
+  <dgm:styleLbl name="sibTrans1D1">
+    <dgm:scene3d>
+      <a:camera prst="orthographicFront"/>
+      <a:lightRig rig="threePt" dir="t"/>
+    </dgm:scene3d>
+    <dgm:sp3d/>
+    <dgm:txPr/>
+    <dgm:style>
+      <a:lnRef idx="1">
+        <a:scrgbClr r="0" g="0" b="0"/>
+      </a:lnRef>
+      <a:fillRef idx="0">
+        <a:scrgbClr r="0" g="0" b="0"/>
+      </a:fillRef>
+      <a:effectRef idx="0">
+        <a:scrgbClr r="0" g="0" b="0"/>
+      </a:effectRef>
+      <a:fontRef idx="minor"/>
+    </dgm:style>
+  </dgm:styleLbl>
+  <dgm:styleLbl name="callout">
+    <dgm:scene3d>
+      <a:camera prst="orthographicFront"/>
+      <a:lightRig rig="threePt" dir="t"/>
+    </dgm:scene3d>
+    <dgm:sp3d/>
+    <dgm:txPr/>
+    <dgm:style>
+      <a:lnRef idx="2">
+        <a:scrgbClr r="0" g="0" b="0"/>
+      </a:lnRef>
+      <a:fillRef idx="1">
+        <a:scrgbClr r="0" g="0" b="0"/>
+      </a:fillRef>
+      <a:effectRef idx="0">
+        <a:scrgbClr r="0" g="0" b="0"/>
+      </a:effectRef>
+      <a:fontRef idx="minor"/>
+    </dgm:style>
+  </dgm:styleLbl>
+  <dgm:styleLbl name="asst0">
+    <dgm:scene3d>
+      <a:camera prst="orthographicFront"/>
+      <a:lightRig rig="threePt" dir="t"/>
+    </dgm:scene3d>
+    <dgm:sp3d/>
+    <dgm:txPr/>
+    <dgm:style>
+      <a:lnRef idx="2">
+        <a:scrgbClr r="0" g="0" b="0"/>
+      </a:lnRef>
+      <a:fillRef idx="1">
+        <a:scrgbClr r="0" g="0" b="0"/>
+      </a:fillRef>
+      <a:effectRef idx="0">
+        <a:scrgbClr r="0" g="0" b="0"/>
+      </a:effectRef>
+      <a:fontRef idx="minor">
+        <a:schemeClr val="lt1"/>
+      </a:fontRef>
+    </dgm:style>
+  </dgm:styleLbl>
+  <dgm:styleLbl name="asst1">
+    <dgm:scene3d>
+      <a:camera prst="orthographicFront"/>
+      <a:lightRig rig="threePt" dir="t"/>
+    </dgm:scene3d>
+    <dgm:sp3d/>
+    <dgm:txPr/>
+    <dgm:style>
+      <a:lnRef idx="2">
+        <a:scrgbClr r="0" g="0" b="0"/>
+      </a:lnRef>
+      <a:fillRef idx="1">
+        <a:scrgbClr r="0" g="0" b="0"/>
+      </a:fillRef>
+      <a:effectRef idx="0">
+        <a:scrgbClr r="0" g="0" b="0"/>
+      </a:effectRef>
+      <a:fontRef idx="minor">
+        <a:schemeClr val="lt1"/>
+      </a:fontRef>
+    </dgm:style>
+  </dgm:styleLbl>
+  <dgm:styleLbl name="asst2">
+    <dgm:scene3d>
+      <a:camera prst="orthographicFront"/>
+      <a:lightRig rig="threePt" dir="t"/>
+    </dgm:scene3d>
+    <dgm:sp3d/>
+    <dgm:txPr/>
+    <dgm:style>
+      <a:lnRef idx="2">
+        <a:scrgbClr r="0" g="0" b="0"/>
+      </a:lnRef>
+      <a:fillRef idx="1">
+        <a:scrgbClr r="0" g="0" b="0"/>
+      </a:fillRef>
+      <a:effectRef idx="0">
+        <a:scrgbClr r="0" g="0" b="0"/>
+      </a:effectRef>
+      <a:fontRef idx="minor">
+        <a:schemeClr val="lt1"/>
+      </a:fontRef>
+    </dgm:style>
+  </dgm:styleLbl>
+  <dgm:styleLbl name="asst3">
+    <dgm:scene3d>
+      <a:camera prst="orthographicFront"/>
+      <a:lightRig rig="threePt" dir="t"/>
+    </dgm:scene3d>
+    <dgm:sp3d/>
+    <dgm:txPr/>
+    <dgm:style>
+      <a:lnRef idx="2">
+        <a:scrgbClr r="0" g="0" b="0"/>
+      </a:lnRef>
+      <a:fillRef idx="1">
+        <a:scrgbClr r="0" g="0" b="0"/>
+      </a:fillRef>
+      <a:effectRef idx="0">
+        <a:scrgbClr r="0" g="0" b="0"/>
+      </a:effectRef>
+      <a:fontRef idx="minor">
+        <a:schemeClr val="lt1"/>
+      </a:fontRef>
+    </dgm:style>
+  </dgm:styleLbl>
+  <dgm:styleLbl name="asst4">
+    <dgm:scene3d>
+      <a:camera prst="orthographicFront"/>
+      <a:lightRig rig="threePt" dir="t"/>
+    </dgm:scene3d>
+    <dgm:sp3d/>
+    <dgm:txPr/>
+    <dgm:style>
+      <a:lnRef idx="2">
+        <a:scrgbClr r="0" g="0" b="0"/>
+      </a:lnRef>
+      <a:fillRef idx="1">
+        <a:scrgbClr r="0" g="0" b="0"/>
+      </a:fillRef>
+      <a:effectRef idx="0">
+        <a:scrgbClr r="0" g="0" b="0"/>
+      </a:effectRef>
+      <a:fontRef idx="minor">
+        <a:schemeClr val="lt1"/>
+      </a:fontRef>
+    </dgm:style>
+  </dgm:styleLbl>
+  <dgm:styleLbl name="parChTrans2D1">
+    <dgm:scene3d>
+      <a:camera prst="orthographicFront"/>
+      <a:lightRig rig="threePt" dir="t"/>
+    </dgm:scene3d>
+    <dgm:sp3d/>
+    <dgm:txPr/>
+    <dgm:style>
+      <a:lnRef idx="2">
+        <a:scrgbClr r="0" g="0" b="0"/>
+      </a:lnRef>
+      <a:fillRef idx="1">
+        <a:scrgbClr r="0" g="0" b="0"/>
+      </a:fillRef>
+      <a:effectRef idx="0">
+        <a:scrgbClr r="0" g="0" b="0"/>
+      </a:effectRef>
+      <a:fontRef idx="minor">
+        <a:schemeClr val="lt1"/>
+      </a:fontRef>
+    </dgm:style>
+  </dgm:styleLbl>
+  <dgm:styleLbl name="parChTrans2D2">
+    <dgm:scene3d>
+      <a:camera prst="orthographicFront"/>
+      <a:lightRig rig="threePt" dir="t"/>
+    </dgm:scene3d>
+    <dgm:sp3d/>
+    <dgm:txPr/>
+    <dgm:style>
+      <a:lnRef idx="2">
+        <a:scrgbClr r="0" g="0" b="0"/>
+      </a:lnRef>
+      <a:fillRef idx="1">
+        <a:scrgbClr r="0" g="0" b="0"/>
+      </a:fillRef>
+      <a:effectRef idx="0">
+        <a:scrgbClr r="0" g="0" b="0"/>
+      </a:effectRef>
+      <a:fontRef idx="minor">
+        <a:schemeClr val="lt1"/>
+      </a:fontRef>
+    </dgm:style>
+  </dgm:styleLbl>
+  <dgm:styleLbl name="parChTrans2D3">
+    <dgm:scene3d>
+      <a:camera prst="orthographicFront"/>
+      <a:lightRig rig="threePt" dir="t"/>
+    </dgm:scene3d>
+    <dgm:sp3d/>
+    <dgm:txPr/>
+    <dgm:style>
+      <a:lnRef idx="2">
+        <a:scrgbClr r="0" g="0" b="0"/>
+      </a:lnRef>
+      <a:fillRef idx="1">
+        <a:scrgbClr r="0" g="0" b="0"/>
+      </a:fillRef>
+      <a:effectRef idx="0">
+        <a:scrgbClr r="0" g="0" b="0"/>
+      </a:effectRef>
+      <a:fontRef idx="minor">
+        <a:schemeClr val="lt1"/>
+      </a:fontRef>
+    </dgm:style>
+  </dgm:styleLbl>
+  <dgm:styleLbl name="parChTrans2D4">
+    <dgm:scene3d>
+      <a:camera prst="orthographicFront"/>
+      <a:lightRig rig="threePt" dir="t"/>
+    </dgm:scene3d>
+    <dgm:sp3d/>
+    <dgm:txPr/>
+    <dgm:style>
+      <a:lnRef idx="2">
+        <a:scrgbClr r="0" g="0" b="0"/>
+      </a:lnRef>
+      <a:fillRef idx="1">
+        <a:scrgbClr r="0" g="0" b="0"/>
+      </a:fillRef>
+      <a:effectRef idx="0">
+        <a:scrgbClr r="0" g="0" b="0"/>
+      </a:effectRef>
+      <a:fontRef idx="minor">
+        <a:schemeClr val="lt1"/>
+      </a:fontRef>
+    </dgm:style>
+  </dgm:styleLbl>
+  <dgm:styleLbl name="parChTrans1D1">
+    <dgm:scene3d>
+      <a:camera prst="orthographicFront"/>
+      <a:lightRig rig="threePt" dir="t"/>
+    </dgm:scene3d>
+    <dgm:sp3d/>
+    <dgm:txPr/>
+    <dgm:style>
+      <a:lnRef idx="2">
+        <a:scrgbClr r="0" g="0" b="0"/>
+      </a:lnRef>
+      <a:fillRef idx="0">
+        <a:scrgbClr r="0" g="0" b="0"/>
+      </a:fillRef>
+      <a:effectRef idx="0">
+        <a:scrgbClr r="0" g="0" b="0"/>
+      </a:effectRef>
+      <a:fontRef idx="minor"/>
+    </dgm:style>
+  </dgm:styleLbl>
+  <dgm:styleLbl name="parChTrans1D2">
+    <dgm:scene3d>
+      <a:camera prst="orthographicFront"/>
+      <a:lightRig rig="threePt" dir="t"/>
+    </dgm:scene3d>
+    <dgm:sp3d/>
+    <dgm:txPr/>
+    <dgm:style>
+      <a:lnRef idx="2">
+        <a:scrgbClr r="0" g="0" b="0"/>
+      </a:lnRef>
+      <a:fillRef idx="0">
+        <a:scrgbClr r="0" g="0" b="0"/>
+      </a:fillRef>
+      <a:effectRef idx="0">
+        <a:scrgbClr r="0" g="0" b="0"/>
+      </a:effectRef>
+      <a:fontRef idx="minor"/>
+    </dgm:style>
+  </dgm:styleLbl>
+  <dgm:styleLbl name="parChTrans1D3">
+    <dgm:scene3d>
+      <a:camera prst="orthographicFront"/>
+      <a:lightRig rig="threePt" dir="t"/>
+    </dgm:scene3d>
+    <dgm:sp3d/>
+    <dgm:txPr/>
+    <dgm:style>
+      <a:lnRef idx="2">
+        <a:scrgbClr r="0" g="0" b="0"/>
+      </a:lnRef>
+      <a:fillRef idx="0">
+        <a:scrgbClr r="0" g="0" b="0"/>
+      </a:fillRef>
+      <a:effectRef idx="0">
+        <a:scrgbClr r="0" g="0" b="0"/>
+      </a:effectRef>
+      <a:fontRef idx="minor"/>
+    </dgm:style>
+  </dgm:styleLbl>
+  <dgm:styleLbl name="parChTrans1D4">
+    <dgm:scene3d>
+      <a:camera prst="orthographicFront"/>
+      <a:lightRig rig="threePt" dir="t"/>
+    </dgm:scene3d>
+    <dgm:sp3d/>
+    <dgm:txPr/>
+    <dgm:style>
+      <a:lnRef idx="2">
+        <a:scrgbClr r="0" g="0" b="0"/>
+      </a:lnRef>
+      <a:fillRef idx="0">
+        <a:scrgbClr r="0" g="0" b="0"/>
+      </a:fillRef>
+      <a:effectRef idx="0">
+        <a:scrgbClr r="0" g="0" b="0"/>
+      </a:effectRef>
+      <a:fontRef idx="minor"/>
+    </dgm:style>
+  </dgm:styleLbl>
+  <dgm:styleLbl name="fgAcc1">
+    <dgm:scene3d>
+      <a:camera prst="orthographicFront"/>
+      <a:lightRig rig="threePt" dir="t"/>
+    </dgm:scene3d>
+    <dgm:sp3d/>
+    <dgm:txPr/>
+    <dgm:style>
+      <a:lnRef idx="2">
+        <a:scrgbClr r="0" g="0" b="0"/>
+      </a:lnRef>
+      <a:fillRef idx="1">
+        <a:scrgbClr r="0" g="0" b="0"/>
+      </a:fillRef>
+      <a:effectRef idx="0">
+        <a:scrgbClr r="0" g="0" b="0"/>
+      </a:effectRef>
+      <a:fontRef idx="minor"/>
+    </dgm:style>
+  </dgm:styleLbl>
+  <dgm:styleLbl name="conFgAcc1">
+    <dgm:scene3d>
+      <a:camera prst="orthographicFront"/>
+      <a:lightRig rig="threePt" dir="t"/>
+    </dgm:scene3d>
+    <dgm:sp3d/>
+    <dgm:txPr/>
+    <dgm:style>
+      <a:lnRef idx="2">
+        <a:scrgbClr r="0" g="0" b="0"/>
+      </a:lnRef>
+      <a:fillRef idx="1">
+        <a:scrgbClr r="0" g="0" b="0"/>
+      </a:fillRef>
+      <a:effectRef idx="0">
+        <a:scrgbClr r="0" g="0" b="0"/>
+      </a:effectRef>
+      <a:fontRef idx="minor"/>
+    </dgm:style>
+  </dgm:styleLbl>
+  <dgm:styleLbl name="alignAcc1">
+    <dgm:scene3d>
+      <a:camera prst="orthographicFront"/>
+      <a:lightRig rig="threePt" dir="t"/>
+    </dgm:scene3d>
+    <dgm:sp3d/>
+    <dgm:txPr/>
+    <dgm:style>
+      <a:lnRef idx="2">
+        <a:scrgbClr r="0" g="0" b="0"/>
+      </a:lnRef>
+      <a:fillRef idx="1">
+        <a:scrgbClr r="0" g="0" b="0"/>
+      </a:fillRef>
+      <a:effectRef idx="0">
+        <a:scrgbClr r="0" g="0" b="0"/>
+      </a:effectRef>
+      <a:fontRef idx="minor"/>
+    </dgm:style>
+  </dgm:styleLbl>
+  <dgm:styleLbl name="trAlignAcc1">
+    <dgm:scene3d>
+      <a:camera prst="orthographicFront"/>
+      <a:lightRig rig="threePt" dir="t"/>
+    </dgm:scene3d>
+    <dgm:sp3d/>
+    <dgm:txPr/>
+    <dgm:style>
+      <a:lnRef idx="1">
+        <a:scrgbClr r="0" g="0" b="0"/>
+      </a:lnRef>
+      <a:fillRef idx="1">
+        <a:scrgbClr r="0" g="0" b="0"/>
+      </a:fillRef>
+      <a:effectRef idx="0">
+        <a:scrgbClr r="0" g="0" b="0"/>
+      </a:effectRef>
+      <a:fontRef idx="minor"/>
+    </dgm:style>
+  </dgm:styleLbl>
+  <dgm:styleLbl name="bgAcc1">
+    <dgm:scene3d>
+      <a:camera prst="orthographicFront"/>
+      <a:lightRig rig="threePt" dir="t"/>
+    </dgm:scene3d>
+    <dgm:sp3d/>
+    <dgm:txPr/>
+    <dgm:style>
+      <a:lnRef idx="2">
+        <a:scrgbClr r="0" g="0" b="0"/>
+      </a:lnRef>
+      <a:fillRef idx="1">
+        <a:scrgbClr r="0" g="0" b="0"/>
+      </a:fillRef>
+      <a:effectRef idx="0">
+        <a:scrgbClr r="0" g="0" b="0"/>
+      </a:effectRef>
+      <a:fontRef idx="minor"/>
+    </dgm:style>
+  </dgm:styleLbl>
+  <dgm:styleLbl name="solidFgAcc1">
+    <dgm:scene3d>
+      <a:camera prst="orthographicFront"/>
+      <a:lightRig rig="threePt" dir="t"/>
+    </dgm:scene3d>
+    <dgm:sp3d/>
+    <dgm:txPr/>
+    <dgm:style>
+      <a:lnRef idx="2">
+        <a:scrgbClr r="0" g="0" b="0"/>
+      </a:lnRef>
+      <a:fillRef idx="1">
+        <a:scrgbClr r="0" g="0" b="0"/>
+      </a:fillRef>
+      <a:effectRef idx="0">
+        <a:scrgbClr r="0" g="0" b="0"/>
+      </a:effectRef>
+      <a:fontRef idx="minor"/>
+    </dgm:style>
+  </dgm:styleLbl>
+  <dgm:styleLbl name="solidAlignAcc1">
+    <dgm:scene3d>
+      <a:camera prst="orthographicFront"/>
+      <a:lightRig rig="threePt" dir="t"/>
+    </dgm:scene3d>
+    <dgm:sp3d/>
+    <dgm:txPr/>
+    <dgm:style>
+      <a:lnRef idx="2">
+        <a:scrgbClr r="0" g="0" b="0"/>
+      </a:lnRef>
+      <a:fillRef idx="1">
+        <a:scrgbClr r="0" g="0" b="0"/>
+      </a:fillRef>
+      <a:effectRef idx="0">
+        <a:scrgbClr r="0" g="0" b="0"/>
+      </a:effectRef>
+      <a:fontRef idx="minor"/>
+    </dgm:style>
+  </dgm:styleLbl>
+  <dgm:styleLbl name="solidBgAcc1">
+    <dgm:scene3d>
+      <a:camera prst="orthographicFront"/>
+      <a:lightRig rig="threePt" dir="t"/>
+    </dgm:scene3d>
+    <dgm:sp3d/>
+    <dgm:txPr/>
+    <dgm:style>
+      <a:lnRef idx="2">
+        <a:scrgbClr r="0" g="0" b="0"/>
+      </a:lnRef>
+      <a:fillRef idx="1">
+        <a:scrgbClr r="0" g="0" b="0"/>
+      </a:fillRef>
+      <a:effectRef idx="0">
+        <a:scrgbClr r="0" g="0" b="0"/>
+      </a:effectRef>
+      <a:fontRef idx="minor"/>
+    </dgm:style>
+  </dgm:styleLbl>
+  <dgm:styleLbl name="fgAccFollowNode1">
+    <dgm:scene3d>
+      <a:camera prst="orthographicFront"/>
+      <a:lightRig rig="threePt" dir="t"/>
+    </dgm:scene3d>
+    <dgm:sp3d/>
+    <dgm:txPr/>
+    <dgm:style>
+      <a:lnRef idx="2">
+        <a:scrgbClr r="0" g="0" b="0"/>
+      </a:lnRef>
+      <a:fillRef idx="1">
+        <a:scrgbClr r="0" g="0" b="0"/>
+      </a:fillRef>
+      <a:effectRef idx="0">
+        <a:scrgbClr r="0" g="0" b="0"/>
+      </a:effectRef>
+      <a:fontRef idx="minor"/>
+    </dgm:style>
+  </dgm:styleLbl>
+  <dgm:styleLbl name="alignAccFollowNode1">
+    <dgm:scene3d>
+      <a:camera prst="orthographicFront"/>
+      <a:lightRig rig="threePt" dir="t"/>
+    </dgm:scene3d>
+    <dgm:sp3d/>
+    <dgm:txPr/>
+    <dgm:style>
+      <a:lnRef idx="2">
+        <a:scrgbClr r="0" g="0" b="0"/>
+      </a:lnRef>
+      <a:fillRef idx="1">
+        <a:scrgbClr r="0" g="0" b="0"/>
+      </a:fillRef>
+      <a:effectRef idx="0">
+        <a:scrgbClr r="0" g="0" b="0"/>
+      </a:effectRef>
+      <a:fontRef idx="minor"/>
+    </dgm:style>
+  </dgm:styleLbl>
+  <dgm:styleLbl name="bgAccFollowNode1">
+    <dgm:scene3d>
+      <a:camera prst="orthographicFront"/>
+      <a:lightRig rig="threePt" dir="t"/>
+    </dgm:scene3d>
+    <dgm:sp3d/>
+    <dgm:txPr/>
+    <dgm:style>
+      <a:lnRef idx="2">
+        <a:scrgbClr r="0" g="0" b="0"/>
+      </a:lnRef>
+      <a:fillRef idx="1">
+        <a:scrgbClr r="0" g="0" b="0"/>
+      </a:fillRef>
+      <a:effectRef idx="0">
+        <a:scrgbClr r="0" g="0" b="0"/>
+      </a:effectRef>
+      <a:fontRef idx="minor"/>
+    </dgm:style>
+  </dgm:styleLbl>
+  <dgm:styleLbl name="fgAcc0">
+    <dgm:scene3d>
+      <a:camera prst="orthographicFront"/>
+      <a:lightRig rig="threePt" dir="t"/>
+    </dgm:scene3d>
+    <dgm:sp3d/>
+    <dgm:txPr/>
+    <dgm:style>
+      <a:lnRef idx="2">
+        <a:scrgbClr r="0" g="0" b="0"/>
+      </a:lnRef>
+      <a:fillRef idx="1">
+        <a:scrgbClr r="0" g="0" b="0"/>
+      </a:fillRef>
+      <a:effectRef idx="0">
+        <a:scrgbClr r="0" g="0" b="0"/>
+      </a:effectRef>
+      <a:fontRef idx="minor"/>
+    </dgm:style>
+  </dgm:styleLbl>
+  <dgm:styleLbl name="fgAcc2">
+    <dgm:scene3d>
+      <a:camera prst="orthographicFront"/>
+      <a:lightRig rig="threePt" dir="t"/>
+    </dgm:scene3d>
+    <dgm:sp3d/>
+    <dgm:txPr/>
+    <dgm:style>
+      <a:lnRef idx="2">
+        <a:scrgbClr r="0" g="0" b="0"/>
+      </a:lnRef>
+      <a:fillRef idx="1">
+        <a:scrgbClr r="0" g="0" b="0"/>
+      </a:fillRef>
+      <a:effectRef idx="0">
+        <a:scrgbClr r="0" g="0" b="0"/>
+      </a:effectRef>
+      <a:fontRef idx="minor"/>
+    </dgm:style>
+  </dgm:styleLbl>
+  <dgm:styleLbl name="fgAcc3">
+    <dgm:scene3d>
+      <a:camera prst="orthographicFront"/>
+      <a:lightRig rig="threePt" dir="t"/>
+    </dgm:scene3d>
+    <dgm:sp3d/>
+    <dgm:txPr/>
+    <dgm:style>
+      <a:lnRef idx="2">
+        <a:scrgbClr r="0" g="0" b="0"/>
+      </a:lnRef>
+      <a:fillRef idx="1">
+        <a:scrgbClr r="0" g="0" b="0"/>
+      </a:fillRef>
+      <a:effectRef idx="0">
+        <a:scrgbClr r="0" g="0" b="0"/>
+      </a:effectRef>
+      <a:fontRef idx="minor"/>
+    </dgm:style>
+  </dgm:styleLbl>
+  <dgm:styleLbl name="fgAcc4">
+    <dgm:scene3d>
+      <a:camera prst="orthographicFront"/>
+      <a:lightRig rig="threePt" dir="t"/>
+    </dgm:scene3d>
+    <dgm:sp3d/>
+    <dgm:txPr/>
+    <dgm:style>
+      <a:lnRef idx="2">
+        <a:scrgbClr r="0" g="0" b="0"/>
+      </a:lnRef>
+      <a:fillRef idx="1">
+        <a:scrgbClr r="0" g="0" b="0"/>
+      </a:fillRef>
+      <a:effectRef idx="0">
+        <a:scrgbClr r="0" g="0" b="0"/>
+      </a:effectRef>
+      <a:fontRef idx="minor"/>
+    </dgm:style>
+  </dgm:styleLbl>
+  <dgm:styleLbl name="bgShp">
+    <dgm:scene3d>
+      <a:camera prst="orthographicFront"/>
+      <a:lightRig rig="threePt" dir="t"/>
+    </dgm:scene3d>
+    <dgm:sp3d/>
+    <dgm:txPr/>
+    <dgm:style>
+      <a:lnRef idx="0">
+        <a:scrgbClr r="0" g="0" b="0"/>
+      </a:lnRef>
+      <a:fillRef idx="1">
+        <a:scrgbClr r="0" g="0" b="0"/>
+      </a:fillRef>
+      <a:effectRef idx="0">
+        <a:scrgbClr r="0" g="0" b="0"/>
+      </a:effectRef>
+      <a:fontRef idx="minor"/>
+    </dgm:style>
+  </dgm:styleLbl>
+  <dgm:styleLbl name="dkBgShp">
+    <dgm:scene3d>
+      <a:camera prst="orthographicFront"/>
+      <a:lightRig rig="threePt" dir="t"/>
+    </dgm:scene3d>
+    <dgm:sp3d/>
+    <dgm:txPr/>
+    <dgm:style>
+      <a:lnRef idx="0">
+        <a:scrgbClr r="0" g="0" b="0"/>
+      </a:lnRef>
+      <a:fillRef idx="1">
+        <a:scrgbClr r="0" g="0" b="0"/>
+      </a:fillRef>
+      <a:effectRef idx="0">
+        <a:scrgbClr r="0" g="0" b="0"/>
+      </a:effectRef>
+      <a:fontRef idx="minor"/>
+    </dgm:style>
+  </dgm:styleLbl>
+  <dgm:styleLbl name="trBgShp">
+    <dgm:scene3d>
+      <a:camera prst="orthographicFront"/>
+      <a:lightRig rig="threePt" dir="t"/>
+    </dgm:scene3d>
+    <dgm:sp3d/>
+    <dgm:txPr/>
+    <dgm:style>
+      <a:lnRef idx="0">
+        <a:scrgbClr r="0" g="0" b="0"/>
+      </a:lnRef>
+      <a:fillRef idx="1">
+        <a:scrgbClr r="0" g="0" b="0"/>
+      </a:fillRef>
+      <a:effectRef idx="0">
+        <a:scrgbClr r="0" g="0" b="0"/>
+      </a:effectRef>
+      <a:fontRef idx="minor"/>
+    </dgm:style>
+  </dgm:styleLbl>
+  <dgm:styleLbl name="fgShp">
+    <dgm:scene3d>
+      <a:camera prst="orthographicFront"/>
+      <a:lightRig rig="threePt" dir="t"/>
+    </dgm:scene3d>
+    <dgm:sp3d/>
+    <dgm:txPr/>
+    <dgm:style>
+      <a:lnRef idx="2">
+        <a:scrgbClr r="0" g="0" b="0"/>
+      </a:lnRef>
+      <a:fillRef idx="1">
+        <a:scrgbClr r="0" g="0" b="0"/>
+      </a:fillRef>
+      <a:effectRef idx="0">
+        <a:scrgbClr r="0" g="0" b="0"/>
+      </a:effectRef>
+      <a:fontRef idx="minor"/>
+    </dgm:style>
+  </dgm:styleLbl>
+  <dgm:styleLbl name="revTx">
+    <dgm:scene3d>
+      <a:camera prst="orthographicFront"/>
+      <a:lightRig rig="threePt" dir="t"/>
+    </dgm:scene3d>
+    <dgm:sp3d/>
+    <dgm:txPr/>
+    <dgm:style>
+      <a:lnRef idx="0">
+        <a:scrgbClr r="0" g="0" b="0"/>
+      </a:lnRef>
+      <a:fillRef idx="0">
+        <a:scrgbClr r="0" g="0" b="0"/>
+      </a:fillRef>
+      <a:effectRef idx="0">
+        <a:scrgbClr r="0" g="0" b="0"/>
+      </a:effectRef>
+      <a:fontRef idx="minor"/>
+    </dgm:style>
+  </dgm:styleLbl>
+</dgm:styleDef>
+</file>
+
+<file path=ppt/diagrams/quickStyle2.xml><?xml version="1.0" encoding="utf-8"?>
 <dgm:styleDef xmlns:dgm="http://schemas.openxmlformats.org/drawingml/2006/diagram" xmlns:a="http://schemas.openxmlformats.org/drawingml/2006/main" uniqueId="urn:microsoft.com/office/officeart/2005/8/quickstyle/simple1">
   <dgm:title val=""/>
   <dgm:desc val=""/>
@@ -11111,12 +13720,7 @@
             <p:ph type="title"/>
           </p:nvPr>
         </p:nvSpPr>
-        <p:spPr>
-          <a:xfrm>
-            <a:off x="666824" y="703902"/>
-            <a:ext cx="8596668" cy="1826581"/>
-          </a:xfrm>
-        </p:spPr>
+        <p:spPr/>
         <p:txBody>
           <a:bodyPr>
             <a:normAutofit/>
@@ -11161,6 +13765,79 @@
               <a:latin typeface="Arial" panose="020B0604020202020204" pitchFamily="34" charset="0"/>
               <a:cs typeface="Arial" panose="020B0604020202020204" pitchFamily="34" charset="0"/>
             </a:endParaRPr>
+          </a:p>
+        </p:txBody>
+      </p:sp>
+      <p:sp>
+        <p:nvSpPr>
+          <p:cNvPr id="2" name="Content Placeholder 1"/>
+          <p:cNvSpPr>
+            <a:spLocks noGrp="1"/>
+          </p:cNvSpPr>
+          <p:nvPr>
+            <p:ph idx="1"/>
+          </p:nvPr>
+        </p:nvSpPr>
+        <p:spPr/>
+        <p:txBody>
+          <a:bodyPr/>
+          <a:lstStyle/>
+          <a:p>
+            <a:r>
+              <a:rPr lang="en-US" dirty="0">
+                <a:latin typeface="Arial" panose="020B0604020202020204" pitchFamily="34" charset="0"/>
+                <a:cs typeface="Arial" panose="020B0604020202020204" pitchFamily="34" charset="0"/>
+              </a:rPr>
+              <a:t>Image Sheets</a:t>
+            </a:r>
+          </a:p>
+          <a:p>
+            <a:r>
+              <a:rPr lang="en-US" dirty="0">
+                <a:latin typeface="Arial" panose="020B0604020202020204" pitchFamily="34" charset="0"/>
+                <a:cs typeface="Arial" panose="020B0604020202020204" pitchFamily="34" charset="0"/>
+              </a:rPr>
+              <a:t>Animation Sequences</a:t>
+            </a:r>
+          </a:p>
+          <a:p>
+            <a:r>
+              <a:rPr lang="en-US" dirty="0">
+                <a:latin typeface="Arial" panose="020B0604020202020204" pitchFamily="34" charset="0"/>
+                <a:cs typeface="Arial" panose="020B0604020202020204" pitchFamily="34" charset="0"/>
+              </a:rPr>
+              <a:t>Sprite Objects</a:t>
+            </a:r>
+          </a:p>
+          <a:p>
+            <a:r>
+              <a:rPr lang="en-US" dirty="0">
+                <a:latin typeface="Arial" panose="020B0604020202020204" pitchFamily="34" charset="0"/>
+                <a:cs typeface="Arial" panose="020B0604020202020204" pitchFamily="34" charset="0"/>
+              </a:rPr>
+              <a:t>Sprite Control Methods</a:t>
+            </a:r>
+          </a:p>
+          <a:p>
+            <a:r>
+              <a:rPr lang="en-US" dirty="0">
+                <a:latin typeface="Arial" panose="020B0604020202020204" pitchFamily="34" charset="0"/>
+                <a:cs typeface="Arial" panose="020B0604020202020204" pitchFamily="34" charset="0"/>
+              </a:rPr>
+              <a:t>Sprite Properties</a:t>
+            </a:r>
+          </a:p>
+          <a:p>
+            <a:r>
+              <a:rPr lang="en-US" dirty="0">
+                <a:latin typeface="Arial" panose="020B0604020202020204" pitchFamily="34" charset="0"/>
+                <a:cs typeface="Arial" panose="020B0604020202020204" pitchFamily="34" charset="0"/>
+              </a:rPr>
+              <a:t>Sprite Events</a:t>
+            </a:r>
+          </a:p>
+          <a:p>
+            <a:endParaRPr lang="en-US" dirty="0"/>
           </a:p>
         </p:txBody>
       </p:sp>
@@ -11751,6 +14428,13 @@
   <p:clrMapOvr>
     <a:masterClrMapping/>
   </p:clrMapOvr>
+  <p:timing>
+    <p:tnLst>
+      <p:par>
+        <p:cTn id="1" dur="indefinite" restart="never" nodeType="tmRoot"/>
+      </p:par>
+    </p:tnLst>
+  </p:timing>
 </p:sld>
 </file>
 
@@ -11884,6 +14568,13 @@
   <p:clrMapOvr>
     <a:masterClrMapping/>
   </p:clrMapOvr>
+  <p:timing>
+    <p:tnLst>
+      <p:par>
+        <p:cTn id="1" dur="indefinite" restart="never" nodeType="tmRoot"/>
+      </p:par>
+    </p:tnLst>
+  </p:timing>
 </p:sld>
 </file>
 
@@ -11939,8 +14630,8 @@
           </a:p>
         </p:txBody>
       </p:sp>
-      <mc:AlternateContent xmlns:mc="http://schemas.openxmlformats.org/markup-compatibility/2006">
-        <mc:Choice xmlns:a14="http://schemas.microsoft.com/office/drawing/2010/main" Requires="a14">
+      <mc:AlternateContent xmlns:mc="http://schemas.openxmlformats.org/markup-compatibility/2006" xmlns:a14="http://schemas.microsoft.com/office/drawing/2010/main">
+        <mc:Choice Requires="a14">
           <p:sp>
             <p:nvSpPr>
               <p:cNvPr id="3" name="Content Placeholder 2"/>
@@ -12046,7 +14737,7 @@
             </p:txBody>
           </p:sp>
         </mc:Choice>
-        <mc:Fallback>
+        <mc:Fallback xmlns="">
           <p:sp>
             <p:nvSpPr>
               <p:cNvPr id="3" name="Content Placeholder 2"/>
@@ -12114,6 +14805,13 @@
   <p:clrMapOvr>
     <a:masterClrMapping/>
   </p:clrMapOvr>
+  <p:timing>
+    <p:tnLst>
+      <p:par>
+        <p:cTn id="1" dur="indefinite" restart="never" nodeType="tmRoot"/>
+      </p:par>
+    </p:tnLst>
+  </p:timing>
 </p:sld>
 </file>
 
@@ -12237,6 +14935,13 @@
   <p:clrMapOvr>
     <a:masterClrMapping/>
   </p:clrMapOvr>
+  <p:timing>
+    <p:tnLst>
+      <p:par>
+        <p:cTn id="1" dur="indefinite" restart="never" nodeType="tmRoot"/>
+      </p:par>
+    </p:tnLst>
+  </p:timing>
 </p:sld>
 </file>
 
@@ -12353,6 +15058,13 @@
   <p:clrMapOvr>
     <a:masterClrMapping/>
   </p:clrMapOvr>
+  <p:timing>
+    <p:tnLst>
+      <p:par>
+        <p:cTn id="1" dur="indefinite" restart="never" nodeType="tmRoot"/>
+      </p:par>
+    </p:tnLst>
+  </p:timing>
 </p:sld>
 </file>
 
@@ -12419,7 +15131,7 @@
         </p:spPr>
         <p:txBody>
           <a:bodyPr>
-            <a:normAutofit/>
+            <a:normAutofit fontScale="92500" lnSpcReduction="20000"/>
           </a:bodyPr>
           <a:lstStyle/>
           <a:p>
@@ -12434,32 +15146,25 @@
           <a:p>
             <a:pPr lvl="1"/>
             <a:r>
-              <a:rPr lang="vi-VN" dirty="0" err="1" smtClean="0">
+              <a:rPr lang="en-US" dirty="0" smtClean="0">
                 <a:latin typeface="Arial" panose="020B0604020202020204" pitchFamily="34" charset="0"/>
                 <a:cs typeface="Arial" panose="020B0604020202020204" pitchFamily="34" charset="0"/>
               </a:rPr>
-              <a:t>Display</a:t>
+              <a:t>Display Object</a:t>
             </a:r>
             <a:r>
               <a:rPr lang="vi-VN" dirty="0" smtClean="0">
                 <a:latin typeface="Arial" panose="020B0604020202020204" pitchFamily="34" charset="0"/>
                 <a:cs typeface="Arial" panose="020B0604020202020204" pitchFamily="34" charset="0"/>
               </a:rPr>
-              <a:t> </a:t>
-            </a:r>
-            <a:r>
-              <a:rPr lang="vi-VN" dirty="0" err="1" smtClean="0">
-                <a:latin typeface="Arial" panose="020B0604020202020204" pitchFamily="34" charset="0"/>
-                <a:cs typeface="Arial" panose="020B0604020202020204" pitchFamily="34" charset="0"/>
-              </a:rPr>
-              <a:t>Object</a:t>
+              <a:t>( </a:t>
             </a:r>
             <a:r>
               <a:rPr lang="vi-VN" dirty="0" smtClean="0">
                 <a:latin typeface="Arial" panose="020B0604020202020204" pitchFamily="34" charset="0"/>
                 <a:cs typeface="Arial" panose="020B0604020202020204" pitchFamily="34" charset="0"/>
               </a:rPr>
-              <a:t>( đối tượng hiển thị).</a:t>
+              <a:t>đối tượng hiển thị).</a:t>
             </a:r>
           </a:p>
           <a:p>
@@ -12526,6 +15231,105 @@
               </a:rPr>
               <a:t>Objects</a:t>
             </a:r>
+            <a:endParaRPr lang="vi-VN" dirty="0" smtClean="0">
+              <a:latin typeface="Arial" panose="020B0604020202020204" pitchFamily="34" charset="0"/>
+              <a:cs typeface="Arial" panose="020B0604020202020204" pitchFamily="34" charset="0"/>
+            </a:endParaRPr>
+          </a:p>
+          <a:p>
+            <a:pPr lvl="1"/>
+            <a:r>
+              <a:rPr lang="en-US" dirty="0" smtClean="0">
+                <a:cs typeface="Arial" panose="020B0604020202020204" pitchFamily="34" charset="0"/>
+              </a:rPr>
+              <a:t>Sprite Animation</a:t>
+            </a:r>
+            <a:r>
+              <a:rPr lang="vi-VN" dirty="0" smtClean="0">
+                <a:cs typeface="Arial" panose="020B0604020202020204" pitchFamily="34" charset="0"/>
+              </a:rPr>
+              <a:t>( </a:t>
+            </a:r>
+            <a:r>
+              <a:rPr lang="vi-VN" dirty="0">
+                <a:cs typeface="Arial" panose="020B0604020202020204" pitchFamily="34" charset="0"/>
+              </a:rPr>
+              <a:t>bóng hoạt hình).</a:t>
+            </a:r>
+          </a:p>
+          <a:p>
+            <a:pPr lvl="2"/>
+            <a:r>
+              <a:rPr lang="en-US" dirty="0">
+                <a:latin typeface="Arial" panose="020B0604020202020204" pitchFamily="34" charset="0"/>
+                <a:cs typeface="Arial" panose="020B0604020202020204" pitchFamily="34" charset="0"/>
+              </a:rPr>
+              <a:t>Image Sheets</a:t>
+            </a:r>
+          </a:p>
+          <a:p>
+            <a:pPr lvl="2"/>
+            <a:r>
+              <a:rPr lang="en-US" dirty="0">
+                <a:latin typeface="Arial" panose="020B0604020202020204" pitchFamily="34" charset="0"/>
+                <a:cs typeface="Arial" panose="020B0604020202020204" pitchFamily="34" charset="0"/>
+              </a:rPr>
+              <a:t>Animation Sequences</a:t>
+            </a:r>
+          </a:p>
+          <a:p>
+            <a:pPr lvl="2"/>
+            <a:r>
+              <a:rPr lang="en-US" dirty="0">
+                <a:latin typeface="Arial" panose="020B0604020202020204" pitchFamily="34" charset="0"/>
+                <a:cs typeface="Arial" panose="020B0604020202020204" pitchFamily="34" charset="0"/>
+              </a:rPr>
+              <a:t>Sprite Objects</a:t>
+            </a:r>
+          </a:p>
+          <a:p>
+            <a:pPr lvl="2"/>
+            <a:r>
+              <a:rPr lang="en-US" dirty="0">
+                <a:latin typeface="Arial" panose="020B0604020202020204" pitchFamily="34" charset="0"/>
+                <a:cs typeface="Arial" panose="020B0604020202020204" pitchFamily="34" charset="0"/>
+              </a:rPr>
+              <a:t>Sprite Control Methods</a:t>
+            </a:r>
+          </a:p>
+          <a:p>
+            <a:pPr lvl="2"/>
+            <a:r>
+              <a:rPr lang="en-US" dirty="0">
+                <a:latin typeface="Arial" panose="020B0604020202020204" pitchFamily="34" charset="0"/>
+                <a:cs typeface="Arial" panose="020B0604020202020204" pitchFamily="34" charset="0"/>
+              </a:rPr>
+              <a:t>Sprite Properties</a:t>
+            </a:r>
+          </a:p>
+          <a:p>
+            <a:pPr lvl="2"/>
+            <a:r>
+              <a:rPr lang="en-US" dirty="0">
+                <a:latin typeface="Arial" panose="020B0604020202020204" pitchFamily="34" charset="0"/>
+                <a:cs typeface="Arial" panose="020B0604020202020204" pitchFamily="34" charset="0"/>
+              </a:rPr>
+              <a:t>Sprite Events</a:t>
+            </a:r>
+          </a:p>
+          <a:p>
+            <a:pPr lvl="1"/>
+            <a:r>
+              <a:rPr lang="vi-VN" dirty="0">
+                <a:cs typeface="Arial" panose="020B0604020202020204" pitchFamily="34" charset="0"/>
+              </a:rPr>
+              <a:t/>
+            </a:r>
+            <a:br>
+              <a:rPr lang="vi-VN" dirty="0">
+                <a:cs typeface="Arial" panose="020B0604020202020204" pitchFamily="34" charset="0"/>
+              </a:rPr>
+            </a:br>
             <a:endParaRPr lang="vi-VN" dirty="0" smtClean="0">
               <a:latin typeface="Arial" panose="020B0604020202020204" pitchFamily="34" charset="0"/>
               <a:cs typeface="Arial" panose="020B0604020202020204" pitchFamily="34" charset="0"/>
@@ -12653,6 +15457,13 @@
   <p:clrMapOvr>
     <a:masterClrMapping/>
   </p:clrMapOvr>
+  <p:timing>
+    <p:tnLst>
+      <p:par>
+        <p:cTn id="1" dur="indefinite" restart="never" nodeType="tmRoot"/>
+      </p:par>
+    </p:tnLst>
+  </p:timing>
 </p:sld>
 </file>
 
@@ -12921,6 +15732,13 @@
   <p:clrMapOvr>
     <a:masterClrMapping/>
   </p:clrMapOvr>
+  <p:timing>
+    <p:tnLst>
+      <p:par>
+        <p:cTn id="1" dur="indefinite" restart="never" nodeType="tmRoot"/>
+      </p:par>
+    </p:tnLst>
+  </p:timing>
 </p:sld>
 </file>
 
@@ -13129,6 +15947,13 @@
   <p:clrMapOvr>
     <a:masterClrMapping/>
   </p:clrMapOvr>
+  <p:timing>
+    <p:tnLst>
+      <p:par>
+        <p:cTn id="1" dur="indefinite" restart="never" nodeType="tmRoot"/>
+      </p:par>
+    </p:tnLst>
+  </p:timing>
 </p:sld>
 </file>
 
@@ -13190,6 +16015,119 @@
           <a:bodyPr/>
           <a:lstStyle/>
           <a:p>
+            <a:r>
+              <a:rPr lang="en-US" dirty="0"/>
+              <a:t>Physics </a:t>
+            </a:r>
+            <a:r>
+              <a:rPr lang="en-US" dirty="0" smtClean="0"/>
+              <a:t>Setup</a:t>
+            </a:r>
+          </a:p>
+          <a:p>
+            <a:pPr lvl="1"/>
+            <a:r>
+              <a:rPr lang="en-US" dirty="0" err="1" smtClean="0"/>
+              <a:t>Tổng</a:t>
+            </a:r>
+            <a:r>
+              <a:rPr lang="en-US" dirty="0" smtClean="0"/>
+              <a:t> </a:t>
+            </a:r>
+            <a:r>
+              <a:rPr lang="en-US" dirty="0" err="1" smtClean="0"/>
+              <a:t>quan</a:t>
+            </a:r>
+            <a:endParaRPr lang="en-US" dirty="0" smtClean="0"/>
+          </a:p>
+          <a:p>
+            <a:pPr lvl="1"/>
+            <a:r>
+              <a:rPr lang="en-US" dirty="0" err="1" smtClean="0"/>
+              <a:t>Cài</a:t>
+            </a:r>
+            <a:r>
+              <a:rPr lang="en-US" dirty="0" smtClean="0"/>
+              <a:t> </a:t>
+            </a:r>
+            <a:r>
+              <a:rPr lang="en-US" dirty="0" err="1" smtClean="0"/>
+              <a:t>đặt</a:t>
+            </a:r>
+            <a:r>
+              <a:rPr lang="en-US" dirty="0" smtClean="0"/>
+              <a:t> </a:t>
+            </a:r>
+            <a:r>
+              <a:rPr lang="en-US" dirty="0" err="1" smtClean="0"/>
+              <a:t>vật</a:t>
+            </a:r>
+            <a:r>
+              <a:rPr lang="en-US" dirty="0" smtClean="0"/>
+              <a:t> </a:t>
+            </a:r>
+            <a:r>
+              <a:rPr lang="en-US" dirty="0" err="1" smtClean="0"/>
+              <a:t>ly</a:t>
+            </a:r>
+            <a:r>
+              <a:rPr lang="en-US" dirty="0" smtClean="0"/>
+              <a:t>́</a:t>
+            </a:r>
+            <a:endParaRPr lang="vi-VN" dirty="0" smtClean="0"/>
+          </a:p>
+          <a:p>
+            <a:r>
+              <a:rPr lang="en-US" dirty="0"/>
+              <a:t>Physics </a:t>
+            </a:r>
+            <a:r>
+              <a:rPr lang="en-US" dirty="0" smtClean="0"/>
+              <a:t>Bodies</a:t>
+            </a:r>
+          </a:p>
+          <a:p>
+            <a:pPr lvl="1"/>
+            <a:r>
+              <a:rPr lang="vi-VN" dirty="0"/>
+              <a:t>Tổng quan</a:t>
+            </a:r>
+          </a:p>
+          <a:p>
+            <a:pPr lvl="1"/>
+            <a:r>
+              <a:rPr lang="vi-VN" dirty="0"/>
+              <a:t>Tạo </a:t>
+            </a:r>
+            <a:r>
+              <a:rPr lang="en-US" dirty="0"/>
+              <a:t>physic body</a:t>
+            </a:r>
+          </a:p>
+          <a:p>
+            <a:pPr lvl="2"/>
+            <a:r>
+              <a:rPr lang="en-US" dirty="0"/>
+              <a:t>Physical property</a:t>
+            </a:r>
+          </a:p>
+          <a:p>
+            <a:pPr lvl="2"/>
+            <a:r>
+              <a:rPr lang="en-US" dirty="0"/>
+              <a:t>Body type</a:t>
+            </a:r>
+          </a:p>
+          <a:p>
+            <a:pPr lvl="1"/>
+            <a:r>
+              <a:rPr lang="en-US" dirty="0"/>
+              <a:t>Multi-Element </a:t>
+            </a:r>
+            <a:r>
+              <a:rPr lang="en-US" dirty="0" smtClean="0"/>
+              <a:t>Body</a:t>
+            </a:r>
             <a:endParaRPr lang="en-US" dirty="0"/>
           </a:p>
         </p:txBody>
@@ -13204,6 +16142,916 @@
   <p:clrMapOvr>
     <a:masterClrMapping/>
   </p:clrMapOvr>
+  <p:timing>
+    <p:tnLst>
+      <p:par>
+        <p:cTn id="1" dur="indefinite" restart="never" nodeType="tmRoot"/>
+      </p:par>
+    </p:tnLst>
+  </p:timing>
+</p:sld>
+</file>
+
+<file path=ppt/slides/slide34.xml><?xml version="1.0" encoding="utf-8"?>
+<p:sld xmlns:a="http://schemas.openxmlformats.org/drawingml/2006/main" xmlns:r="http://schemas.openxmlformats.org/officeDocument/2006/relationships" xmlns:p="http://schemas.openxmlformats.org/presentationml/2006/main">
+  <p:cSld>
+    <p:spTree>
+      <p:nvGrpSpPr>
+        <p:cNvPr id="1" name=""/>
+        <p:cNvGrpSpPr/>
+        <p:nvPr/>
+      </p:nvGrpSpPr>
+      <p:grpSpPr>
+        <a:xfrm>
+          <a:off x="0" y="0"/>
+          <a:ext cx="0" cy="0"/>
+          <a:chOff x="0" y="0"/>
+          <a:chExt cx="0" cy="0"/>
+        </a:xfrm>
+      </p:grpSpPr>
+      <p:sp>
+        <p:nvSpPr>
+          <p:cNvPr id="2" name="Title 1"/>
+          <p:cNvSpPr>
+            <a:spLocks noGrp="1"/>
+          </p:cNvSpPr>
+          <p:nvPr>
+            <p:ph type="title"/>
+          </p:nvPr>
+        </p:nvSpPr>
+        <p:spPr/>
+        <p:txBody>
+          <a:bodyPr/>
+          <a:lstStyle/>
+          <a:p>
+            <a:r>
+              <a:rPr lang="en-US" dirty="0"/>
+              <a:t>Physics Setup</a:t>
+            </a:r>
+            <a:r>
+              <a:rPr lang="vi-VN" dirty="0"/>
+              <a:t/>
+            </a:r>
+            <a:br>
+              <a:rPr lang="vi-VN" dirty="0"/>
+            </a:br>
+            <a:endParaRPr lang="en-US" dirty="0"/>
+          </a:p>
+        </p:txBody>
+      </p:sp>
+      <p:sp>
+        <p:nvSpPr>
+          <p:cNvPr id="3" name="Content Placeholder 2"/>
+          <p:cNvSpPr>
+            <a:spLocks noGrp="1"/>
+          </p:cNvSpPr>
+          <p:nvPr>
+            <p:ph idx="1"/>
+          </p:nvPr>
+        </p:nvSpPr>
+        <p:spPr/>
+        <p:txBody>
+          <a:bodyPr/>
+          <a:lstStyle/>
+          <a:p>
+            <a:r>
+              <a:rPr lang="vi-VN" dirty="0"/>
+              <a:t>T</a:t>
+            </a:r>
+            <a:r>
+              <a:rPr lang="vi-VN" dirty="0" smtClean="0"/>
+              <a:t>ổng quan.</a:t>
+            </a:r>
+          </a:p>
+          <a:p>
+            <a:r>
+              <a:rPr lang="vi-VN" dirty="0" smtClean="0"/>
+              <a:t>Cài đặt vật lý.</a:t>
+            </a:r>
+            <a:endParaRPr lang="en-US" dirty="0" smtClean="0"/>
+          </a:p>
+        </p:txBody>
+      </p:sp>
+    </p:spTree>
+    <p:extLst>
+      <p:ext uri="{BB962C8B-B14F-4D97-AF65-F5344CB8AC3E}">
+        <p14:creationId xmlns:p14="http://schemas.microsoft.com/office/powerpoint/2010/main" val="2893733499"/>
+      </p:ext>
+    </p:extLst>
+  </p:cSld>
+  <p:clrMapOvr>
+    <a:masterClrMapping/>
+  </p:clrMapOvr>
+  <p:timing>
+    <p:tnLst>
+      <p:par>
+        <p:cTn id="1" dur="indefinite" restart="never" nodeType="tmRoot"/>
+      </p:par>
+    </p:tnLst>
+  </p:timing>
+</p:sld>
+</file>
+
+<file path=ppt/slides/slide35.xml><?xml version="1.0" encoding="utf-8"?>
+<p:sld xmlns:a="http://schemas.openxmlformats.org/drawingml/2006/main" xmlns:r="http://schemas.openxmlformats.org/officeDocument/2006/relationships" xmlns:p="http://schemas.openxmlformats.org/presentationml/2006/main">
+  <p:cSld>
+    <p:spTree>
+      <p:nvGrpSpPr>
+        <p:cNvPr id="1" name=""/>
+        <p:cNvGrpSpPr/>
+        <p:nvPr/>
+      </p:nvGrpSpPr>
+      <p:grpSpPr>
+        <a:xfrm>
+          <a:off x="0" y="0"/>
+          <a:ext cx="0" cy="0"/>
+          <a:chOff x="0" y="0"/>
+          <a:chExt cx="0" cy="0"/>
+        </a:xfrm>
+      </p:grpSpPr>
+      <p:sp>
+        <p:nvSpPr>
+          <p:cNvPr id="2" name="Title 1"/>
+          <p:cNvSpPr>
+            <a:spLocks noGrp="1"/>
+          </p:cNvSpPr>
+          <p:nvPr>
+            <p:ph type="title"/>
+          </p:nvPr>
+        </p:nvSpPr>
+        <p:spPr/>
+        <p:txBody>
+          <a:bodyPr/>
+          <a:lstStyle/>
+          <a:p>
+            <a:r>
+              <a:rPr lang="vi-VN" dirty="0" smtClean="0"/>
+              <a:t>Tổng quan</a:t>
+            </a:r>
+            <a:endParaRPr lang="en-US" dirty="0"/>
+          </a:p>
+        </p:txBody>
+      </p:sp>
+      <mc:AlternateContent xmlns:mc="http://schemas.openxmlformats.org/markup-compatibility/2006">
+        <mc:Choice xmlns:a14="http://schemas.microsoft.com/office/drawing/2010/main" Requires="a14">
+          <p:sp>
+            <p:nvSpPr>
+              <p:cNvPr id="3" name="Content Placeholder 2"/>
+              <p:cNvSpPr>
+                <a:spLocks noGrp="1"/>
+              </p:cNvSpPr>
+              <p:nvPr>
+                <p:ph idx="1"/>
+              </p:nvPr>
+            </p:nvSpPr>
+            <p:spPr/>
+            <p:txBody>
+              <a:bodyPr/>
+              <a:lstStyle/>
+              <a:p>
+                <a:r>
+                  <a:rPr lang="vi-VN" dirty="0" smtClean="0"/>
+                  <a:t>Corona rất dễ để sử dụng cơ chế vật lý.</a:t>
+                </a:r>
+              </a:p>
+              <a:p>
+                <a:r>
+                  <a:rPr lang="vi-VN" dirty="0" smtClean="0"/>
+                  <a:t>30 </a:t>
+                </a:r>
+                <a:r>
+                  <a:rPr lang="vi-VN" dirty="0" err="1" smtClean="0"/>
+                  <a:t>pixel</a:t>
+                </a:r>
+                <a:r>
+                  <a:rPr lang="vi-VN" dirty="0" smtClean="0"/>
+                  <a:t> </a:t>
+                </a:r>
+                <a14:m>
+                  <m:oMath xmlns:m="http://schemas.openxmlformats.org/officeDocument/2006/math">
+                    <m:r>
+                      <a:rPr lang="vi-VN" b="0" i="1" smtClean="0">
+                        <a:latin typeface="Cambria Math" panose="02040503050406030204" pitchFamily="18" charset="0"/>
+                        <a:ea typeface="Cambria Math" panose="02040503050406030204" pitchFamily="18" charset="0"/>
+                      </a:rPr>
+                      <m:t>↔</m:t>
+                    </m:r>
+                  </m:oMath>
+                </a14:m>
+                <a:r>
+                  <a:rPr lang="vi-VN" dirty="0" smtClean="0"/>
+                  <a:t> 1 m</a:t>
+                </a:r>
+              </a:p>
+              <a:p>
+                <a:r>
+                  <a:rPr lang="vi-VN" dirty="0" smtClean="0"/>
+                  <a:t>Sử dụng hệ độ.</a:t>
+                </a:r>
+              </a:p>
+              <a:p>
+                <a:endParaRPr lang="en-US" dirty="0"/>
+              </a:p>
+            </p:txBody>
+          </p:sp>
+        </mc:Choice>
+        <mc:Fallback>
+          <p:sp>
+            <p:nvSpPr>
+              <p:cNvPr id="3" name="Content Placeholder 2"/>
+              <p:cNvSpPr>
+                <a:spLocks noGrp="1" noRot="1" noChangeAspect="1" noMove="1" noResize="1" noEditPoints="1" noAdjustHandles="1" noChangeArrowheads="1" noChangeShapeType="1" noTextEdit="1"/>
+              </p:cNvSpPr>
+              <p:nvPr>
+                <p:ph idx="1"/>
+              </p:nvPr>
+            </p:nvSpPr>
+            <p:spPr>
+              <a:blipFill>
+                <a:blip r:embed="rId2"/>
+                <a:stretch>
+                  <a:fillRect l="-142" t="-785"/>
+                </a:stretch>
+              </a:blipFill>
+            </p:spPr>
+            <p:txBody>
+              <a:bodyPr/>
+              <a:lstStyle/>
+              <a:p>
+                <a:r>
+                  <a:rPr lang="en-US">
+                    <a:noFill/>
+                  </a:rPr>
+                  <a:t> </a:t>
+                </a:r>
+              </a:p>
+            </p:txBody>
+          </p:sp>
+        </mc:Fallback>
+      </mc:AlternateContent>
+    </p:spTree>
+    <p:extLst>
+      <p:ext uri="{BB962C8B-B14F-4D97-AF65-F5344CB8AC3E}">
+        <p14:creationId xmlns:p14="http://schemas.microsoft.com/office/powerpoint/2010/main" val="3434820163"/>
+      </p:ext>
+    </p:extLst>
+  </p:cSld>
+  <p:clrMapOvr>
+    <a:masterClrMapping/>
+  </p:clrMapOvr>
+  <p:timing>
+    <p:tnLst>
+      <p:par>
+        <p:cTn id="1" dur="indefinite" restart="never" nodeType="tmRoot"/>
+      </p:par>
+    </p:tnLst>
+  </p:timing>
+</p:sld>
+</file>
+
+<file path=ppt/slides/slide36.xml><?xml version="1.0" encoding="utf-8"?>
+<p:sld xmlns:a="http://schemas.openxmlformats.org/drawingml/2006/main" xmlns:r="http://schemas.openxmlformats.org/officeDocument/2006/relationships" xmlns:p="http://schemas.openxmlformats.org/presentationml/2006/main">
+  <p:cSld>
+    <p:spTree>
+      <p:nvGrpSpPr>
+        <p:cNvPr id="1" name=""/>
+        <p:cNvGrpSpPr/>
+        <p:nvPr/>
+      </p:nvGrpSpPr>
+      <p:grpSpPr>
+        <a:xfrm>
+          <a:off x="0" y="0"/>
+          <a:ext cx="0" cy="0"/>
+          <a:chOff x="0" y="0"/>
+          <a:chExt cx="0" cy="0"/>
+        </a:xfrm>
+      </p:grpSpPr>
+      <p:sp>
+        <p:nvSpPr>
+          <p:cNvPr id="2" name="Title 1"/>
+          <p:cNvSpPr>
+            <a:spLocks noGrp="1"/>
+          </p:cNvSpPr>
+          <p:nvPr>
+            <p:ph type="title"/>
+          </p:nvPr>
+        </p:nvSpPr>
+        <p:spPr/>
+        <p:txBody>
+          <a:bodyPr/>
+          <a:lstStyle/>
+          <a:p>
+            <a:r>
+              <a:rPr lang="vi-VN" dirty="0" smtClean="0"/>
+              <a:t>Cài đặt vật lý</a:t>
+            </a:r>
+            <a:endParaRPr lang="en-US" dirty="0"/>
+          </a:p>
+        </p:txBody>
+      </p:sp>
+      <p:sp>
+        <p:nvSpPr>
+          <p:cNvPr id="3" name="Content Placeholder 2"/>
+          <p:cNvSpPr>
+            <a:spLocks noGrp="1"/>
+          </p:cNvSpPr>
+          <p:nvPr>
+            <p:ph idx="1"/>
+          </p:nvPr>
+        </p:nvSpPr>
+        <p:spPr/>
+        <p:txBody>
+          <a:bodyPr/>
+          <a:lstStyle/>
+          <a:p>
+            <a:r>
+              <a:rPr lang="vi-VN" dirty="0" smtClean="0"/>
+              <a:t>Gọi thư viện vật lý</a:t>
+            </a:r>
+          </a:p>
+          <a:p>
+            <a:r>
+              <a:rPr lang="vi-VN" dirty="0" smtClean="0"/>
+              <a:t>Gọi các hàm vật lý</a:t>
+            </a:r>
+            <a:endParaRPr lang="en-US" dirty="0"/>
+          </a:p>
+        </p:txBody>
+      </p:sp>
+      <p:pic>
+        <p:nvPicPr>
+          <p:cNvPr id="6" name="Picture 5"/>
+          <p:cNvPicPr>
+            <a:picLocks noChangeAspect="1"/>
+          </p:cNvPicPr>
+          <p:nvPr/>
+        </p:nvPicPr>
+        <p:blipFill>
+          <a:blip r:embed="rId2"/>
+          <a:stretch>
+            <a:fillRect/>
+          </a:stretch>
+        </p:blipFill>
+        <p:spPr>
+          <a:xfrm>
+            <a:off x="3570870" y="2160589"/>
+            <a:ext cx="5703132" cy="572101"/>
+          </a:xfrm>
+          <a:prstGeom prst="rect">
+            <a:avLst/>
+          </a:prstGeom>
+        </p:spPr>
+      </p:pic>
+      <p:pic>
+        <p:nvPicPr>
+          <p:cNvPr id="7" name="Picture 6"/>
+          <p:cNvPicPr>
+            <a:picLocks noChangeAspect="1"/>
+          </p:cNvPicPr>
+          <p:nvPr/>
+        </p:nvPicPr>
+        <p:blipFill>
+          <a:blip r:embed="rId3"/>
+          <a:stretch>
+            <a:fillRect/>
+          </a:stretch>
+        </p:blipFill>
+        <p:spPr>
+          <a:xfrm>
+            <a:off x="3089554" y="3139648"/>
+            <a:ext cx="3772228" cy="2901714"/>
+          </a:xfrm>
+          <a:prstGeom prst="rect">
+            <a:avLst/>
+          </a:prstGeom>
+        </p:spPr>
+      </p:pic>
+    </p:spTree>
+    <p:extLst>
+      <p:ext uri="{BB962C8B-B14F-4D97-AF65-F5344CB8AC3E}">
+        <p14:creationId xmlns:p14="http://schemas.microsoft.com/office/powerpoint/2010/main" val="2768202779"/>
+      </p:ext>
+    </p:extLst>
+  </p:cSld>
+  <p:clrMapOvr>
+    <a:masterClrMapping/>
+  </p:clrMapOvr>
+  <p:timing>
+    <p:tnLst>
+      <p:par>
+        <p:cTn id="1" dur="indefinite" restart="never" nodeType="tmRoot"/>
+      </p:par>
+    </p:tnLst>
+  </p:timing>
+</p:sld>
+</file>
+
+<file path=ppt/slides/slide37.xml><?xml version="1.0" encoding="utf-8"?>
+<p:sld xmlns:a="http://schemas.openxmlformats.org/drawingml/2006/main" xmlns:r="http://schemas.openxmlformats.org/officeDocument/2006/relationships" xmlns:p="http://schemas.openxmlformats.org/presentationml/2006/main">
+  <p:cSld>
+    <p:spTree>
+      <p:nvGrpSpPr>
+        <p:cNvPr id="1" name=""/>
+        <p:cNvGrpSpPr/>
+        <p:nvPr/>
+      </p:nvGrpSpPr>
+      <p:grpSpPr>
+        <a:xfrm>
+          <a:off x="0" y="0"/>
+          <a:ext cx="0" cy="0"/>
+          <a:chOff x="0" y="0"/>
+          <a:chExt cx="0" cy="0"/>
+        </a:xfrm>
+      </p:grpSpPr>
+      <p:sp>
+        <p:nvSpPr>
+          <p:cNvPr id="2" name="Title 1"/>
+          <p:cNvSpPr>
+            <a:spLocks noGrp="1"/>
+          </p:cNvSpPr>
+          <p:nvPr>
+            <p:ph type="title"/>
+          </p:nvPr>
+        </p:nvSpPr>
+        <p:spPr/>
+        <p:txBody>
+          <a:bodyPr/>
+          <a:lstStyle/>
+          <a:p>
+            <a:r>
+              <a:rPr lang="en-US" b="1" dirty="0"/>
+              <a:t>Physics Bodies</a:t>
+            </a:r>
+            <a:br>
+              <a:rPr lang="en-US" b="1" dirty="0"/>
+            </a:br>
+            <a:endParaRPr lang="en-US" dirty="0"/>
+          </a:p>
+        </p:txBody>
+      </p:sp>
+      <p:sp>
+        <p:nvSpPr>
+          <p:cNvPr id="3" name="Content Placeholder 2"/>
+          <p:cNvSpPr>
+            <a:spLocks noGrp="1"/>
+          </p:cNvSpPr>
+          <p:nvPr>
+            <p:ph idx="1"/>
+          </p:nvPr>
+        </p:nvSpPr>
+        <p:spPr/>
+        <p:txBody>
+          <a:bodyPr/>
+          <a:lstStyle/>
+          <a:p>
+            <a:r>
+              <a:rPr lang="vi-VN" dirty="0" smtClean="0"/>
+              <a:t>Tổng quan</a:t>
+            </a:r>
+          </a:p>
+          <a:p>
+            <a:r>
+              <a:rPr lang="vi-VN" dirty="0" smtClean="0"/>
+              <a:t>Tạo </a:t>
+            </a:r>
+            <a:r>
+              <a:rPr lang="en-US" dirty="0" smtClean="0"/>
+              <a:t>physic body</a:t>
+            </a:r>
+          </a:p>
+          <a:p>
+            <a:pPr lvl="1"/>
+            <a:r>
+              <a:rPr lang="en-US" dirty="0" smtClean="0"/>
+              <a:t>Physical property</a:t>
+            </a:r>
+          </a:p>
+          <a:p>
+            <a:pPr lvl="1"/>
+            <a:r>
+              <a:rPr lang="en-US" dirty="0" smtClean="0"/>
+              <a:t>Body type</a:t>
+            </a:r>
+          </a:p>
+          <a:p>
+            <a:r>
+              <a:rPr lang="en-US" dirty="0"/>
+              <a:t>Multi-Element Body</a:t>
+            </a:r>
+            <a:endParaRPr lang="en-US" dirty="0" smtClean="0"/>
+          </a:p>
+          <a:p>
+            <a:endParaRPr lang="en-US" dirty="0"/>
+          </a:p>
+        </p:txBody>
+      </p:sp>
+    </p:spTree>
+    <p:extLst>
+      <p:ext uri="{BB962C8B-B14F-4D97-AF65-F5344CB8AC3E}">
+        <p14:creationId xmlns:p14="http://schemas.microsoft.com/office/powerpoint/2010/main" val="3369523544"/>
+      </p:ext>
+    </p:extLst>
+  </p:cSld>
+  <p:clrMapOvr>
+    <a:masterClrMapping/>
+  </p:clrMapOvr>
+  <p:timing>
+    <p:tnLst>
+      <p:par>
+        <p:cTn id="1" dur="indefinite" restart="never" nodeType="tmRoot"/>
+      </p:par>
+    </p:tnLst>
+  </p:timing>
+</p:sld>
+</file>
+
+<file path=ppt/slides/slide38.xml><?xml version="1.0" encoding="utf-8"?>
+<p:sld xmlns:a="http://schemas.openxmlformats.org/drawingml/2006/main" xmlns:r="http://schemas.openxmlformats.org/officeDocument/2006/relationships" xmlns:p="http://schemas.openxmlformats.org/presentationml/2006/main">
+  <p:cSld>
+    <p:spTree>
+      <p:nvGrpSpPr>
+        <p:cNvPr id="1" name=""/>
+        <p:cNvGrpSpPr/>
+        <p:nvPr/>
+      </p:nvGrpSpPr>
+      <p:grpSpPr>
+        <a:xfrm>
+          <a:off x="0" y="0"/>
+          <a:ext cx="0" cy="0"/>
+          <a:chOff x="0" y="0"/>
+          <a:chExt cx="0" cy="0"/>
+        </a:xfrm>
+      </p:grpSpPr>
+      <p:sp>
+        <p:nvSpPr>
+          <p:cNvPr id="2" name="Title 1"/>
+          <p:cNvSpPr>
+            <a:spLocks noGrp="1"/>
+          </p:cNvSpPr>
+          <p:nvPr>
+            <p:ph type="title"/>
+          </p:nvPr>
+        </p:nvSpPr>
+        <p:spPr/>
+        <p:txBody>
+          <a:bodyPr/>
+          <a:lstStyle/>
+          <a:p>
+            <a:r>
+              <a:rPr lang="vi-VN" dirty="0" smtClean="0"/>
+              <a:t>Tổng quan</a:t>
+            </a:r>
+            <a:endParaRPr lang="en-US" dirty="0"/>
+          </a:p>
+        </p:txBody>
+      </p:sp>
+      <p:sp>
+        <p:nvSpPr>
+          <p:cNvPr id="3" name="Content Placeholder 2"/>
+          <p:cNvSpPr>
+            <a:spLocks noGrp="1"/>
+          </p:cNvSpPr>
+          <p:nvPr>
+            <p:ph idx="1"/>
+          </p:nvPr>
+        </p:nvSpPr>
+        <p:spPr/>
+        <p:txBody>
+          <a:bodyPr/>
+          <a:lstStyle/>
+          <a:p>
+            <a:r>
+              <a:rPr lang="vi-VN" dirty="0" smtClean="0"/>
+              <a:t>Không gian vật lý dựa trên sự tương tác giữa </a:t>
+            </a:r>
+            <a:r>
+              <a:rPr lang="vi-VN" dirty="0"/>
+              <a:t>các </a:t>
+            </a:r>
+            <a:r>
+              <a:rPr lang="vi-VN" b="1" dirty="0" err="1"/>
+              <a:t>physical</a:t>
+            </a:r>
+            <a:r>
+              <a:rPr lang="vi-VN" b="1" dirty="0"/>
+              <a:t> </a:t>
+            </a:r>
+            <a:r>
+              <a:rPr lang="vi-VN" b="1" dirty="0" err="1" smtClean="0"/>
+              <a:t>bodies</a:t>
+            </a:r>
+            <a:r>
+              <a:rPr lang="vi-VN" dirty="0" smtClean="0"/>
+              <a:t>.</a:t>
+            </a:r>
+          </a:p>
+          <a:p>
+            <a:r>
+              <a:rPr lang="vi-VN" dirty="0" err="1" smtClean="0"/>
+              <a:t>Corona</a:t>
+            </a:r>
+            <a:r>
+              <a:rPr lang="vi-VN" dirty="0" smtClean="0"/>
+              <a:t> xem</a:t>
+            </a:r>
+            <a:r>
+              <a:rPr lang="vi-VN" b="1" dirty="0" smtClean="0"/>
+              <a:t> </a:t>
+            </a:r>
+            <a:r>
+              <a:rPr lang="en-US" b="1" dirty="0" smtClean="0"/>
+              <a:t>physical bodies</a:t>
+            </a:r>
+            <a:r>
+              <a:rPr lang="vi-VN" dirty="0" smtClean="0"/>
+              <a:t> như một phần mở rộng của </a:t>
+            </a:r>
+            <a:r>
+              <a:rPr lang="vi-VN" b="1" dirty="0" err="1" smtClean="0"/>
+              <a:t>graphic</a:t>
+            </a:r>
+            <a:r>
+              <a:rPr lang="vi-VN" b="1" dirty="0" smtClean="0"/>
+              <a:t> </a:t>
+            </a:r>
+            <a:r>
+              <a:rPr lang="vi-VN" b="1" dirty="0" err="1" smtClean="0"/>
+              <a:t>object</a:t>
+            </a:r>
+            <a:r>
+              <a:rPr lang="vi-VN" dirty="0"/>
+              <a:t>.</a:t>
+            </a:r>
+            <a:endParaRPr lang="vi-VN" b="1" dirty="0" smtClean="0"/>
+          </a:p>
+          <a:p>
+            <a:r>
+              <a:rPr lang="vi-VN" dirty="0" smtClean="0"/>
+              <a:t>Các thuộc tính cơ bản của </a:t>
+            </a:r>
+            <a:r>
+              <a:rPr lang="vi-VN" dirty="0" err="1" smtClean="0"/>
+              <a:t>body</a:t>
+            </a:r>
+            <a:r>
+              <a:rPr lang="vi-VN" dirty="0" smtClean="0"/>
+              <a:t> như </a:t>
+            </a:r>
+            <a:r>
+              <a:rPr lang="vi-VN" b="1" dirty="0" err="1" smtClean="0"/>
+              <a:t>x</a:t>
+            </a:r>
+            <a:r>
+              <a:rPr lang="vi-VN" dirty="0" err="1" smtClean="0"/>
+              <a:t>,</a:t>
+            </a:r>
+            <a:r>
+              <a:rPr lang="vi-VN" b="1" dirty="0" err="1" smtClean="0"/>
+              <a:t>y</a:t>
+            </a:r>
+            <a:r>
+              <a:rPr lang="vi-VN" dirty="0" smtClean="0"/>
+              <a:t>, </a:t>
+            </a:r>
+            <a:r>
+              <a:rPr lang="vi-VN" b="1" dirty="0" err="1" smtClean="0"/>
+              <a:t>rotation</a:t>
+            </a:r>
+            <a:r>
+              <a:rPr lang="vi-VN" dirty="0" smtClean="0"/>
+              <a:t>. Ngoài ra có thuộc tính </a:t>
+            </a:r>
+            <a:r>
+              <a:rPr lang="vi-VN" b="1" dirty="0" err="1" smtClean="0"/>
+              <a:t>bodyType</a:t>
+            </a:r>
+            <a:r>
+              <a:rPr lang="vi-VN" dirty="0" smtClean="0"/>
+              <a:t> phân loại </a:t>
+            </a:r>
+            <a:r>
+              <a:rPr lang="vi-VN" dirty="0" err="1" smtClean="0"/>
+              <a:t>body</a:t>
+            </a:r>
+            <a:r>
+              <a:rPr lang="vi-VN" dirty="0" smtClean="0"/>
+              <a:t> động và tĩnh (</a:t>
+            </a:r>
+            <a:r>
+              <a:rPr lang="vi-VN" b="1" dirty="0" err="1" smtClean="0"/>
+              <a:t>dynamic</a:t>
+            </a:r>
+            <a:r>
+              <a:rPr lang="vi-VN" dirty="0"/>
+              <a:t> </a:t>
+            </a:r>
+            <a:r>
+              <a:rPr lang="vi-VN" dirty="0" smtClean="0"/>
+              <a:t>và </a:t>
+            </a:r>
+            <a:r>
+              <a:rPr lang="vi-VN" b="1" dirty="0" err="1" smtClean="0"/>
+              <a:t>static</a:t>
+            </a:r>
+            <a:r>
+              <a:rPr lang="vi-VN" dirty="0" smtClean="0"/>
+              <a:t>).</a:t>
+            </a:r>
+          </a:p>
+          <a:p>
+            <a:endParaRPr lang="vi-VN" b="1" dirty="0" smtClean="0"/>
+          </a:p>
+          <a:p>
+            <a:endParaRPr lang="en-US" b="1" dirty="0"/>
+          </a:p>
+        </p:txBody>
+      </p:sp>
+      <p:graphicFrame>
+        <p:nvGraphicFramePr>
+          <p:cNvPr id="5" name="Diagram 4"/>
+          <p:cNvGraphicFramePr/>
+          <p:nvPr>
+            <p:extLst>
+              <p:ext uri="{D42A27DB-BD31-4B8C-83A1-F6EECF244321}">
+                <p14:modId xmlns:p14="http://schemas.microsoft.com/office/powerpoint/2010/main" val="3344051949"/>
+              </p:ext>
+            </p:extLst>
+          </p:nvPr>
+        </p:nvGraphicFramePr>
+        <p:xfrm>
+          <a:off x="801121" y="2243666"/>
+          <a:ext cx="8128000" cy="5418667"/>
+        </p:xfrm>
+        <a:graphic>
+          <a:graphicData uri="http://schemas.openxmlformats.org/drawingml/2006/diagram">
+            <dgm:relIds xmlns:dgm="http://schemas.openxmlformats.org/drawingml/2006/diagram" xmlns:r="http://schemas.openxmlformats.org/officeDocument/2006/relationships" r:dm="rId2" r:lo="rId3" r:qs="rId4" r:cs="rId5"/>
+          </a:graphicData>
+        </a:graphic>
+      </p:graphicFrame>
+    </p:spTree>
+    <p:extLst>
+      <p:ext uri="{BB962C8B-B14F-4D97-AF65-F5344CB8AC3E}">
+        <p14:creationId xmlns:p14="http://schemas.microsoft.com/office/powerpoint/2010/main" val="2779653355"/>
+      </p:ext>
+    </p:extLst>
+  </p:cSld>
+  <p:clrMapOvr>
+    <a:masterClrMapping/>
+  </p:clrMapOvr>
+  <p:timing>
+    <p:tnLst>
+      <p:par>
+        <p:cTn id="1" dur="indefinite" restart="never" nodeType="tmRoot"/>
+      </p:par>
+    </p:tnLst>
+  </p:timing>
+</p:sld>
+</file>
+
+<file path=ppt/slides/slide39.xml><?xml version="1.0" encoding="utf-8"?>
+<p:sld xmlns:a="http://schemas.openxmlformats.org/drawingml/2006/main" xmlns:r="http://schemas.openxmlformats.org/officeDocument/2006/relationships" xmlns:p="http://schemas.openxmlformats.org/presentationml/2006/main">
+  <p:cSld>
+    <p:spTree>
+      <p:nvGrpSpPr>
+        <p:cNvPr id="1" name=""/>
+        <p:cNvGrpSpPr/>
+        <p:nvPr/>
+      </p:nvGrpSpPr>
+      <p:grpSpPr>
+        <a:xfrm>
+          <a:off x="0" y="0"/>
+          <a:ext cx="0" cy="0"/>
+          <a:chOff x="0" y="0"/>
+          <a:chExt cx="0" cy="0"/>
+        </a:xfrm>
+      </p:grpSpPr>
+      <p:sp>
+        <p:nvSpPr>
+          <p:cNvPr id="2" name="Title 1"/>
+          <p:cNvSpPr>
+            <a:spLocks noGrp="1"/>
+          </p:cNvSpPr>
+          <p:nvPr>
+            <p:ph type="title"/>
+          </p:nvPr>
+        </p:nvSpPr>
+        <p:spPr/>
+        <p:txBody>
+          <a:bodyPr/>
+          <a:lstStyle/>
+          <a:p>
+            <a:r>
+              <a:rPr lang="vi-VN" dirty="0" smtClean="0"/>
+              <a:t>Tạo </a:t>
+            </a:r>
+            <a:r>
+              <a:rPr lang="vi-VN" dirty="0" err="1" smtClean="0"/>
+              <a:t>physic</a:t>
+            </a:r>
+            <a:r>
+              <a:rPr lang="vi-VN" dirty="0" smtClean="0"/>
+              <a:t> </a:t>
+            </a:r>
+            <a:r>
+              <a:rPr lang="vi-VN" dirty="0" err="1" smtClean="0"/>
+              <a:t>body</a:t>
+            </a:r>
+            <a:endParaRPr lang="en-US" dirty="0"/>
+          </a:p>
+        </p:txBody>
+      </p:sp>
+      <p:sp>
+        <p:nvSpPr>
+          <p:cNvPr id="3" name="Content Placeholder 2"/>
+          <p:cNvSpPr>
+            <a:spLocks noGrp="1"/>
+          </p:cNvSpPr>
+          <p:nvPr>
+            <p:ph idx="1"/>
+          </p:nvPr>
+        </p:nvSpPr>
+        <p:spPr/>
+        <p:txBody>
+          <a:bodyPr/>
+          <a:lstStyle/>
+          <a:p>
+            <a:r>
+              <a:rPr lang="vi-VN" dirty="0" smtClean="0"/>
+              <a:t>Cú pháp.</a:t>
+            </a:r>
+          </a:p>
+          <a:p>
+            <a:r>
+              <a:rPr lang="en-US" dirty="0"/>
+              <a:t>C</a:t>
+            </a:r>
+            <a:r>
+              <a:rPr lang="vi-VN" dirty="0" smtClean="0"/>
+              <a:t>ó thể thêm </a:t>
+            </a:r>
+            <a:r>
+              <a:rPr lang="vi-VN" b="1" dirty="0" err="1" smtClean="0"/>
+              <a:t>bodyType</a:t>
+            </a:r>
+            <a:r>
+              <a:rPr lang="vi-VN" dirty="0" smtClean="0"/>
+              <a:t> vào sau </a:t>
+            </a:r>
+            <a:r>
+              <a:rPr lang="vi-VN" dirty="0" err="1" smtClean="0"/>
+              <a:t>object</a:t>
+            </a:r>
+            <a:r>
+              <a:rPr lang="vi-VN" dirty="0" smtClean="0"/>
+              <a:t> cho nhanh.</a:t>
+            </a:r>
+          </a:p>
+          <a:p>
+            <a:endParaRPr lang="en-US" dirty="0"/>
+          </a:p>
+        </p:txBody>
+      </p:sp>
+      <p:pic>
+        <p:nvPicPr>
+          <p:cNvPr id="4" name="Picture 3"/>
+          <p:cNvPicPr>
+            <a:picLocks noChangeAspect="1"/>
+          </p:cNvPicPr>
+          <p:nvPr/>
+        </p:nvPicPr>
+        <p:blipFill>
+          <a:blip r:embed="rId2"/>
+          <a:stretch>
+            <a:fillRect/>
+          </a:stretch>
+        </p:blipFill>
+        <p:spPr>
+          <a:xfrm>
+            <a:off x="847559" y="3212551"/>
+            <a:ext cx="9130710" cy="707807"/>
+          </a:xfrm>
+          <a:prstGeom prst="rect">
+            <a:avLst/>
+          </a:prstGeom>
+        </p:spPr>
+      </p:pic>
+    </p:spTree>
+    <p:extLst>
+      <p:ext uri="{BB962C8B-B14F-4D97-AF65-F5344CB8AC3E}">
+        <p14:creationId xmlns:p14="http://schemas.microsoft.com/office/powerpoint/2010/main" val="3217491542"/>
+      </p:ext>
+    </p:extLst>
+  </p:cSld>
+  <p:clrMapOvr>
+    <a:masterClrMapping/>
+  </p:clrMapOvr>
+  <p:timing>
+    <p:tnLst>
+      <p:par>
+        <p:cTn id="1" dur="indefinite" restart="never" nodeType="tmRoot"/>
+      </p:par>
+    </p:tnLst>
+  </p:timing>
 </p:sld>
 </file>
 
@@ -13455,6 +17303,449 @@
       </p:par>
     </p:tnLst>
   </p:timing>
+</p:sld>
+</file>
+
+<file path=ppt/slides/slide40.xml><?xml version="1.0" encoding="utf-8"?>
+<p:sld xmlns:a="http://schemas.openxmlformats.org/drawingml/2006/main" xmlns:r="http://schemas.openxmlformats.org/officeDocument/2006/relationships" xmlns:p="http://schemas.openxmlformats.org/presentationml/2006/main">
+  <p:cSld>
+    <p:spTree>
+      <p:nvGrpSpPr>
+        <p:cNvPr id="1" name=""/>
+        <p:cNvGrpSpPr/>
+        <p:nvPr/>
+      </p:nvGrpSpPr>
+      <p:grpSpPr>
+        <a:xfrm>
+          <a:off x="0" y="0"/>
+          <a:ext cx="0" cy="0"/>
+          <a:chOff x="0" y="0"/>
+          <a:chExt cx="0" cy="0"/>
+        </a:xfrm>
+      </p:grpSpPr>
+      <p:sp>
+        <p:nvSpPr>
+          <p:cNvPr id="2" name="Title 1"/>
+          <p:cNvSpPr>
+            <a:spLocks noGrp="1"/>
+          </p:cNvSpPr>
+          <p:nvPr>
+            <p:ph type="title"/>
+          </p:nvPr>
+        </p:nvSpPr>
+        <p:spPr/>
+        <p:txBody>
+          <a:bodyPr/>
+          <a:lstStyle/>
+          <a:p>
+            <a:r>
+              <a:rPr lang="en-US" dirty="0" smtClean="0"/>
+              <a:t>Physical property</a:t>
+            </a:r>
+            <a:endParaRPr lang="en-US" dirty="0"/>
+          </a:p>
+        </p:txBody>
+      </p:sp>
+      <p:sp>
+        <p:nvSpPr>
+          <p:cNvPr id="3" name="Content Placeholder 2"/>
+          <p:cNvSpPr>
+            <a:spLocks noGrp="1"/>
+          </p:cNvSpPr>
+          <p:nvPr>
+            <p:ph idx="1"/>
+          </p:nvPr>
+        </p:nvSpPr>
+        <p:spPr/>
+        <p:txBody>
+          <a:bodyPr/>
+          <a:lstStyle/>
+          <a:p>
+            <a:r>
+              <a:rPr lang="vi-VN" b="1" dirty="0" err="1" smtClean="0"/>
+              <a:t>density</a:t>
+            </a:r>
+            <a:r>
+              <a:rPr lang="vi-VN" dirty="0" smtClean="0"/>
+              <a:t>: tỉ trọng với môi tường.</a:t>
+            </a:r>
+          </a:p>
+          <a:p>
+            <a:r>
+              <a:rPr lang="vi-VN" b="1" dirty="0" smtClean="0"/>
+              <a:t>f</a:t>
+            </a:r>
+            <a:r>
+              <a:rPr lang="en-US" b="1" dirty="0" err="1" smtClean="0"/>
+              <a:t>riction</a:t>
+            </a:r>
+            <a:r>
+              <a:rPr lang="vi-VN" b="1" dirty="0" smtClean="0"/>
+              <a:t>:</a:t>
+            </a:r>
+            <a:r>
+              <a:rPr lang="vi-VN" dirty="0" smtClean="0"/>
+              <a:t> ma sát.</a:t>
+            </a:r>
+          </a:p>
+          <a:p>
+            <a:r>
+              <a:rPr lang="vi-VN" b="1" dirty="0" err="1" smtClean="0"/>
+              <a:t>bounce</a:t>
+            </a:r>
+            <a:r>
+              <a:rPr lang="vi-VN" b="1" dirty="0" smtClean="0"/>
+              <a:t>:</a:t>
+            </a:r>
+            <a:r>
+              <a:rPr lang="vi-VN" dirty="0" smtClean="0"/>
+              <a:t> độ nãy.</a:t>
+            </a:r>
+          </a:p>
+          <a:p>
+            <a:r>
+              <a:rPr lang="vi-VN" b="1" dirty="0" err="1" smtClean="0"/>
+              <a:t>shape</a:t>
+            </a:r>
+            <a:r>
+              <a:rPr lang="vi-VN" dirty="0" smtClean="0"/>
+              <a:t>: để xác định hình dạng của </a:t>
+            </a:r>
+            <a:r>
+              <a:rPr lang="vi-VN" dirty="0" err="1" smtClean="0"/>
+              <a:t>physic</a:t>
+            </a:r>
+            <a:r>
+              <a:rPr lang="vi-VN" dirty="0" smtClean="0"/>
+              <a:t> </a:t>
+            </a:r>
+            <a:r>
+              <a:rPr lang="vi-VN" dirty="0" err="1" smtClean="0"/>
+              <a:t>body</a:t>
+            </a:r>
+            <a:r>
+              <a:rPr lang="vi-VN" dirty="0" smtClean="0"/>
+              <a:t>. Vì </a:t>
+            </a:r>
+            <a:r>
+              <a:rPr lang="vi-VN" dirty="0" err="1" smtClean="0"/>
+              <a:t>physic</a:t>
+            </a:r>
+            <a:r>
+              <a:rPr lang="vi-VN" dirty="0" smtClean="0"/>
+              <a:t> </a:t>
+            </a:r>
+            <a:r>
+              <a:rPr lang="vi-VN" dirty="0" err="1" smtClean="0"/>
+              <a:t>body</a:t>
+            </a:r>
+            <a:r>
+              <a:rPr lang="vi-VN" dirty="0" smtClean="0"/>
+              <a:t> đôi khi không trùng với hình ảnh của chúng.</a:t>
+            </a:r>
+            <a:endParaRPr lang="en-US" b="1" dirty="0"/>
+          </a:p>
+          <a:p>
+            <a:endParaRPr lang="en-US" b="1" dirty="0"/>
+          </a:p>
+        </p:txBody>
+      </p:sp>
+    </p:spTree>
+    <p:extLst>
+      <p:ext uri="{BB962C8B-B14F-4D97-AF65-F5344CB8AC3E}">
+        <p14:creationId xmlns:p14="http://schemas.microsoft.com/office/powerpoint/2010/main" val="2480554207"/>
+      </p:ext>
+    </p:extLst>
+  </p:cSld>
+  <p:clrMapOvr>
+    <a:masterClrMapping/>
+  </p:clrMapOvr>
+  <p:timing>
+    <p:tnLst>
+      <p:par>
+        <p:cTn id="1" dur="indefinite" restart="never" nodeType="tmRoot"/>
+      </p:par>
+    </p:tnLst>
+  </p:timing>
+</p:sld>
+</file>
+
+<file path=ppt/slides/slide41.xml><?xml version="1.0" encoding="utf-8"?>
+<p:sld xmlns:a="http://schemas.openxmlformats.org/drawingml/2006/main" xmlns:r="http://schemas.openxmlformats.org/officeDocument/2006/relationships" xmlns:p="http://schemas.openxmlformats.org/presentationml/2006/main">
+  <p:cSld>
+    <p:spTree>
+      <p:nvGrpSpPr>
+        <p:cNvPr id="1" name=""/>
+        <p:cNvGrpSpPr/>
+        <p:nvPr/>
+      </p:nvGrpSpPr>
+      <p:grpSpPr>
+        <a:xfrm>
+          <a:off x="0" y="0"/>
+          <a:ext cx="0" cy="0"/>
+          <a:chOff x="0" y="0"/>
+          <a:chExt cx="0" cy="0"/>
+        </a:xfrm>
+      </p:grpSpPr>
+      <p:sp>
+        <p:nvSpPr>
+          <p:cNvPr id="2" name="Title 1"/>
+          <p:cNvSpPr>
+            <a:spLocks noGrp="1"/>
+          </p:cNvSpPr>
+          <p:nvPr>
+            <p:ph type="title"/>
+          </p:nvPr>
+        </p:nvSpPr>
+        <p:spPr/>
+        <p:txBody>
+          <a:bodyPr/>
+          <a:lstStyle/>
+          <a:p>
+            <a:r>
+              <a:rPr lang="en-US" b="1" dirty="0"/>
+              <a:t>Body Type</a:t>
+            </a:r>
+            <a:br>
+              <a:rPr lang="en-US" b="1" dirty="0"/>
+            </a:br>
+            <a:endParaRPr lang="en-US" dirty="0"/>
+          </a:p>
+        </p:txBody>
+      </p:sp>
+      <p:sp>
+        <p:nvSpPr>
+          <p:cNvPr id="3" name="Content Placeholder 2"/>
+          <p:cNvSpPr>
+            <a:spLocks noGrp="1"/>
+          </p:cNvSpPr>
+          <p:nvPr>
+            <p:ph idx="1"/>
+          </p:nvPr>
+        </p:nvSpPr>
+        <p:spPr/>
+        <p:txBody>
+          <a:bodyPr/>
+          <a:lstStyle/>
+          <a:p>
+            <a:r>
+              <a:rPr lang="vi-VN" b="1" dirty="0" err="1" smtClean="0"/>
+              <a:t>dynamic</a:t>
+            </a:r>
+            <a:r>
+              <a:rPr lang="vi-VN" dirty="0" smtClean="0"/>
+              <a:t>: động, chịu ảnh hưởng của trọng lực </a:t>
+            </a:r>
+          </a:p>
+          <a:p>
+            <a:r>
+              <a:rPr lang="vi-VN" b="1" dirty="0" err="1" smtClean="0"/>
+              <a:t>staic</a:t>
+            </a:r>
+            <a:r>
+              <a:rPr lang="vi-VN" dirty="0" smtClean="0"/>
+              <a:t>: tĩnh, có khối lượng vô cùng, chỉ va chạm với </a:t>
+            </a:r>
+            <a:r>
+              <a:rPr lang="vi-VN" dirty="0" err="1" smtClean="0"/>
+              <a:t>dynamic</a:t>
+            </a:r>
+            <a:r>
+              <a:rPr lang="vi-VN" dirty="0" smtClean="0"/>
+              <a:t>.</a:t>
+            </a:r>
+          </a:p>
+          <a:p>
+            <a:r>
+              <a:rPr lang="vi-VN" b="1" dirty="0" smtClean="0"/>
+              <a:t>k</a:t>
+            </a:r>
+            <a:r>
+              <a:rPr lang="en-US" b="1" dirty="0" err="1" smtClean="0"/>
+              <a:t>inematic</a:t>
+            </a:r>
+            <a:r>
+              <a:rPr lang="vi-VN" dirty="0" smtClean="0"/>
+              <a:t>: động, không chịu tác động của trọng lực.</a:t>
+            </a:r>
+            <a:endParaRPr lang="en-US" b="1" dirty="0"/>
+          </a:p>
+        </p:txBody>
+      </p:sp>
+      <p:pic>
+        <p:nvPicPr>
+          <p:cNvPr id="4" name="Picture 3"/>
+          <p:cNvPicPr>
+            <a:picLocks noChangeAspect="1"/>
+          </p:cNvPicPr>
+          <p:nvPr/>
+        </p:nvPicPr>
+        <p:blipFill>
+          <a:blip r:embed="rId2"/>
+          <a:stretch>
+            <a:fillRect/>
+          </a:stretch>
+        </p:blipFill>
+        <p:spPr>
+          <a:xfrm>
+            <a:off x="808967" y="3988019"/>
+            <a:ext cx="9425044" cy="1824202"/>
+          </a:xfrm>
+          <a:prstGeom prst="rect">
+            <a:avLst/>
+          </a:prstGeom>
+        </p:spPr>
+      </p:pic>
+    </p:spTree>
+    <p:extLst>
+      <p:ext uri="{BB962C8B-B14F-4D97-AF65-F5344CB8AC3E}">
+        <p14:creationId xmlns:p14="http://schemas.microsoft.com/office/powerpoint/2010/main" val="2437101778"/>
+      </p:ext>
+    </p:extLst>
+  </p:cSld>
+  <p:clrMapOvr>
+    <a:masterClrMapping/>
+  </p:clrMapOvr>
+</p:sld>
+</file>
+
+<file path=ppt/slides/slide42.xml><?xml version="1.0" encoding="utf-8"?>
+<p:sld xmlns:a="http://schemas.openxmlformats.org/drawingml/2006/main" xmlns:r="http://schemas.openxmlformats.org/officeDocument/2006/relationships" xmlns:p="http://schemas.openxmlformats.org/presentationml/2006/main">
+  <p:cSld>
+    <p:spTree>
+      <p:nvGrpSpPr>
+        <p:cNvPr id="1" name=""/>
+        <p:cNvGrpSpPr/>
+        <p:nvPr/>
+      </p:nvGrpSpPr>
+      <p:grpSpPr>
+        <a:xfrm>
+          <a:off x="0" y="0"/>
+          <a:ext cx="0" cy="0"/>
+          <a:chOff x="0" y="0"/>
+          <a:chExt cx="0" cy="0"/>
+        </a:xfrm>
+      </p:grpSpPr>
+      <p:sp>
+        <p:nvSpPr>
+          <p:cNvPr id="2" name="Title 1"/>
+          <p:cNvSpPr>
+            <a:spLocks noGrp="1"/>
+          </p:cNvSpPr>
+          <p:nvPr>
+            <p:ph type="title"/>
+          </p:nvPr>
+        </p:nvSpPr>
+        <p:spPr/>
+        <p:txBody>
+          <a:bodyPr/>
+          <a:lstStyle/>
+          <a:p>
+            <a:r>
+              <a:rPr lang="en-US" b="1" dirty="0"/>
+              <a:t>Multi-Element </a:t>
+            </a:r>
+            <a:r>
+              <a:rPr lang="en-US" b="1" dirty="0" smtClean="0"/>
+              <a:t>Body</a:t>
+            </a:r>
+            <a:r>
+              <a:rPr lang="en-US" b="1" dirty="0"/>
+              <a:t/>
+            </a:r>
+            <a:br>
+              <a:rPr lang="en-US" b="1" dirty="0"/>
+            </a:br>
+            <a:endParaRPr lang="en-US" dirty="0"/>
+          </a:p>
+        </p:txBody>
+      </p:sp>
+      <p:sp>
+        <p:nvSpPr>
+          <p:cNvPr id="3" name="Content Placeholder 2"/>
+          <p:cNvSpPr>
+            <a:spLocks noGrp="1"/>
+          </p:cNvSpPr>
+          <p:nvPr>
+            <p:ph idx="1"/>
+          </p:nvPr>
+        </p:nvSpPr>
+        <p:spPr/>
+        <p:txBody>
+          <a:bodyPr/>
+          <a:lstStyle/>
+          <a:p>
+            <a:r>
+              <a:rPr lang="vi-VN" dirty="0" smtClean="0"/>
+              <a:t>Nhiều đối tượng thì được có những bộ phận có tính vất lý khác nhau. Để làm được điều này ta kết hợp nhiều thành phần lại.</a:t>
+            </a:r>
+          </a:p>
+          <a:p>
+            <a:endParaRPr lang="vi-VN" dirty="0" smtClean="0"/>
+          </a:p>
+          <a:p>
+            <a:endParaRPr lang="en-US" dirty="0"/>
+          </a:p>
+        </p:txBody>
+      </p:sp>
+      <p:pic>
+        <p:nvPicPr>
+          <p:cNvPr id="4" name="Picture 3"/>
+          <p:cNvPicPr>
+            <a:picLocks noChangeAspect="1"/>
+          </p:cNvPicPr>
+          <p:nvPr/>
+        </p:nvPicPr>
+        <p:blipFill>
+          <a:blip r:embed="rId2"/>
+          <a:stretch>
+            <a:fillRect/>
+          </a:stretch>
+        </p:blipFill>
+        <p:spPr>
+          <a:xfrm>
+            <a:off x="1102934" y="3189168"/>
+            <a:ext cx="3872734" cy="1349211"/>
+          </a:xfrm>
+          <a:prstGeom prst="rect">
+            <a:avLst/>
+          </a:prstGeom>
+        </p:spPr>
+      </p:pic>
+      <p:pic>
+        <p:nvPicPr>
+          <p:cNvPr id="5" name="Picture 4"/>
+          <p:cNvPicPr>
+            <a:picLocks noChangeAspect="1"/>
+          </p:cNvPicPr>
+          <p:nvPr/>
+        </p:nvPicPr>
+        <p:blipFill>
+          <a:blip r:embed="rId3"/>
+          <a:stretch>
+            <a:fillRect/>
+          </a:stretch>
+        </p:blipFill>
+        <p:spPr>
+          <a:xfrm>
+            <a:off x="1102934" y="4815466"/>
+            <a:ext cx="7501846" cy="1502983"/>
+          </a:xfrm>
+          <a:prstGeom prst="rect">
+            <a:avLst/>
+          </a:prstGeom>
+        </p:spPr>
+      </p:pic>
+    </p:spTree>
+    <p:extLst>
+      <p:ext uri="{BB962C8B-B14F-4D97-AF65-F5344CB8AC3E}">
+        <p14:creationId xmlns:p14="http://schemas.microsoft.com/office/powerpoint/2010/main" val="3483816059"/>
+      </p:ext>
+    </p:extLst>
+  </p:cSld>
+  <p:clrMapOvr>
+    <a:masterClrMapping/>
+  </p:clrMapOvr>
 </p:sld>
 </file>
 

--- a/Corona/Presentation1.pptx
+++ b/Corona/Presentation1.pptx
@@ -5,51 +5,55 @@
     <p:sldMasterId id="2147483648" r:id="rId1"/>
   </p:sldMasterIdLst>
   <p:notesMasterIdLst>
-    <p:notesMasterId r:id="rId44"/>
+    <p:notesMasterId r:id="rId48"/>
   </p:notesMasterIdLst>
   <p:sldIdLst>
     <p:sldId id="256" r:id="rId2"/>
     <p:sldId id="257" r:id="rId3"/>
     <p:sldId id="270" r:id="rId4"/>
-    <p:sldId id="258" r:id="rId5"/>
-    <p:sldId id="259" r:id="rId6"/>
-    <p:sldId id="264" r:id="rId7"/>
-    <p:sldId id="262" r:id="rId8"/>
-    <p:sldId id="261" r:id="rId9"/>
-    <p:sldId id="263" r:id="rId10"/>
-    <p:sldId id="265" r:id="rId11"/>
-    <p:sldId id="266" r:id="rId12"/>
-    <p:sldId id="267" r:id="rId13"/>
-    <p:sldId id="268" r:id="rId14"/>
-    <p:sldId id="269" r:id="rId15"/>
-    <p:sldId id="271" r:id="rId16"/>
-    <p:sldId id="276" r:id="rId17"/>
-    <p:sldId id="272" r:id="rId18"/>
-    <p:sldId id="273" r:id="rId19"/>
-    <p:sldId id="274" r:id="rId20"/>
-    <p:sldId id="275" r:id="rId21"/>
-    <p:sldId id="277" r:id="rId22"/>
-    <p:sldId id="278" r:id="rId23"/>
-    <p:sldId id="279" r:id="rId24"/>
-    <p:sldId id="280" r:id="rId25"/>
-    <p:sldId id="281" r:id="rId26"/>
-    <p:sldId id="282" r:id="rId27"/>
-    <p:sldId id="283" r:id="rId28"/>
-    <p:sldId id="284" r:id="rId29"/>
-    <p:sldId id="285" r:id="rId30"/>
-    <p:sldId id="286" r:id="rId31"/>
-    <p:sldId id="287" r:id="rId32"/>
-    <p:sldId id="288" r:id="rId33"/>
-    <p:sldId id="289" r:id="rId34"/>
-    <p:sldId id="295" r:id="rId35"/>
-    <p:sldId id="290" r:id="rId36"/>
-    <p:sldId id="291" r:id="rId37"/>
-    <p:sldId id="292" r:id="rId38"/>
-    <p:sldId id="294" r:id="rId39"/>
-    <p:sldId id="296" r:id="rId40"/>
-    <p:sldId id="297" r:id="rId41"/>
-    <p:sldId id="298" r:id="rId42"/>
-    <p:sldId id="299" r:id="rId43"/>
+    <p:sldId id="304" r:id="rId5"/>
+    <p:sldId id="258" r:id="rId6"/>
+    <p:sldId id="259" r:id="rId7"/>
+    <p:sldId id="264" r:id="rId8"/>
+    <p:sldId id="262" r:id="rId9"/>
+    <p:sldId id="261" r:id="rId10"/>
+    <p:sldId id="263" r:id="rId11"/>
+    <p:sldId id="265" r:id="rId12"/>
+    <p:sldId id="266" r:id="rId13"/>
+    <p:sldId id="267" r:id="rId14"/>
+    <p:sldId id="268" r:id="rId15"/>
+    <p:sldId id="269" r:id="rId16"/>
+    <p:sldId id="271" r:id="rId17"/>
+    <p:sldId id="276" r:id="rId18"/>
+    <p:sldId id="272" r:id="rId19"/>
+    <p:sldId id="273" r:id="rId20"/>
+    <p:sldId id="274" r:id="rId21"/>
+    <p:sldId id="275" r:id="rId22"/>
+    <p:sldId id="277" r:id="rId23"/>
+    <p:sldId id="278" r:id="rId24"/>
+    <p:sldId id="279" r:id="rId25"/>
+    <p:sldId id="280" r:id="rId26"/>
+    <p:sldId id="281" r:id="rId27"/>
+    <p:sldId id="282" r:id="rId28"/>
+    <p:sldId id="283" r:id="rId29"/>
+    <p:sldId id="284" r:id="rId30"/>
+    <p:sldId id="285" r:id="rId31"/>
+    <p:sldId id="286" r:id="rId32"/>
+    <p:sldId id="287" r:id="rId33"/>
+    <p:sldId id="288" r:id="rId34"/>
+    <p:sldId id="289" r:id="rId35"/>
+    <p:sldId id="295" r:id="rId36"/>
+    <p:sldId id="290" r:id="rId37"/>
+    <p:sldId id="291" r:id="rId38"/>
+    <p:sldId id="292" r:id="rId39"/>
+    <p:sldId id="294" r:id="rId40"/>
+    <p:sldId id="296" r:id="rId41"/>
+    <p:sldId id="297" r:id="rId42"/>
+    <p:sldId id="298" r:id="rId43"/>
+    <p:sldId id="299" r:id="rId44"/>
+    <p:sldId id="303" r:id="rId45"/>
+    <p:sldId id="301" r:id="rId46"/>
+    <p:sldId id="302" r:id="rId47"/>
   </p:sldIdLst>
   <p:sldSz cx="12192000" cy="6858000"/>
   <p:notesSz cx="6858000" cy="9144000"/>
@@ -2070,6 +2074,13 @@
     <dgm:pt modelId="{161C80E5-68F4-4700-91E2-412C6BC969DB}" type="pres">
       <dgm:prSet presAssocID="{492ABFE8-E624-40A3-8BFA-08E09BB8A7D4}" presName="sibTrans" presStyleLbl="sibTrans2D1" presStyleIdx="0" presStyleCnt="2"/>
       <dgm:spPr/>
+      <dgm:t>
+        <a:bodyPr/>
+        <a:lstStyle/>
+        <a:p>
+          <a:endParaRPr lang="en-US"/>
+        </a:p>
+      </dgm:t>
     </dgm:pt>
     <dgm:pt modelId="{DF55D829-4977-4EBA-90DD-4F166E4D6A48}" type="pres">
       <dgm:prSet presAssocID="{492ABFE8-E624-40A3-8BFA-08E09BB8A7D4}" presName="spacerR" presStyleCnt="0"/>
@@ -2097,6 +2108,13 @@
     <dgm:pt modelId="{B705BB06-F48D-4535-AEB6-119AB143A5D8}" type="pres">
       <dgm:prSet presAssocID="{D2172B2A-A4E1-4E12-BB70-2C22B1377750}" presName="sibTrans" presStyleLbl="sibTrans2D1" presStyleIdx="1" presStyleCnt="2"/>
       <dgm:spPr/>
+      <dgm:t>
+        <a:bodyPr/>
+        <a:lstStyle/>
+        <a:p>
+          <a:endParaRPr lang="en-US"/>
+        </a:p>
+      </dgm:t>
     </dgm:pt>
     <dgm:pt modelId="{A028F1A0-1E6D-441B-857B-F263995F3FD6}" type="pres">
       <dgm:prSet presAssocID="{D2172B2A-A4E1-4E12-BB70-2C22B1377750}" presName="spacerR" presStyleCnt="0"/>
@@ -2109,6 +2127,13 @@
         </dgm:presLayoutVars>
       </dgm:prSet>
       <dgm:spPr/>
+      <dgm:t>
+        <a:bodyPr/>
+        <a:lstStyle/>
+        <a:p>
+          <a:endParaRPr lang="en-US"/>
+        </a:p>
+      </dgm:t>
     </dgm:pt>
   </dgm:ptLst>
   <dgm:cxnLst>
@@ -2118,8 +2143,8 @@
     <dgm:cxn modelId="{F4044FB4-CC6A-46C8-9BD1-83B5E36F5E80}" type="presOf" srcId="{B421029E-31D2-40D5-8BE9-E513650914EB}" destId="{07C3E598-59E7-4CB9-BD90-F6DA721666C0}" srcOrd="0" destOrd="0" presId="urn:microsoft.com/office/officeart/2005/8/layout/equation1"/>
     <dgm:cxn modelId="{B518BF51-B912-4182-9514-377D8DC54285}" type="presOf" srcId="{61C8B73A-C0E1-4600-A1E0-AFE1AB322813}" destId="{AA111043-B1B5-4B2C-A6F5-72A32DD4541A}" srcOrd="0" destOrd="0" presId="urn:microsoft.com/office/officeart/2005/8/layout/equation1"/>
     <dgm:cxn modelId="{2F7CA0B8-C5A8-453D-B513-2C90452A07C9}" type="presOf" srcId="{22CFC5F5-0D61-4F73-8E14-D6365DA99E28}" destId="{D53EC669-CC1F-446E-9E94-051C58052FF9}" srcOrd="0" destOrd="0" presId="urn:microsoft.com/office/officeart/2005/8/layout/equation1"/>
+    <dgm:cxn modelId="{6C792D4D-A132-4CF1-B9AD-D9BC99AC4C0B}" type="presOf" srcId="{3B92838F-43BC-4EDF-9DE1-BF25AFB44288}" destId="{11AE805D-8532-4DB0-9525-8B5CCCD93750}" srcOrd="0" destOrd="0" presId="urn:microsoft.com/office/officeart/2005/8/layout/equation1"/>
     <dgm:cxn modelId="{D293DCEC-5227-4B0A-B2BE-66851C795800}" srcId="{B421029E-31D2-40D5-8BE9-E513650914EB}" destId="{3B92838F-43BC-4EDF-9DE1-BF25AFB44288}" srcOrd="2" destOrd="0" parTransId="{A68E5547-5732-47F3-AF55-CACC3147BA46}" sibTransId="{FDC0B724-DACF-48F0-8EB9-6295CEFB4712}"/>
-    <dgm:cxn modelId="{6C792D4D-A132-4CF1-B9AD-D9BC99AC4C0B}" type="presOf" srcId="{3B92838F-43BC-4EDF-9DE1-BF25AFB44288}" destId="{11AE805D-8532-4DB0-9525-8B5CCCD93750}" srcOrd="0" destOrd="0" presId="urn:microsoft.com/office/officeart/2005/8/layout/equation1"/>
     <dgm:cxn modelId="{E0F6D84C-DE6D-4C6D-B4DD-B3806DCB1984}" type="presOf" srcId="{492ABFE8-E624-40A3-8BFA-08E09BB8A7D4}" destId="{161C80E5-68F4-4700-91E2-412C6BC969DB}" srcOrd="0" destOrd="0" presId="urn:microsoft.com/office/officeart/2005/8/layout/equation1"/>
     <dgm:cxn modelId="{0F9106AF-6DF2-4E45-AF3C-B2B37D64F539}" type="presParOf" srcId="{07C3E598-59E7-4CB9-BD90-F6DA721666C0}" destId="{AA111043-B1B5-4B2C-A6F5-72A32DD4541A}" srcOrd="0" destOrd="0" presId="urn:microsoft.com/office/officeart/2005/8/layout/equation1"/>
     <dgm:cxn modelId="{EF950D3D-A30D-4506-BC88-8EFC1BD1EAD1}" type="presParOf" srcId="{07C3E598-59E7-4CB9-BD90-F6DA721666C0}" destId="{0F30EBCD-4BA9-4DDA-8A43-BDEF7D3B6E4E}" srcOrd="1" destOrd="0" presId="urn:microsoft.com/office/officeart/2005/8/layout/equation1"/>
@@ -11586,6 +11611,130 @@
           <a:lstStyle/>
           <a:p>
             <a:r>
+              <a:rPr lang="vi-VN" dirty="0" smtClean="0"/>
+              <a:t>Cấu hình Project </a:t>
+            </a:r>
+            <a:r>
+              <a:rPr lang="vi-VN" dirty="0" err="1" smtClean="0"/>
+              <a:t>Corona</a:t>
+            </a:r>
+            <a:r>
+              <a:rPr lang="vi-VN" dirty="0" smtClean="0"/>
+              <a:t>.</a:t>
+            </a:r>
+            <a:br>
+              <a:rPr lang="vi-VN" dirty="0" smtClean="0"/>
+            </a:br>
+            <a:endParaRPr lang="en-US" dirty="0"/>
+          </a:p>
+        </p:txBody>
+      </p:sp>
+      <p:sp>
+        <p:nvSpPr>
+          <p:cNvPr id="3" name="Content Placeholder 2"/>
+          <p:cNvSpPr>
+            <a:spLocks noGrp="1"/>
+          </p:cNvSpPr>
+          <p:nvPr>
+            <p:ph idx="1"/>
+          </p:nvPr>
+        </p:nvSpPr>
+        <p:spPr/>
+        <p:txBody>
+          <a:bodyPr/>
+          <a:lstStyle/>
+          <a:p>
+            <a:r>
+              <a:rPr lang="vi-VN" dirty="0"/>
+              <a:t>Cấu trúc </a:t>
+            </a:r>
+            <a:r>
+              <a:rPr lang="vi-VN" dirty="0" err="1"/>
+              <a:t>file</a:t>
+            </a:r>
+            <a:r>
+              <a:rPr lang="vi-VN" dirty="0"/>
+              <a:t> cấu hình.</a:t>
+            </a:r>
+          </a:p>
+          <a:p>
+            <a:r>
+              <a:rPr lang="vi-VN" dirty="0"/>
+              <a:t>Kéo dãn nội dung.</a:t>
+            </a:r>
+          </a:p>
+          <a:p>
+            <a:r>
+              <a:rPr lang="vi-VN" dirty="0"/>
+              <a:t>Lựa chọn nội dung.</a:t>
+            </a:r>
+          </a:p>
+          <a:p>
+            <a:r>
+              <a:rPr lang="vi-VN" dirty="0"/>
+              <a:t>Tốc độ khung hình</a:t>
+            </a:r>
+            <a:r>
+              <a:rPr lang="vi-VN" dirty="0" smtClean="0"/>
+              <a:t>.</a:t>
+            </a:r>
+            <a:endParaRPr lang="en-US" dirty="0"/>
+          </a:p>
+        </p:txBody>
+      </p:sp>
+    </p:spTree>
+    <p:extLst>
+      <p:ext uri="{BB962C8B-B14F-4D97-AF65-F5344CB8AC3E}">
+        <p14:creationId xmlns:p14="http://schemas.microsoft.com/office/powerpoint/2010/main" val="4198865290"/>
+      </p:ext>
+    </p:extLst>
+  </p:cSld>
+  <p:clrMapOvr>
+    <a:masterClrMapping/>
+  </p:clrMapOvr>
+  <p:timing>
+    <p:tnLst>
+      <p:par>
+        <p:cTn id="1" dur="indefinite" restart="never" nodeType="tmRoot"/>
+      </p:par>
+    </p:tnLst>
+  </p:timing>
+</p:sld>
+</file>
+
+<file path=ppt/slides/slide11.xml><?xml version="1.0" encoding="utf-8"?>
+<p:sld xmlns:a="http://schemas.openxmlformats.org/drawingml/2006/main" xmlns:r="http://schemas.openxmlformats.org/officeDocument/2006/relationships" xmlns:p="http://schemas.openxmlformats.org/presentationml/2006/main">
+  <p:cSld>
+    <p:spTree>
+      <p:nvGrpSpPr>
+        <p:cNvPr id="1" name=""/>
+        <p:cNvGrpSpPr/>
+        <p:nvPr/>
+      </p:nvGrpSpPr>
+      <p:grpSpPr>
+        <a:xfrm>
+          <a:off x="0" y="0"/>
+          <a:ext cx="0" cy="0"/>
+          <a:chOff x="0" y="0"/>
+          <a:chExt cx="0" cy="0"/>
+        </a:xfrm>
+      </p:grpSpPr>
+      <p:sp>
+        <p:nvSpPr>
+          <p:cNvPr id="2" name="Title 1"/>
+          <p:cNvSpPr>
+            <a:spLocks noGrp="1"/>
+          </p:cNvSpPr>
+          <p:nvPr>
+            <p:ph type="title"/>
+          </p:nvPr>
+        </p:nvSpPr>
+        <p:spPr/>
+        <p:txBody>
+          <a:bodyPr/>
+          <a:lstStyle/>
+          <a:p>
+            <a:r>
               <a:rPr lang="vi-VN" dirty="0"/>
               <a:t>Cấu trúc </a:t>
             </a:r>
@@ -11721,7 +11870,7 @@
 </p:sld>
 </file>
 
-<file path=ppt/slides/slide11.xml><?xml version="1.0" encoding="utf-8"?>
+<file path=ppt/slides/slide12.xml><?xml version="1.0" encoding="utf-8"?>
 <p:sld xmlns:a="http://schemas.openxmlformats.org/drawingml/2006/main" xmlns:r="http://schemas.openxmlformats.org/officeDocument/2006/relationships" xmlns:p="http://schemas.openxmlformats.org/presentationml/2006/main">
   <p:cSld>
     <p:spTree>
@@ -11964,7 +12113,7 @@
 </p:sld>
 </file>
 
-<file path=ppt/slides/slide12.xml><?xml version="1.0" encoding="utf-8"?>
+<file path=ppt/slides/slide13.xml><?xml version="1.0" encoding="utf-8"?>
 <p:sld xmlns:a="http://schemas.openxmlformats.org/drawingml/2006/main" xmlns:r="http://schemas.openxmlformats.org/officeDocument/2006/relationships" xmlns:p="http://schemas.openxmlformats.org/presentationml/2006/main">
   <p:cSld>
     <p:spTree>
@@ -12172,170 +12321,6 @@
 </p:sld>
 </file>
 
-<file path=ppt/slides/slide13.xml><?xml version="1.0" encoding="utf-8"?>
-<p:sld xmlns:a="http://schemas.openxmlformats.org/drawingml/2006/main" xmlns:r="http://schemas.openxmlformats.org/officeDocument/2006/relationships" xmlns:p="http://schemas.openxmlformats.org/presentationml/2006/main">
-  <p:cSld>
-    <p:spTree>
-      <p:nvGrpSpPr>
-        <p:cNvPr id="1" name=""/>
-        <p:cNvGrpSpPr/>
-        <p:nvPr/>
-      </p:nvGrpSpPr>
-      <p:grpSpPr>
-        <a:xfrm>
-          <a:off x="0" y="0"/>
-          <a:ext cx="0" cy="0"/>
-          <a:chOff x="0" y="0"/>
-          <a:chExt cx="0" cy="0"/>
-        </a:xfrm>
-      </p:grpSpPr>
-      <p:sp>
-        <p:nvSpPr>
-          <p:cNvPr id="2" name="Title 1"/>
-          <p:cNvSpPr>
-            <a:spLocks noGrp="1"/>
-          </p:cNvSpPr>
-          <p:nvPr>
-            <p:ph type="title"/>
-          </p:nvPr>
-        </p:nvSpPr>
-        <p:spPr/>
-        <p:txBody>
-          <a:bodyPr/>
-          <a:lstStyle/>
-          <a:p>
-            <a:r>
-              <a:rPr lang="en-US" b="1" dirty="0"/>
-              <a:t>Dynamic Image </a:t>
-            </a:r>
-            <a:r>
-              <a:rPr lang="en-US" b="1" dirty="0" smtClean="0"/>
-              <a:t>Selection</a:t>
-            </a:r>
-            <a:endParaRPr lang="en-US" dirty="0"/>
-          </a:p>
-        </p:txBody>
-      </p:sp>
-      <p:sp>
-        <p:nvSpPr>
-          <p:cNvPr id="11" name="Content Placeholder 10"/>
-          <p:cNvSpPr>
-            <a:spLocks noGrp="1"/>
-          </p:cNvSpPr>
-          <p:nvPr>
-            <p:ph idx="1"/>
-          </p:nvPr>
-        </p:nvSpPr>
-        <p:spPr>
-          <a:xfrm>
-            <a:off x="677334" y="1677114"/>
-            <a:ext cx="8596668" cy="3880773"/>
-          </a:xfrm>
-        </p:spPr>
-        <p:txBody>
-          <a:bodyPr/>
-          <a:lstStyle/>
-          <a:p>
-            <a:r>
-              <a:rPr lang="vi-VN" dirty="0" smtClean="0"/>
-              <a:t>Để dùng chức năng này ta thêm thược tính </a:t>
-            </a:r>
-            <a:r>
-              <a:rPr lang="vi-VN" b="1" dirty="0" err="1" smtClean="0"/>
-              <a:t>imageSuffix</a:t>
-            </a:r>
-            <a:r>
-              <a:rPr lang="vi-VN" dirty="0" smtClean="0"/>
-              <a:t> vào cấu hình.</a:t>
-            </a:r>
-          </a:p>
-          <a:p>
-            <a:r>
-              <a:rPr lang="vi-VN" dirty="0" smtClean="0"/>
-              <a:t>Tham số đầu tiên là danh sách các hậu tố.</a:t>
-            </a:r>
-          </a:p>
-          <a:p>
-            <a:r>
-              <a:rPr lang="vi-VN" dirty="0" smtClean="0"/>
-              <a:t>Tham số thứ 2 là ngưỡng để </a:t>
-            </a:r>
-            <a:r>
-              <a:rPr lang="vi-VN" dirty="0" err="1" smtClean="0"/>
-              <a:t>corona</a:t>
-            </a:r>
-            <a:r>
-              <a:rPr lang="vi-VN" dirty="0" smtClean="0"/>
-              <a:t> bắt đầu lựa chọn hình này.</a:t>
-            </a:r>
-          </a:p>
-          <a:p>
-            <a:r>
-              <a:rPr lang="vi-VN" dirty="0" err="1" smtClean="0"/>
-              <a:t>Vd</a:t>
-            </a:r>
-            <a:r>
-              <a:rPr lang="vi-VN" dirty="0" smtClean="0"/>
-              <a:t>: </a:t>
-            </a:r>
-            <a:r>
-              <a:rPr lang="en-US" dirty="0" smtClean="0">
-                <a:hlinkClick r:id="rId2"/>
-              </a:rPr>
-              <a:t>myImage@2x.png</a:t>
-            </a:r>
-            <a:r>
-              <a:rPr lang="vi-VN" dirty="0" smtClean="0"/>
-              <a:t> sẽ được dùng khi kích thước thực lớn hơn 2 lần.</a:t>
-            </a:r>
-            <a:endParaRPr lang="en-US" dirty="0"/>
-          </a:p>
-        </p:txBody>
-      </p:sp>
-      <p:pic>
-        <p:nvPicPr>
-          <p:cNvPr id="12" name="Picture 11"/>
-          <p:cNvPicPr>
-            <a:picLocks noChangeAspect="1"/>
-          </p:cNvPicPr>
-          <p:nvPr/>
-        </p:nvPicPr>
-        <p:blipFill>
-          <a:blip r:embed="rId3"/>
-          <a:stretch>
-            <a:fillRect/>
-          </a:stretch>
-        </p:blipFill>
-        <p:spPr>
-          <a:xfrm>
-            <a:off x="2652882" y="3470355"/>
-            <a:ext cx="4030596" cy="2559973"/>
-          </a:xfrm>
-          <a:prstGeom prst="rect">
-            <a:avLst/>
-          </a:prstGeom>
-        </p:spPr>
-      </p:pic>
-    </p:spTree>
-    <p:extLst>
-      <p:ext uri="{BB962C8B-B14F-4D97-AF65-F5344CB8AC3E}">
-        <p14:creationId xmlns:p14="http://schemas.microsoft.com/office/powerpoint/2010/main" val="1220080135"/>
-      </p:ext>
-    </p:extLst>
-  </p:cSld>
-  <p:clrMapOvr>
-    <a:masterClrMapping/>
-  </p:clrMapOvr>
-  <p:timing>
-    <p:tnLst>
-      <p:par>
-        <p:cTn id="1" dur="indefinite" restart="never" nodeType="tmRoot"/>
-      </p:par>
-    </p:tnLst>
-  </p:timing>
-</p:sld>
-</file>
-
 <file path=ppt/slides/slide14.xml><?xml version="1.0" encoding="utf-8"?>
 <p:sld xmlns:a="http://schemas.openxmlformats.org/drawingml/2006/main" xmlns:r="http://schemas.openxmlformats.org/officeDocument/2006/relationships" xmlns:p="http://schemas.openxmlformats.org/presentationml/2006/main">
   <p:cSld>
@@ -12369,8 +12354,12 @@
           <a:lstStyle/>
           <a:p>
             <a:r>
-              <a:rPr lang="vi-VN" dirty="0" smtClean="0"/>
-              <a:t>Tốc độ khung hình.</a:t>
+              <a:rPr lang="en-US" b="1" dirty="0"/>
+              <a:t>Dynamic Image </a:t>
+            </a:r>
+            <a:r>
+              <a:rPr lang="en-US" b="1" dirty="0" smtClean="0"/>
+              <a:t>Selection</a:t>
             </a:r>
             <a:endParaRPr lang="en-US" dirty="0"/>
           </a:p>
@@ -12378,7 +12367,7 @@
       </p:sp>
       <p:sp>
         <p:nvSpPr>
-          <p:cNvPr id="3" name="Content Placeholder 2"/>
+          <p:cNvPr id="11" name="Content Placeholder 10"/>
           <p:cNvSpPr>
             <a:spLocks noGrp="1"/>
           </p:cNvSpPr>
@@ -12386,14 +12375,39 @@
             <p:ph idx="1"/>
           </p:nvPr>
         </p:nvSpPr>
-        <p:spPr/>
+        <p:spPr>
+          <a:xfrm>
+            <a:off x="677334" y="1677114"/>
+            <a:ext cx="8596668" cy="3880773"/>
+          </a:xfrm>
+        </p:spPr>
         <p:txBody>
           <a:bodyPr/>
           <a:lstStyle/>
           <a:p>
             <a:r>
               <a:rPr lang="vi-VN" dirty="0" smtClean="0"/>
-              <a:t>Cài đặt tốc độ khung hình cho </a:t>
+              <a:t>Để dùng chức năng này ta thêm thược tính </a:t>
+            </a:r>
+            <a:r>
+              <a:rPr lang="vi-VN" b="1" dirty="0" err="1" smtClean="0"/>
+              <a:t>imageSuffix</a:t>
+            </a:r>
+            <a:r>
+              <a:rPr lang="vi-VN" dirty="0" smtClean="0"/>
+              <a:t> vào cấu hình.</a:t>
+            </a:r>
+          </a:p>
+          <a:p>
+            <a:r>
+              <a:rPr lang="vi-VN" dirty="0" smtClean="0"/>
+              <a:t>Tham số đầu tiên là danh sách các hậu tố.</a:t>
+            </a:r>
+          </a:p>
+          <a:p>
+            <a:r>
+              <a:rPr lang="vi-VN" dirty="0" smtClean="0"/>
+              <a:t>Tham số thứ 2 là ngưỡng để </a:t>
             </a:r>
             <a:r>
               <a:rPr lang="vi-VN" dirty="0" err="1" smtClean="0"/>
@@ -12401,46 +12415,50 @@
             </a:r>
             <a:r>
               <a:rPr lang="vi-VN" dirty="0" smtClean="0"/>
-              <a:t> bằng thuộc tính </a:t>
-            </a:r>
-            <a:r>
-              <a:rPr lang="vi-VN" b="1" dirty="0" err="1" smtClean="0"/>
-              <a:t>fps</a:t>
+              <a:t> bắt đầu lựa chọn hình này.</a:t>
+            </a:r>
+          </a:p>
+          <a:p>
+            <a:r>
+              <a:rPr lang="vi-VN" dirty="0" err="1" smtClean="0"/>
+              <a:t>Vd</a:t>
             </a:r>
             <a:r>
               <a:rPr lang="vi-VN" dirty="0" smtClean="0"/>
-              <a:t>.</a:t>
-            </a:r>
-          </a:p>
-          <a:p>
+              <a:t>: </a:t>
+            </a:r>
+            <a:r>
+              <a:rPr lang="en-US" dirty="0" smtClean="0">
+                <a:hlinkClick r:id="rId2"/>
+              </a:rPr>
+              <a:t>myImage@2x.png</a:t>
+            </a:r>
             <a:r>
               <a:rPr lang="vi-VN" dirty="0" smtClean="0"/>
-              <a:t>các giá trị khác 30 và 60 sẽ bị bỏ qua.</a:t>
-            </a:r>
-          </a:p>
-          <a:p>
+              <a:t> sẽ được dùng khi kích thước thực lớn hơn 2 lần.</a:t>
+            </a:r>
             <a:endParaRPr lang="en-US" dirty="0"/>
           </a:p>
         </p:txBody>
       </p:sp>
       <p:pic>
         <p:nvPicPr>
-          <p:cNvPr id="4" name="Picture 3"/>
+          <p:cNvPr id="12" name="Picture 11"/>
           <p:cNvPicPr>
             <a:picLocks noChangeAspect="1"/>
           </p:cNvPicPr>
           <p:nvPr/>
         </p:nvPicPr>
         <p:blipFill>
-          <a:blip r:embed="rId2"/>
+          <a:blip r:embed="rId3"/>
           <a:stretch>
             <a:fillRect/>
           </a:stretch>
         </p:blipFill>
         <p:spPr>
           <a:xfrm>
-            <a:off x="2856842" y="3197280"/>
-            <a:ext cx="3533447" cy="2988394"/>
+            <a:off x="2652882" y="3470355"/>
+            <a:ext cx="4030596" cy="2559973"/>
           </a:xfrm>
           <a:prstGeom prst="rect">
             <a:avLst/>
@@ -12450,7 +12468,7 @@
     </p:spTree>
     <p:extLst>
       <p:ext uri="{BB962C8B-B14F-4D97-AF65-F5344CB8AC3E}">
-        <p14:creationId xmlns:p14="http://schemas.microsoft.com/office/powerpoint/2010/main" val="767043252"/>
+        <p14:creationId xmlns:p14="http://schemas.microsoft.com/office/powerpoint/2010/main" val="1220080135"/>
       </p:ext>
     </p:extLst>
   </p:cSld>
@@ -12501,7 +12519,7 @@
           <a:p>
             <a:r>
               <a:rPr lang="vi-VN" dirty="0" smtClean="0"/>
-              <a:t>Đồ họa</a:t>
+              <a:t>Tốc độ khung hình.</a:t>
             </a:r>
             <a:endParaRPr lang="en-US" dirty="0"/>
           </a:p>
@@ -12517,218 +12535,71 @@
             <p:ph idx="1"/>
           </p:nvPr>
         </p:nvSpPr>
+        <p:spPr/>
+        <p:txBody>
+          <a:bodyPr/>
+          <a:lstStyle/>
+          <a:p>
+            <a:r>
+              <a:rPr lang="vi-VN" dirty="0" smtClean="0"/>
+              <a:t>Cài đặt tốc độ khung hình cho </a:t>
+            </a:r>
+            <a:r>
+              <a:rPr lang="vi-VN" dirty="0" err="1" smtClean="0"/>
+              <a:t>corona</a:t>
+            </a:r>
+            <a:r>
+              <a:rPr lang="vi-VN" dirty="0" smtClean="0"/>
+              <a:t> bằng thuộc tính </a:t>
+            </a:r>
+            <a:r>
+              <a:rPr lang="vi-VN" b="1" dirty="0" err="1" smtClean="0"/>
+              <a:t>fps</a:t>
+            </a:r>
+            <a:r>
+              <a:rPr lang="vi-VN" dirty="0" smtClean="0"/>
+              <a:t>.</a:t>
+            </a:r>
+          </a:p>
+          <a:p>
+            <a:r>
+              <a:rPr lang="vi-VN" dirty="0" smtClean="0"/>
+              <a:t>các giá trị khác 30 và 60 sẽ bị bỏ qua.</a:t>
+            </a:r>
+          </a:p>
+          <a:p>
+            <a:endParaRPr lang="en-US" dirty="0"/>
+          </a:p>
+        </p:txBody>
+      </p:sp>
+      <p:pic>
+        <p:nvPicPr>
+          <p:cNvPr id="4" name="Picture 3"/>
+          <p:cNvPicPr>
+            <a:picLocks noChangeAspect="1"/>
+          </p:cNvPicPr>
+          <p:nvPr/>
+        </p:nvPicPr>
+        <p:blipFill>
+          <a:blip r:embed="rId2"/>
+          <a:stretch>
+            <a:fillRect/>
+          </a:stretch>
+        </p:blipFill>
         <p:spPr>
           <a:xfrm>
-            <a:off x="677334" y="1540479"/>
-            <a:ext cx="8596668" cy="3880773"/>
+            <a:off x="2856842" y="3197280"/>
+            <a:ext cx="3533447" cy="2988394"/>
           </a:xfrm>
+          <a:prstGeom prst="rect">
+            <a:avLst/>
+          </a:prstGeom>
         </p:spPr>
-        <p:txBody>
-          <a:bodyPr>
-            <a:normAutofit fontScale="92500" lnSpcReduction="20000"/>
-          </a:bodyPr>
-          <a:lstStyle/>
-          <a:p>
-            <a:r>
-              <a:rPr lang="vi-VN" dirty="0" err="1">
-                <a:cs typeface="Arial" panose="020B0604020202020204" pitchFamily="34" charset="0"/>
-              </a:rPr>
-              <a:t>Display</a:t>
-            </a:r>
-            <a:r>
-              <a:rPr lang="vi-VN" dirty="0">
-                <a:cs typeface="Arial" panose="020B0604020202020204" pitchFamily="34" charset="0"/>
-              </a:rPr>
-              <a:t> </a:t>
-            </a:r>
-            <a:r>
-              <a:rPr lang="vi-VN" dirty="0" err="1">
-                <a:cs typeface="Arial" panose="020B0604020202020204" pitchFamily="34" charset="0"/>
-              </a:rPr>
-              <a:t>Object</a:t>
-            </a:r>
-            <a:r>
-              <a:rPr lang="vi-VN" dirty="0">
-                <a:cs typeface="Arial" panose="020B0604020202020204" pitchFamily="34" charset="0"/>
-              </a:rPr>
-              <a:t>( đối tượng hiển thị).</a:t>
-            </a:r>
-          </a:p>
-          <a:p>
-            <a:pPr lvl="1"/>
-            <a:r>
-              <a:rPr lang="vi-VN" dirty="0">
-                <a:cs typeface="Arial" panose="020B0604020202020204" pitchFamily="34" charset="0"/>
-              </a:rPr>
-              <a:t>Tạo.</a:t>
-            </a:r>
-          </a:p>
-          <a:p>
-            <a:pPr lvl="1"/>
-            <a:r>
-              <a:rPr lang="vi-VN" dirty="0">
-                <a:cs typeface="Arial" panose="020B0604020202020204" pitchFamily="34" charset="0"/>
-              </a:rPr>
-              <a:t>Phương thức và thuộc tính.</a:t>
-            </a:r>
-          </a:p>
-          <a:p>
-            <a:pPr lvl="1"/>
-            <a:r>
-              <a:rPr lang="en-US" dirty="0">
-                <a:latin typeface="Arial" panose="020B0604020202020204" pitchFamily="34" charset="0"/>
-                <a:cs typeface="Arial" panose="020B0604020202020204" pitchFamily="34" charset="0"/>
-              </a:rPr>
-              <a:t>Object </a:t>
-            </a:r>
-            <a:r>
-              <a:rPr lang="en-US" dirty="0" smtClean="0">
-                <a:latin typeface="Arial" panose="020B0604020202020204" pitchFamily="34" charset="0"/>
-                <a:cs typeface="Arial" panose="020B0604020202020204" pitchFamily="34" charset="0"/>
-              </a:rPr>
-              <a:t>Order</a:t>
-            </a:r>
-            <a:r>
-              <a:rPr lang="vi-VN" dirty="0" smtClean="0">
-                <a:latin typeface="Arial" panose="020B0604020202020204" pitchFamily="34" charset="0"/>
-                <a:cs typeface="Arial" panose="020B0604020202020204" pitchFamily="34" charset="0"/>
-              </a:rPr>
-              <a:t>( thứ tự)</a:t>
-            </a:r>
-          </a:p>
-          <a:p>
-            <a:pPr lvl="1"/>
-            <a:r>
-              <a:rPr lang="en-US" dirty="0" smtClean="0">
-                <a:latin typeface="Arial" panose="020B0604020202020204" pitchFamily="34" charset="0"/>
-                <a:cs typeface="Arial" panose="020B0604020202020204" pitchFamily="34" charset="0"/>
-              </a:rPr>
-              <a:t>Removing </a:t>
-            </a:r>
-            <a:r>
-              <a:rPr lang="en-US" dirty="0">
-                <a:latin typeface="Arial" panose="020B0604020202020204" pitchFamily="34" charset="0"/>
-                <a:cs typeface="Arial" panose="020B0604020202020204" pitchFamily="34" charset="0"/>
-              </a:rPr>
-              <a:t>Display </a:t>
-            </a:r>
-            <a:r>
-              <a:rPr lang="en-US" dirty="0" smtClean="0">
-                <a:latin typeface="Arial" panose="020B0604020202020204" pitchFamily="34" charset="0"/>
-                <a:cs typeface="Arial" panose="020B0604020202020204" pitchFamily="34" charset="0"/>
-              </a:rPr>
-              <a:t>Objects</a:t>
-            </a:r>
-            <a:r>
-              <a:rPr lang="vi-VN" dirty="0" smtClean="0">
-                <a:latin typeface="Arial" panose="020B0604020202020204" pitchFamily="34" charset="0"/>
-                <a:cs typeface="Arial" panose="020B0604020202020204" pitchFamily="34" charset="0"/>
-              </a:rPr>
-              <a:t>( xóa)</a:t>
-            </a:r>
-          </a:p>
-          <a:p>
-            <a:r>
-              <a:rPr lang="vi-VN" dirty="0" err="1">
-                <a:cs typeface="Arial" panose="020B0604020202020204" pitchFamily="34" charset="0"/>
-              </a:rPr>
-              <a:t>Sprite</a:t>
-            </a:r>
-            <a:r>
-              <a:rPr lang="vi-VN" dirty="0">
-                <a:cs typeface="Arial" panose="020B0604020202020204" pitchFamily="34" charset="0"/>
-              </a:rPr>
-              <a:t> </a:t>
-            </a:r>
-            <a:r>
-              <a:rPr lang="vi-VN" dirty="0" err="1" smtClean="0">
-                <a:cs typeface="Arial" panose="020B0604020202020204" pitchFamily="34" charset="0"/>
-              </a:rPr>
-              <a:t>Animation</a:t>
-            </a:r>
-            <a:r>
-              <a:rPr lang="vi-VN" dirty="0" smtClean="0">
-                <a:cs typeface="Arial" panose="020B0604020202020204" pitchFamily="34" charset="0"/>
-              </a:rPr>
-              <a:t>( bóng hoạt hình).</a:t>
-            </a:r>
-            <a:endParaRPr lang="vi-VN" dirty="0">
-              <a:cs typeface="Arial" panose="020B0604020202020204" pitchFamily="34" charset="0"/>
-            </a:endParaRPr>
-          </a:p>
-          <a:p>
-            <a:pPr lvl="1"/>
-            <a:r>
-              <a:rPr lang="en-US" dirty="0" smtClean="0">
-                <a:latin typeface="Arial" panose="020B0604020202020204" pitchFamily="34" charset="0"/>
-                <a:cs typeface="Arial" panose="020B0604020202020204" pitchFamily="34" charset="0"/>
-              </a:rPr>
-              <a:t>Image </a:t>
-            </a:r>
-            <a:r>
-              <a:rPr lang="en-US" dirty="0">
-                <a:latin typeface="Arial" panose="020B0604020202020204" pitchFamily="34" charset="0"/>
-                <a:cs typeface="Arial" panose="020B0604020202020204" pitchFamily="34" charset="0"/>
-              </a:rPr>
-              <a:t>Sheets</a:t>
-            </a:r>
-          </a:p>
-          <a:p>
-            <a:pPr lvl="1"/>
-            <a:r>
-              <a:rPr lang="en-US" dirty="0">
-                <a:latin typeface="Arial" panose="020B0604020202020204" pitchFamily="34" charset="0"/>
-                <a:cs typeface="Arial" panose="020B0604020202020204" pitchFamily="34" charset="0"/>
-              </a:rPr>
-              <a:t>Animation Sequences</a:t>
-            </a:r>
-          </a:p>
-          <a:p>
-            <a:pPr lvl="1"/>
-            <a:r>
-              <a:rPr lang="en-US" dirty="0">
-                <a:latin typeface="Arial" panose="020B0604020202020204" pitchFamily="34" charset="0"/>
-                <a:cs typeface="Arial" panose="020B0604020202020204" pitchFamily="34" charset="0"/>
-              </a:rPr>
-              <a:t>Sprite Objects</a:t>
-            </a:r>
-          </a:p>
-          <a:p>
-            <a:pPr lvl="1"/>
-            <a:r>
-              <a:rPr lang="en-US" dirty="0">
-                <a:latin typeface="Arial" panose="020B0604020202020204" pitchFamily="34" charset="0"/>
-                <a:cs typeface="Arial" panose="020B0604020202020204" pitchFamily="34" charset="0"/>
-              </a:rPr>
-              <a:t>Sprite Control Methods</a:t>
-            </a:r>
-          </a:p>
-          <a:p>
-            <a:pPr lvl="1"/>
-            <a:r>
-              <a:rPr lang="en-US" dirty="0">
-                <a:latin typeface="Arial" panose="020B0604020202020204" pitchFamily="34" charset="0"/>
-                <a:cs typeface="Arial" panose="020B0604020202020204" pitchFamily="34" charset="0"/>
-              </a:rPr>
-              <a:t>Sprite Properties</a:t>
-            </a:r>
-          </a:p>
-          <a:p>
-            <a:pPr lvl="1"/>
-            <a:r>
-              <a:rPr lang="en-US" dirty="0">
-                <a:latin typeface="Arial" panose="020B0604020202020204" pitchFamily="34" charset="0"/>
-                <a:cs typeface="Arial" panose="020B0604020202020204" pitchFamily="34" charset="0"/>
-              </a:rPr>
-              <a:t>Sprite Events</a:t>
-            </a:r>
-          </a:p>
-        </p:txBody>
-      </p:sp>
+      </p:pic>
     </p:spTree>
     <p:extLst>
       <p:ext uri="{BB962C8B-B14F-4D97-AF65-F5344CB8AC3E}">
-        <p14:creationId xmlns:p14="http://schemas.microsoft.com/office/powerpoint/2010/main" val="769546405"/>
+        <p14:creationId xmlns:p14="http://schemas.microsoft.com/office/powerpoint/2010/main" val="767043252"/>
       </p:ext>
     </p:extLst>
   </p:cSld>
@@ -12778,50 +12649,235 @@
           <a:lstStyle/>
           <a:p>
             <a:r>
+              <a:rPr lang="vi-VN" dirty="0" smtClean="0"/>
+              <a:t>Đồ họa</a:t>
+            </a:r>
+            <a:endParaRPr lang="en-US" dirty="0"/>
+          </a:p>
+        </p:txBody>
+      </p:sp>
+      <p:sp>
+        <p:nvSpPr>
+          <p:cNvPr id="3" name="Content Placeholder 2"/>
+          <p:cNvSpPr>
+            <a:spLocks noGrp="1"/>
+          </p:cNvSpPr>
+          <p:nvPr>
+            <p:ph idx="1"/>
+          </p:nvPr>
+        </p:nvSpPr>
+        <p:spPr>
+          <a:xfrm>
+            <a:off x="677334" y="1540479"/>
+            <a:ext cx="8596668" cy="3880773"/>
+          </a:xfrm>
+        </p:spPr>
+        <p:txBody>
+          <a:bodyPr>
+            <a:normAutofit fontScale="92500" lnSpcReduction="20000"/>
+          </a:bodyPr>
+          <a:lstStyle/>
+          <a:p>
+            <a:r>
               <a:rPr lang="vi-VN" dirty="0" err="1">
+                <a:cs typeface="Arial" panose="020B0604020202020204" pitchFamily="34" charset="0"/>
+              </a:rPr>
+              <a:t>Display</a:t>
+            </a:r>
+            <a:r>
+              <a:rPr lang="vi-VN" dirty="0">
+                <a:cs typeface="Arial" panose="020B0604020202020204" pitchFamily="34" charset="0"/>
+              </a:rPr>
+              <a:t> </a:t>
+            </a:r>
+            <a:r>
+              <a:rPr lang="vi-VN" dirty="0" err="1">
+                <a:cs typeface="Arial" panose="020B0604020202020204" pitchFamily="34" charset="0"/>
+              </a:rPr>
+              <a:t>Object</a:t>
+            </a:r>
+            <a:r>
+              <a:rPr lang="vi-VN" dirty="0">
+                <a:cs typeface="Arial" panose="020B0604020202020204" pitchFamily="34" charset="0"/>
+              </a:rPr>
+              <a:t>( đối tượng hiển thị).</a:t>
+            </a:r>
+          </a:p>
+          <a:p>
+            <a:pPr lvl="1"/>
+            <a:r>
+              <a:rPr lang="vi-VN" dirty="0">
+                <a:cs typeface="Arial" panose="020B0604020202020204" pitchFamily="34" charset="0"/>
+              </a:rPr>
+              <a:t>Tạo.</a:t>
+            </a:r>
+          </a:p>
+          <a:p>
+            <a:pPr lvl="1"/>
+            <a:r>
+              <a:rPr lang="vi-VN" dirty="0">
+                <a:cs typeface="Arial" panose="020B0604020202020204" pitchFamily="34" charset="0"/>
+              </a:rPr>
+              <a:t>Phương thức và thuộc tính.</a:t>
+            </a:r>
+          </a:p>
+          <a:p>
+            <a:pPr lvl="1"/>
+            <a:r>
+              <a:rPr lang="en-US" dirty="0">
                 <a:latin typeface="Arial" panose="020B0604020202020204" pitchFamily="34" charset="0"/>
                 <a:cs typeface="Arial" panose="020B0604020202020204" pitchFamily="34" charset="0"/>
               </a:rPr>
-              <a:t>Display</a:t>
-            </a:r>
-            <a:r>
-              <a:rPr lang="vi-VN" dirty="0">
+              <a:t>Object </a:t>
+            </a:r>
+            <a:r>
+              <a:rPr lang="en-US" dirty="0" smtClean="0">
                 <a:latin typeface="Arial" panose="020B0604020202020204" pitchFamily="34" charset="0"/>
                 <a:cs typeface="Arial" panose="020B0604020202020204" pitchFamily="34" charset="0"/>
               </a:rPr>
-              <a:t> </a:t>
-            </a:r>
-            <a:r>
-              <a:rPr lang="vi-VN" dirty="0" err="1">
+              <a:t>Order</a:t>
+            </a:r>
+            <a:r>
+              <a:rPr lang="vi-VN" dirty="0" smtClean="0">
                 <a:latin typeface="Arial" panose="020B0604020202020204" pitchFamily="34" charset="0"/>
                 <a:cs typeface="Arial" panose="020B0604020202020204" pitchFamily="34" charset="0"/>
               </a:rPr>
-              <a:t>Object</a:t>
-            </a:r>
-            <a:r>
-              <a:rPr lang="vi-VN" dirty="0">
+              <a:t>( thứ tự)</a:t>
+            </a:r>
+          </a:p>
+          <a:p>
+            <a:pPr lvl="1"/>
+            <a:r>
+              <a:rPr lang="en-US" dirty="0" smtClean="0">
                 <a:latin typeface="Arial" panose="020B0604020202020204" pitchFamily="34" charset="0"/>
                 <a:cs typeface="Arial" panose="020B0604020202020204" pitchFamily="34" charset="0"/>
               </a:rPr>
-              <a:t>( đối tượng hiển thị).</a:t>
-            </a:r>
-            <a:br>
-              <a:rPr lang="vi-VN" dirty="0">
+              <a:t>Removing </a:t>
+            </a:r>
+            <a:r>
+              <a:rPr lang="en-US" dirty="0">
                 <a:latin typeface="Arial" panose="020B0604020202020204" pitchFamily="34" charset="0"/>
                 <a:cs typeface="Arial" panose="020B0604020202020204" pitchFamily="34" charset="0"/>
               </a:rPr>
-            </a:br>
-            <a:endParaRPr lang="en-US" dirty="0">
-              <a:latin typeface="Arial" panose="020B0604020202020204" pitchFamily="34" charset="0"/>
+              <a:t>Display </a:t>
+            </a:r>
+            <a:r>
+              <a:rPr lang="en-US" dirty="0" smtClean="0">
+                <a:latin typeface="Arial" panose="020B0604020202020204" pitchFamily="34" charset="0"/>
+                <a:cs typeface="Arial" panose="020B0604020202020204" pitchFamily="34" charset="0"/>
+              </a:rPr>
+              <a:t>Objects</a:t>
+            </a:r>
+            <a:r>
+              <a:rPr lang="vi-VN" dirty="0" smtClean="0">
+                <a:latin typeface="Arial" panose="020B0604020202020204" pitchFamily="34" charset="0"/>
+                <a:cs typeface="Arial" panose="020B0604020202020204" pitchFamily="34" charset="0"/>
+              </a:rPr>
+              <a:t>( xóa)</a:t>
+            </a:r>
+          </a:p>
+          <a:p>
+            <a:r>
+              <a:rPr lang="vi-VN" dirty="0" err="1">
+                <a:cs typeface="Arial" panose="020B0604020202020204" pitchFamily="34" charset="0"/>
+              </a:rPr>
+              <a:t>Sprite</a:t>
+            </a:r>
+            <a:r>
+              <a:rPr lang="vi-VN" dirty="0">
+                <a:cs typeface="Arial" panose="020B0604020202020204" pitchFamily="34" charset="0"/>
+              </a:rPr>
+              <a:t> </a:t>
+            </a:r>
+            <a:r>
+              <a:rPr lang="vi-VN" dirty="0" err="1" smtClean="0">
+                <a:cs typeface="Arial" panose="020B0604020202020204" pitchFamily="34" charset="0"/>
+              </a:rPr>
+              <a:t>Animation</a:t>
+            </a:r>
+            <a:r>
+              <a:rPr lang="vi-VN" dirty="0" smtClean="0">
+                <a:cs typeface="Arial" panose="020B0604020202020204" pitchFamily="34" charset="0"/>
+              </a:rPr>
+              <a:t>( bóng hoạt hình).</a:t>
+            </a:r>
+            <a:endParaRPr lang="vi-VN" dirty="0">
               <a:cs typeface="Arial" panose="020B0604020202020204" pitchFamily="34" charset="0"/>
             </a:endParaRPr>
+          </a:p>
+          <a:p>
+            <a:pPr lvl="1"/>
+            <a:r>
+              <a:rPr lang="en-US" dirty="0" smtClean="0">
+                <a:latin typeface="Arial" panose="020B0604020202020204" pitchFamily="34" charset="0"/>
+                <a:cs typeface="Arial" panose="020B0604020202020204" pitchFamily="34" charset="0"/>
+              </a:rPr>
+              <a:t>Image </a:t>
+            </a:r>
+            <a:r>
+              <a:rPr lang="en-US" dirty="0">
+                <a:latin typeface="Arial" panose="020B0604020202020204" pitchFamily="34" charset="0"/>
+                <a:cs typeface="Arial" panose="020B0604020202020204" pitchFamily="34" charset="0"/>
+              </a:rPr>
+              <a:t>Sheets</a:t>
+            </a:r>
+          </a:p>
+          <a:p>
+            <a:pPr lvl="1"/>
+            <a:r>
+              <a:rPr lang="en-US" dirty="0">
+                <a:latin typeface="Arial" panose="020B0604020202020204" pitchFamily="34" charset="0"/>
+                <a:cs typeface="Arial" panose="020B0604020202020204" pitchFamily="34" charset="0"/>
+              </a:rPr>
+              <a:t>Animation Sequences</a:t>
+            </a:r>
+          </a:p>
+          <a:p>
+            <a:pPr lvl="1"/>
+            <a:r>
+              <a:rPr lang="en-US" dirty="0">
+                <a:latin typeface="Arial" panose="020B0604020202020204" pitchFamily="34" charset="0"/>
+                <a:cs typeface="Arial" panose="020B0604020202020204" pitchFamily="34" charset="0"/>
+              </a:rPr>
+              <a:t>Sprite Objects</a:t>
+            </a:r>
+          </a:p>
+          <a:p>
+            <a:pPr lvl="1"/>
+            <a:r>
+              <a:rPr lang="en-US" dirty="0">
+                <a:latin typeface="Arial" panose="020B0604020202020204" pitchFamily="34" charset="0"/>
+                <a:cs typeface="Arial" panose="020B0604020202020204" pitchFamily="34" charset="0"/>
+              </a:rPr>
+              <a:t>Sprite Control Methods</a:t>
+            </a:r>
+          </a:p>
+          <a:p>
+            <a:pPr lvl="1"/>
+            <a:r>
+              <a:rPr lang="en-US" dirty="0">
+                <a:latin typeface="Arial" panose="020B0604020202020204" pitchFamily="34" charset="0"/>
+                <a:cs typeface="Arial" panose="020B0604020202020204" pitchFamily="34" charset="0"/>
+              </a:rPr>
+              <a:t>Sprite Properties</a:t>
+            </a:r>
+          </a:p>
+          <a:p>
+            <a:pPr lvl="1"/>
+            <a:r>
+              <a:rPr lang="en-US" dirty="0">
+                <a:latin typeface="Arial" panose="020B0604020202020204" pitchFamily="34" charset="0"/>
+                <a:cs typeface="Arial" panose="020B0604020202020204" pitchFamily="34" charset="0"/>
+              </a:rPr>
+              <a:t>Sprite Events</a:t>
+            </a:r>
           </a:p>
         </p:txBody>
       </p:sp>
     </p:spTree>
     <p:extLst>
       <p:ext uri="{BB962C8B-B14F-4D97-AF65-F5344CB8AC3E}">
-        <p14:creationId xmlns:p14="http://schemas.microsoft.com/office/powerpoint/2010/main" val="1499817384"/>
+        <p14:creationId xmlns:p14="http://schemas.microsoft.com/office/powerpoint/2010/main" val="769546405"/>
       </p:ext>
     </p:extLst>
   </p:cSld>
@@ -12871,6 +12927,99 @@
           <a:lstStyle/>
           <a:p>
             <a:r>
+              <a:rPr lang="vi-VN" dirty="0" err="1">
+                <a:latin typeface="Arial" panose="020B0604020202020204" pitchFamily="34" charset="0"/>
+                <a:cs typeface="Arial" panose="020B0604020202020204" pitchFamily="34" charset="0"/>
+              </a:rPr>
+              <a:t>Display</a:t>
+            </a:r>
+            <a:r>
+              <a:rPr lang="vi-VN" dirty="0">
+                <a:latin typeface="Arial" panose="020B0604020202020204" pitchFamily="34" charset="0"/>
+                <a:cs typeface="Arial" panose="020B0604020202020204" pitchFamily="34" charset="0"/>
+              </a:rPr>
+              <a:t> </a:t>
+            </a:r>
+            <a:r>
+              <a:rPr lang="vi-VN" dirty="0" err="1">
+                <a:latin typeface="Arial" panose="020B0604020202020204" pitchFamily="34" charset="0"/>
+                <a:cs typeface="Arial" panose="020B0604020202020204" pitchFamily="34" charset="0"/>
+              </a:rPr>
+              <a:t>Object</a:t>
+            </a:r>
+            <a:r>
+              <a:rPr lang="vi-VN" dirty="0">
+                <a:latin typeface="Arial" panose="020B0604020202020204" pitchFamily="34" charset="0"/>
+                <a:cs typeface="Arial" panose="020B0604020202020204" pitchFamily="34" charset="0"/>
+              </a:rPr>
+              <a:t>( đối tượng hiển thị).</a:t>
+            </a:r>
+            <a:br>
+              <a:rPr lang="vi-VN" dirty="0">
+                <a:latin typeface="Arial" panose="020B0604020202020204" pitchFamily="34" charset="0"/>
+                <a:cs typeface="Arial" panose="020B0604020202020204" pitchFamily="34" charset="0"/>
+              </a:rPr>
+            </a:br>
+            <a:endParaRPr lang="en-US" dirty="0">
+              <a:latin typeface="Arial" panose="020B0604020202020204" pitchFamily="34" charset="0"/>
+              <a:cs typeface="Arial" panose="020B0604020202020204" pitchFamily="34" charset="0"/>
+            </a:endParaRPr>
+          </a:p>
+        </p:txBody>
+      </p:sp>
+    </p:spTree>
+    <p:extLst>
+      <p:ext uri="{BB962C8B-B14F-4D97-AF65-F5344CB8AC3E}">
+        <p14:creationId xmlns:p14="http://schemas.microsoft.com/office/powerpoint/2010/main" val="1499817384"/>
+      </p:ext>
+    </p:extLst>
+  </p:cSld>
+  <p:clrMapOvr>
+    <a:masterClrMapping/>
+  </p:clrMapOvr>
+  <p:timing>
+    <p:tnLst>
+      <p:par>
+        <p:cTn id="1" dur="indefinite" restart="never" nodeType="tmRoot"/>
+      </p:par>
+    </p:tnLst>
+  </p:timing>
+</p:sld>
+</file>
+
+<file path=ppt/slides/slide18.xml><?xml version="1.0" encoding="utf-8"?>
+<p:sld xmlns:a="http://schemas.openxmlformats.org/drawingml/2006/main" xmlns:r="http://schemas.openxmlformats.org/officeDocument/2006/relationships" xmlns:p="http://schemas.openxmlformats.org/presentationml/2006/main">
+  <p:cSld>
+    <p:spTree>
+      <p:nvGrpSpPr>
+        <p:cNvPr id="1" name=""/>
+        <p:cNvGrpSpPr/>
+        <p:nvPr/>
+      </p:nvGrpSpPr>
+      <p:grpSpPr>
+        <a:xfrm>
+          <a:off x="0" y="0"/>
+          <a:ext cx="0" cy="0"/>
+          <a:chOff x="0" y="0"/>
+          <a:chExt cx="0" cy="0"/>
+        </a:xfrm>
+      </p:grpSpPr>
+      <p:sp>
+        <p:nvSpPr>
+          <p:cNvPr id="2" name="Title 1"/>
+          <p:cNvSpPr>
+            <a:spLocks noGrp="1"/>
+          </p:cNvSpPr>
+          <p:nvPr>
+            <p:ph type="title"/>
+          </p:nvPr>
+        </p:nvSpPr>
+        <p:spPr/>
+        <p:txBody>
+          <a:bodyPr/>
+          <a:lstStyle/>
+          <a:p>
+            <a:r>
               <a:rPr lang="vi-VN" dirty="0" smtClean="0"/>
               <a:t>Tạo đối tượng đồ họa.</a:t>
             </a:r>
@@ -12955,7 +13104,7 @@
 </p:sld>
 </file>
 
-<file path=ppt/slides/slide18.xml><?xml version="1.0" encoding="utf-8"?>
+<file path=ppt/slides/slide19.xml><?xml version="1.0" encoding="utf-8"?>
 <p:sld xmlns:a="http://schemas.openxmlformats.org/drawingml/2006/main" xmlns:r="http://schemas.openxmlformats.org/officeDocument/2006/relationships" xmlns:p="http://schemas.openxmlformats.org/presentationml/2006/main">
   <p:cSld>
     <p:spTree>
@@ -13188,122 +13337,6 @@
 </p:sld>
 </file>
 
-<file path=ppt/slides/slide19.xml><?xml version="1.0" encoding="utf-8"?>
-<p:sld xmlns:a="http://schemas.openxmlformats.org/drawingml/2006/main" xmlns:r="http://schemas.openxmlformats.org/officeDocument/2006/relationships" xmlns:p="http://schemas.openxmlformats.org/presentationml/2006/main">
-  <p:cSld>
-    <p:spTree>
-      <p:nvGrpSpPr>
-        <p:cNvPr id="1" name=""/>
-        <p:cNvGrpSpPr/>
-        <p:nvPr/>
-      </p:nvGrpSpPr>
-      <p:grpSpPr>
-        <a:xfrm>
-          <a:off x="0" y="0"/>
-          <a:ext cx="0" cy="0"/>
-          <a:chOff x="0" y="0"/>
-          <a:chExt cx="0" cy="0"/>
-        </a:xfrm>
-      </p:grpSpPr>
-      <p:sp>
-        <p:nvSpPr>
-          <p:cNvPr id="2" name="Title 1"/>
-          <p:cNvSpPr>
-            <a:spLocks noGrp="1"/>
-          </p:cNvSpPr>
-          <p:nvPr>
-            <p:ph type="title"/>
-          </p:nvPr>
-        </p:nvSpPr>
-        <p:spPr/>
-        <p:txBody>
-          <a:bodyPr/>
-          <a:lstStyle/>
-          <a:p>
-            <a:r>
-              <a:rPr lang="vi-VN" dirty="0" err="1" smtClean="0">
-                <a:latin typeface="Arial" panose="020B0604020202020204" pitchFamily="34" charset="0"/>
-                <a:cs typeface="Arial" panose="020B0604020202020204" pitchFamily="34" charset="0"/>
-              </a:rPr>
-              <a:t>Object</a:t>
-            </a:r>
-            <a:r>
-              <a:rPr lang="vi-VN" dirty="0" smtClean="0">
-                <a:latin typeface="Arial" panose="020B0604020202020204" pitchFamily="34" charset="0"/>
-                <a:cs typeface="Arial" panose="020B0604020202020204" pitchFamily="34" charset="0"/>
-              </a:rPr>
-              <a:t> </a:t>
-            </a:r>
-            <a:r>
-              <a:rPr lang="vi-VN" dirty="0" err="1" smtClean="0">
-                <a:latin typeface="Arial" panose="020B0604020202020204" pitchFamily="34" charset="0"/>
-                <a:cs typeface="Arial" panose="020B0604020202020204" pitchFamily="34" charset="0"/>
-              </a:rPr>
-              <a:t>order</a:t>
-            </a:r>
-            <a:r>
-              <a:rPr lang="vi-VN" dirty="0" smtClean="0">
-                <a:latin typeface="Arial" panose="020B0604020202020204" pitchFamily="34" charset="0"/>
-                <a:cs typeface="Arial" panose="020B0604020202020204" pitchFamily="34" charset="0"/>
-              </a:rPr>
-              <a:t>( thứ tự)</a:t>
-            </a:r>
-            <a:endParaRPr lang="en-US" dirty="0">
-              <a:latin typeface="Arial" panose="020B0604020202020204" pitchFamily="34" charset="0"/>
-              <a:cs typeface="Arial" panose="020B0604020202020204" pitchFamily="34" charset="0"/>
-            </a:endParaRPr>
-          </a:p>
-        </p:txBody>
-      </p:sp>
-      <p:sp>
-        <p:nvSpPr>
-          <p:cNvPr id="3" name="Content Placeholder 2"/>
-          <p:cNvSpPr>
-            <a:spLocks noGrp="1"/>
-          </p:cNvSpPr>
-          <p:nvPr>
-            <p:ph idx="1"/>
-          </p:nvPr>
-        </p:nvSpPr>
-        <p:spPr/>
-        <p:txBody>
-          <a:bodyPr/>
-          <a:lstStyle/>
-          <a:p>
-            <a:r>
-              <a:rPr lang="vi-VN" dirty="0" smtClean="0"/>
-              <a:t>Các đối tượng hiển thị được vẽ ra sau sẽ nằm trên đối tượng trước.</a:t>
-            </a:r>
-          </a:p>
-          <a:p>
-            <a:r>
-              <a:rPr lang="vi-VN" dirty="0" smtClean="0"/>
-              <a:t>Chúng ta vẫn có thể sắp xếp lại thứ tự của chúng bằng cách bỏ vào 1 nhóm và sắp xếp như 1 mảng.</a:t>
-            </a:r>
-            <a:endParaRPr lang="en-US" dirty="0"/>
-          </a:p>
-        </p:txBody>
-      </p:sp>
-    </p:spTree>
-    <p:extLst>
-      <p:ext uri="{BB962C8B-B14F-4D97-AF65-F5344CB8AC3E}">
-        <p14:creationId xmlns:p14="http://schemas.microsoft.com/office/powerpoint/2010/main" val="2122884679"/>
-      </p:ext>
-    </p:extLst>
-  </p:cSld>
-  <p:clrMapOvr>
-    <a:masterClrMapping/>
-  </p:clrMapOvr>
-  <p:timing>
-    <p:tnLst>
-      <p:par>
-        <p:cTn id="1" dur="indefinite" restart="never" nodeType="tmRoot"/>
-      </p:par>
-    </p:tnLst>
-  </p:timing>
-</p:sld>
-</file>
-
 <file path=ppt/slides/slide2.xml><?xml version="1.0" encoding="utf-8"?>
 <p:sld xmlns:a="http://schemas.openxmlformats.org/drawingml/2006/main" xmlns:r="http://schemas.openxmlformats.org/officeDocument/2006/relationships" xmlns:p="http://schemas.openxmlformats.org/presentationml/2006/main">
   <p:cSld>
@@ -13547,6 +13580,122 @@
 </file>
 
 <file path=ppt/slides/slide20.xml><?xml version="1.0" encoding="utf-8"?>
+<p:sld xmlns:a="http://schemas.openxmlformats.org/drawingml/2006/main" xmlns:r="http://schemas.openxmlformats.org/officeDocument/2006/relationships" xmlns:p="http://schemas.openxmlformats.org/presentationml/2006/main">
+  <p:cSld>
+    <p:spTree>
+      <p:nvGrpSpPr>
+        <p:cNvPr id="1" name=""/>
+        <p:cNvGrpSpPr/>
+        <p:nvPr/>
+      </p:nvGrpSpPr>
+      <p:grpSpPr>
+        <a:xfrm>
+          <a:off x="0" y="0"/>
+          <a:ext cx="0" cy="0"/>
+          <a:chOff x="0" y="0"/>
+          <a:chExt cx="0" cy="0"/>
+        </a:xfrm>
+      </p:grpSpPr>
+      <p:sp>
+        <p:nvSpPr>
+          <p:cNvPr id="2" name="Title 1"/>
+          <p:cNvSpPr>
+            <a:spLocks noGrp="1"/>
+          </p:cNvSpPr>
+          <p:nvPr>
+            <p:ph type="title"/>
+          </p:nvPr>
+        </p:nvSpPr>
+        <p:spPr/>
+        <p:txBody>
+          <a:bodyPr/>
+          <a:lstStyle/>
+          <a:p>
+            <a:r>
+              <a:rPr lang="vi-VN" dirty="0" err="1" smtClean="0">
+                <a:latin typeface="Arial" panose="020B0604020202020204" pitchFamily="34" charset="0"/>
+                <a:cs typeface="Arial" panose="020B0604020202020204" pitchFamily="34" charset="0"/>
+              </a:rPr>
+              <a:t>Object</a:t>
+            </a:r>
+            <a:r>
+              <a:rPr lang="vi-VN" dirty="0" smtClean="0">
+                <a:latin typeface="Arial" panose="020B0604020202020204" pitchFamily="34" charset="0"/>
+                <a:cs typeface="Arial" panose="020B0604020202020204" pitchFamily="34" charset="0"/>
+              </a:rPr>
+              <a:t> </a:t>
+            </a:r>
+            <a:r>
+              <a:rPr lang="vi-VN" dirty="0" err="1" smtClean="0">
+                <a:latin typeface="Arial" panose="020B0604020202020204" pitchFamily="34" charset="0"/>
+                <a:cs typeface="Arial" panose="020B0604020202020204" pitchFamily="34" charset="0"/>
+              </a:rPr>
+              <a:t>order</a:t>
+            </a:r>
+            <a:r>
+              <a:rPr lang="vi-VN" dirty="0" smtClean="0">
+                <a:latin typeface="Arial" panose="020B0604020202020204" pitchFamily="34" charset="0"/>
+                <a:cs typeface="Arial" panose="020B0604020202020204" pitchFamily="34" charset="0"/>
+              </a:rPr>
+              <a:t>( thứ tự)</a:t>
+            </a:r>
+            <a:endParaRPr lang="en-US" dirty="0">
+              <a:latin typeface="Arial" panose="020B0604020202020204" pitchFamily="34" charset="0"/>
+              <a:cs typeface="Arial" panose="020B0604020202020204" pitchFamily="34" charset="0"/>
+            </a:endParaRPr>
+          </a:p>
+        </p:txBody>
+      </p:sp>
+      <p:sp>
+        <p:nvSpPr>
+          <p:cNvPr id="3" name="Content Placeholder 2"/>
+          <p:cNvSpPr>
+            <a:spLocks noGrp="1"/>
+          </p:cNvSpPr>
+          <p:nvPr>
+            <p:ph idx="1"/>
+          </p:nvPr>
+        </p:nvSpPr>
+        <p:spPr/>
+        <p:txBody>
+          <a:bodyPr/>
+          <a:lstStyle/>
+          <a:p>
+            <a:r>
+              <a:rPr lang="vi-VN" dirty="0" smtClean="0"/>
+              <a:t>Các đối tượng hiển thị được vẽ ra sau sẽ nằm trên đối tượng trước.</a:t>
+            </a:r>
+          </a:p>
+          <a:p>
+            <a:r>
+              <a:rPr lang="vi-VN" dirty="0" smtClean="0"/>
+              <a:t>Chúng ta vẫn có thể sắp xếp lại thứ tự của chúng bằng cách bỏ vào 1 nhóm và sắp xếp như 1 mảng.</a:t>
+            </a:r>
+            <a:endParaRPr lang="en-US" dirty="0"/>
+          </a:p>
+        </p:txBody>
+      </p:sp>
+    </p:spTree>
+    <p:extLst>
+      <p:ext uri="{BB962C8B-B14F-4D97-AF65-F5344CB8AC3E}">
+        <p14:creationId xmlns:p14="http://schemas.microsoft.com/office/powerpoint/2010/main" val="2122884679"/>
+      </p:ext>
+    </p:extLst>
+  </p:cSld>
+  <p:clrMapOvr>
+    <a:masterClrMapping/>
+  </p:clrMapOvr>
+  <p:timing>
+    <p:tnLst>
+      <p:par>
+        <p:cTn id="1" dur="indefinite" restart="never" nodeType="tmRoot"/>
+      </p:par>
+    </p:tnLst>
+  </p:timing>
+</p:sld>
+</file>
+
+<file path=ppt/slides/slide21.xml><?xml version="1.0" encoding="utf-8"?>
 <p:sld xmlns:a="http://schemas.openxmlformats.org/drawingml/2006/main" xmlns:r="http://schemas.openxmlformats.org/officeDocument/2006/relationships" xmlns:p="http://schemas.openxmlformats.org/presentationml/2006/main">
   <p:cSld>
     <p:spTree>
@@ -13693,7 +13842,7 @@
 </p:sld>
 </file>
 
-<file path=ppt/slides/slide21.xml><?xml version="1.0" encoding="utf-8"?>
+<file path=ppt/slides/slide22.xml><?xml version="1.0" encoding="utf-8"?>
 <p:sld xmlns:a="http://schemas.openxmlformats.org/drawingml/2006/main" xmlns:r="http://schemas.openxmlformats.org/officeDocument/2006/relationships" xmlns:p="http://schemas.openxmlformats.org/presentationml/2006/main">
   <p:cSld>
     <p:spTree>
@@ -13861,7 +14010,7 @@
 </p:sld>
 </file>
 
-<file path=ppt/slides/slide22.xml><?xml version="1.0" encoding="utf-8"?>
+<file path=ppt/slides/slide23.xml><?xml version="1.0" encoding="utf-8"?>
 <p:sld xmlns:a="http://schemas.openxmlformats.org/drawingml/2006/main" xmlns:r="http://schemas.openxmlformats.org/officeDocument/2006/relationships" xmlns:p="http://schemas.openxmlformats.org/presentationml/2006/main">
   <p:cSld>
     <p:spTree>
@@ -14037,7 +14186,7 @@
 </p:sld>
 </file>
 
-<file path=ppt/slides/slide23.xml><?xml version="1.0" encoding="utf-8"?>
+<file path=ppt/slides/slide24.xml><?xml version="1.0" encoding="utf-8"?>
 <p:sld xmlns:a="http://schemas.openxmlformats.org/drawingml/2006/main" xmlns:r="http://schemas.openxmlformats.org/officeDocument/2006/relationships" xmlns:p="http://schemas.openxmlformats.org/presentationml/2006/main">
   <p:cSld>
     <p:spTree>
@@ -14219,7 +14368,7 @@
 </p:sld>
 </file>
 
-<file path=ppt/slides/slide24.xml><?xml version="1.0" encoding="utf-8"?>
+<file path=ppt/slides/slide25.xml><?xml version="1.0" encoding="utf-8"?>
 <p:sld xmlns:a="http://schemas.openxmlformats.org/drawingml/2006/main" xmlns:r="http://schemas.openxmlformats.org/officeDocument/2006/relationships" xmlns:p="http://schemas.openxmlformats.org/presentationml/2006/main">
   <p:cSld>
     <p:spTree>
@@ -14350,7 +14499,7 @@
 </p:sld>
 </file>
 
-<file path=ppt/slides/slide25.xml><?xml version="1.0" encoding="utf-8"?>
+<file path=ppt/slides/slide26.xml><?xml version="1.0" encoding="utf-8"?>
 <p:sld xmlns:a="http://schemas.openxmlformats.org/drawingml/2006/main" xmlns:r="http://schemas.openxmlformats.org/officeDocument/2006/relationships" xmlns:p="http://schemas.openxmlformats.org/presentationml/2006/main">
   <p:cSld>
     <p:spTree>
@@ -14438,7 +14587,7 @@
 </p:sld>
 </file>
 
-<file path=ppt/slides/slide26.xml><?xml version="1.0" encoding="utf-8"?>
+<file path=ppt/slides/slide27.xml><?xml version="1.0" encoding="utf-8"?>
 <p:sld xmlns:a="http://schemas.openxmlformats.org/drawingml/2006/main" xmlns:r="http://schemas.openxmlformats.org/officeDocument/2006/relationships" xmlns:p="http://schemas.openxmlformats.org/presentationml/2006/main">
   <p:cSld>
     <p:spTree>
@@ -14578,7 +14727,7 @@
 </p:sld>
 </file>
 
-<file path=ppt/slides/slide27.xml><?xml version="1.0" encoding="utf-8"?>
+<file path=ppt/slides/slide28.xml><?xml version="1.0" encoding="utf-8"?>
 <p:sld xmlns:a="http://schemas.openxmlformats.org/drawingml/2006/main" xmlns:r="http://schemas.openxmlformats.org/officeDocument/2006/relationships" xmlns:p="http://schemas.openxmlformats.org/presentationml/2006/main">
   <p:cSld>
     <p:spTree>
@@ -14815,7 +14964,7 @@
 </p:sld>
 </file>
 
-<file path=ppt/slides/slide28.xml><?xml version="1.0" encoding="utf-8"?>
+<file path=ppt/slides/slide29.xml><?xml version="1.0" encoding="utf-8"?>
 <p:sld xmlns:a="http://schemas.openxmlformats.org/drawingml/2006/main" xmlns:r="http://schemas.openxmlformats.org/officeDocument/2006/relationships" xmlns:p="http://schemas.openxmlformats.org/presentationml/2006/main">
   <p:cSld>
     <p:spTree>
@@ -14929,129 +15078,6 @@
     <p:extLst>
       <p:ext uri="{BB962C8B-B14F-4D97-AF65-F5344CB8AC3E}">
         <p14:creationId xmlns:p14="http://schemas.microsoft.com/office/powerpoint/2010/main" val="1389432275"/>
-      </p:ext>
-    </p:extLst>
-  </p:cSld>
-  <p:clrMapOvr>
-    <a:masterClrMapping/>
-  </p:clrMapOvr>
-  <p:timing>
-    <p:tnLst>
-      <p:par>
-        <p:cTn id="1" dur="indefinite" restart="never" nodeType="tmRoot"/>
-      </p:par>
-    </p:tnLst>
-  </p:timing>
-</p:sld>
-</file>
-
-<file path=ppt/slides/slide29.xml><?xml version="1.0" encoding="utf-8"?>
-<p:sld xmlns:a="http://schemas.openxmlformats.org/drawingml/2006/main" xmlns:r="http://schemas.openxmlformats.org/officeDocument/2006/relationships" xmlns:p="http://schemas.openxmlformats.org/presentationml/2006/main">
-  <p:cSld>
-    <p:spTree>
-      <p:nvGrpSpPr>
-        <p:cNvPr id="1" name=""/>
-        <p:cNvGrpSpPr/>
-        <p:nvPr/>
-      </p:nvGrpSpPr>
-      <p:grpSpPr>
-        <a:xfrm>
-          <a:off x="0" y="0"/>
-          <a:ext cx="0" cy="0"/>
-          <a:chOff x="0" y="0"/>
-          <a:chExt cx="0" cy="0"/>
-        </a:xfrm>
-      </p:grpSpPr>
-      <p:sp>
-        <p:nvSpPr>
-          <p:cNvPr id="2" name="Title 1"/>
-          <p:cNvSpPr>
-            <a:spLocks noGrp="1"/>
-          </p:cNvSpPr>
-          <p:nvPr>
-            <p:ph type="title"/>
-          </p:nvPr>
-        </p:nvSpPr>
-        <p:spPr/>
-        <p:txBody>
-          <a:bodyPr/>
-          <a:lstStyle/>
-          <a:p>
-            <a:r>
-              <a:rPr lang="en-US" b="1" dirty="0"/>
-              <a:t>Multiple Sequences</a:t>
-            </a:r>
-            <a:br>
-              <a:rPr lang="en-US" b="1" dirty="0"/>
-            </a:br>
-            <a:endParaRPr lang="en-US" dirty="0"/>
-          </a:p>
-        </p:txBody>
-      </p:sp>
-      <p:sp>
-        <p:nvSpPr>
-          <p:cNvPr id="3" name="Content Placeholder 2"/>
-          <p:cNvSpPr>
-            <a:spLocks noGrp="1"/>
-          </p:cNvSpPr>
-          <p:nvPr>
-            <p:ph idx="1"/>
-          </p:nvPr>
-        </p:nvSpPr>
-        <p:spPr>
-          <a:xfrm>
-            <a:off x="677334" y="1614051"/>
-            <a:ext cx="8596668" cy="4366335"/>
-          </a:xfrm>
-        </p:spPr>
-        <p:txBody>
-          <a:bodyPr/>
-          <a:lstStyle/>
-          <a:p>
-            <a:r>
-              <a:rPr lang="vi-VN" dirty="0" smtClean="0"/>
-              <a:t>Chứa nhiều </a:t>
-            </a:r>
-            <a:r>
-              <a:rPr lang="vi-VN" dirty="0" err="1" smtClean="0"/>
-              <a:t>sequences</a:t>
-            </a:r>
-            <a:r>
-              <a:rPr lang="vi-VN" dirty="0" smtClean="0"/>
-              <a:t> dùng tên để xác định.</a:t>
-            </a:r>
-            <a:endParaRPr lang="en-US" dirty="0"/>
-          </a:p>
-        </p:txBody>
-      </p:sp>
-      <p:pic>
-        <p:nvPicPr>
-          <p:cNvPr id="4" name="Picture 3"/>
-          <p:cNvPicPr>
-            <a:picLocks noChangeAspect="1"/>
-          </p:cNvPicPr>
-          <p:nvPr/>
-        </p:nvPicPr>
-        <p:blipFill>
-          <a:blip r:embed="rId2"/>
-          <a:stretch>
-            <a:fillRect/>
-          </a:stretch>
-        </p:blipFill>
-        <p:spPr>
-          <a:xfrm>
-            <a:off x="2689339" y="2089314"/>
-            <a:ext cx="4572657" cy="4334969"/>
-          </a:xfrm>
-          <a:prstGeom prst="rect">
-            <a:avLst/>
-          </a:prstGeom>
-        </p:spPr>
-      </p:pic>
-    </p:spTree>
-    <p:extLst>
-      <p:ext uri="{BB962C8B-B14F-4D97-AF65-F5344CB8AC3E}">
-        <p14:creationId xmlns:p14="http://schemas.microsoft.com/office/powerpoint/2010/main" val="4183607137"/>
       </p:ext>
     </p:extLst>
   </p:cSld>
@@ -15131,7 +15157,7 @@
         </p:spPr>
         <p:txBody>
           <a:bodyPr>
-            <a:normAutofit fontScale="92500" lnSpcReduction="20000"/>
+            <a:normAutofit lnSpcReduction="10000"/>
           </a:bodyPr>
           <a:lstStyle/>
           <a:p>
@@ -15157,14 +15183,7 @@
                 <a:latin typeface="Arial" panose="020B0604020202020204" pitchFamily="34" charset="0"/>
                 <a:cs typeface="Arial" panose="020B0604020202020204" pitchFamily="34" charset="0"/>
               </a:rPr>
-              <a:t>( </a:t>
-            </a:r>
-            <a:r>
-              <a:rPr lang="vi-VN" dirty="0" smtClean="0">
-                <a:latin typeface="Arial" panose="020B0604020202020204" pitchFamily="34" charset="0"/>
-                <a:cs typeface="Arial" panose="020B0604020202020204" pitchFamily="34" charset="0"/>
-              </a:rPr>
-              <a:t>đối tượng hiển thị).</a:t>
+              <a:t>( đối tượng hiển thị).</a:t>
             </a:r>
           </a:p>
           <a:p>
@@ -15318,18 +15337,6 @@
             </a:r>
           </a:p>
           <a:p>
-            <a:pPr lvl="1"/>
-            <a:r>
-              <a:rPr lang="vi-VN" dirty="0">
-                <a:cs typeface="Arial" panose="020B0604020202020204" pitchFamily="34" charset="0"/>
-              </a:rPr>
-              <a:t/>
-            </a:r>
-            <a:br>
-              <a:rPr lang="vi-VN" dirty="0">
-                <a:cs typeface="Arial" panose="020B0604020202020204" pitchFamily="34" charset="0"/>
-              </a:rPr>
-            </a:br>
             <a:endParaRPr lang="vi-VN" dirty="0" smtClean="0">
               <a:latin typeface="Arial" panose="020B0604020202020204" pitchFamily="34" charset="0"/>
               <a:cs typeface="Arial" panose="020B0604020202020204" pitchFamily="34" charset="0"/>
@@ -15391,7 +15398,7 @@
           <a:p>
             <a:r>
               <a:rPr lang="en-US" b="1" dirty="0"/>
-              <a:t>Sprite Objects</a:t>
+              <a:t>Multiple Sequences</a:t>
             </a:r>
             <a:br>
               <a:rPr lang="en-US" b="1" dirty="0"/>
@@ -15410,14 +15417,27 @@
             <p:ph idx="1"/>
           </p:nvPr>
         </p:nvSpPr>
-        <p:spPr/>
+        <p:spPr>
+          <a:xfrm>
+            <a:off x="677334" y="1614051"/>
+            <a:ext cx="8596668" cy="4366335"/>
+          </a:xfrm>
+        </p:spPr>
         <p:txBody>
           <a:bodyPr/>
           <a:lstStyle/>
           <a:p>
             <a:r>
               <a:rPr lang="vi-VN" dirty="0" smtClean="0"/>
-              <a:t>Cú pháo.</a:t>
+              <a:t>Chứa nhiều </a:t>
+            </a:r>
+            <a:r>
+              <a:rPr lang="vi-VN" dirty="0" err="1" smtClean="0"/>
+              <a:t>sequences</a:t>
+            </a:r>
+            <a:r>
+              <a:rPr lang="vi-VN" dirty="0" smtClean="0"/>
+              <a:t> dùng tên để xác định.</a:t>
             </a:r>
             <a:endParaRPr lang="en-US" dirty="0"/>
           </a:p>
@@ -15439,8 +15459,8 @@
         </p:blipFill>
         <p:spPr>
           <a:xfrm>
-            <a:off x="844112" y="3484015"/>
-            <a:ext cx="8588224" cy="667572"/>
+            <a:off x="2689339" y="2089314"/>
+            <a:ext cx="4572657" cy="4334969"/>
           </a:xfrm>
           <a:prstGeom prst="rect">
             <a:avLst/>
@@ -15450,7 +15470,7 @@
     </p:spTree>
     <p:extLst>
       <p:ext uri="{BB962C8B-B14F-4D97-AF65-F5344CB8AC3E}">
-        <p14:creationId xmlns:p14="http://schemas.microsoft.com/office/powerpoint/2010/main" val="539111288"/>
+        <p14:creationId xmlns:p14="http://schemas.microsoft.com/office/powerpoint/2010/main" val="4183607137"/>
       </p:ext>
     </p:extLst>
   </p:cSld>
@@ -15501,6 +15521,116 @@
           <a:p>
             <a:r>
               <a:rPr lang="en-US" b="1" dirty="0"/>
+              <a:t>Sprite Objects</a:t>
+            </a:r>
+            <a:br>
+              <a:rPr lang="en-US" b="1" dirty="0"/>
+            </a:br>
+            <a:endParaRPr lang="en-US" dirty="0"/>
+          </a:p>
+        </p:txBody>
+      </p:sp>
+      <p:sp>
+        <p:nvSpPr>
+          <p:cNvPr id="3" name="Content Placeholder 2"/>
+          <p:cNvSpPr>
+            <a:spLocks noGrp="1"/>
+          </p:cNvSpPr>
+          <p:nvPr>
+            <p:ph idx="1"/>
+          </p:nvPr>
+        </p:nvSpPr>
+        <p:spPr/>
+        <p:txBody>
+          <a:bodyPr/>
+          <a:lstStyle/>
+          <a:p>
+            <a:r>
+              <a:rPr lang="vi-VN" dirty="0" smtClean="0"/>
+              <a:t>Cú pháo.</a:t>
+            </a:r>
+            <a:endParaRPr lang="en-US" dirty="0"/>
+          </a:p>
+        </p:txBody>
+      </p:sp>
+      <p:pic>
+        <p:nvPicPr>
+          <p:cNvPr id="4" name="Picture 3"/>
+          <p:cNvPicPr>
+            <a:picLocks noChangeAspect="1"/>
+          </p:cNvPicPr>
+          <p:nvPr/>
+        </p:nvPicPr>
+        <p:blipFill>
+          <a:blip r:embed="rId2"/>
+          <a:stretch>
+            <a:fillRect/>
+          </a:stretch>
+        </p:blipFill>
+        <p:spPr>
+          <a:xfrm>
+            <a:off x="844112" y="3484015"/>
+            <a:ext cx="8588224" cy="667572"/>
+          </a:xfrm>
+          <a:prstGeom prst="rect">
+            <a:avLst/>
+          </a:prstGeom>
+        </p:spPr>
+      </p:pic>
+    </p:spTree>
+    <p:extLst>
+      <p:ext uri="{BB962C8B-B14F-4D97-AF65-F5344CB8AC3E}">
+        <p14:creationId xmlns:p14="http://schemas.microsoft.com/office/powerpoint/2010/main" val="539111288"/>
+      </p:ext>
+    </p:extLst>
+  </p:cSld>
+  <p:clrMapOvr>
+    <a:masterClrMapping/>
+  </p:clrMapOvr>
+  <p:timing>
+    <p:tnLst>
+      <p:par>
+        <p:cTn id="1" dur="indefinite" restart="never" nodeType="tmRoot"/>
+      </p:par>
+    </p:tnLst>
+  </p:timing>
+</p:sld>
+</file>
+
+<file path=ppt/slides/slide32.xml><?xml version="1.0" encoding="utf-8"?>
+<p:sld xmlns:a="http://schemas.openxmlformats.org/drawingml/2006/main" xmlns:r="http://schemas.openxmlformats.org/officeDocument/2006/relationships" xmlns:p="http://schemas.openxmlformats.org/presentationml/2006/main">
+  <p:cSld>
+    <p:spTree>
+      <p:nvGrpSpPr>
+        <p:cNvPr id="1" name=""/>
+        <p:cNvGrpSpPr/>
+        <p:nvPr/>
+      </p:nvGrpSpPr>
+      <p:grpSpPr>
+        <a:xfrm>
+          <a:off x="0" y="0"/>
+          <a:ext cx="0" cy="0"/>
+          <a:chOff x="0" y="0"/>
+          <a:chExt cx="0" cy="0"/>
+        </a:xfrm>
+      </p:grpSpPr>
+      <p:sp>
+        <p:nvSpPr>
+          <p:cNvPr id="2" name="Title 1"/>
+          <p:cNvSpPr>
+            <a:spLocks noGrp="1"/>
+          </p:cNvSpPr>
+          <p:nvPr>
+            <p:ph type="title"/>
+          </p:nvPr>
+        </p:nvSpPr>
+        <p:spPr/>
+        <p:txBody>
+          <a:bodyPr/>
+          <a:lstStyle/>
+          <a:p>
+            <a:r>
+              <a:rPr lang="en-US" b="1" dirty="0"/>
               <a:t>Sprite Control Methods</a:t>
             </a:r>
             <a:br>
@@ -15742,7 +15872,7 @@
 </p:sld>
 </file>
 
-<file path=ppt/slides/slide32.xml><?xml version="1.0" encoding="utf-8"?>
+<file path=ppt/slides/slide33.xml><?xml version="1.0" encoding="utf-8"?>
 <p:sld xmlns:a="http://schemas.openxmlformats.org/drawingml/2006/main" xmlns:r="http://schemas.openxmlformats.org/officeDocument/2006/relationships" xmlns:p="http://schemas.openxmlformats.org/presentationml/2006/main">
   <p:cSld>
     <p:spTree>
@@ -15957,7 +16087,7 @@
 </p:sld>
 </file>
 
-<file path=ppt/slides/slide33.xml><?xml version="1.0" encoding="utf-8"?>
+<file path=ppt/slides/slide34.xml><?xml version="1.0" encoding="utf-8"?>
 <p:sld xmlns:a="http://schemas.openxmlformats.org/drawingml/2006/main" xmlns:r="http://schemas.openxmlformats.org/officeDocument/2006/relationships" xmlns:p="http://schemas.openxmlformats.org/presentationml/2006/main">
   <p:cSld>
     <p:spTree>
@@ -16136,106 +16266,6 @@
     <p:extLst>
       <p:ext uri="{BB962C8B-B14F-4D97-AF65-F5344CB8AC3E}">
         <p14:creationId xmlns:p14="http://schemas.microsoft.com/office/powerpoint/2010/main" val="3270741429"/>
-      </p:ext>
-    </p:extLst>
-  </p:cSld>
-  <p:clrMapOvr>
-    <a:masterClrMapping/>
-  </p:clrMapOvr>
-  <p:timing>
-    <p:tnLst>
-      <p:par>
-        <p:cTn id="1" dur="indefinite" restart="never" nodeType="tmRoot"/>
-      </p:par>
-    </p:tnLst>
-  </p:timing>
-</p:sld>
-</file>
-
-<file path=ppt/slides/slide34.xml><?xml version="1.0" encoding="utf-8"?>
-<p:sld xmlns:a="http://schemas.openxmlformats.org/drawingml/2006/main" xmlns:r="http://schemas.openxmlformats.org/officeDocument/2006/relationships" xmlns:p="http://schemas.openxmlformats.org/presentationml/2006/main">
-  <p:cSld>
-    <p:spTree>
-      <p:nvGrpSpPr>
-        <p:cNvPr id="1" name=""/>
-        <p:cNvGrpSpPr/>
-        <p:nvPr/>
-      </p:nvGrpSpPr>
-      <p:grpSpPr>
-        <a:xfrm>
-          <a:off x="0" y="0"/>
-          <a:ext cx="0" cy="0"/>
-          <a:chOff x="0" y="0"/>
-          <a:chExt cx="0" cy="0"/>
-        </a:xfrm>
-      </p:grpSpPr>
-      <p:sp>
-        <p:nvSpPr>
-          <p:cNvPr id="2" name="Title 1"/>
-          <p:cNvSpPr>
-            <a:spLocks noGrp="1"/>
-          </p:cNvSpPr>
-          <p:nvPr>
-            <p:ph type="title"/>
-          </p:nvPr>
-        </p:nvSpPr>
-        <p:spPr/>
-        <p:txBody>
-          <a:bodyPr/>
-          <a:lstStyle/>
-          <a:p>
-            <a:r>
-              <a:rPr lang="en-US" dirty="0"/>
-              <a:t>Physics Setup</a:t>
-            </a:r>
-            <a:r>
-              <a:rPr lang="vi-VN" dirty="0"/>
-              <a:t/>
-            </a:r>
-            <a:br>
-              <a:rPr lang="vi-VN" dirty="0"/>
-            </a:br>
-            <a:endParaRPr lang="en-US" dirty="0"/>
-          </a:p>
-        </p:txBody>
-      </p:sp>
-      <p:sp>
-        <p:nvSpPr>
-          <p:cNvPr id="3" name="Content Placeholder 2"/>
-          <p:cNvSpPr>
-            <a:spLocks noGrp="1"/>
-          </p:cNvSpPr>
-          <p:nvPr>
-            <p:ph idx="1"/>
-          </p:nvPr>
-        </p:nvSpPr>
-        <p:spPr/>
-        <p:txBody>
-          <a:bodyPr/>
-          <a:lstStyle/>
-          <a:p>
-            <a:r>
-              <a:rPr lang="vi-VN" dirty="0"/>
-              <a:t>T</a:t>
-            </a:r>
-            <a:r>
-              <a:rPr lang="vi-VN" dirty="0" smtClean="0"/>
-              <a:t>ổng quan.</a:t>
-            </a:r>
-          </a:p>
-          <a:p>
-            <a:r>
-              <a:rPr lang="vi-VN" dirty="0" smtClean="0"/>
-              <a:t>Cài đặt vật lý.</a:t>
-            </a:r>
-            <a:endParaRPr lang="en-US" dirty="0" smtClean="0"/>
-          </a:p>
-        </p:txBody>
-      </p:sp>
-    </p:spTree>
-    <p:extLst>
-      <p:ext uri="{BB962C8B-B14F-4D97-AF65-F5344CB8AC3E}">
-        <p14:creationId xmlns:p14="http://schemas.microsoft.com/office/powerpoint/2010/main" val="2893733499"/>
       </p:ext>
     </p:extLst>
   </p:cSld>
@@ -16285,6 +16315,106 @@
           <a:lstStyle/>
           <a:p>
             <a:r>
+              <a:rPr lang="en-US" dirty="0"/>
+              <a:t>Physics Setup</a:t>
+            </a:r>
+            <a:r>
+              <a:rPr lang="vi-VN" dirty="0"/>
+              <a:t/>
+            </a:r>
+            <a:br>
+              <a:rPr lang="vi-VN" dirty="0"/>
+            </a:br>
+            <a:endParaRPr lang="en-US" dirty="0"/>
+          </a:p>
+        </p:txBody>
+      </p:sp>
+      <p:sp>
+        <p:nvSpPr>
+          <p:cNvPr id="3" name="Content Placeholder 2"/>
+          <p:cNvSpPr>
+            <a:spLocks noGrp="1"/>
+          </p:cNvSpPr>
+          <p:nvPr>
+            <p:ph idx="1"/>
+          </p:nvPr>
+        </p:nvSpPr>
+        <p:spPr/>
+        <p:txBody>
+          <a:bodyPr/>
+          <a:lstStyle/>
+          <a:p>
+            <a:r>
+              <a:rPr lang="vi-VN" dirty="0"/>
+              <a:t>T</a:t>
+            </a:r>
+            <a:r>
+              <a:rPr lang="vi-VN" dirty="0" smtClean="0"/>
+              <a:t>ổng quan.</a:t>
+            </a:r>
+          </a:p>
+          <a:p>
+            <a:r>
+              <a:rPr lang="vi-VN" dirty="0" smtClean="0"/>
+              <a:t>Cài đặt vật lý.</a:t>
+            </a:r>
+            <a:endParaRPr lang="en-US" dirty="0" smtClean="0"/>
+          </a:p>
+        </p:txBody>
+      </p:sp>
+    </p:spTree>
+    <p:extLst>
+      <p:ext uri="{BB962C8B-B14F-4D97-AF65-F5344CB8AC3E}">
+        <p14:creationId xmlns:p14="http://schemas.microsoft.com/office/powerpoint/2010/main" val="2893733499"/>
+      </p:ext>
+    </p:extLst>
+  </p:cSld>
+  <p:clrMapOvr>
+    <a:masterClrMapping/>
+  </p:clrMapOvr>
+  <p:timing>
+    <p:tnLst>
+      <p:par>
+        <p:cTn id="1" dur="indefinite" restart="never" nodeType="tmRoot"/>
+      </p:par>
+    </p:tnLst>
+  </p:timing>
+</p:sld>
+</file>
+
+<file path=ppt/slides/slide36.xml><?xml version="1.0" encoding="utf-8"?>
+<p:sld xmlns:a="http://schemas.openxmlformats.org/drawingml/2006/main" xmlns:r="http://schemas.openxmlformats.org/officeDocument/2006/relationships" xmlns:p="http://schemas.openxmlformats.org/presentationml/2006/main">
+  <p:cSld>
+    <p:spTree>
+      <p:nvGrpSpPr>
+        <p:cNvPr id="1" name=""/>
+        <p:cNvGrpSpPr/>
+        <p:nvPr/>
+      </p:nvGrpSpPr>
+      <p:grpSpPr>
+        <a:xfrm>
+          <a:off x="0" y="0"/>
+          <a:ext cx="0" cy="0"/>
+          <a:chOff x="0" y="0"/>
+          <a:chExt cx="0" cy="0"/>
+        </a:xfrm>
+      </p:grpSpPr>
+      <p:sp>
+        <p:nvSpPr>
+          <p:cNvPr id="2" name="Title 1"/>
+          <p:cNvSpPr>
+            <a:spLocks noGrp="1"/>
+          </p:cNvSpPr>
+          <p:nvPr>
+            <p:ph type="title"/>
+          </p:nvPr>
+        </p:nvSpPr>
+        <p:spPr/>
+        <p:txBody>
+          <a:bodyPr/>
+          <a:lstStyle/>
+          <a:p>
+            <a:r>
               <a:rPr lang="vi-VN" dirty="0" smtClean="0"/>
               <a:t>Tổng quan</a:t>
             </a:r>
@@ -16292,8 +16422,8 @@
           </a:p>
         </p:txBody>
       </p:sp>
-      <mc:AlternateContent xmlns:mc="http://schemas.openxmlformats.org/markup-compatibility/2006">
-        <mc:Choice xmlns:a14="http://schemas.microsoft.com/office/drawing/2010/main" Requires="a14">
+      <mc:AlternateContent xmlns:mc="http://schemas.openxmlformats.org/markup-compatibility/2006" xmlns:a14="http://schemas.microsoft.com/office/drawing/2010/main">
+        <mc:Choice Requires="a14">
           <p:sp>
             <p:nvSpPr>
               <p:cNvPr id="3" name="Content Placeholder 2"/>
@@ -16355,7 +16485,7 @@
             </p:txBody>
           </p:sp>
         </mc:Choice>
-        <mc:Fallback>
+        <mc:Fallback xmlns="">
           <p:sp>
             <p:nvSpPr>
               <p:cNvPr id="3" name="Content Placeholder 2"/>
@@ -16409,7 +16539,7 @@
 </p:sld>
 </file>
 
-<file path=ppt/slides/slide36.xml><?xml version="1.0" encoding="utf-8"?>
+<file path=ppt/slides/slide37.xml><?xml version="1.0" encoding="utf-8"?>
 <p:sld xmlns:a="http://schemas.openxmlformats.org/drawingml/2006/main" xmlns:r="http://schemas.openxmlformats.org/officeDocument/2006/relationships" xmlns:p="http://schemas.openxmlformats.org/presentationml/2006/main">
   <p:cSld>
     <p:spTree>
@@ -16546,125 +16676,6 @@
 </p:sld>
 </file>
 
-<file path=ppt/slides/slide37.xml><?xml version="1.0" encoding="utf-8"?>
-<p:sld xmlns:a="http://schemas.openxmlformats.org/drawingml/2006/main" xmlns:r="http://schemas.openxmlformats.org/officeDocument/2006/relationships" xmlns:p="http://schemas.openxmlformats.org/presentationml/2006/main">
-  <p:cSld>
-    <p:spTree>
-      <p:nvGrpSpPr>
-        <p:cNvPr id="1" name=""/>
-        <p:cNvGrpSpPr/>
-        <p:nvPr/>
-      </p:nvGrpSpPr>
-      <p:grpSpPr>
-        <a:xfrm>
-          <a:off x="0" y="0"/>
-          <a:ext cx="0" cy="0"/>
-          <a:chOff x="0" y="0"/>
-          <a:chExt cx="0" cy="0"/>
-        </a:xfrm>
-      </p:grpSpPr>
-      <p:sp>
-        <p:nvSpPr>
-          <p:cNvPr id="2" name="Title 1"/>
-          <p:cNvSpPr>
-            <a:spLocks noGrp="1"/>
-          </p:cNvSpPr>
-          <p:nvPr>
-            <p:ph type="title"/>
-          </p:nvPr>
-        </p:nvSpPr>
-        <p:spPr/>
-        <p:txBody>
-          <a:bodyPr/>
-          <a:lstStyle/>
-          <a:p>
-            <a:r>
-              <a:rPr lang="en-US" b="1" dirty="0"/>
-              <a:t>Physics Bodies</a:t>
-            </a:r>
-            <a:br>
-              <a:rPr lang="en-US" b="1" dirty="0"/>
-            </a:br>
-            <a:endParaRPr lang="en-US" dirty="0"/>
-          </a:p>
-        </p:txBody>
-      </p:sp>
-      <p:sp>
-        <p:nvSpPr>
-          <p:cNvPr id="3" name="Content Placeholder 2"/>
-          <p:cNvSpPr>
-            <a:spLocks noGrp="1"/>
-          </p:cNvSpPr>
-          <p:nvPr>
-            <p:ph idx="1"/>
-          </p:nvPr>
-        </p:nvSpPr>
-        <p:spPr/>
-        <p:txBody>
-          <a:bodyPr/>
-          <a:lstStyle/>
-          <a:p>
-            <a:r>
-              <a:rPr lang="vi-VN" dirty="0" smtClean="0"/>
-              <a:t>Tổng quan</a:t>
-            </a:r>
-          </a:p>
-          <a:p>
-            <a:r>
-              <a:rPr lang="vi-VN" dirty="0" smtClean="0"/>
-              <a:t>Tạo </a:t>
-            </a:r>
-            <a:r>
-              <a:rPr lang="en-US" dirty="0" smtClean="0"/>
-              <a:t>physic body</a:t>
-            </a:r>
-          </a:p>
-          <a:p>
-            <a:pPr lvl="1"/>
-            <a:r>
-              <a:rPr lang="en-US" dirty="0" smtClean="0"/>
-              <a:t>Physical property</a:t>
-            </a:r>
-          </a:p>
-          <a:p>
-            <a:pPr lvl="1"/>
-            <a:r>
-              <a:rPr lang="en-US" dirty="0" smtClean="0"/>
-              <a:t>Body type</a:t>
-            </a:r>
-          </a:p>
-          <a:p>
-            <a:r>
-              <a:rPr lang="en-US" dirty="0"/>
-              <a:t>Multi-Element Body</a:t>
-            </a:r>
-            <a:endParaRPr lang="en-US" dirty="0" smtClean="0"/>
-          </a:p>
-          <a:p>
-            <a:endParaRPr lang="en-US" dirty="0"/>
-          </a:p>
-        </p:txBody>
-      </p:sp>
-    </p:spTree>
-    <p:extLst>
-      <p:ext uri="{BB962C8B-B14F-4D97-AF65-F5344CB8AC3E}">
-        <p14:creationId xmlns:p14="http://schemas.microsoft.com/office/powerpoint/2010/main" val="3369523544"/>
-      </p:ext>
-    </p:extLst>
-  </p:cSld>
-  <p:clrMapOvr>
-    <a:masterClrMapping/>
-  </p:clrMapOvr>
-  <p:timing>
-    <p:tnLst>
-      <p:par>
-        <p:cTn id="1" dur="indefinite" restart="never" nodeType="tmRoot"/>
-      </p:par>
-    </p:tnLst>
-  </p:timing>
-</p:sld>
-</file>
-
 <file path=ppt/slides/slide38.xml><?xml version="1.0" encoding="utf-8"?>
 <p:sld xmlns:a="http://schemas.openxmlformats.org/drawingml/2006/main" xmlns:r="http://schemas.openxmlformats.org/officeDocument/2006/relationships" xmlns:p="http://schemas.openxmlformats.org/presentationml/2006/main">
   <p:cSld>
@@ -16698,9 +16709,12 @@
           <a:lstStyle/>
           <a:p>
             <a:r>
-              <a:rPr lang="vi-VN" dirty="0" smtClean="0"/>
-              <a:t>Tổng quan</a:t>
-            </a:r>
+              <a:rPr lang="en-US" b="1" dirty="0"/>
+              <a:t>Physics Bodies</a:t>
+            </a:r>
+            <a:br>
+              <a:rPr lang="en-US" b="1" dirty="0"/>
+            </a:br>
             <a:endParaRPr lang="en-US" dirty="0"/>
           </a:p>
         </p:txBody>
@@ -16722,176 +16736,49 @@
           <a:p>
             <a:r>
               <a:rPr lang="vi-VN" dirty="0" smtClean="0"/>
-              <a:t>Không gian vật lý dựa trên sự tương tác giữa </a:t>
-            </a:r>
-            <a:r>
-              <a:rPr lang="vi-VN" dirty="0"/>
-              <a:t>các </a:t>
-            </a:r>
-            <a:r>
-              <a:rPr lang="vi-VN" b="1" dirty="0" err="1"/>
-              <a:t>physical</a:t>
-            </a:r>
-            <a:r>
-              <a:rPr lang="vi-VN" b="1" dirty="0"/>
-              <a:t> </a:t>
-            </a:r>
-            <a:r>
-              <a:rPr lang="vi-VN" b="1" dirty="0" err="1" smtClean="0"/>
-              <a:t>bodies</a:t>
-            </a:r>
+              <a:t>Tổng quan</a:t>
+            </a:r>
+          </a:p>
+          <a:p>
             <a:r>
               <a:rPr lang="vi-VN" dirty="0" smtClean="0"/>
-              <a:t>.</a:t>
-            </a:r>
-          </a:p>
-          <a:p>
-            <a:r>
-              <a:rPr lang="vi-VN" dirty="0" err="1" smtClean="0"/>
-              <a:t>Corona</a:t>
-            </a:r>
-            <a:r>
-              <a:rPr lang="vi-VN" dirty="0" smtClean="0"/>
-              <a:t> xem</a:t>
-            </a:r>
-            <a:r>
-              <a:rPr lang="vi-VN" b="1" dirty="0" smtClean="0"/>
-              <a:t> </a:t>
-            </a:r>
-            <a:r>
-              <a:rPr lang="en-US" b="1" dirty="0" smtClean="0"/>
-              <a:t>physical bodies</a:t>
-            </a:r>
-            <a:r>
-              <a:rPr lang="vi-VN" dirty="0" smtClean="0"/>
-              <a:t> như một phần mở rộng của </a:t>
-            </a:r>
-            <a:r>
-              <a:rPr lang="vi-VN" b="1" dirty="0" err="1" smtClean="0"/>
-              <a:t>graphic</a:t>
-            </a:r>
-            <a:r>
-              <a:rPr lang="vi-VN" b="1" dirty="0" smtClean="0"/>
-              <a:t> </a:t>
-            </a:r>
-            <a:r>
-              <a:rPr lang="vi-VN" b="1" dirty="0" err="1" smtClean="0"/>
-              <a:t>object</a:t>
-            </a:r>
-            <a:r>
-              <a:rPr lang="vi-VN" dirty="0"/>
-              <a:t>.</a:t>
-            </a:r>
-            <a:endParaRPr lang="vi-VN" b="1" dirty="0" smtClean="0"/>
-          </a:p>
-          <a:p>
-            <a:r>
-              <a:rPr lang="vi-VN" dirty="0" smtClean="0"/>
-              <a:t>Các thuộc tính cơ bản của </a:t>
-            </a:r>
-            <a:r>
-              <a:rPr lang="vi-VN" dirty="0" err="1" smtClean="0"/>
-              <a:t>body</a:t>
-            </a:r>
-            <a:r>
-              <a:rPr lang="vi-VN" dirty="0" smtClean="0"/>
-              <a:t> như </a:t>
-            </a:r>
-            <a:r>
-              <a:rPr lang="vi-VN" b="1" dirty="0" err="1" smtClean="0"/>
-              <a:t>x</a:t>
-            </a:r>
-            <a:r>
-              <a:rPr lang="vi-VN" dirty="0" err="1" smtClean="0"/>
-              <a:t>,</a:t>
-            </a:r>
-            <a:r>
-              <a:rPr lang="vi-VN" b="1" dirty="0" err="1" smtClean="0"/>
-              <a:t>y</a:t>
-            </a:r>
-            <a:r>
-              <a:rPr lang="vi-VN" dirty="0" smtClean="0"/>
-              <a:t>, </a:t>
-            </a:r>
-            <a:r>
-              <a:rPr lang="vi-VN" b="1" dirty="0" err="1" smtClean="0"/>
-              <a:t>rotation</a:t>
-            </a:r>
-            <a:r>
-              <a:rPr lang="vi-VN" dirty="0" smtClean="0"/>
-              <a:t>. Ngoài ra có thuộc tính </a:t>
-            </a:r>
-            <a:r>
-              <a:rPr lang="vi-VN" b="1" dirty="0" err="1" smtClean="0"/>
-              <a:t>bodyType</a:t>
-            </a:r>
-            <a:r>
-              <a:rPr lang="vi-VN" dirty="0" smtClean="0"/>
-              <a:t> phân loại </a:t>
-            </a:r>
-            <a:r>
-              <a:rPr lang="vi-VN" dirty="0" err="1" smtClean="0"/>
-              <a:t>body</a:t>
-            </a:r>
-            <a:r>
-              <a:rPr lang="vi-VN" dirty="0" smtClean="0"/>
-              <a:t> động và tĩnh (</a:t>
-            </a:r>
-            <a:r>
-              <a:rPr lang="vi-VN" b="1" dirty="0" err="1" smtClean="0"/>
-              <a:t>dynamic</a:t>
-            </a:r>
-            <a:r>
-              <a:rPr lang="vi-VN" dirty="0"/>
-              <a:t> </a:t>
-            </a:r>
-            <a:r>
-              <a:rPr lang="vi-VN" dirty="0" smtClean="0"/>
-              <a:t>và </a:t>
-            </a:r>
-            <a:r>
-              <a:rPr lang="vi-VN" b="1" dirty="0" err="1" smtClean="0"/>
-              <a:t>static</a:t>
-            </a:r>
-            <a:r>
-              <a:rPr lang="vi-VN" dirty="0" smtClean="0"/>
-              <a:t>).</a:t>
-            </a:r>
-          </a:p>
-          <a:p>
-            <a:endParaRPr lang="vi-VN" b="1" dirty="0" smtClean="0"/>
-          </a:p>
-          <a:p>
-            <a:endParaRPr lang="en-US" b="1" dirty="0"/>
+              <a:t>Tạo </a:t>
+            </a:r>
+            <a:r>
+              <a:rPr lang="en-US" dirty="0" smtClean="0"/>
+              <a:t>physic body</a:t>
+            </a:r>
+          </a:p>
+          <a:p>
+            <a:pPr lvl="1"/>
+            <a:r>
+              <a:rPr lang="en-US" dirty="0" smtClean="0"/>
+              <a:t>Physical property</a:t>
+            </a:r>
+          </a:p>
+          <a:p>
+            <a:pPr lvl="1"/>
+            <a:r>
+              <a:rPr lang="en-US" dirty="0" smtClean="0"/>
+              <a:t>Body type</a:t>
+            </a:r>
+          </a:p>
+          <a:p>
+            <a:r>
+              <a:rPr lang="en-US" dirty="0"/>
+              <a:t>Multi-Element Body</a:t>
+            </a:r>
+            <a:endParaRPr lang="en-US" dirty="0" smtClean="0"/>
+          </a:p>
+          <a:p>
+            <a:endParaRPr lang="en-US" dirty="0"/>
           </a:p>
         </p:txBody>
       </p:sp>
-      <p:graphicFrame>
-        <p:nvGraphicFramePr>
-          <p:cNvPr id="5" name="Diagram 4"/>
-          <p:cNvGraphicFramePr/>
-          <p:nvPr>
-            <p:extLst>
-              <p:ext uri="{D42A27DB-BD31-4B8C-83A1-F6EECF244321}">
-                <p14:modId xmlns:p14="http://schemas.microsoft.com/office/powerpoint/2010/main" val="3344051949"/>
-              </p:ext>
-            </p:extLst>
-          </p:nvPr>
-        </p:nvGraphicFramePr>
-        <p:xfrm>
-          <a:off x="801121" y="2243666"/>
-          <a:ext cx="8128000" cy="5418667"/>
-        </p:xfrm>
-        <a:graphic>
-          <a:graphicData uri="http://schemas.openxmlformats.org/drawingml/2006/diagram">
-            <dgm:relIds xmlns:dgm="http://schemas.openxmlformats.org/drawingml/2006/diagram" xmlns:r="http://schemas.openxmlformats.org/officeDocument/2006/relationships" r:dm="rId2" r:lo="rId3" r:qs="rId4" r:cs="rId5"/>
-          </a:graphicData>
-        </a:graphic>
-      </p:graphicFrame>
     </p:spTree>
     <p:extLst>
       <p:ext uri="{BB962C8B-B14F-4D97-AF65-F5344CB8AC3E}">
-        <p14:creationId xmlns:p14="http://schemas.microsoft.com/office/powerpoint/2010/main" val="2779653355"/>
+        <p14:creationId xmlns:p14="http://schemas.microsoft.com/office/powerpoint/2010/main" val="3369523544"/>
       </p:ext>
     </p:extLst>
   </p:cSld>
@@ -16942,6 +16829,455 @@
           <a:p>
             <a:r>
               <a:rPr lang="vi-VN" dirty="0" smtClean="0"/>
+              <a:t>Tổng quan</a:t>
+            </a:r>
+            <a:endParaRPr lang="en-US" dirty="0"/>
+          </a:p>
+        </p:txBody>
+      </p:sp>
+      <p:sp>
+        <p:nvSpPr>
+          <p:cNvPr id="3" name="Content Placeholder 2"/>
+          <p:cNvSpPr>
+            <a:spLocks noGrp="1"/>
+          </p:cNvSpPr>
+          <p:nvPr>
+            <p:ph idx="1"/>
+          </p:nvPr>
+        </p:nvSpPr>
+        <p:spPr/>
+        <p:txBody>
+          <a:bodyPr/>
+          <a:lstStyle/>
+          <a:p>
+            <a:r>
+              <a:rPr lang="vi-VN" dirty="0" smtClean="0"/>
+              <a:t>Không gian vật lý dựa trên sự tương tác giữa </a:t>
+            </a:r>
+            <a:r>
+              <a:rPr lang="vi-VN" dirty="0"/>
+              <a:t>các </a:t>
+            </a:r>
+            <a:r>
+              <a:rPr lang="vi-VN" b="1" dirty="0" err="1"/>
+              <a:t>physical</a:t>
+            </a:r>
+            <a:r>
+              <a:rPr lang="vi-VN" b="1" dirty="0"/>
+              <a:t> </a:t>
+            </a:r>
+            <a:r>
+              <a:rPr lang="vi-VN" b="1" dirty="0" err="1" smtClean="0"/>
+              <a:t>bodies</a:t>
+            </a:r>
+            <a:r>
+              <a:rPr lang="vi-VN" dirty="0" smtClean="0"/>
+              <a:t>.</a:t>
+            </a:r>
+          </a:p>
+          <a:p>
+            <a:r>
+              <a:rPr lang="vi-VN" dirty="0" err="1" smtClean="0"/>
+              <a:t>Corona</a:t>
+            </a:r>
+            <a:r>
+              <a:rPr lang="vi-VN" dirty="0" smtClean="0"/>
+              <a:t> xem</a:t>
+            </a:r>
+            <a:r>
+              <a:rPr lang="vi-VN" b="1" dirty="0" smtClean="0"/>
+              <a:t> </a:t>
+            </a:r>
+            <a:r>
+              <a:rPr lang="en-US" b="1" dirty="0" smtClean="0"/>
+              <a:t>physical bodies</a:t>
+            </a:r>
+            <a:r>
+              <a:rPr lang="vi-VN" dirty="0" smtClean="0"/>
+              <a:t> như một phần mở rộng của </a:t>
+            </a:r>
+            <a:r>
+              <a:rPr lang="vi-VN" b="1" dirty="0" err="1" smtClean="0"/>
+              <a:t>graphic</a:t>
+            </a:r>
+            <a:r>
+              <a:rPr lang="vi-VN" b="1" dirty="0" smtClean="0"/>
+              <a:t> </a:t>
+            </a:r>
+            <a:r>
+              <a:rPr lang="vi-VN" b="1" dirty="0" err="1" smtClean="0"/>
+              <a:t>object</a:t>
+            </a:r>
+            <a:r>
+              <a:rPr lang="vi-VN" dirty="0"/>
+              <a:t>.</a:t>
+            </a:r>
+            <a:endParaRPr lang="vi-VN" b="1" dirty="0" smtClean="0"/>
+          </a:p>
+          <a:p>
+            <a:r>
+              <a:rPr lang="vi-VN" dirty="0" smtClean="0"/>
+              <a:t>Các thuộc tính cơ bản của </a:t>
+            </a:r>
+            <a:r>
+              <a:rPr lang="vi-VN" dirty="0" err="1" smtClean="0"/>
+              <a:t>body</a:t>
+            </a:r>
+            <a:r>
+              <a:rPr lang="vi-VN" dirty="0" smtClean="0"/>
+              <a:t> như </a:t>
+            </a:r>
+            <a:r>
+              <a:rPr lang="vi-VN" b="1" dirty="0" err="1" smtClean="0"/>
+              <a:t>x</a:t>
+            </a:r>
+            <a:r>
+              <a:rPr lang="vi-VN" dirty="0" err="1" smtClean="0"/>
+              <a:t>,</a:t>
+            </a:r>
+            <a:r>
+              <a:rPr lang="vi-VN" b="1" dirty="0" err="1" smtClean="0"/>
+              <a:t>y</a:t>
+            </a:r>
+            <a:r>
+              <a:rPr lang="vi-VN" dirty="0" smtClean="0"/>
+              <a:t>, </a:t>
+            </a:r>
+            <a:r>
+              <a:rPr lang="vi-VN" b="1" dirty="0" err="1" smtClean="0"/>
+              <a:t>rotation</a:t>
+            </a:r>
+            <a:r>
+              <a:rPr lang="vi-VN" dirty="0" smtClean="0"/>
+              <a:t>. Ngoài ra có thuộc tính </a:t>
+            </a:r>
+            <a:r>
+              <a:rPr lang="vi-VN" b="1" dirty="0" err="1" smtClean="0"/>
+              <a:t>bodyType</a:t>
+            </a:r>
+            <a:r>
+              <a:rPr lang="vi-VN" dirty="0" smtClean="0"/>
+              <a:t> phân loại </a:t>
+            </a:r>
+            <a:r>
+              <a:rPr lang="vi-VN" dirty="0" err="1" smtClean="0"/>
+              <a:t>body</a:t>
+            </a:r>
+            <a:r>
+              <a:rPr lang="vi-VN" dirty="0" smtClean="0"/>
+              <a:t> động và tĩnh (</a:t>
+            </a:r>
+            <a:r>
+              <a:rPr lang="vi-VN" b="1" dirty="0" err="1" smtClean="0"/>
+              <a:t>dynamic</a:t>
+            </a:r>
+            <a:r>
+              <a:rPr lang="vi-VN" dirty="0"/>
+              <a:t> </a:t>
+            </a:r>
+            <a:r>
+              <a:rPr lang="vi-VN" dirty="0" smtClean="0"/>
+              <a:t>và </a:t>
+            </a:r>
+            <a:r>
+              <a:rPr lang="vi-VN" b="1" dirty="0" err="1" smtClean="0"/>
+              <a:t>static</a:t>
+            </a:r>
+            <a:r>
+              <a:rPr lang="vi-VN" dirty="0" smtClean="0"/>
+              <a:t>).</a:t>
+            </a:r>
+          </a:p>
+          <a:p>
+            <a:endParaRPr lang="vi-VN" b="1" dirty="0" smtClean="0"/>
+          </a:p>
+          <a:p>
+            <a:endParaRPr lang="en-US" b="1" dirty="0"/>
+          </a:p>
+        </p:txBody>
+      </p:sp>
+      <p:graphicFrame>
+        <p:nvGraphicFramePr>
+          <p:cNvPr id="5" name="Diagram 4"/>
+          <p:cNvGraphicFramePr/>
+          <p:nvPr>
+            <p:extLst>
+              <p:ext uri="{D42A27DB-BD31-4B8C-83A1-F6EECF244321}">
+                <p14:modId xmlns:p14="http://schemas.microsoft.com/office/powerpoint/2010/main" val="3344051949"/>
+              </p:ext>
+            </p:extLst>
+          </p:nvPr>
+        </p:nvGraphicFramePr>
+        <p:xfrm>
+          <a:off x="801121" y="2243666"/>
+          <a:ext cx="8128000" cy="5418667"/>
+        </p:xfrm>
+        <a:graphic>
+          <a:graphicData uri="http://schemas.openxmlformats.org/drawingml/2006/diagram">
+            <dgm:relIds xmlns:dgm="http://schemas.openxmlformats.org/drawingml/2006/diagram" xmlns:r="http://schemas.openxmlformats.org/officeDocument/2006/relationships" r:dm="rId2" r:lo="rId3" r:qs="rId4" r:cs="rId5"/>
+          </a:graphicData>
+        </a:graphic>
+      </p:graphicFrame>
+    </p:spTree>
+    <p:extLst>
+      <p:ext uri="{BB962C8B-B14F-4D97-AF65-F5344CB8AC3E}">
+        <p14:creationId xmlns:p14="http://schemas.microsoft.com/office/powerpoint/2010/main" val="2779653355"/>
+      </p:ext>
+    </p:extLst>
+  </p:cSld>
+  <p:clrMapOvr>
+    <a:masterClrMapping/>
+  </p:clrMapOvr>
+  <p:timing>
+    <p:tnLst>
+      <p:par>
+        <p:cTn id="1" dur="indefinite" restart="never" nodeType="tmRoot"/>
+      </p:par>
+    </p:tnLst>
+  </p:timing>
+</p:sld>
+</file>
+
+<file path=ppt/slides/slide4.xml><?xml version="1.0" encoding="utf-8"?>
+<p:sld xmlns:a="http://schemas.openxmlformats.org/drawingml/2006/main" xmlns:r="http://schemas.openxmlformats.org/officeDocument/2006/relationships" xmlns:p="http://schemas.openxmlformats.org/presentationml/2006/main">
+  <p:cSld>
+    <p:spTree>
+      <p:nvGrpSpPr>
+        <p:cNvPr id="1" name=""/>
+        <p:cNvGrpSpPr/>
+        <p:nvPr/>
+      </p:nvGrpSpPr>
+      <p:grpSpPr>
+        <a:xfrm>
+          <a:off x="0" y="0"/>
+          <a:ext cx="0" cy="0"/>
+          <a:chOff x="0" y="0"/>
+          <a:chExt cx="0" cy="0"/>
+        </a:xfrm>
+      </p:grpSpPr>
+      <p:sp>
+        <p:nvSpPr>
+          <p:cNvPr id="2" name="Title 1"/>
+          <p:cNvSpPr>
+            <a:spLocks noGrp="1"/>
+          </p:cNvSpPr>
+          <p:nvPr>
+            <p:ph type="title"/>
+          </p:nvPr>
+        </p:nvSpPr>
+        <p:spPr>
+          <a:xfrm>
+            <a:off x="677334" y="609600"/>
+            <a:ext cx="8596668" cy="683172"/>
+          </a:xfrm>
+        </p:spPr>
+        <p:txBody>
+          <a:bodyPr/>
+          <a:lstStyle/>
+          <a:p>
+            <a:r>
+              <a:rPr lang="vi-VN" dirty="0" smtClean="0"/>
+              <a:t>Có gì trong bài này?</a:t>
+            </a:r>
+            <a:endParaRPr lang="vi-VN" dirty="0"/>
+          </a:p>
+        </p:txBody>
+      </p:sp>
+      <p:sp>
+        <p:nvSpPr>
+          <p:cNvPr id="3" name="Content Placeholder 2"/>
+          <p:cNvSpPr>
+            <a:spLocks noGrp="1"/>
+          </p:cNvSpPr>
+          <p:nvPr>
+            <p:ph idx="1"/>
+          </p:nvPr>
+        </p:nvSpPr>
+        <p:spPr>
+          <a:xfrm>
+            <a:off x="677334" y="1608083"/>
+            <a:ext cx="8596668" cy="4433280"/>
+          </a:xfrm>
+        </p:spPr>
+        <p:txBody>
+          <a:bodyPr>
+            <a:normAutofit fontScale="92500" lnSpcReduction="10000"/>
+          </a:bodyPr>
+          <a:lstStyle/>
+          <a:p>
+            <a:r>
+              <a:rPr lang="en-US" dirty="0" smtClean="0">
+                <a:cs typeface="Arial" panose="020B0604020202020204" pitchFamily="34" charset="0"/>
+              </a:rPr>
+              <a:t>Physics</a:t>
+            </a:r>
+          </a:p>
+          <a:p>
+            <a:pPr lvl="1"/>
+            <a:r>
+              <a:rPr lang="en-US" dirty="0"/>
+              <a:t>Physics Setup</a:t>
+            </a:r>
+          </a:p>
+          <a:p>
+            <a:pPr lvl="2"/>
+            <a:r>
+              <a:rPr lang="vi-VN" dirty="0" smtClean="0"/>
+              <a:t>Tổng quan</a:t>
+            </a:r>
+            <a:endParaRPr lang="en-US" dirty="0"/>
+          </a:p>
+          <a:p>
+            <a:pPr lvl="2"/>
+            <a:r>
+              <a:rPr lang="vi-VN" dirty="0" smtClean="0"/>
+              <a:t>Cài đặt vật lý</a:t>
+            </a:r>
+            <a:endParaRPr lang="vi-VN" dirty="0"/>
+          </a:p>
+          <a:p>
+            <a:pPr lvl="1"/>
+            <a:r>
+              <a:rPr lang="en-US" dirty="0"/>
+              <a:t>Physics Bodies</a:t>
+            </a:r>
+          </a:p>
+          <a:p>
+            <a:pPr lvl="2"/>
+            <a:r>
+              <a:rPr lang="vi-VN" dirty="0"/>
+              <a:t>Tổng quan</a:t>
+            </a:r>
+          </a:p>
+          <a:p>
+            <a:pPr lvl="2"/>
+            <a:r>
+              <a:rPr lang="vi-VN" dirty="0"/>
+              <a:t>Tạo </a:t>
+            </a:r>
+            <a:r>
+              <a:rPr lang="en-US" dirty="0"/>
+              <a:t>physic body</a:t>
+            </a:r>
+          </a:p>
+          <a:p>
+            <a:pPr lvl="3"/>
+            <a:r>
+              <a:rPr lang="en-US" dirty="0"/>
+              <a:t>Physical property</a:t>
+            </a:r>
+          </a:p>
+          <a:p>
+            <a:pPr lvl="3"/>
+            <a:r>
+              <a:rPr lang="en-US" dirty="0"/>
+              <a:t>Body type</a:t>
+            </a:r>
+          </a:p>
+          <a:p>
+            <a:pPr lvl="2"/>
+            <a:r>
+              <a:rPr lang="en-US" dirty="0"/>
+              <a:t>Multi-Element Body</a:t>
+            </a:r>
+          </a:p>
+          <a:p>
+            <a:r>
+              <a:rPr lang="en-US" dirty="0" smtClean="0">
+                <a:cs typeface="Arial" panose="020B0604020202020204" pitchFamily="34" charset="0"/>
+              </a:rPr>
+              <a:t>Events</a:t>
+            </a:r>
+          </a:p>
+          <a:p>
+            <a:pPr lvl="1"/>
+            <a:r>
+              <a:rPr lang="en-US" dirty="0"/>
+              <a:t>Events/Listeners</a:t>
+            </a:r>
+          </a:p>
+          <a:p>
+            <a:pPr lvl="1"/>
+            <a:r>
+              <a:rPr lang="en-US" dirty="0"/>
+              <a:t>Removing Event </a:t>
+            </a:r>
+            <a:r>
+              <a:rPr lang="en-US" dirty="0" smtClean="0"/>
+              <a:t>Listeners</a:t>
+            </a:r>
+            <a:r>
+              <a:rPr lang="vi-VN" dirty="0" smtClean="0">
+                <a:cs typeface="Arial" panose="020B0604020202020204" pitchFamily="34" charset="0"/>
+              </a:rPr>
+              <a:t/>
+            </a:r>
+            <a:br>
+              <a:rPr lang="vi-VN" dirty="0" smtClean="0">
+                <a:cs typeface="Arial" panose="020B0604020202020204" pitchFamily="34" charset="0"/>
+              </a:rPr>
+            </a:br>
+            <a:endParaRPr lang="vi-VN" dirty="0" smtClean="0">
+              <a:latin typeface="Arial" panose="020B0604020202020204" pitchFamily="34" charset="0"/>
+              <a:cs typeface="Arial" panose="020B0604020202020204" pitchFamily="34" charset="0"/>
+            </a:endParaRPr>
+          </a:p>
+        </p:txBody>
+      </p:sp>
+    </p:spTree>
+    <p:extLst>
+      <p:ext uri="{BB962C8B-B14F-4D97-AF65-F5344CB8AC3E}">
+        <p14:creationId xmlns:p14="http://schemas.microsoft.com/office/powerpoint/2010/main" val="3254244715"/>
+      </p:ext>
+    </p:extLst>
+  </p:cSld>
+  <p:clrMapOvr>
+    <a:masterClrMapping/>
+  </p:clrMapOvr>
+  <p:timing>
+    <p:tnLst>
+      <p:par>
+        <p:cTn id="1" dur="indefinite" restart="never" nodeType="tmRoot"/>
+      </p:par>
+    </p:tnLst>
+  </p:timing>
+</p:sld>
+</file>
+
+<file path=ppt/slides/slide40.xml><?xml version="1.0" encoding="utf-8"?>
+<p:sld xmlns:a="http://schemas.openxmlformats.org/drawingml/2006/main" xmlns:r="http://schemas.openxmlformats.org/officeDocument/2006/relationships" xmlns:p="http://schemas.openxmlformats.org/presentationml/2006/main">
+  <p:cSld>
+    <p:spTree>
+      <p:nvGrpSpPr>
+        <p:cNvPr id="1" name=""/>
+        <p:cNvGrpSpPr/>
+        <p:nvPr/>
+      </p:nvGrpSpPr>
+      <p:grpSpPr>
+        <a:xfrm>
+          <a:off x="0" y="0"/>
+          <a:ext cx="0" cy="0"/>
+          <a:chOff x="0" y="0"/>
+          <a:chExt cx="0" cy="0"/>
+        </a:xfrm>
+      </p:grpSpPr>
+      <p:sp>
+        <p:nvSpPr>
+          <p:cNvPr id="2" name="Title 1"/>
+          <p:cNvSpPr>
+            <a:spLocks noGrp="1"/>
+          </p:cNvSpPr>
+          <p:nvPr>
+            <p:ph type="title"/>
+          </p:nvPr>
+        </p:nvSpPr>
+        <p:spPr/>
+        <p:txBody>
+          <a:bodyPr/>
+          <a:lstStyle/>
+          <a:p>
+            <a:r>
+              <a:rPr lang="vi-VN" dirty="0" smtClean="0"/>
               <a:t>Tạo </a:t>
             </a:r>
             <a:r>
@@ -17055,7 +17391,896 @@
 </p:sld>
 </file>
 
-<file path=ppt/slides/slide4.xml><?xml version="1.0" encoding="utf-8"?>
+<file path=ppt/slides/slide41.xml><?xml version="1.0" encoding="utf-8"?>
+<p:sld xmlns:a="http://schemas.openxmlformats.org/drawingml/2006/main" xmlns:r="http://schemas.openxmlformats.org/officeDocument/2006/relationships" xmlns:p="http://schemas.openxmlformats.org/presentationml/2006/main">
+  <p:cSld>
+    <p:spTree>
+      <p:nvGrpSpPr>
+        <p:cNvPr id="1" name=""/>
+        <p:cNvGrpSpPr/>
+        <p:nvPr/>
+      </p:nvGrpSpPr>
+      <p:grpSpPr>
+        <a:xfrm>
+          <a:off x="0" y="0"/>
+          <a:ext cx="0" cy="0"/>
+          <a:chOff x="0" y="0"/>
+          <a:chExt cx="0" cy="0"/>
+        </a:xfrm>
+      </p:grpSpPr>
+      <p:sp>
+        <p:nvSpPr>
+          <p:cNvPr id="2" name="Title 1"/>
+          <p:cNvSpPr>
+            <a:spLocks noGrp="1"/>
+          </p:cNvSpPr>
+          <p:nvPr>
+            <p:ph type="title"/>
+          </p:nvPr>
+        </p:nvSpPr>
+        <p:spPr/>
+        <p:txBody>
+          <a:bodyPr/>
+          <a:lstStyle/>
+          <a:p>
+            <a:r>
+              <a:rPr lang="en-US" dirty="0" smtClean="0"/>
+              <a:t>Physical property</a:t>
+            </a:r>
+            <a:endParaRPr lang="en-US" dirty="0"/>
+          </a:p>
+        </p:txBody>
+      </p:sp>
+      <p:sp>
+        <p:nvSpPr>
+          <p:cNvPr id="3" name="Content Placeholder 2"/>
+          <p:cNvSpPr>
+            <a:spLocks noGrp="1"/>
+          </p:cNvSpPr>
+          <p:nvPr>
+            <p:ph idx="1"/>
+          </p:nvPr>
+        </p:nvSpPr>
+        <p:spPr/>
+        <p:txBody>
+          <a:bodyPr/>
+          <a:lstStyle/>
+          <a:p>
+            <a:r>
+              <a:rPr lang="vi-VN" b="1" dirty="0" err="1" smtClean="0"/>
+              <a:t>density</a:t>
+            </a:r>
+            <a:r>
+              <a:rPr lang="vi-VN" dirty="0" smtClean="0"/>
+              <a:t>: tỉ trọng với môi tường.</a:t>
+            </a:r>
+          </a:p>
+          <a:p>
+            <a:r>
+              <a:rPr lang="vi-VN" b="1" dirty="0" smtClean="0"/>
+              <a:t>f</a:t>
+            </a:r>
+            <a:r>
+              <a:rPr lang="en-US" b="1" dirty="0" err="1" smtClean="0"/>
+              <a:t>riction</a:t>
+            </a:r>
+            <a:r>
+              <a:rPr lang="vi-VN" b="1" dirty="0" smtClean="0"/>
+              <a:t>:</a:t>
+            </a:r>
+            <a:r>
+              <a:rPr lang="vi-VN" dirty="0" smtClean="0"/>
+              <a:t> ma sát.</a:t>
+            </a:r>
+          </a:p>
+          <a:p>
+            <a:r>
+              <a:rPr lang="vi-VN" b="1" dirty="0" err="1" smtClean="0"/>
+              <a:t>bounce</a:t>
+            </a:r>
+            <a:r>
+              <a:rPr lang="vi-VN" b="1" dirty="0" smtClean="0"/>
+              <a:t>:</a:t>
+            </a:r>
+            <a:r>
+              <a:rPr lang="vi-VN" dirty="0" smtClean="0"/>
+              <a:t> độ nãy.</a:t>
+            </a:r>
+          </a:p>
+          <a:p>
+            <a:r>
+              <a:rPr lang="vi-VN" b="1" dirty="0" err="1" smtClean="0"/>
+              <a:t>shape</a:t>
+            </a:r>
+            <a:r>
+              <a:rPr lang="vi-VN" dirty="0" smtClean="0"/>
+              <a:t>: để xác định hình dạng của </a:t>
+            </a:r>
+            <a:r>
+              <a:rPr lang="vi-VN" dirty="0" err="1" smtClean="0"/>
+              <a:t>physic</a:t>
+            </a:r>
+            <a:r>
+              <a:rPr lang="vi-VN" dirty="0" smtClean="0"/>
+              <a:t> </a:t>
+            </a:r>
+            <a:r>
+              <a:rPr lang="vi-VN" dirty="0" err="1" smtClean="0"/>
+              <a:t>body</a:t>
+            </a:r>
+            <a:r>
+              <a:rPr lang="vi-VN" dirty="0" smtClean="0"/>
+              <a:t>. Vì </a:t>
+            </a:r>
+            <a:r>
+              <a:rPr lang="vi-VN" dirty="0" err="1" smtClean="0"/>
+              <a:t>physic</a:t>
+            </a:r>
+            <a:r>
+              <a:rPr lang="vi-VN" dirty="0" smtClean="0"/>
+              <a:t> </a:t>
+            </a:r>
+            <a:r>
+              <a:rPr lang="vi-VN" dirty="0" err="1" smtClean="0"/>
+              <a:t>body</a:t>
+            </a:r>
+            <a:r>
+              <a:rPr lang="vi-VN" dirty="0" smtClean="0"/>
+              <a:t> đôi khi không trùng với hình ảnh của chúng.</a:t>
+            </a:r>
+            <a:endParaRPr lang="en-US" b="1" dirty="0"/>
+          </a:p>
+          <a:p>
+            <a:endParaRPr lang="en-US" b="1" dirty="0"/>
+          </a:p>
+        </p:txBody>
+      </p:sp>
+    </p:spTree>
+    <p:extLst>
+      <p:ext uri="{BB962C8B-B14F-4D97-AF65-F5344CB8AC3E}">
+        <p14:creationId xmlns:p14="http://schemas.microsoft.com/office/powerpoint/2010/main" val="2480554207"/>
+      </p:ext>
+    </p:extLst>
+  </p:cSld>
+  <p:clrMapOvr>
+    <a:masterClrMapping/>
+  </p:clrMapOvr>
+  <p:timing>
+    <p:tnLst>
+      <p:par>
+        <p:cTn id="1" dur="indefinite" restart="never" nodeType="tmRoot"/>
+      </p:par>
+    </p:tnLst>
+  </p:timing>
+</p:sld>
+</file>
+
+<file path=ppt/slides/slide42.xml><?xml version="1.0" encoding="utf-8"?>
+<p:sld xmlns:a="http://schemas.openxmlformats.org/drawingml/2006/main" xmlns:r="http://schemas.openxmlformats.org/officeDocument/2006/relationships" xmlns:p="http://schemas.openxmlformats.org/presentationml/2006/main">
+  <p:cSld>
+    <p:spTree>
+      <p:nvGrpSpPr>
+        <p:cNvPr id="1" name=""/>
+        <p:cNvGrpSpPr/>
+        <p:nvPr/>
+      </p:nvGrpSpPr>
+      <p:grpSpPr>
+        <a:xfrm>
+          <a:off x="0" y="0"/>
+          <a:ext cx="0" cy="0"/>
+          <a:chOff x="0" y="0"/>
+          <a:chExt cx="0" cy="0"/>
+        </a:xfrm>
+      </p:grpSpPr>
+      <p:sp>
+        <p:nvSpPr>
+          <p:cNvPr id="2" name="Title 1"/>
+          <p:cNvSpPr>
+            <a:spLocks noGrp="1"/>
+          </p:cNvSpPr>
+          <p:nvPr>
+            <p:ph type="title"/>
+          </p:nvPr>
+        </p:nvSpPr>
+        <p:spPr/>
+        <p:txBody>
+          <a:bodyPr/>
+          <a:lstStyle/>
+          <a:p>
+            <a:r>
+              <a:rPr lang="en-US" b="1" dirty="0"/>
+              <a:t>Body Type</a:t>
+            </a:r>
+            <a:br>
+              <a:rPr lang="en-US" b="1" dirty="0"/>
+            </a:br>
+            <a:endParaRPr lang="en-US" dirty="0"/>
+          </a:p>
+        </p:txBody>
+      </p:sp>
+      <p:sp>
+        <p:nvSpPr>
+          <p:cNvPr id="3" name="Content Placeholder 2"/>
+          <p:cNvSpPr>
+            <a:spLocks noGrp="1"/>
+          </p:cNvSpPr>
+          <p:nvPr>
+            <p:ph idx="1"/>
+          </p:nvPr>
+        </p:nvSpPr>
+        <p:spPr/>
+        <p:txBody>
+          <a:bodyPr/>
+          <a:lstStyle/>
+          <a:p>
+            <a:r>
+              <a:rPr lang="vi-VN" b="1" dirty="0" err="1" smtClean="0"/>
+              <a:t>dynamic</a:t>
+            </a:r>
+            <a:r>
+              <a:rPr lang="vi-VN" dirty="0" smtClean="0"/>
+              <a:t>: động, chịu ảnh hưởng của trọng lực </a:t>
+            </a:r>
+          </a:p>
+          <a:p>
+            <a:r>
+              <a:rPr lang="vi-VN" b="1" dirty="0" err="1" smtClean="0"/>
+              <a:t>staic</a:t>
+            </a:r>
+            <a:r>
+              <a:rPr lang="vi-VN" dirty="0" smtClean="0"/>
+              <a:t>: tĩnh, có khối lượng vô cùng, chỉ va chạm với </a:t>
+            </a:r>
+            <a:r>
+              <a:rPr lang="vi-VN" dirty="0" err="1" smtClean="0"/>
+              <a:t>dynamic</a:t>
+            </a:r>
+            <a:r>
+              <a:rPr lang="vi-VN" dirty="0" smtClean="0"/>
+              <a:t>.</a:t>
+            </a:r>
+          </a:p>
+          <a:p>
+            <a:r>
+              <a:rPr lang="vi-VN" b="1" dirty="0" smtClean="0"/>
+              <a:t>k</a:t>
+            </a:r>
+            <a:r>
+              <a:rPr lang="en-US" b="1" dirty="0" err="1" smtClean="0"/>
+              <a:t>inematic</a:t>
+            </a:r>
+            <a:r>
+              <a:rPr lang="vi-VN" dirty="0" smtClean="0"/>
+              <a:t>: động, không chịu tác động của trọng lực.</a:t>
+            </a:r>
+            <a:endParaRPr lang="en-US" b="1" dirty="0"/>
+          </a:p>
+        </p:txBody>
+      </p:sp>
+      <p:pic>
+        <p:nvPicPr>
+          <p:cNvPr id="4" name="Picture 3"/>
+          <p:cNvPicPr>
+            <a:picLocks noChangeAspect="1"/>
+          </p:cNvPicPr>
+          <p:nvPr/>
+        </p:nvPicPr>
+        <p:blipFill>
+          <a:blip r:embed="rId2"/>
+          <a:stretch>
+            <a:fillRect/>
+          </a:stretch>
+        </p:blipFill>
+        <p:spPr>
+          <a:xfrm>
+            <a:off x="808967" y="3988019"/>
+            <a:ext cx="9425044" cy="1824202"/>
+          </a:xfrm>
+          <a:prstGeom prst="rect">
+            <a:avLst/>
+          </a:prstGeom>
+        </p:spPr>
+      </p:pic>
+    </p:spTree>
+    <p:extLst>
+      <p:ext uri="{BB962C8B-B14F-4D97-AF65-F5344CB8AC3E}">
+        <p14:creationId xmlns:p14="http://schemas.microsoft.com/office/powerpoint/2010/main" val="2437101778"/>
+      </p:ext>
+    </p:extLst>
+  </p:cSld>
+  <p:clrMapOvr>
+    <a:masterClrMapping/>
+  </p:clrMapOvr>
+</p:sld>
+</file>
+
+<file path=ppt/slides/slide43.xml><?xml version="1.0" encoding="utf-8"?>
+<p:sld xmlns:a="http://schemas.openxmlformats.org/drawingml/2006/main" xmlns:r="http://schemas.openxmlformats.org/officeDocument/2006/relationships" xmlns:p="http://schemas.openxmlformats.org/presentationml/2006/main">
+  <p:cSld>
+    <p:spTree>
+      <p:nvGrpSpPr>
+        <p:cNvPr id="1" name=""/>
+        <p:cNvGrpSpPr/>
+        <p:nvPr/>
+      </p:nvGrpSpPr>
+      <p:grpSpPr>
+        <a:xfrm>
+          <a:off x="0" y="0"/>
+          <a:ext cx="0" cy="0"/>
+          <a:chOff x="0" y="0"/>
+          <a:chExt cx="0" cy="0"/>
+        </a:xfrm>
+      </p:grpSpPr>
+      <p:sp>
+        <p:nvSpPr>
+          <p:cNvPr id="2" name="Title 1"/>
+          <p:cNvSpPr>
+            <a:spLocks noGrp="1"/>
+          </p:cNvSpPr>
+          <p:nvPr>
+            <p:ph type="title"/>
+          </p:nvPr>
+        </p:nvSpPr>
+        <p:spPr/>
+        <p:txBody>
+          <a:bodyPr/>
+          <a:lstStyle/>
+          <a:p>
+            <a:r>
+              <a:rPr lang="en-US" b="1" dirty="0"/>
+              <a:t>Multi-Element </a:t>
+            </a:r>
+            <a:r>
+              <a:rPr lang="en-US" b="1" dirty="0" smtClean="0"/>
+              <a:t>Body</a:t>
+            </a:r>
+            <a:r>
+              <a:rPr lang="en-US" b="1" dirty="0"/>
+              <a:t/>
+            </a:r>
+            <a:br>
+              <a:rPr lang="en-US" b="1" dirty="0"/>
+            </a:br>
+            <a:endParaRPr lang="en-US" dirty="0"/>
+          </a:p>
+        </p:txBody>
+      </p:sp>
+      <p:sp>
+        <p:nvSpPr>
+          <p:cNvPr id="3" name="Content Placeholder 2"/>
+          <p:cNvSpPr>
+            <a:spLocks noGrp="1"/>
+          </p:cNvSpPr>
+          <p:nvPr>
+            <p:ph idx="1"/>
+          </p:nvPr>
+        </p:nvSpPr>
+        <p:spPr/>
+        <p:txBody>
+          <a:bodyPr/>
+          <a:lstStyle/>
+          <a:p>
+            <a:r>
+              <a:rPr lang="vi-VN" dirty="0" smtClean="0"/>
+              <a:t>Nhiều đối tượng thì được có những bộ phận có tính vất lý khác nhau. Để làm được điều này ta kết hợp nhiều thành phần lại.</a:t>
+            </a:r>
+          </a:p>
+          <a:p>
+            <a:endParaRPr lang="vi-VN" dirty="0" smtClean="0"/>
+          </a:p>
+          <a:p>
+            <a:endParaRPr lang="en-US" dirty="0"/>
+          </a:p>
+        </p:txBody>
+      </p:sp>
+      <p:pic>
+        <p:nvPicPr>
+          <p:cNvPr id="4" name="Picture 3"/>
+          <p:cNvPicPr>
+            <a:picLocks noChangeAspect="1"/>
+          </p:cNvPicPr>
+          <p:nvPr/>
+        </p:nvPicPr>
+        <p:blipFill>
+          <a:blip r:embed="rId2"/>
+          <a:stretch>
+            <a:fillRect/>
+          </a:stretch>
+        </p:blipFill>
+        <p:spPr>
+          <a:xfrm>
+            <a:off x="1102934" y="3189168"/>
+            <a:ext cx="3872734" cy="1349211"/>
+          </a:xfrm>
+          <a:prstGeom prst="rect">
+            <a:avLst/>
+          </a:prstGeom>
+        </p:spPr>
+      </p:pic>
+      <p:pic>
+        <p:nvPicPr>
+          <p:cNvPr id="5" name="Picture 4"/>
+          <p:cNvPicPr>
+            <a:picLocks noChangeAspect="1"/>
+          </p:cNvPicPr>
+          <p:nvPr/>
+        </p:nvPicPr>
+        <p:blipFill>
+          <a:blip r:embed="rId3"/>
+          <a:stretch>
+            <a:fillRect/>
+          </a:stretch>
+        </p:blipFill>
+        <p:spPr>
+          <a:xfrm>
+            <a:off x="1102934" y="4815466"/>
+            <a:ext cx="7501846" cy="1502983"/>
+          </a:xfrm>
+          <a:prstGeom prst="rect">
+            <a:avLst/>
+          </a:prstGeom>
+        </p:spPr>
+      </p:pic>
+    </p:spTree>
+    <p:extLst>
+      <p:ext uri="{BB962C8B-B14F-4D97-AF65-F5344CB8AC3E}">
+        <p14:creationId xmlns:p14="http://schemas.microsoft.com/office/powerpoint/2010/main" val="3483816059"/>
+      </p:ext>
+    </p:extLst>
+  </p:cSld>
+  <p:clrMapOvr>
+    <a:masterClrMapping/>
+  </p:clrMapOvr>
+</p:sld>
+</file>
+
+<file path=ppt/slides/slide44.xml><?xml version="1.0" encoding="utf-8"?>
+<p:sld xmlns:a="http://schemas.openxmlformats.org/drawingml/2006/main" xmlns:r="http://schemas.openxmlformats.org/officeDocument/2006/relationships" xmlns:p="http://schemas.openxmlformats.org/presentationml/2006/main">
+  <p:cSld>
+    <p:spTree>
+      <p:nvGrpSpPr>
+        <p:cNvPr id="1" name=""/>
+        <p:cNvGrpSpPr/>
+        <p:nvPr/>
+      </p:nvGrpSpPr>
+      <p:grpSpPr>
+        <a:xfrm>
+          <a:off x="0" y="0"/>
+          <a:ext cx="0" cy="0"/>
+          <a:chOff x="0" y="0"/>
+          <a:chExt cx="0" cy="0"/>
+        </a:xfrm>
+      </p:grpSpPr>
+      <p:sp>
+        <p:nvSpPr>
+          <p:cNvPr id="2" name="Title 1"/>
+          <p:cNvSpPr>
+            <a:spLocks noGrp="1"/>
+          </p:cNvSpPr>
+          <p:nvPr>
+            <p:ph type="title"/>
+          </p:nvPr>
+        </p:nvSpPr>
+        <p:spPr/>
+        <p:txBody>
+          <a:bodyPr/>
+          <a:lstStyle/>
+          <a:p>
+            <a:r>
+              <a:rPr lang="en-US" dirty="0" smtClean="0"/>
+              <a:t>Events</a:t>
+            </a:r>
+            <a:endParaRPr lang="en-US" dirty="0"/>
+          </a:p>
+        </p:txBody>
+      </p:sp>
+      <p:sp>
+        <p:nvSpPr>
+          <p:cNvPr id="3" name="Content Placeholder 2"/>
+          <p:cNvSpPr>
+            <a:spLocks noGrp="1"/>
+          </p:cNvSpPr>
+          <p:nvPr>
+            <p:ph idx="1"/>
+          </p:nvPr>
+        </p:nvSpPr>
+        <p:spPr/>
+        <p:txBody>
+          <a:bodyPr/>
+          <a:lstStyle/>
+          <a:p>
+            <a:r>
+              <a:rPr lang="en-US" dirty="0" smtClean="0"/>
+              <a:t>Events/Listeners</a:t>
+            </a:r>
+          </a:p>
+          <a:p>
+            <a:r>
+              <a:rPr lang="en-US" dirty="0"/>
+              <a:t>Removing Event Listeners</a:t>
+            </a:r>
+          </a:p>
+        </p:txBody>
+      </p:sp>
+    </p:spTree>
+    <p:extLst>
+      <p:ext uri="{BB962C8B-B14F-4D97-AF65-F5344CB8AC3E}">
+        <p14:creationId xmlns:p14="http://schemas.microsoft.com/office/powerpoint/2010/main" val="129329504"/>
+      </p:ext>
+    </p:extLst>
+  </p:cSld>
+  <p:clrMapOvr>
+    <a:masterClrMapping/>
+  </p:clrMapOvr>
+</p:sld>
+</file>
+
+<file path=ppt/slides/slide45.xml><?xml version="1.0" encoding="utf-8"?>
+<p:sld xmlns:a="http://schemas.openxmlformats.org/drawingml/2006/main" xmlns:r="http://schemas.openxmlformats.org/officeDocument/2006/relationships" xmlns:p="http://schemas.openxmlformats.org/presentationml/2006/main">
+  <p:cSld>
+    <p:spTree>
+      <p:nvGrpSpPr>
+        <p:cNvPr id="1" name=""/>
+        <p:cNvGrpSpPr/>
+        <p:nvPr/>
+      </p:nvGrpSpPr>
+      <p:grpSpPr>
+        <a:xfrm>
+          <a:off x="0" y="0"/>
+          <a:ext cx="0" cy="0"/>
+          <a:chOff x="0" y="0"/>
+          <a:chExt cx="0" cy="0"/>
+        </a:xfrm>
+      </p:grpSpPr>
+      <p:sp>
+        <p:nvSpPr>
+          <p:cNvPr id="2" name="Title 1"/>
+          <p:cNvSpPr>
+            <a:spLocks noGrp="1"/>
+          </p:cNvSpPr>
+          <p:nvPr>
+            <p:ph type="title"/>
+          </p:nvPr>
+        </p:nvSpPr>
+        <p:spPr/>
+        <p:txBody>
+          <a:bodyPr/>
+          <a:lstStyle/>
+          <a:p>
+            <a:r>
+              <a:rPr lang="en-US" dirty="0"/>
+              <a:t>Events/Listeners</a:t>
+            </a:r>
+          </a:p>
+        </p:txBody>
+      </p:sp>
+      <p:sp>
+        <p:nvSpPr>
+          <p:cNvPr id="3" name="Content Placeholder 2"/>
+          <p:cNvSpPr>
+            <a:spLocks noGrp="1"/>
+          </p:cNvSpPr>
+          <p:nvPr>
+            <p:ph idx="1"/>
+          </p:nvPr>
+        </p:nvSpPr>
+        <p:spPr/>
+        <p:txBody>
+          <a:bodyPr>
+            <a:normAutofit fontScale="92500" lnSpcReduction="10000"/>
+          </a:bodyPr>
+          <a:lstStyle/>
+          <a:p>
+            <a:r>
+              <a:rPr lang="en-US" b="1" dirty="0" smtClean="0"/>
+              <a:t>Event</a:t>
+            </a:r>
+            <a:r>
+              <a:rPr lang="en-US" dirty="0" smtClean="0"/>
+              <a:t> </a:t>
+            </a:r>
+            <a:r>
+              <a:rPr lang="vi-VN" dirty="0" smtClean="0"/>
+              <a:t>là yếu tố cơ bản để người dùng tương tác với ứng dụng </a:t>
+            </a:r>
+            <a:r>
+              <a:rPr lang="en-US" dirty="0" smtClean="0"/>
+              <a:t>Corona</a:t>
+            </a:r>
+            <a:r>
+              <a:rPr lang="vi-VN" dirty="0" smtClean="0"/>
+              <a:t>.</a:t>
+            </a:r>
+          </a:p>
+          <a:p>
+            <a:r>
+              <a:rPr lang="vi-VN" dirty="0" smtClean="0"/>
+              <a:t>Nó sẽ kích hoạt các hàm </a:t>
+            </a:r>
+            <a:r>
+              <a:rPr lang="en-US" b="1" dirty="0" smtClean="0"/>
+              <a:t>Listener</a:t>
+            </a:r>
+            <a:r>
+              <a:rPr lang="vi-VN" dirty="0" smtClean="0"/>
+              <a:t> khi sự kiện đang theo dõi xảy ra.</a:t>
+            </a:r>
+          </a:p>
+          <a:p>
+            <a:r>
+              <a:rPr lang="vi-VN" dirty="0" smtClean="0"/>
+              <a:t>Để thêm sự kiện cần theo dõi. </a:t>
+            </a:r>
+          </a:p>
+          <a:p>
+            <a:r>
+              <a:rPr lang="en-US" dirty="0" smtClean="0"/>
+              <a:t>Runtime</a:t>
+            </a:r>
+            <a:r>
+              <a:rPr lang="vi-VN" dirty="0" smtClean="0"/>
+              <a:t> </a:t>
+            </a:r>
+            <a:r>
+              <a:rPr lang="en-US" dirty="0" smtClean="0"/>
+              <a:t>Events: </a:t>
+            </a:r>
+            <a:r>
+              <a:rPr lang="vi-VN" dirty="0" smtClean="0"/>
+              <a:t>các </a:t>
+            </a:r>
+            <a:r>
+              <a:rPr lang="en-US" dirty="0" smtClean="0"/>
+              <a:t>event </a:t>
+            </a:r>
+            <a:r>
+              <a:rPr lang="vi-VN" dirty="0" smtClean="0"/>
+              <a:t>hệ thống.</a:t>
+            </a:r>
+          </a:p>
+          <a:p>
+            <a:pPr lvl="1"/>
+            <a:r>
+              <a:rPr lang="vi-VN" dirty="0" err="1" smtClean="0"/>
+              <a:t>Resize</a:t>
+            </a:r>
+            <a:endParaRPr lang="vi-VN" dirty="0" smtClean="0"/>
+          </a:p>
+          <a:p>
+            <a:pPr lvl="1"/>
+            <a:r>
+              <a:rPr lang="vi-VN" dirty="0" err="1" smtClean="0"/>
+              <a:t>Orientation</a:t>
+            </a:r>
+            <a:endParaRPr lang="vi-VN" dirty="0" smtClean="0"/>
+          </a:p>
+          <a:p>
+            <a:pPr lvl="1"/>
+            <a:r>
+              <a:rPr lang="vi-VN" dirty="0" smtClean="0"/>
+              <a:t>….</a:t>
+            </a:r>
+          </a:p>
+          <a:p>
+            <a:r>
+              <a:rPr lang="vi-VN" dirty="0" err="1"/>
+              <a:t>Local</a:t>
+            </a:r>
+            <a:r>
+              <a:rPr lang="vi-VN" dirty="0"/>
+              <a:t> </a:t>
+            </a:r>
+            <a:r>
+              <a:rPr lang="vi-VN" dirty="0" err="1" smtClean="0"/>
+              <a:t>Events</a:t>
+            </a:r>
+            <a:endParaRPr lang="vi-VN" dirty="0" smtClean="0"/>
+          </a:p>
+          <a:p>
+            <a:pPr lvl="1"/>
+            <a:r>
+              <a:rPr lang="vi-VN" dirty="0" err="1" smtClean="0"/>
+              <a:t>Tap</a:t>
+            </a:r>
+            <a:r>
+              <a:rPr lang="vi-VN" dirty="0" smtClean="0"/>
+              <a:t>/</a:t>
+            </a:r>
+            <a:r>
+              <a:rPr lang="vi-VN" dirty="0" err="1" smtClean="0"/>
+              <a:t>touch</a:t>
+            </a:r>
+            <a:endParaRPr lang="vi-VN" dirty="0" smtClean="0"/>
+          </a:p>
+          <a:p>
+            <a:pPr lvl="1"/>
+            <a:r>
+              <a:rPr lang="vi-VN" dirty="0" err="1" smtClean="0"/>
+              <a:t>Collision</a:t>
+            </a:r>
+            <a:endParaRPr lang="vi-VN" dirty="0" smtClean="0"/>
+          </a:p>
+          <a:p>
+            <a:pPr lvl="1"/>
+            <a:r>
+              <a:rPr lang="vi-VN" dirty="0" err="1" smtClean="0"/>
+              <a:t>timer</a:t>
+            </a:r>
+            <a:endParaRPr lang="vi-VN" dirty="0" smtClean="0"/>
+          </a:p>
+        </p:txBody>
+      </p:sp>
+      <p:pic>
+        <p:nvPicPr>
+          <p:cNvPr id="4" name="Picture 3"/>
+          <p:cNvPicPr>
+            <a:picLocks noChangeAspect="1"/>
+          </p:cNvPicPr>
+          <p:nvPr/>
+        </p:nvPicPr>
+        <p:blipFill>
+          <a:blip r:embed="rId2"/>
+          <a:stretch>
+            <a:fillRect/>
+          </a:stretch>
+        </p:blipFill>
+        <p:spPr>
+          <a:xfrm>
+            <a:off x="4799030" y="2791451"/>
+            <a:ext cx="3540343" cy="590057"/>
+          </a:xfrm>
+          <a:prstGeom prst="rect">
+            <a:avLst/>
+          </a:prstGeom>
+        </p:spPr>
+      </p:pic>
+    </p:spTree>
+    <p:extLst>
+      <p:ext uri="{BB962C8B-B14F-4D97-AF65-F5344CB8AC3E}">
+        <p14:creationId xmlns:p14="http://schemas.microsoft.com/office/powerpoint/2010/main" val="3982802423"/>
+      </p:ext>
+    </p:extLst>
+  </p:cSld>
+  <p:clrMapOvr>
+    <a:masterClrMapping/>
+  </p:clrMapOvr>
+</p:sld>
+</file>
+
+<file path=ppt/slides/slide46.xml><?xml version="1.0" encoding="utf-8"?>
+<p:sld xmlns:a="http://schemas.openxmlformats.org/drawingml/2006/main" xmlns:r="http://schemas.openxmlformats.org/officeDocument/2006/relationships" xmlns:p="http://schemas.openxmlformats.org/presentationml/2006/main">
+  <p:cSld>
+    <p:spTree>
+      <p:nvGrpSpPr>
+        <p:cNvPr id="1" name=""/>
+        <p:cNvGrpSpPr/>
+        <p:nvPr/>
+      </p:nvGrpSpPr>
+      <p:grpSpPr>
+        <a:xfrm>
+          <a:off x="0" y="0"/>
+          <a:ext cx="0" cy="0"/>
+          <a:chOff x="0" y="0"/>
+          <a:chExt cx="0" cy="0"/>
+        </a:xfrm>
+      </p:grpSpPr>
+      <p:sp>
+        <p:nvSpPr>
+          <p:cNvPr id="2" name="Title 1"/>
+          <p:cNvSpPr>
+            <a:spLocks noGrp="1"/>
+          </p:cNvSpPr>
+          <p:nvPr>
+            <p:ph type="title"/>
+          </p:nvPr>
+        </p:nvSpPr>
+        <p:spPr/>
+        <p:txBody>
+          <a:bodyPr/>
+          <a:lstStyle/>
+          <a:p>
+            <a:r>
+              <a:rPr lang="en-US" b="1" dirty="0"/>
+              <a:t>Removing Event Listeners</a:t>
+            </a:r>
+            <a:br>
+              <a:rPr lang="en-US" b="1" dirty="0"/>
+            </a:br>
+            <a:endParaRPr lang="en-US" dirty="0"/>
+          </a:p>
+        </p:txBody>
+      </p:sp>
+      <p:sp>
+        <p:nvSpPr>
+          <p:cNvPr id="3" name="Content Placeholder 2"/>
+          <p:cNvSpPr>
+            <a:spLocks noGrp="1"/>
+          </p:cNvSpPr>
+          <p:nvPr>
+            <p:ph idx="1"/>
+          </p:nvPr>
+        </p:nvSpPr>
+        <p:spPr/>
+        <p:txBody>
+          <a:bodyPr/>
+          <a:lstStyle/>
+          <a:p>
+            <a:r>
+              <a:rPr lang="vi-VN" dirty="0" smtClean="0"/>
+              <a:t>Hầu hết các </a:t>
+            </a:r>
+            <a:r>
+              <a:rPr lang="en-US" dirty="0" smtClean="0"/>
+              <a:t>listener </a:t>
+            </a:r>
+            <a:r>
+              <a:rPr lang="vi-VN" dirty="0" smtClean="0"/>
+              <a:t>sẽ bị hủy khi đối tượng liên kết nhận </a:t>
+            </a:r>
+            <a:r>
+              <a:rPr lang="en-US" dirty="0" smtClean="0"/>
+              <a:t>event </a:t>
+            </a:r>
+            <a:r>
+              <a:rPr lang="vi-VN" dirty="0" smtClean="0"/>
+              <a:t>xóa.</a:t>
+            </a:r>
+          </a:p>
+          <a:p>
+            <a:r>
+              <a:rPr lang="vi-VN" dirty="0" smtClean="0"/>
+              <a:t>Nếu bạn muốn ngừng nhận sự kiện mà </a:t>
+            </a:r>
+            <a:r>
+              <a:rPr lang="vi-VN" dirty="0" err="1" smtClean="0"/>
+              <a:t>ko</a:t>
+            </a:r>
+            <a:r>
+              <a:rPr lang="vi-VN" dirty="0" smtClean="0"/>
+              <a:t> muốn xóa bỏ đối tượng liên kết.</a:t>
+            </a:r>
+            <a:endParaRPr lang="en-US" dirty="0"/>
+          </a:p>
+        </p:txBody>
+      </p:sp>
+      <p:pic>
+        <p:nvPicPr>
+          <p:cNvPr id="4" name="Picture 3"/>
+          <p:cNvPicPr>
+            <a:picLocks noChangeAspect="1"/>
+          </p:cNvPicPr>
+          <p:nvPr/>
+        </p:nvPicPr>
+        <p:blipFill>
+          <a:blip r:embed="rId2"/>
+          <a:stretch>
+            <a:fillRect/>
+          </a:stretch>
+        </p:blipFill>
+        <p:spPr>
+          <a:xfrm>
+            <a:off x="545747" y="3832070"/>
+            <a:ext cx="9521229" cy="537810"/>
+          </a:xfrm>
+          <a:prstGeom prst="rect">
+            <a:avLst/>
+          </a:prstGeom>
+        </p:spPr>
+      </p:pic>
+    </p:spTree>
+    <p:extLst>
+      <p:ext uri="{BB962C8B-B14F-4D97-AF65-F5344CB8AC3E}">
+        <p14:creationId xmlns:p14="http://schemas.microsoft.com/office/powerpoint/2010/main" val="2690523965"/>
+      </p:ext>
+    </p:extLst>
+  </p:cSld>
+  <p:clrMapOvr>
+    <a:masterClrMapping/>
+  </p:clrMapOvr>
+</p:sld>
+</file>
+
+<file path=ppt/slides/slide5.xml><?xml version="1.0" encoding="utf-8"?>
 <p:sld xmlns:a="http://schemas.openxmlformats.org/drawingml/2006/main" xmlns:r="http://schemas.openxmlformats.org/officeDocument/2006/relationships" xmlns:p="http://schemas.openxmlformats.org/presentationml/2006/main">
   <p:cSld>
     <p:spTree>
@@ -17306,450 +18531,7 @@
 </p:sld>
 </file>
 
-<file path=ppt/slides/slide40.xml><?xml version="1.0" encoding="utf-8"?>
-<p:sld xmlns:a="http://schemas.openxmlformats.org/drawingml/2006/main" xmlns:r="http://schemas.openxmlformats.org/officeDocument/2006/relationships" xmlns:p="http://schemas.openxmlformats.org/presentationml/2006/main">
-  <p:cSld>
-    <p:spTree>
-      <p:nvGrpSpPr>
-        <p:cNvPr id="1" name=""/>
-        <p:cNvGrpSpPr/>
-        <p:nvPr/>
-      </p:nvGrpSpPr>
-      <p:grpSpPr>
-        <a:xfrm>
-          <a:off x="0" y="0"/>
-          <a:ext cx="0" cy="0"/>
-          <a:chOff x="0" y="0"/>
-          <a:chExt cx="0" cy="0"/>
-        </a:xfrm>
-      </p:grpSpPr>
-      <p:sp>
-        <p:nvSpPr>
-          <p:cNvPr id="2" name="Title 1"/>
-          <p:cNvSpPr>
-            <a:spLocks noGrp="1"/>
-          </p:cNvSpPr>
-          <p:nvPr>
-            <p:ph type="title"/>
-          </p:nvPr>
-        </p:nvSpPr>
-        <p:spPr/>
-        <p:txBody>
-          <a:bodyPr/>
-          <a:lstStyle/>
-          <a:p>
-            <a:r>
-              <a:rPr lang="en-US" dirty="0" smtClean="0"/>
-              <a:t>Physical property</a:t>
-            </a:r>
-            <a:endParaRPr lang="en-US" dirty="0"/>
-          </a:p>
-        </p:txBody>
-      </p:sp>
-      <p:sp>
-        <p:nvSpPr>
-          <p:cNvPr id="3" name="Content Placeholder 2"/>
-          <p:cNvSpPr>
-            <a:spLocks noGrp="1"/>
-          </p:cNvSpPr>
-          <p:nvPr>
-            <p:ph idx="1"/>
-          </p:nvPr>
-        </p:nvSpPr>
-        <p:spPr/>
-        <p:txBody>
-          <a:bodyPr/>
-          <a:lstStyle/>
-          <a:p>
-            <a:r>
-              <a:rPr lang="vi-VN" b="1" dirty="0" err="1" smtClean="0"/>
-              <a:t>density</a:t>
-            </a:r>
-            <a:r>
-              <a:rPr lang="vi-VN" dirty="0" smtClean="0"/>
-              <a:t>: tỉ trọng với môi tường.</a:t>
-            </a:r>
-          </a:p>
-          <a:p>
-            <a:r>
-              <a:rPr lang="vi-VN" b="1" dirty="0" smtClean="0"/>
-              <a:t>f</a:t>
-            </a:r>
-            <a:r>
-              <a:rPr lang="en-US" b="1" dirty="0" err="1" smtClean="0"/>
-              <a:t>riction</a:t>
-            </a:r>
-            <a:r>
-              <a:rPr lang="vi-VN" b="1" dirty="0" smtClean="0"/>
-              <a:t>:</a:t>
-            </a:r>
-            <a:r>
-              <a:rPr lang="vi-VN" dirty="0" smtClean="0"/>
-              <a:t> ma sát.</a:t>
-            </a:r>
-          </a:p>
-          <a:p>
-            <a:r>
-              <a:rPr lang="vi-VN" b="1" dirty="0" err="1" smtClean="0"/>
-              <a:t>bounce</a:t>
-            </a:r>
-            <a:r>
-              <a:rPr lang="vi-VN" b="1" dirty="0" smtClean="0"/>
-              <a:t>:</a:t>
-            </a:r>
-            <a:r>
-              <a:rPr lang="vi-VN" dirty="0" smtClean="0"/>
-              <a:t> độ nãy.</a:t>
-            </a:r>
-          </a:p>
-          <a:p>
-            <a:r>
-              <a:rPr lang="vi-VN" b="1" dirty="0" err="1" smtClean="0"/>
-              <a:t>shape</a:t>
-            </a:r>
-            <a:r>
-              <a:rPr lang="vi-VN" dirty="0" smtClean="0"/>
-              <a:t>: để xác định hình dạng của </a:t>
-            </a:r>
-            <a:r>
-              <a:rPr lang="vi-VN" dirty="0" err="1" smtClean="0"/>
-              <a:t>physic</a:t>
-            </a:r>
-            <a:r>
-              <a:rPr lang="vi-VN" dirty="0" smtClean="0"/>
-              <a:t> </a:t>
-            </a:r>
-            <a:r>
-              <a:rPr lang="vi-VN" dirty="0" err="1" smtClean="0"/>
-              <a:t>body</a:t>
-            </a:r>
-            <a:r>
-              <a:rPr lang="vi-VN" dirty="0" smtClean="0"/>
-              <a:t>. Vì </a:t>
-            </a:r>
-            <a:r>
-              <a:rPr lang="vi-VN" dirty="0" err="1" smtClean="0"/>
-              <a:t>physic</a:t>
-            </a:r>
-            <a:r>
-              <a:rPr lang="vi-VN" dirty="0" smtClean="0"/>
-              <a:t> </a:t>
-            </a:r>
-            <a:r>
-              <a:rPr lang="vi-VN" dirty="0" err="1" smtClean="0"/>
-              <a:t>body</a:t>
-            </a:r>
-            <a:r>
-              <a:rPr lang="vi-VN" dirty="0" smtClean="0"/>
-              <a:t> đôi khi không trùng với hình ảnh của chúng.</a:t>
-            </a:r>
-            <a:endParaRPr lang="en-US" b="1" dirty="0"/>
-          </a:p>
-          <a:p>
-            <a:endParaRPr lang="en-US" b="1" dirty="0"/>
-          </a:p>
-        </p:txBody>
-      </p:sp>
-    </p:spTree>
-    <p:extLst>
-      <p:ext uri="{BB962C8B-B14F-4D97-AF65-F5344CB8AC3E}">
-        <p14:creationId xmlns:p14="http://schemas.microsoft.com/office/powerpoint/2010/main" val="2480554207"/>
-      </p:ext>
-    </p:extLst>
-  </p:cSld>
-  <p:clrMapOvr>
-    <a:masterClrMapping/>
-  </p:clrMapOvr>
-  <p:timing>
-    <p:tnLst>
-      <p:par>
-        <p:cTn id="1" dur="indefinite" restart="never" nodeType="tmRoot"/>
-      </p:par>
-    </p:tnLst>
-  </p:timing>
-</p:sld>
-</file>
-
-<file path=ppt/slides/slide41.xml><?xml version="1.0" encoding="utf-8"?>
-<p:sld xmlns:a="http://schemas.openxmlformats.org/drawingml/2006/main" xmlns:r="http://schemas.openxmlformats.org/officeDocument/2006/relationships" xmlns:p="http://schemas.openxmlformats.org/presentationml/2006/main">
-  <p:cSld>
-    <p:spTree>
-      <p:nvGrpSpPr>
-        <p:cNvPr id="1" name=""/>
-        <p:cNvGrpSpPr/>
-        <p:nvPr/>
-      </p:nvGrpSpPr>
-      <p:grpSpPr>
-        <a:xfrm>
-          <a:off x="0" y="0"/>
-          <a:ext cx="0" cy="0"/>
-          <a:chOff x="0" y="0"/>
-          <a:chExt cx="0" cy="0"/>
-        </a:xfrm>
-      </p:grpSpPr>
-      <p:sp>
-        <p:nvSpPr>
-          <p:cNvPr id="2" name="Title 1"/>
-          <p:cNvSpPr>
-            <a:spLocks noGrp="1"/>
-          </p:cNvSpPr>
-          <p:nvPr>
-            <p:ph type="title"/>
-          </p:nvPr>
-        </p:nvSpPr>
-        <p:spPr/>
-        <p:txBody>
-          <a:bodyPr/>
-          <a:lstStyle/>
-          <a:p>
-            <a:r>
-              <a:rPr lang="en-US" b="1" dirty="0"/>
-              <a:t>Body Type</a:t>
-            </a:r>
-            <a:br>
-              <a:rPr lang="en-US" b="1" dirty="0"/>
-            </a:br>
-            <a:endParaRPr lang="en-US" dirty="0"/>
-          </a:p>
-        </p:txBody>
-      </p:sp>
-      <p:sp>
-        <p:nvSpPr>
-          <p:cNvPr id="3" name="Content Placeholder 2"/>
-          <p:cNvSpPr>
-            <a:spLocks noGrp="1"/>
-          </p:cNvSpPr>
-          <p:nvPr>
-            <p:ph idx="1"/>
-          </p:nvPr>
-        </p:nvSpPr>
-        <p:spPr/>
-        <p:txBody>
-          <a:bodyPr/>
-          <a:lstStyle/>
-          <a:p>
-            <a:r>
-              <a:rPr lang="vi-VN" b="1" dirty="0" err="1" smtClean="0"/>
-              <a:t>dynamic</a:t>
-            </a:r>
-            <a:r>
-              <a:rPr lang="vi-VN" dirty="0" smtClean="0"/>
-              <a:t>: động, chịu ảnh hưởng của trọng lực </a:t>
-            </a:r>
-          </a:p>
-          <a:p>
-            <a:r>
-              <a:rPr lang="vi-VN" b="1" dirty="0" err="1" smtClean="0"/>
-              <a:t>staic</a:t>
-            </a:r>
-            <a:r>
-              <a:rPr lang="vi-VN" dirty="0" smtClean="0"/>
-              <a:t>: tĩnh, có khối lượng vô cùng, chỉ va chạm với </a:t>
-            </a:r>
-            <a:r>
-              <a:rPr lang="vi-VN" dirty="0" err="1" smtClean="0"/>
-              <a:t>dynamic</a:t>
-            </a:r>
-            <a:r>
-              <a:rPr lang="vi-VN" dirty="0" smtClean="0"/>
-              <a:t>.</a:t>
-            </a:r>
-          </a:p>
-          <a:p>
-            <a:r>
-              <a:rPr lang="vi-VN" b="1" dirty="0" smtClean="0"/>
-              <a:t>k</a:t>
-            </a:r>
-            <a:r>
-              <a:rPr lang="en-US" b="1" dirty="0" err="1" smtClean="0"/>
-              <a:t>inematic</a:t>
-            </a:r>
-            <a:r>
-              <a:rPr lang="vi-VN" dirty="0" smtClean="0"/>
-              <a:t>: động, không chịu tác động của trọng lực.</a:t>
-            </a:r>
-            <a:endParaRPr lang="en-US" b="1" dirty="0"/>
-          </a:p>
-        </p:txBody>
-      </p:sp>
-      <p:pic>
-        <p:nvPicPr>
-          <p:cNvPr id="4" name="Picture 3"/>
-          <p:cNvPicPr>
-            <a:picLocks noChangeAspect="1"/>
-          </p:cNvPicPr>
-          <p:nvPr/>
-        </p:nvPicPr>
-        <p:blipFill>
-          <a:blip r:embed="rId2"/>
-          <a:stretch>
-            <a:fillRect/>
-          </a:stretch>
-        </p:blipFill>
-        <p:spPr>
-          <a:xfrm>
-            <a:off x="808967" y="3988019"/>
-            <a:ext cx="9425044" cy="1824202"/>
-          </a:xfrm>
-          <a:prstGeom prst="rect">
-            <a:avLst/>
-          </a:prstGeom>
-        </p:spPr>
-      </p:pic>
-    </p:spTree>
-    <p:extLst>
-      <p:ext uri="{BB962C8B-B14F-4D97-AF65-F5344CB8AC3E}">
-        <p14:creationId xmlns:p14="http://schemas.microsoft.com/office/powerpoint/2010/main" val="2437101778"/>
-      </p:ext>
-    </p:extLst>
-  </p:cSld>
-  <p:clrMapOvr>
-    <a:masterClrMapping/>
-  </p:clrMapOvr>
-</p:sld>
-</file>
-
-<file path=ppt/slides/slide42.xml><?xml version="1.0" encoding="utf-8"?>
-<p:sld xmlns:a="http://schemas.openxmlformats.org/drawingml/2006/main" xmlns:r="http://schemas.openxmlformats.org/officeDocument/2006/relationships" xmlns:p="http://schemas.openxmlformats.org/presentationml/2006/main">
-  <p:cSld>
-    <p:spTree>
-      <p:nvGrpSpPr>
-        <p:cNvPr id="1" name=""/>
-        <p:cNvGrpSpPr/>
-        <p:nvPr/>
-      </p:nvGrpSpPr>
-      <p:grpSpPr>
-        <a:xfrm>
-          <a:off x="0" y="0"/>
-          <a:ext cx="0" cy="0"/>
-          <a:chOff x="0" y="0"/>
-          <a:chExt cx="0" cy="0"/>
-        </a:xfrm>
-      </p:grpSpPr>
-      <p:sp>
-        <p:nvSpPr>
-          <p:cNvPr id="2" name="Title 1"/>
-          <p:cNvSpPr>
-            <a:spLocks noGrp="1"/>
-          </p:cNvSpPr>
-          <p:nvPr>
-            <p:ph type="title"/>
-          </p:nvPr>
-        </p:nvSpPr>
-        <p:spPr/>
-        <p:txBody>
-          <a:bodyPr/>
-          <a:lstStyle/>
-          <a:p>
-            <a:r>
-              <a:rPr lang="en-US" b="1" dirty="0"/>
-              <a:t>Multi-Element </a:t>
-            </a:r>
-            <a:r>
-              <a:rPr lang="en-US" b="1" dirty="0" smtClean="0"/>
-              <a:t>Body</a:t>
-            </a:r>
-            <a:r>
-              <a:rPr lang="en-US" b="1" dirty="0"/>
-              <a:t/>
-            </a:r>
-            <a:br>
-              <a:rPr lang="en-US" b="1" dirty="0"/>
-            </a:br>
-            <a:endParaRPr lang="en-US" dirty="0"/>
-          </a:p>
-        </p:txBody>
-      </p:sp>
-      <p:sp>
-        <p:nvSpPr>
-          <p:cNvPr id="3" name="Content Placeholder 2"/>
-          <p:cNvSpPr>
-            <a:spLocks noGrp="1"/>
-          </p:cNvSpPr>
-          <p:nvPr>
-            <p:ph idx="1"/>
-          </p:nvPr>
-        </p:nvSpPr>
-        <p:spPr/>
-        <p:txBody>
-          <a:bodyPr/>
-          <a:lstStyle/>
-          <a:p>
-            <a:r>
-              <a:rPr lang="vi-VN" dirty="0" smtClean="0"/>
-              <a:t>Nhiều đối tượng thì được có những bộ phận có tính vất lý khác nhau. Để làm được điều này ta kết hợp nhiều thành phần lại.</a:t>
-            </a:r>
-          </a:p>
-          <a:p>
-            <a:endParaRPr lang="vi-VN" dirty="0" smtClean="0"/>
-          </a:p>
-          <a:p>
-            <a:endParaRPr lang="en-US" dirty="0"/>
-          </a:p>
-        </p:txBody>
-      </p:sp>
-      <p:pic>
-        <p:nvPicPr>
-          <p:cNvPr id="4" name="Picture 3"/>
-          <p:cNvPicPr>
-            <a:picLocks noChangeAspect="1"/>
-          </p:cNvPicPr>
-          <p:nvPr/>
-        </p:nvPicPr>
-        <p:blipFill>
-          <a:blip r:embed="rId2"/>
-          <a:stretch>
-            <a:fillRect/>
-          </a:stretch>
-        </p:blipFill>
-        <p:spPr>
-          <a:xfrm>
-            <a:off x="1102934" y="3189168"/>
-            <a:ext cx="3872734" cy="1349211"/>
-          </a:xfrm>
-          <a:prstGeom prst="rect">
-            <a:avLst/>
-          </a:prstGeom>
-        </p:spPr>
-      </p:pic>
-      <p:pic>
-        <p:nvPicPr>
-          <p:cNvPr id="5" name="Picture 4"/>
-          <p:cNvPicPr>
-            <a:picLocks noChangeAspect="1"/>
-          </p:cNvPicPr>
-          <p:nvPr/>
-        </p:nvPicPr>
-        <p:blipFill>
-          <a:blip r:embed="rId3"/>
-          <a:stretch>
-            <a:fillRect/>
-          </a:stretch>
-        </p:blipFill>
-        <p:spPr>
-          <a:xfrm>
-            <a:off x="1102934" y="4815466"/>
-            <a:ext cx="7501846" cy="1502983"/>
-          </a:xfrm>
-          <a:prstGeom prst="rect">
-            <a:avLst/>
-          </a:prstGeom>
-        </p:spPr>
-      </p:pic>
-    </p:spTree>
-    <p:extLst>
-      <p:ext uri="{BB962C8B-B14F-4D97-AF65-F5344CB8AC3E}">
-        <p14:creationId xmlns:p14="http://schemas.microsoft.com/office/powerpoint/2010/main" val="3483816059"/>
-      </p:ext>
-    </p:extLst>
-  </p:cSld>
-  <p:clrMapOvr>
-    <a:masterClrMapping/>
-  </p:clrMapOvr>
-</p:sld>
-</file>
-
-<file path=ppt/slides/slide5.xml><?xml version="1.0" encoding="utf-8"?>
+<file path=ppt/slides/slide6.xml><?xml version="1.0" encoding="utf-8"?>
 <p:sld xmlns:a="http://schemas.openxmlformats.org/drawingml/2006/main" xmlns:r="http://schemas.openxmlformats.org/officeDocument/2006/relationships" xmlns:p="http://schemas.openxmlformats.org/presentationml/2006/main">
   <p:cSld>
     <p:spTree>
@@ -17908,7 +18690,7 @@
 </p:sld>
 </file>
 
-<file path=ppt/slides/slide6.xml><?xml version="1.0" encoding="utf-8"?>
+<file path=ppt/slides/slide7.xml><?xml version="1.0" encoding="utf-8"?>
 <p:sld xmlns:a="http://schemas.openxmlformats.org/drawingml/2006/main" xmlns:r="http://schemas.openxmlformats.org/officeDocument/2006/relationships" xmlns:p="http://schemas.openxmlformats.org/presentationml/2006/main">
   <p:cSld>
     <p:spTree>
@@ -18001,152 +18783,6 @@
     <p:extLst>
       <p:ext uri="{BB962C8B-B14F-4D97-AF65-F5344CB8AC3E}">
         <p14:creationId xmlns:p14="http://schemas.microsoft.com/office/powerpoint/2010/main" val="3384200641"/>
-      </p:ext>
-    </p:extLst>
-  </p:cSld>
-  <p:clrMapOvr>
-    <a:masterClrMapping/>
-  </p:clrMapOvr>
-  <p:timing>
-    <p:tnLst>
-      <p:par>
-        <p:cTn id="1" dur="indefinite" restart="never" nodeType="tmRoot"/>
-      </p:par>
-    </p:tnLst>
-  </p:timing>
-</p:sld>
-</file>
-
-<file path=ppt/slides/slide7.xml><?xml version="1.0" encoding="utf-8"?>
-<p:sld xmlns:a="http://schemas.openxmlformats.org/drawingml/2006/main" xmlns:r="http://schemas.openxmlformats.org/officeDocument/2006/relationships" xmlns:p="http://schemas.openxmlformats.org/presentationml/2006/main">
-  <p:cSld>
-    <p:spTree>
-      <p:nvGrpSpPr>
-        <p:cNvPr id="1" name=""/>
-        <p:cNvGrpSpPr/>
-        <p:nvPr/>
-      </p:nvGrpSpPr>
-      <p:grpSpPr>
-        <a:xfrm>
-          <a:off x="0" y="0"/>
-          <a:ext cx="0" cy="0"/>
-          <a:chOff x="0" y="0"/>
-          <a:chExt cx="0" cy="0"/>
-        </a:xfrm>
-      </p:grpSpPr>
-      <p:sp>
-        <p:nvSpPr>
-          <p:cNvPr id="2" name="Title 1"/>
-          <p:cNvSpPr>
-            <a:spLocks noGrp="1"/>
-          </p:cNvSpPr>
-          <p:nvPr>
-            <p:ph type="title"/>
-          </p:nvPr>
-        </p:nvSpPr>
-        <p:spPr/>
-        <p:txBody>
-          <a:bodyPr/>
-          <a:lstStyle/>
-          <a:p>
-            <a:r>
-              <a:rPr lang="vi-VN" dirty="0" err="1" smtClean="0"/>
-              <a:t>Corona</a:t>
-            </a:r>
-            <a:r>
-              <a:rPr lang="vi-VN" dirty="0" smtClean="0"/>
-              <a:t> </a:t>
-            </a:r>
-            <a:r>
-              <a:rPr lang="vi-VN" dirty="0" err="1" smtClean="0"/>
-              <a:t>Sdk</a:t>
-            </a:r>
-            <a:r>
-              <a:rPr lang="vi-VN" dirty="0" smtClean="0"/>
-              <a:t>.</a:t>
-            </a:r>
-            <a:endParaRPr lang="en-US" dirty="0"/>
-          </a:p>
-        </p:txBody>
-      </p:sp>
-      <p:sp>
-        <p:nvSpPr>
-          <p:cNvPr id="3" name="Content Placeholder 2"/>
-          <p:cNvSpPr>
-            <a:spLocks noGrp="1"/>
-          </p:cNvSpPr>
-          <p:nvPr>
-            <p:ph idx="1"/>
-          </p:nvPr>
-        </p:nvSpPr>
-        <p:spPr>
-          <a:xfrm>
-            <a:off x="677334" y="1930400"/>
-            <a:ext cx="8596668" cy="3880773"/>
-          </a:xfrm>
-        </p:spPr>
-        <p:txBody>
-          <a:bodyPr/>
-          <a:lstStyle/>
-          <a:p>
-            <a:r>
-              <a:rPr lang="vi-VN" dirty="0" smtClean="0"/>
-              <a:t>Cài đặt </a:t>
-            </a:r>
-            <a:r>
-              <a:rPr lang="vi-VN" dirty="0" err="1" smtClean="0"/>
-              <a:t>Corona</a:t>
-            </a:r>
-            <a:r>
-              <a:rPr lang="vi-VN" dirty="0" smtClean="0"/>
-              <a:t> </a:t>
-            </a:r>
-            <a:r>
-              <a:rPr lang="vi-VN" dirty="0" err="1" smtClean="0"/>
-              <a:t>Sdk</a:t>
-            </a:r>
-            <a:r>
-              <a:rPr lang="vi-VN" dirty="0" smtClean="0"/>
-              <a:t>.</a:t>
-            </a:r>
-          </a:p>
-          <a:p>
-            <a:r>
-              <a:rPr lang="vi-VN" dirty="0" smtClean="0"/>
-              <a:t>Đăng nhập để sử dụng.</a:t>
-            </a:r>
-            <a:endParaRPr lang="en-US" dirty="0"/>
-          </a:p>
-        </p:txBody>
-      </p:sp>
-      <p:pic>
-        <p:nvPicPr>
-          <p:cNvPr id="5" name="Content Placeholder 3"/>
-          <p:cNvPicPr>
-            <a:picLocks noChangeAspect="1"/>
-          </p:cNvPicPr>
-          <p:nvPr/>
-        </p:nvPicPr>
-        <p:blipFill>
-          <a:blip r:embed="rId2"/>
-          <a:stretch>
-            <a:fillRect/>
-          </a:stretch>
-        </p:blipFill>
-        <p:spPr>
-          <a:xfrm>
-            <a:off x="2016969" y="3083415"/>
-            <a:ext cx="5917397" cy="3336320"/>
-          </a:xfrm>
-          <a:prstGeom prst="rect">
-            <a:avLst/>
-          </a:prstGeom>
-        </p:spPr>
-      </p:pic>
-    </p:spTree>
-    <p:extLst>
-      <p:ext uri="{BB962C8B-B14F-4D97-AF65-F5344CB8AC3E}">
-        <p14:creationId xmlns:p14="http://schemas.microsoft.com/office/powerpoint/2010/main" val="310984468"/>
       </p:ext>
     </p:extLst>
   </p:cSld>
@@ -18196,8 +18832,20 @@
           <a:lstStyle/>
           <a:p>
             <a:r>
+              <a:rPr lang="vi-VN" dirty="0" err="1" smtClean="0"/>
+              <a:t>Corona</a:t>
+            </a:r>
+            <a:r>
               <a:rPr lang="vi-VN" dirty="0" smtClean="0"/>
-              <a:t>Môi trường soạn thảo.</a:t>
+              <a:t> </a:t>
+            </a:r>
+            <a:r>
+              <a:rPr lang="vi-VN" dirty="0" err="1" smtClean="0"/>
+              <a:t>Sdk</a:t>
+            </a:r>
+            <a:r>
+              <a:rPr lang="vi-VN" dirty="0" smtClean="0"/>
+              <a:t>.</a:t>
             </a:r>
             <a:endParaRPr lang="en-US" dirty="0"/>
           </a:p>
@@ -18213,24 +18861,49 @@
             <p:ph idx="1"/>
           </p:nvPr>
         </p:nvSpPr>
-        <p:spPr/>
+        <p:spPr>
+          <a:xfrm>
+            <a:off x="677334" y="1930400"/>
+            <a:ext cx="8596668" cy="3880773"/>
+          </a:xfrm>
+        </p:spPr>
         <p:txBody>
           <a:bodyPr/>
           <a:lstStyle/>
           <a:p>
-            <a:pPr marL="0" indent="0">
-              <a:buNone/>
-            </a:pPr>
-            <a:endParaRPr lang="vi-VN" dirty="0" smtClean="0"/>
-          </a:p>
-          <a:p>
+            <a:r>
+              <a:rPr lang="vi-VN" dirty="0" smtClean="0"/>
+              <a:t>Cài đặt </a:t>
+            </a:r>
+            <a:r>
+              <a:rPr lang="vi-VN" dirty="0" err="1" smtClean="0"/>
+              <a:t>Corona</a:t>
+            </a:r>
+            <a:r>
+              <a:rPr lang="vi-VN" dirty="0" smtClean="0"/>
+              <a:t> </a:t>
+            </a:r>
+            <a:r>
+              <a:rPr lang="vi-VN" dirty="0" err="1" smtClean="0"/>
+              <a:t>Sdk</a:t>
+            </a:r>
+            <a:r>
+              <a:rPr lang="vi-VN" dirty="0" smtClean="0"/>
+              <a:t>.</a:t>
+            </a:r>
+          </a:p>
+          <a:p>
+            <a:r>
+              <a:rPr lang="vi-VN" dirty="0" smtClean="0"/>
+              <a:t>Đăng nhập để sử dụng.</a:t>
+            </a:r>
             <a:endParaRPr lang="en-US" dirty="0"/>
           </a:p>
         </p:txBody>
       </p:sp>
       <p:pic>
         <p:nvPicPr>
-          <p:cNvPr id="4" name="Picture 3"/>
+          <p:cNvPr id="5" name="Content Placeholder 3"/>
           <p:cNvPicPr>
             <a:picLocks noChangeAspect="1"/>
           </p:cNvPicPr>
@@ -18244,8 +18917,8 @@
         </p:blipFill>
         <p:spPr>
           <a:xfrm>
-            <a:off x="2051827" y="2282879"/>
-            <a:ext cx="5847682" cy="2604430"/>
+            <a:off x="2016969" y="3083415"/>
+            <a:ext cx="5917397" cy="3336320"/>
           </a:xfrm>
           <a:prstGeom prst="rect">
             <a:avLst/>
@@ -18255,7 +18928,7 @@
     </p:spTree>
     <p:extLst>
       <p:ext uri="{BB962C8B-B14F-4D97-AF65-F5344CB8AC3E}">
-        <p14:creationId xmlns:p14="http://schemas.microsoft.com/office/powerpoint/2010/main" val="1651387354"/>
+        <p14:creationId xmlns:p14="http://schemas.microsoft.com/office/powerpoint/2010/main" val="310984468"/>
       </p:ext>
     </p:extLst>
   </p:cSld>
@@ -18306,19 +18979,8 @@
           <a:p>
             <a:r>
               <a:rPr lang="vi-VN" dirty="0" smtClean="0"/>
-              <a:t>Cấu hình Project </a:t>
-            </a:r>
-            <a:r>
-              <a:rPr lang="vi-VN" dirty="0" err="1" smtClean="0"/>
-              <a:t>Corona</a:t>
-            </a:r>
-            <a:r>
-              <a:rPr lang="vi-VN" dirty="0" smtClean="0"/>
-              <a:t>.</a:t>
-            </a:r>
-            <a:br>
-              <a:rPr lang="vi-VN" dirty="0" smtClean="0"/>
-            </a:br>
+              <a:t>Môi trường soạn thảo.</a:t>
+            </a:r>
             <a:endParaRPr lang="en-US" dirty="0"/>
           </a:p>
         </p:txBody>
@@ -18338,48 +19000,44 @@
           <a:bodyPr/>
           <a:lstStyle/>
           <a:p>
-            <a:r>
-              <a:rPr lang="vi-VN" dirty="0"/>
-              <a:t>Cấu trúc </a:t>
-            </a:r>
-            <a:r>
-              <a:rPr lang="vi-VN" dirty="0" err="1"/>
-              <a:t>file</a:t>
-            </a:r>
-            <a:r>
-              <a:rPr lang="vi-VN" dirty="0"/>
-              <a:t> cấu hình.</a:t>
-            </a:r>
-          </a:p>
-          <a:p>
-            <a:r>
-              <a:rPr lang="vi-VN" dirty="0"/>
-              <a:t>Kéo dãn nội dung.</a:t>
-            </a:r>
-          </a:p>
-          <a:p>
-            <a:r>
-              <a:rPr lang="vi-VN" dirty="0"/>
-              <a:t>Lựa chọn nội dung.</a:t>
-            </a:r>
-          </a:p>
-          <a:p>
-            <a:r>
-              <a:rPr lang="vi-VN" dirty="0"/>
-              <a:t>Tốc độ khung hình</a:t>
-            </a:r>
-            <a:r>
-              <a:rPr lang="vi-VN" dirty="0" smtClean="0"/>
-              <a:t>.</a:t>
-            </a:r>
+            <a:pPr marL="0" indent="0">
+              <a:buNone/>
+            </a:pPr>
+            <a:endParaRPr lang="vi-VN" dirty="0" smtClean="0"/>
+          </a:p>
+          <a:p>
             <a:endParaRPr lang="en-US" dirty="0"/>
           </a:p>
         </p:txBody>
       </p:sp>
+      <p:pic>
+        <p:nvPicPr>
+          <p:cNvPr id="4" name="Picture 3"/>
+          <p:cNvPicPr>
+            <a:picLocks noChangeAspect="1"/>
+          </p:cNvPicPr>
+          <p:nvPr/>
+        </p:nvPicPr>
+        <p:blipFill>
+          <a:blip r:embed="rId2"/>
+          <a:stretch>
+            <a:fillRect/>
+          </a:stretch>
+        </p:blipFill>
+        <p:spPr>
+          <a:xfrm>
+            <a:off x="2051827" y="2282879"/>
+            <a:ext cx="5847682" cy="2604430"/>
+          </a:xfrm>
+          <a:prstGeom prst="rect">
+            <a:avLst/>
+          </a:prstGeom>
+        </p:spPr>
+      </p:pic>
     </p:spTree>
     <p:extLst>
       <p:ext uri="{BB962C8B-B14F-4D97-AF65-F5344CB8AC3E}">
-        <p14:creationId xmlns:p14="http://schemas.microsoft.com/office/powerpoint/2010/main" val="4198865290"/>
+        <p14:creationId xmlns:p14="http://schemas.microsoft.com/office/powerpoint/2010/main" val="1651387354"/>
       </p:ext>
     </p:extLst>
   </p:cSld>
